--- a/Prez/NULL/Nothing.pptx
+++ b/Prez/NULL/Nothing.pptx
@@ -3082,7 +3082,7 @@
                 <a:latin typeface="Consolas" panose="020B0609020204030204" pitchFamily="49" charset="0"/>
                 <a:cs typeface="Consolas" panose="020B0609020204030204" pitchFamily="49" charset="0"/>
               </a:rPr>
-              <a:t>print</a:t>
+              <a:t>printf</a:t>
             </a:r>
             <a:r>
               <a:rPr lang="pl-PL" sz="4400" dirty="0">
@@ -12345,6 +12345,58 @@
       </p:grpSpPr>
       <p:sp>
         <p:nvSpPr>
+          <p:cNvPr id="3" name="Prostokąt 2">
+            <a:extLst>
+              <a:ext uri="{FF2B5EF4-FFF2-40B4-BE49-F238E27FC236}">
+                <a16:creationId xmlns:a16="http://schemas.microsoft.com/office/drawing/2014/main" id="{889D5B25-9098-4337-95E6-2EDF7BA9DE75}"/>
+              </a:ext>
+            </a:extLst>
+          </p:cNvPr>
+          <p:cNvSpPr/>
+          <p:nvPr/>
+        </p:nvSpPr>
+        <p:spPr>
+          <a:xfrm>
+            <a:off x="2583402" y="3506680"/>
+            <a:ext cx="6001305" cy="559293"/>
+          </a:xfrm>
+          <a:prstGeom prst="rect">
+            <a:avLst/>
+          </a:prstGeom>
+          <a:solidFill>
+            <a:srgbClr val="FFFF00"/>
+          </a:solidFill>
+          <a:ln>
+            <a:noFill/>
+          </a:ln>
+        </p:spPr>
+        <p:style>
+          <a:lnRef idx="2">
+            <a:schemeClr val="accent1">
+              <a:shade val="50000"/>
+            </a:schemeClr>
+          </a:lnRef>
+          <a:fillRef idx="1">
+            <a:schemeClr val="accent1"/>
+          </a:fillRef>
+          <a:effectRef idx="0">
+            <a:schemeClr val="accent1"/>
+          </a:effectRef>
+          <a:fontRef idx="minor">
+            <a:schemeClr val="lt1"/>
+          </a:fontRef>
+        </p:style>
+        <p:txBody>
+          <a:bodyPr rtlCol="0" anchor="ctr"/>
+          <a:lstStyle/>
+          <a:p>
+            <a:pPr algn="ctr"/>
+            <a:endParaRPr lang="pl-PL"/>
+          </a:p>
+        </p:txBody>
+      </p:sp>
+      <p:sp>
+        <p:nvSpPr>
           <p:cNvPr id="2" name="pole tekstowe 1">
             <a:extLst>
               <a:ext uri="{FF2B5EF4-FFF2-40B4-BE49-F238E27FC236}">
@@ -13267,20 +13319,40 @@
               <a:t> = () =&gt; </a:t>
             </a:r>
             <a:r>
-              <a:rPr lang="pl-PL" sz="4000" dirty="0" err="1"/>
+              <a:rPr lang="pl-PL" sz="4000" dirty="0" err="1">
+                <a:solidFill>
+                  <a:srgbClr val="0070C0"/>
+                </a:solidFill>
+              </a:rPr>
               <a:t>throw</a:t>
             </a:r>
             <a:r>
+              <a:rPr lang="pl-PL" sz="4000" dirty="0">
+                <a:solidFill>
+                  <a:srgbClr val="0070C0"/>
+                </a:solidFill>
+              </a:rPr>
+              <a:t> </a:t>
+            </a:r>
+            <a:r>
+              <a:rPr lang="pl-PL" sz="4000" dirty="0" err="1">
+                <a:solidFill>
+                  <a:srgbClr val="0070C0"/>
+                </a:solidFill>
+              </a:rPr>
+              <a:t>new</a:t>
+            </a:r>
+            <a:r>
+              <a:rPr lang="pl-PL" sz="4000" dirty="0">
+                <a:solidFill>
+                  <a:srgbClr val="0070C0"/>
+                </a:solidFill>
+              </a:rPr>
+              <a:t> </a:t>
+            </a:r>
+            <a:r>
               <a:rPr lang="pl-PL" sz="4000" dirty="0"/>
-              <a:t> </a:t>
-            </a:r>
-            <a:r>
-              <a:rPr lang="pl-PL" sz="4000" dirty="0" err="1"/>
-              <a:t>new</a:t>
-            </a:r>
-            <a:r>
-              <a:rPr lang="pl-PL" sz="4000" dirty="0"/>
-              <a:t> 		</a:t>
+              <a:t>		</a:t>
             </a:r>
             <a:r>
               <a:rPr lang="pl-PL" sz="4000" dirty="0" err="1"/>

--- a/Prez/NULL/Nothing.pptx
+++ b/Prez/NULL/Nothing.pptx
@@ -39,11 +39,16 @@
     <p:sldId id="292" r:id="rId33"/>
     <p:sldId id="293" r:id="rId34"/>
     <p:sldId id="294" r:id="rId35"/>
-    <p:sldId id="295" r:id="rId36"/>
-    <p:sldId id="296" r:id="rId37"/>
-    <p:sldId id="297" r:id="rId38"/>
-    <p:sldId id="299" r:id="rId39"/>
-    <p:sldId id="298" r:id="rId40"/>
+    <p:sldId id="300" r:id="rId36"/>
+    <p:sldId id="301" r:id="rId37"/>
+    <p:sldId id="302" r:id="rId38"/>
+    <p:sldId id="303" r:id="rId39"/>
+    <p:sldId id="304" r:id="rId40"/>
+    <p:sldId id="295" r:id="rId41"/>
+    <p:sldId id="296" r:id="rId42"/>
+    <p:sldId id="297" r:id="rId43"/>
+    <p:sldId id="299" r:id="rId44"/>
+    <p:sldId id="298" r:id="rId45"/>
   </p:sldIdLst>
   <p:sldSz cx="12192000" cy="6858000"/>
   <p:notesSz cx="6858000" cy="9144000"/>
@@ -283,7 +288,7 @@
           <a:p>
             <a:fld id="{DF7671AB-C0DE-40D3-96F0-E9871E3E37DE}" type="datetimeFigureOut">
               <a:rPr lang="pl-PL" smtClean="0"/>
-              <a:t>31.07.2017</a:t>
+              <a:t>02.08.2017</a:t>
             </a:fld>
             <a:endParaRPr lang="pl-PL"/>
           </a:p>
@@ -451,7 +456,7 @@
           <a:p>
             <a:fld id="{DF7671AB-C0DE-40D3-96F0-E9871E3E37DE}" type="datetimeFigureOut">
               <a:rPr lang="pl-PL" smtClean="0"/>
-              <a:t>31.07.2017</a:t>
+              <a:t>02.08.2017</a:t>
             </a:fld>
             <a:endParaRPr lang="pl-PL"/>
           </a:p>
@@ -629,7 +634,7 @@
           <a:p>
             <a:fld id="{DF7671AB-C0DE-40D3-96F0-E9871E3E37DE}" type="datetimeFigureOut">
               <a:rPr lang="pl-PL" smtClean="0"/>
-              <a:t>31.07.2017</a:t>
+              <a:t>02.08.2017</a:t>
             </a:fld>
             <a:endParaRPr lang="pl-PL"/>
           </a:p>
@@ -797,7 +802,7 @@
           <a:p>
             <a:fld id="{DF7671AB-C0DE-40D3-96F0-E9871E3E37DE}" type="datetimeFigureOut">
               <a:rPr lang="pl-PL" smtClean="0"/>
-              <a:t>31.07.2017</a:t>
+              <a:t>02.08.2017</a:t>
             </a:fld>
             <a:endParaRPr lang="pl-PL"/>
           </a:p>
@@ -1042,7 +1047,7 @@
           <a:p>
             <a:fld id="{DF7671AB-C0DE-40D3-96F0-E9871E3E37DE}" type="datetimeFigureOut">
               <a:rPr lang="pl-PL" smtClean="0"/>
-              <a:t>31.07.2017</a:t>
+              <a:t>02.08.2017</a:t>
             </a:fld>
             <a:endParaRPr lang="pl-PL"/>
           </a:p>
@@ -1271,7 +1276,7 @@
           <a:p>
             <a:fld id="{DF7671AB-C0DE-40D3-96F0-E9871E3E37DE}" type="datetimeFigureOut">
               <a:rPr lang="pl-PL" smtClean="0"/>
-              <a:t>31.07.2017</a:t>
+              <a:t>02.08.2017</a:t>
             </a:fld>
             <a:endParaRPr lang="pl-PL"/>
           </a:p>
@@ -1635,7 +1640,7 @@
           <a:p>
             <a:fld id="{DF7671AB-C0DE-40D3-96F0-E9871E3E37DE}" type="datetimeFigureOut">
               <a:rPr lang="pl-PL" smtClean="0"/>
-              <a:t>31.07.2017</a:t>
+              <a:t>02.08.2017</a:t>
             </a:fld>
             <a:endParaRPr lang="pl-PL"/>
           </a:p>
@@ -1752,7 +1757,7 @@
           <a:p>
             <a:fld id="{DF7671AB-C0DE-40D3-96F0-E9871E3E37DE}" type="datetimeFigureOut">
               <a:rPr lang="pl-PL" smtClean="0"/>
-              <a:t>31.07.2017</a:t>
+              <a:t>02.08.2017</a:t>
             </a:fld>
             <a:endParaRPr lang="pl-PL"/>
           </a:p>
@@ -1847,7 +1852,7 @@
           <a:p>
             <a:fld id="{DF7671AB-C0DE-40D3-96F0-E9871E3E37DE}" type="datetimeFigureOut">
               <a:rPr lang="pl-PL" smtClean="0"/>
-              <a:t>31.07.2017</a:t>
+              <a:t>02.08.2017</a:t>
             </a:fld>
             <a:endParaRPr lang="pl-PL"/>
           </a:p>
@@ -2122,7 +2127,7 @@
           <a:p>
             <a:fld id="{DF7671AB-C0DE-40D3-96F0-E9871E3E37DE}" type="datetimeFigureOut">
               <a:rPr lang="pl-PL" smtClean="0"/>
-              <a:t>31.07.2017</a:t>
+              <a:t>02.08.2017</a:t>
             </a:fld>
             <a:endParaRPr lang="pl-PL"/>
           </a:p>
@@ -2374,7 +2379,7 @@
           <a:p>
             <a:fld id="{DF7671AB-C0DE-40D3-96F0-E9871E3E37DE}" type="datetimeFigureOut">
               <a:rPr lang="pl-PL" smtClean="0"/>
-              <a:t>31.07.2017</a:t>
+              <a:t>02.08.2017</a:t>
             </a:fld>
             <a:endParaRPr lang="pl-PL"/>
           </a:p>
@@ -2585,7 +2590,7 @@
           <a:p>
             <a:fld id="{DF7671AB-C0DE-40D3-96F0-E9871E3E37DE}" type="datetimeFigureOut">
               <a:rPr lang="pl-PL" smtClean="0"/>
-              <a:t>31.07.2017</a:t>
+              <a:t>02.08.2017</a:t>
             </a:fld>
             <a:endParaRPr lang="pl-PL"/>
           </a:p>
@@ -11803,7 +11808,7 @@
           <p:cNvPr id="2" name="pole tekstowe 1">
             <a:extLst>
               <a:ext uri="{FF2B5EF4-FFF2-40B4-BE49-F238E27FC236}">
-                <a16:creationId xmlns:a16="http://schemas.microsoft.com/office/drawing/2014/main" id="{365AB94B-8F43-4449-AF38-AADE058EC648}"/>
+                <a16:creationId xmlns:a16="http://schemas.microsoft.com/office/drawing/2014/main" id="{AC5C471E-F1A8-4AFB-B413-86EE3EAC39AD}"/>
               </a:ext>
             </a:extLst>
           </p:cNvPr>
@@ -11812,8 +11817,8 @@
         </p:nvSpPr>
         <p:spPr>
           <a:xfrm>
-            <a:off x="266329" y="1951418"/>
-            <a:ext cx="11691892" cy="2400657"/>
+            <a:off x="257452" y="2492957"/>
+            <a:ext cx="11691892" cy="1569660"/>
           </a:xfrm>
           <a:prstGeom prst="rect">
             <a:avLst/>
@@ -11828,34 +11833,23 @@
           <a:p>
             <a:pPr algn="ctr"/>
             <a:r>
-              <a:rPr lang="pl-PL" sz="15000" dirty="0">
-                <a:latin typeface="Consolas" panose="020B0609020204030204" pitchFamily="49" charset="0"/>
-                <a:cs typeface="Consolas" panose="020B0609020204030204" pitchFamily="49" charset="0"/>
-              </a:rPr>
-              <a:t>(</a:t>
-            </a:r>
-            <a:r>
-              <a:rPr lang="pl-PL" sz="15000" b="1" dirty="0">
-                <a:latin typeface="Consolas" panose="020B0609020204030204" pitchFamily="49" charset="0"/>
-                <a:cs typeface="Consolas" panose="020B0609020204030204" pitchFamily="49" charset="0"/>
-                <a:sym typeface="Symbol" panose="05050102010706020507" pitchFamily="18" charset="2"/>
-              </a:rPr>
-              <a:t></a:t>
-            </a:r>
-            <a:r>
-              <a:rPr lang="pl-PL" sz="15000" dirty="0">
-                <a:latin typeface="Consolas" panose="020B0609020204030204" pitchFamily="49" charset="0"/>
-                <a:cs typeface="Consolas" panose="020B0609020204030204" pitchFamily="49" charset="0"/>
-              </a:rPr>
-              <a:t>)</a:t>
-            </a:r>
+              <a:rPr lang="pl-PL" sz="9600" dirty="0" err="1">
+                <a:latin typeface="Consolas" panose="020B0609020204030204" pitchFamily="49" charset="0"/>
+                <a:cs typeface="Consolas" panose="020B0609020204030204" pitchFamily="49" charset="0"/>
+              </a:rPr>
+              <a:t>MayObjectPattern</a:t>
+            </a:r>
+            <a:endParaRPr lang="pl-PL" sz="9600" dirty="0">
+              <a:latin typeface="Consolas" panose="020B0609020204030204" pitchFamily="49" charset="0"/>
+              <a:cs typeface="Consolas" panose="020B0609020204030204" pitchFamily="49" charset="0"/>
+            </a:endParaRPr>
           </a:p>
         </p:txBody>
       </p:sp>
     </p:spTree>
     <p:extLst>
       <p:ext uri="{BB962C8B-B14F-4D97-AF65-F5344CB8AC3E}">
-        <p14:creationId xmlns:p14="http://schemas.microsoft.com/office/powerpoint/2010/main" val="1262203488"/>
+        <p14:creationId xmlns:p14="http://schemas.microsoft.com/office/powerpoint/2010/main" val="2542865312"/>
       </p:ext>
     </p:extLst>
   </p:cSld>
@@ -11884,114 +11878,10 @@
       </p:grpSpPr>
       <p:sp>
         <p:nvSpPr>
-          <p:cNvPr id="5" name="Prostokąt 4">
-            <a:extLst>
-              <a:ext uri="{FF2B5EF4-FFF2-40B4-BE49-F238E27FC236}">
-                <a16:creationId xmlns:a16="http://schemas.microsoft.com/office/drawing/2014/main" id="{50DB7475-3AB0-4DF2-A1A5-A6C4269F9AA0}"/>
-              </a:ext>
-            </a:extLst>
-          </p:cNvPr>
-          <p:cNvSpPr/>
-          <p:nvPr/>
-        </p:nvSpPr>
-        <p:spPr>
-          <a:xfrm>
-            <a:off x="1716350" y="1015014"/>
-            <a:ext cx="3959441" cy="655468"/>
-          </a:xfrm>
-          <a:prstGeom prst="rect">
-            <a:avLst/>
-          </a:prstGeom>
-          <a:solidFill>
-            <a:srgbClr val="FFFF00"/>
-          </a:solidFill>
-          <a:ln>
-            <a:noFill/>
-          </a:ln>
-        </p:spPr>
-        <p:style>
-          <a:lnRef idx="2">
-            <a:schemeClr val="accent1">
-              <a:shade val="50000"/>
-            </a:schemeClr>
-          </a:lnRef>
-          <a:fillRef idx="1">
-            <a:schemeClr val="accent1"/>
-          </a:fillRef>
-          <a:effectRef idx="0">
-            <a:schemeClr val="accent1"/>
-          </a:effectRef>
-          <a:fontRef idx="minor">
-            <a:schemeClr val="lt1"/>
-          </a:fontRef>
-        </p:style>
-        <p:txBody>
-          <a:bodyPr rtlCol="0" anchor="ctr"/>
-          <a:lstStyle/>
-          <a:p>
-            <a:pPr algn="ctr"/>
-            <a:endParaRPr lang="pl-PL"/>
-          </a:p>
-        </p:txBody>
-      </p:sp>
-      <p:sp>
-        <p:nvSpPr>
-          <p:cNvPr id="4" name="Prostokąt 3">
-            <a:extLst>
-              <a:ext uri="{FF2B5EF4-FFF2-40B4-BE49-F238E27FC236}">
-                <a16:creationId xmlns:a16="http://schemas.microsoft.com/office/drawing/2014/main" id="{63D4C7C4-59C9-40E8-AA8B-F368DCB3DBB4}"/>
-              </a:ext>
-            </a:extLst>
-          </p:cNvPr>
-          <p:cNvSpPr/>
-          <p:nvPr/>
-        </p:nvSpPr>
-        <p:spPr>
-          <a:xfrm>
-            <a:off x="2274164" y="4049697"/>
-            <a:ext cx="3959441" cy="655468"/>
-          </a:xfrm>
-          <a:prstGeom prst="rect">
-            <a:avLst/>
-          </a:prstGeom>
-          <a:solidFill>
-            <a:srgbClr val="FFFF00"/>
-          </a:solidFill>
-          <a:ln>
-            <a:noFill/>
-          </a:ln>
-        </p:spPr>
-        <p:style>
-          <a:lnRef idx="2">
-            <a:schemeClr val="accent1">
-              <a:shade val="50000"/>
-            </a:schemeClr>
-          </a:lnRef>
-          <a:fillRef idx="1">
-            <a:schemeClr val="accent1"/>
-          </a:fillRef>
-          <a:effectRef idx="0">
-            <a:schemeClr val="accent1"/>
-          </a:effectRef>
-          <a:fontRef idx="minor">
-            <a:schemeClr val="lt1"/>
-          </a:fontRef>
-        </p:style>
-        <p:txBody>
-          <a:bodyPr rtlCol="0" anchor="ctr"/>
-          <a:lstStyle/>
-          <a:p>
-            <a:pPr algn="ctr"/>
-            <a:endParaRPr lang="pl-PL"/>
-          </a:p>
-        </p:txBody>
-      </p:sp>
-      <p:sp>
-        <p:nvSpPr>
           <p:cNvPr id="2" name="pole tekstowe 1">
             <a:extLst>
               <a:ext uri="{FF2B5EF4-FFF2-40B4-BE49-F238E27FC236}">
-                <a16:creationId xmlns:a16="http://schemas.microsoft.com/office/drawing/2014/main" id="{51A870B3-D539-49DF-9E43-1728C5427B07}"/>
+                <a16:creationId xmlns:a16="http://schemas.microsoft.com/office/drawing/2014/main" id="{221F81F5-4A9F-4236-B058-E296E34D44B6}"/>
               </a:ext>
             </a:extLst>
           </p:cNvPr>
@@ -12000,8 +11890,8 @@
         </p:nvSpPr>
         <p:spPr>
           <a:xfrm>
-            <a:off x="746621" y="344576"/>
-            <a:ext cx="11098636" cy="6247864"/>
+            <a:off x="2823995" y="1836024"/>
+            <a:ext cx="7500734" cy="3170099"/>
           </a:xfrm>
           <a:prstGeom prst="rect">
             <a:avLst/>
@@ -12021,10 +11911,22 @@
                 </a:solidFill>
                 <a:latin typeface="Consolas" panose="020B0609020204030204" pitchFamily="49" charset="0"/>
               </a:rPr>
-              <a:t>public</a:t>
-            </a:r>
-            <a:r>
-              <a:rPr lang="pl-PL" sz="4000" dirty="0">
+              <a:t>public </a:t>
+            </a:r>
+            <a:r>
+              <a:rPr lang="pl-PL" sz="4000" dirty="0" err="1">
+                <a:solidFill>
+                  <a:srgbClr val="0070C0"/>
+                </a:solidFill>
+                <a:latin typeface="Consolas" panose="020B0609020204030204" pitchFamily="49" charset="0"/>
+              </a:rPr>
+              <a:t>interface</a:t>
+            </a:r>
+            <a:r>
+              <a:rPr lang="pl-PL" sz="4000" dirty="0">
+                <a:solidFill>
+                  <a:srgbClr val="0070C0"/>
+                </a:solidFill>
                 <a:latin typeface="Consolas" panose="020B0609020204030204" pitchFamily="49" charset="0"/>
               </a:rPr>
               <a:t> </a:t>
@@ -12033,7 +11935,38 @@
               <a:rPr lang="pl-PL" sz="4000" dirty="0" err="1">
                 <a:latin typeface="Consolas" panose="020B0609020204030204" pitchFamily="49" charset="0"/>
               </a:rPr>
-              <a:t>Employee</a:t>
+              <a:t>Maybe</a:t>
+            </a:r>
+            <a:r>
+              <a:rPr lang="pl-PL" sz="4000" dirty="0">
+                <a:latin typeface="Consolas" panose="020B0609020204030204" pitchFamily="49" charset="0"/>
+              </a:rPr>
+              <a:t>&lt;T&gt;</a:t>
+            </a:r>
+          </a:p>
+          <a:p>
+            <a:r>
+              <a:rPr lang="pl-PL" sz="4000" dirty="0">
+                <a:latin typeface="Consolas" panose="020B0609020204030204" pitchFamily="49" charset="0"/>
+              </a:rPr>
+              <a:t>{</a:t>
+            </a:r>
+          </a:p>
+          <a:p>
+            <a:r>
+              <a:rPr lang="pl-PL" sz="4000" dirty="0">
+                <a:latin typeface="Consolas" panose="020B0609020204030204" pitchFamily="49" charset="0"/>
+              </a:rPr>
+              <a:t>	</a:t>
+            </a:r>
+            <a:r>
+              <a:rPr lang="pl-PL" sz="4000" dirty="0" err="1">
+                <a:solidFill>
+                  <a:srgbClr val="0070C0"/>
+                </a:solidFill>
+                <a:latin typeface="Consolas" panose="020B0609020204030204" pitchFamily="49" charset="0"/>
+              </a:rPr>
+              <a:t>bool</a:t>
             </a:r>
             <a:r>
               <a:rPr lang="pl-PL" sz="4000" dirty="0">
@@ -12045,229 +11978,29 @@
               <a:rPr lang="pl-PL" sz="4000" dirty="0" err="1">
                 <a:latin typeface="Consolas" panose="020B0609020204030204" pitchFamily="49" charset="0"/>
               </a:rPr>
-              <a:t>getByName</a:t>
-            </a:r>
-            <a:r>
-              <a:rPr lang="pl-PL" sz="4000" dirty="0">
-                <a:latin typeface="Consolas" panose="020B0609020204030204" pitchFamily="49" charset="0"/>
-              </a:rPr>
-              <a:t>(</a:t>
-            </a:r>
-            <a:r>
-              <a:rPr lang="pl-PL" sz="4000" dirty="0">
-                <a:solidFill>
-                  <a:srgbClr val="0070C0"/>
-                </a:solidFill>
-                <a:latin typeface="Consolas" panose="020B0609020204030204" pitchFamily="49" charset="0"/>
-              </a:rPr>
-              <a:t>String</a:t>
-            </a:r>
-            <a:r>
-              <a:rPr lang="pl-PL" sz="4000" dirty="0">
-                <a:latin typeface="Consolas" panose="020B0609020204030204" pitchFamily="49" charset="0"/>
-              </a:rPr>
-              <a:t> </a:t>
-            </a:r>
-            <a:r>
-              <a:rPr lang="pl-PL" sz="4000" dirty="0" err="1">
-                <a:latin typeface="Consolas" panose="020B0609020204030204" pitchFamily="49" charset="0"/>
-              </a:rPr>
-              <a:t>name</a:t>
-            </a:r>
-            <a:r>
-              <a:rPr lang="pl-PL" sz="4000" dirty="0">
-                <a:latin typeface="Consolas" panose="020B0609020204030204" pitchFamily="49" charset="0"/>
-              </a:rPr>
-              <a:t>,</a:t>
-            </a:r>
-          </a:p>
-          <a:p>
-            <a:r>
-              <a:rPr lang="pl-PL" sz="4000" dirty="0">
-                <a:latin typeface="Consolas" panose="020B0609020204030204" pitchFamily="49" charset="0"/>
-              </a:rPr>
-              <a:t>	</a:t>
-            </a:r>
-            <a:r>
-              <a:rPr lang="pl-PL" sz="4000" dirty="0" err="1">
-                <a:solidFill>
-                  <a:srgbClr val="0070C0"/>
-                </a:solidFill>
-                <a:latin typeface="Consolas" panose="020B0609020204030204" pitchFamily="49" charset="0"/>
-              </a:rPr>
-              <a:t>Func</a:t>
-            </a:r>
-            <a:r>
-              <a:rPr lang="pl-PL" sz="4000" dirty="0">
-                <a:latin typeface="Consolas" panose="020B0609020204030204" pitchFamily="49" charset="0"/>
-              </a:rPr>
-              <a:t> </a:t>
-            </a:r>
-            <a:r>
-              <a:rPr lang="pl-PL" sz="4000" dirty="0" err="1">
-                <a:latin typeface="Consolas" panose="020B0609020204030204" pitchFamily="49" charset="0"/>
-              </a:rPr>
-              <a:t>errorFunc</a:t>
-            </a:r>
-            <a:r>
-              <a:rPr lang="pl-PL" sz="4000" dirty="0">
-                <a:latin typeface="Consolas" panose="020B0609020204030204" pitchFamily="49" charset="0"/>
-              </a:rPr>
-              <a:t>)</a:t>
-            </a:r>
-          </a:p>
-          <a:p>
-            <a:r>
-              <a:rPr lang="pl-PL" sz="4000" dirty="0">
-                <a:latin typeface="Consolas" panose="020B0609020204030204" pitchFamily="49" charset="0"/>
-              </a:rPr>
-              <a:t>{</a:t>
-            </a:r>
-          </a:p>
-          <a:p>
-            <a:r>
-              <a:rPr lang="pl-PL" sz="4000" dirty="0">
-                <a:latin typeface="Consolas" panose="020B0609020204030204" pitchFamily="49" charset="0"/>
-              </a:rPr>
-              <a:t>	</a:t>
-            </a:r>
-            <a:r>
-              <a:rPr lang="pl-PL" sz="4000" dirty="0" err="1">
-                <a:latin typeface="Consolas" panose="020B0609020204030204" pitchFamily="49" charset="0"/>
-              </a:rPr>
-              <a:t>Employee</a:t>
-            </a:r>
-            <a:r>
-              <a:rPr lang="pl-PL" sz="4000" dirty="0">
-                <a:latin typeface="Consolas" panose="020B0609020204030204" pitchFamily="49" charset="0"/>
-              </a:rPr>
-              <a:t> e = </a:t>
-            </a:r>
-            <a:r>
-              <a:rPr lang="pl-PL" sz="4000" dirty="0" err="1">
-                <a:latin typeface="Consolas" panose="020B0609020204030204" pitchFamily="49" charset="0"/>
-              </a:rPr>
-              <a:t>employees.get</a:t>
-            </a:r>
-            <a:r>
-              <a:rPr lang="pl-PL" sz="4000" dirty="0">
-                <a:latin typeface="Consolas" panose="020B0609020204030204" pitchFamily="49" charset="0"/>
-              </a:rPr>
-              <a:t>(</a:t>
-            </a:r>
-            <a:r>
-              <a:rPr lang="pl-PL" sz="4000" dirty="0" err="1">
-                <a:latin typeface="Consolas" panose="020B0609020204030204" pitchFamily="49" charset="0"/>
-              </a:rPr>
-              <a:t>name</a:t>
-            </a:r>
-            <a:r>
-              <a:rPr lang="pl-PL" sz="4000" dirty="0">
-                <a:latin typeface="Consolas" panose="020B0609020204030204" pitchFamily="49" charset="0"/>
-              </a:rPr>
-              <a:t>);</a:t>
-            </a:r>
-          </a:p>
-          <a:p>
-            <a:r>
-              <a:rPr lang="pl-PL" sz="4000" dirty="0">
-                <a:latin typeface="Consolas" panose="020B0609020204030204" pitchFamily="49" charset="0"/>
-              </a:rPr>
-              <a:t>	</a:t>
-            </a:r>
-            <a:r>
-              <a:rPr lang="pl-PL" sz="4000" dirty="0" err="1">
-                <a:solidFill>
-                  <a:srgbClr val="0070C0"/>
-                </a:solidFill>
-                <a:latin typeface="Consolas" panose="020B0609020204030204" pitchFamily="49" charset="0"/>
-              </a:rPr>
-              <a:t>if</a:t>
-            </a:r>
-            <a:r>
-              <a:rPr lang="pl-PL" sz="4000" dirty="0">
-                <a:latin typeface="Consolas" panose="020B0609020204030204" pitchFamily="49" charset="0"/>
-              </a:rPr>
-              <a:t>(e == </a:t>
-            </a:r>
-            <a:r>
-              <a:rPr lang="pl-PL" sz="4000" dirty="0" err="1">
-                <a:latin typeface="Consolas" panose="020B0609020204030204" pitchFamily="49" charset="0"/>
-              </a:rPr>
-              <a:t>null</a:t>
-            </a:r>
-            <a:r>
-              <a:rPr lang="pl-PL" sz="4000" dirty="0">
-                <a:latin typeface="Consolas" panose="020B0609020204030204" pitchFamily="49" charset="0"/>
-              </a:rPr>
-              <a:t>)</a:t>
-            </a:r>
-          </a:p>
-          <a:p>
-            <a:r>
-              <a:rPr lang="pl-PL" sz="4000" dirty="0">
-                <a:latin typeface="Consolas" panose="020B0609020204030204" pitchFamily="49" charset="0"/>
-              </a:rPr>
-              <a:t>	{</a:t>
-            </a:r>
-          </a:p>
-          <a:p>
-            <a:r>
-              <a:rPr lang="pl-PL" sz="4000" dirty="0">
-                <a:latin typeface="Consolas" panose="020B0609020204030204" pitchFamily="49" charset="0"/>
-              </a:rPr>
-              <a:t>		</a:t>
-            </a:r>
-            <a:r>
-              <a:rPr lang="pl-PL" sz="4000" dirty="0" err="1">
-                <a:latin typeface="Consolas" panose="020B0609020204030204" pitchFamily="49" charset="0"/>
-              </a:rPr>
-              <a:t>errorFunc</a:t>
-            </a:r>
-            <a:r>
-              <a:rPr lang="pl-PL" sz="4000" dirty="0">
-                <a:latin typeface="Consolas" panose="020B0609020204030204" pitchFamily="49" charset="0"/>
-              </a:rPr>
-              <a:t>();	    </a:t>
-            </a:r>
-          </a:p>
-          <a:p>
-            <a:r>
-              <a:rPr lang="pl-PL" sz="4000" dirty="0">
-                <a:latin typeface="Consolas" panose="020B0609020204030204" pitchFamily="49" charset="0"/>
-              </a:rPr>
-              <a:t>	} </a:t>
-            </a:r>
-          </a:p>
-          <a:p>
-            <a:r>
-              <a:rPr lang="pl-PL" sz="4000" dirty="0">
-                <a:latin typeface="Consolas" panose="020B0609020204030204" pitchFamily="49" charset="0"/>
-              </a:rPr>
-              <a:t>	</a:t>
-            </a:r>
-            <a:r>
-              <a:rPr lang="pl-PL" sz="4000" dirty="0">
-                <a:solidFill>
-                  <a:srgbClr val="0070C0"/>
-                </a:solidFill>
-                <a:latin typeface="Consolas" panose="020B0609020204030204" pitchFamily="49" charset="0"/>
-              </a:rPr>
-              <a:t>return</a:t>
-            </a:r>
-            <a:r>
-              <a:rPr lang="pl-PL" sz="4000" dirty="0">
-                <a:latin typeface="Consolas" panose="020B0609020204030204" pitchFamily="49" charset="0"/>
-              </a:rPr>
-              <a:t> e;	</a:t>
-            </a:r>
-          </a:p>
-          <a:p>
-            <a:r>
-              <a:rPr lang="pl-PL" sz="4000" dirty="0">
-                <a:latin typeface="Consolas" panose="020B0609020204030204" pitchFamily="49" charset="0"/>
-              </a:rPr>
-              <a:t>}</a:t>
+              <a:t>HasValue</a:t>
+            </a:r>
+            <a:r>
+              <a:rPr lang="pl-PL" sz="4000" dirty="0">
+                <a:latin typeface="Consolas" panose="020B0609020204030204" pitchFamily="49" charset="0"/>
+              </a:rPr>
+              <a:t>();</a:t>
+            </a:r>
+          </a:p>
+          <a:p>
+            <a:r>
+              <a:rPr lang="pl-PL" sz="4000" dirty="0">
+                <a:latin typeface="Consolas" panose="020B0609020204030204" pitchFamily="49" charset="0"/>
+              </a:rPr>
+              <a:t>	T Value();</a:t>
+            </a:r>
+          </a:p>
+          <a:p>
+            <a:r>
+              <a:rPr lang="pl-PL" sz="4000" dirty="0">
+                <a:latin typeface="Consolas" panose="020B0609020204030204" pitchFamily="49" charset="0"/>
+              </a:rPr>
+              <a:t>} </a:t>
             </a:r>
           </a:p>
         </p:txBody>
@@ -12275,7 +12008,7 @@
     </p:spTree>
     <p:extLst>
       <p:ext uri="{BB962C8B-B14F-4D97-AF65-F5344CB8AC3E}">
-        <p14:creationId xmlns:p14="http://schemas.microsoft.com/office/powerpoint/2010/main" val="1336544512"/>
+        <p14:creationId xmlns:p14="http://schemas.microsoft.com/office/powerpoint/2010/main" val="407729874"/>
       </p:ext>
     </p:extLst>
   </p:cSld>
@@ -12304,6 +12037,1699 @@
       </p:grpSpPr>
       <p:sp>
         <p:nvSpPr>
+          <p:cNvPr id="2" name="pole tekstowe 1">
+            <a:extLst>
+              <a:ext uri="{FF2B5EF4-FFF2-40B4-BE49-F238E27FC236}">
+                <a16:creationId xmlns:a16="http://schemas.microsoft.com/office/drawing/2014/main" id="{221F81F5-4A9F-4236-B058-E296E34D44B6}"/>
+              </a:ext>
+            </a:extLst>
+          </p:cNvPr>
+          <p:cNvSpPr txBox="1"/>
+          <p:nvPr/>
+        </p:nvSpPr>
+        <p:spPr>
+          <a:xfrm>
+            <a:off x="2699709" y="117693"/>
+            <a:ext cx="7340936" cy="6740307"/>
+          </a:xfrm>
+          <a:prstGeom prst="rect">
+            <a:avLst/>
+          </a:prstGeom>
+          <a:noFill/>
+        </p:spPr>
+        <p:txBody>
+          <a:bodyPr wrap="square" rtlCol="0">
+            <a:spAutoFit/>
+          </a:bodyPr>
+          <a:lstStyle/>
+          <a:p>
+            <a:r>
+              <a:rPr lang="pl-PL" sz="3600" dirty="0">
+                <a:solidFill>
+                  <a:srgbClr val="0070C0"/>
+                </a:solidFill>
+                <a:latin typeface="Consolas" panose="020B0609020204030204" pitchFamily="49" charset="0"/>
+              </a:rPr>
+              <a:t>public </a:t>
+            </a:r>
+            <a:r>
+              <a:rPr lang="pl-PL" sz="3600" dirty="0" err="1">
+                <a:solidFill>
+                  <a:srgbClr val="0070C0"/>
+                </a:solidFill>
+                <a:latin typeface="Consolas" panose="020B0609020204030204" pitchFamily="49" charset="0"/>
+              </a:rPr>
+              <a:t>class</a:t>
+            </a:r>
+            <a:r>
+              <a:rPr lang="pl-PL" sz="3600" dirty="0">
+                <a:solidFill>
+                  <a:srgbClr val="0070C0"/>
+                </a:solidFill>
+                <a:latin typeface="Consolas" panose="020B0609020204030204" pitchFamily="49" charset="0"/>
+              </a:rPr>
+              <a:t> </a:t>
+            </a:r>
+            <a:r>
+              <a:rPr lang="pl-PL" sz="3600" dirty="0" err="1">
+                <a:latin typeface="Consolas" panose="020B0609020204030204" pitchFamily="49" charset="0"/>
+              </a:rPr>
+              <a:t>Some</a:t>
+            </a:r>
+            <a:r>
+              <a:rPr lang="pl-PL" sz="3600" dirty="0">
+                <a:latin typeface="Consolas" panose="020B0609020204030204" pitchFamily="49" charset="0"/>
+              </a:rPr>
+              <a:t>&lt;T&gt; {</a:t>
+            </a:r>
+          </a:p>
+          <a:p>
+            <a:r>
+              <a:rPr lang="pl-PL" sz="3600" dirty="0">
+                <a:latin typeface="Consolas" panose="020B0609020204030204" pitchFamily="49" charset="0"/>
+              </a:rPr>
+              <a:t>	</a:t>
+            </a:r>
+            <a:r>
+              <a:rPr lang="pl-PL" sz="3600" dirty="0" err="1">
+                <a:solidFill>
+                  <a:srgbClr val="0070C0"/>
+                </a:solidFill>
+                <a:latin typeface="Consolas" panose="020B0609020204030204" pitchFamily="49" charset="0"/>
+              </a:rPr>
+              <a:t>private</a:t>
+            </a:r>
+            <a:r>
+              <a:rPr lang="pl-PL" sz="3600" dirty="0">
+                <a:solidFill>
+                  <a:srgbClr val="0070C0"/>
+                </a:solidFill>
+                <a:latin typeface="Consolas" panose="020B0609020204030204" pitchFamily="49" charset="0"/>
+              </a:rPr>
+              <a:t> </a:t>
+            </a:r>
+            <a:r>
+              <a:rPr lang="pl-PL" sz="3600" dirty="0" err="1">
+                <a:solidFill>
+                  <a:srgbClr val="0070C0"/>
+                </a:solidFill>
+                <a:latin typeface="Consolas" panose="020B0609020204030204" pitchFamily="49" charset="0"/>
+              </a:rPr>
+              <a:t>readonly</a:t>
+            </a:r>
+            <a:r>
+              <a:rPr lang="pl-PL" sz="3600" dirty="0">
+                <a:latin typeface="Consolas" panose="020B0609020204030204" pitchFamily="49" charset="0"/>
+              </a:rPr>
+              <a:t> T </a:t>
+            </a:r>
+            <a:r>
+              <a:rPr lang="pl-PL" sz="3600" dirty="0" err="1">
+                <a:latin typeface="Consolas" panose="020B0609020204030204" pitchFamily="49" charset="0"/>
+              </a:rPr>
+              <a:t>t</a:t>
+            </a:r>
+            <a:r>
+              <a:rPr lang="pl-PL" sz="3600" dirty="0">
+                <a:latin typeface="Consolas" panose="020B0609020204030204" pitchFamily="49" charset="0"/>
+              </a:rPr>
+              <a:t>;</a:t>
+            </a:r>
+          </a:p>
+          <a:p>
+            <a:r>
+              <a:rPr lang="pl-PL" sz="3600" dirty="0">
+                <a:latin typeface="Consolas" panose="020B0609020204030204" pitchFamily="49" charset="0"/>
+              </a:rPr>
+              <a:t>	</a:t>
+            </a:r>
+            <a:r>
+              <a:rPr lang="pl-PL" sz="3600" dirty="0">
+                <a:solidFill>
+                  <a:srgbClr val="0070C0"/>
+                </a:solidFill>
+                <a:latin typeface="Consolas" panose="020B0609020204030204" pitchFamily="49" charset="0"/>
+              </a:rPr>
+              <a:t>public</a:t>
+            </a:r>
+            <a:r>
+              <a:rPr lang="pl-PL" sz="3600" dirty="0">
+                <a:latin typeface="Consolas" panose="020B0609020204030204" pitchFamily="49" charset="0"/>
+              </a:rPr>
+              <a:t> </a:t>
+            </a:r>
+            <a:r>
+              <a:rPr lang="pl-PL" sz="3600" dirty="0" err="1">
+                <a:latin typeface="Consolas" panose="020B0609020204030204" pitchFamily="49" charset="0"/>
+              </a:rPr>
+              <a:t>Some</a:t>
+            </a:r>
+            <a:r>
+              <a:rPr lang="pl-PL" sz="3600" dirty="0">
+                <a:latin typeface="Consolas" panose="020B0609020204030204" pitchFamily="49" charset="0"/>
+              </a:rPr>
+              <a:t>(T t) {</a:t>
+            </a:r>
+          </a:p>
+          <a:p>
+            <a:r>
+              <a:rPr lang="pl-PL" sz="3600" dirty="0">
+                <a:latin typeface="Consolas" panose="020B0609020204030204" pitchFamily="49" charset="0"/>
+              </a:rPr>
+              <a:t>		</a:t>
+            </a:r>
+            <a:r>
+              <a:rPr lang="pl-PL" sz="3600" dirty="0">
+                <a:solidFill>
+                  <a:srgbClr val="0070C0"/>
+                </a:solidFill>
+                <a:latin typeface="Consolas" panose="020B0609020204030204" pitchFamily="49" charset="0"/>
+              </a:rPr>
+              <a:t>this</a:t>
+            </a:r>
+            <a:r>
+              <a:rPr lang="pl-PL" sz="3600" dirty="0">
+                <a:latin typeface="Consolas" panose="020B0609020204030204" pitchFamily="49" charset="0"/>
+              </a:rPr>
+              <a:t>.t = t;</a:t>
+            </a:r>
+          </a:p>
+          <a:p>
+            <a:r>
+              <a:rPr lang="pl-PL" sz="3600" dirty="0">
+                <a:latin typeface="Consolas" panose="020B0609020204030204" pitchFamily="49" charset="0"/>
+              </a:rPr>
+              <a:t>	}</a:t>
+            </a:r>
+          </a:p>
+          <a:p>
+            <a:r>
+              <a:rPr lang="pl-PL" sz="3600" dirty="0">
+                <a:latin typeface="Consolas" panose="020B0609020204030204" pitchFamily="49" charset="0"/>
+              </a:rPr>
+              <a:t>	</a:t>
+            </a:r>
+            <a:r>
+              <a:rPr lang="pl-PL" sz="3600" dirty="0">
+                <a:solidFill>
+                  <a:srgbClr val="0070C0"/>
+                </a:solidFill>
+                <a:latin typeface="Consolas" panose="020B0609020204030204" pitchFamily="49" charset="0"/>
+              </a:rPr>
+              <a:t>public </a:t>
+            </a:r>
+            <a:r>
+              <a:rPr lang="pl-PL" sz="3600" dirty="0" err="1">
+                <a:solidFill>
+                  <a:srgbClr val="0070C0"/>
+                </a:solidFill>
+                <a:latin typeface="Consolas" panose="020B0609020204030204" pitchFamily="49" charset="0"/>
+              </a:rPr>
+              <a:t>bool</a:t>
+            </a:r>
+            <a:r>
+              <a:rPr lang="pl-PL" sz="3600" dirty="0">
+                <a:solidFill>
+                  <a:srgbClr val="0070C0"/>
+                </a:solidFill>
+                <a:latin typeface="Consolas" panose="020B0609020204030204" pitchFamily="49" charset="0"/>
+              </a:rPr>
+              <a:t> </a:t>
+            </a:r>
+            <a:r>
+              <a:rPr lang="pl-PL" sz="3600" dirty="0" err="1">
+                <a:latin typeface="Consolas" panose="020B0609020204030204" pitchFamily="49" charset="0"/>
+              </a:rPr>
+              <a:t>HasValue</a:t>
+            </a:r>
+            <a:r>
+              <a:rPr lang="pl-PL" sz="3600" dirty="0">
+                <a:latin typeface="Consolas" panose="020B0609020204030204" pitchFamily="49" charset="0"/>
+              </a:rPr>
+              <a:t>() {</a:t>
+            </a:r>
+          </a:p>
+          <a:p>
+            <a:r>
+              <a:rPr lang="pl-PL" sz="3600" dirty="0">
+                <a:latin typeface="Consolas" panose="020B0609020204030204" pitchFamily="49" charset="0"/>
+              </a:rPr>
+              <a:t>		</a:t>
+            </a:r>
+            <a:r>
+              <a:rPr lang="pl-PL" sz="3600" dirty="0">
+                <a:solidFill>
+                  <a:srgbClr val="0070C0"/>
+                </a:solidFill>
+                <a:latin typeface="Consolas" panose="020B0609020204030204" pitchFamily="49" charset="0"/>
+              </a:rPr>
+              <a:t>return</a:t>
+            </a:r>
+            <a:r>
+              <a:rPr lang="pl-PL" sz="3600" dirty="0">
+                <a:latin typeface="Consolas" panose="020B0609020204030204" pitchFamily="49" charset="0"/>
+              </a:rPr>
+              <a:t> </a:t>
+            </a:r>
+            <a:r>
+              <a:rPr lang="pl-PL" sz="3600" dirty="0" err="1">
+                <a:latin typeface="Consolas" panose="020B0609020204030204" pitchFamily="49" charset="0"/>
+              </a:rPr>
+              <a:t>true</a:t>
+            </a:r>
+            <a:r>
+              <a:rPr lang="pl-PL" sz="3600" dirty="0">
+                <a:latin typeface="Consolas" panose="020B0609020204030204" pitchFamily="49" charset="0"/>
+              </a:rPr>
+              <a:t>;</a:t>
+            </a:r>
+          </a:p>
+          <a:p>
+            <a:r>
+              <a:rPr lang="pl-PL" sz="3600" dirty="0">
+                <a:latin typeface="Consolas" panose="020B0609020204030204" pitchFamily="49" charset="0"/>
+              </a:rPr>
+              <a:t>	}</a:t>
+            </a:r>
+          </a:p>
+          <a:p>
+            <a:r>
+              <a:rPr lang="pl-PL" sz="3600" dirty="0">
+                <a:latin typeface="Consolas" panose="020B0609020204030204" pitchFamily="49" charset="0"/>
+              </a:rPr>
+              <a:t>	</a:t>
+            </a:r>
+            <a:r>
+              <a:rPr lang="pl-PL" sz="3600" dirty="0">
+                <a:solidFill>
+                  <a:srgbClr val="0070C0"/>
+                </a:solidFill>
+                <a:latin typeface="Consolas" panose="020B0609020204030204" pitchFamily="49" charset="0"/>
+              </a:rPr>
+              <a:t>public</a:t>
+            </a:r>
+            <a:r>
+              <a:rPr lang="pl-PL" sz="3600" dirty="0">
+                <a:latin typeface="Consolas" panose="020B0609020204030204" pitchFamily="49" charset="0"/>
+              </a:rPr>
+              <a:t> T Value() {</a:t>
+            </a:r>
+          </a:p>
+          <a:p>
+            <a:r>
+              <a:rPr lang="pl-PL" sz="3600" dirty="0">
+                <a:latin typeface="Consolas" panose="020B0609020204030204" pitchFamily="49" charset="0"/>
+              </a:rPr>
+              <a:t>		</a:t>
+            </a:r>
+            <a:r>
+              <a:rPr lang="pl-PL" sz="3600" dirty="0">
+                <a:solidFill>
+                  <a:srgbClr val="0070C0"/>
+                </a:solidFill>
+                <a:latin typeface="Consolas" panose="020B0609020204030204" pitchFamily="49" charset="0"/>
+              </a:rPr>
+              <a:t>return</a:t>
+            </a:r>
+            <a:r>
+              <a:rPr lang="pl-PL" sz="3600" dirty="0">
+                <a:latin typeface="Consolas" panose="020B0609020204030204" pitchFamily="49" charset="0"/>
+              </a:rPr>
+              <a:t> t;</a:t>
+            </a:r>
+          </a:p>
+          <a:p>
+            <a:r>
+              <a:rPr lang="pl-PL" sz="3600" dirty="0">
+                <a:latin typeface="Consolas" panose="020B0609020204030204" pitchFamily="49" charset="0"/>
+              </a:rPr>
+              <a:t>	}</a:t>
+            </a:r>
+          </a:p>
+          <a:p>
+            <a:r>
+              <a:rPr lang="pl-PL" sz="3600" dirty="0">
+                <a:latin typeface="Consolas" panose="020B0609020204030204" pitchFamily="49" charset="0"/>
+              </a:rPr>
+              <a:t>} </a:t>
+            </a:r>
+          </a:p>
+        </p:txBody>
+      </p:sp>
+    </p:spTree>
+    <p:extLst>
+      <p:ext uri="{BB962C8B-B14F-4D97-AF65-F5344CB8AC3E}">
+        <p14:creationId xmlns:p14="http://schemas.microsoft.com/office/powerpoint/2010/main" val="1822073221"/>
+      </p:ext>
+    </p:extLst>
+  </p:cSld>
+  <p:clrMapOvr>
+    <a:masterClrMapping/>
+  </p:clrMapOvr>
+</p:sld>
+</file>
+
+<file path=ppt/slides/slide38.xml><?xml version="1.0" encoding="utf-8"?>
+<p:sld xmlns:a="http://schemas.openxmlformats.org/drawingml/2006/main" xmlns:r="http://schemas.openxmlformats.org/officeDocument/2006/relationships" xmlns:p="http://schemas.openxmlformats.org/presentationml/2006/main">
+  <p:cSld>
+    <p:spTree>
+      <p:nvGrpSpPr>
+        <p:cNvPr id="1" name=""/>
+        <p:cNvGrpSpPr/>
+        <p:nvPr/>
+      </p:nvGrpSpPr>
+      <p:grpSpPr>
+        <a:xfrm>
+          <a:off x="0" y="0"/>
+          <a:ext cx="0" cy="0"/>
+          <a:chOff x="0" y="0"/>
+          <a:chExt cx="0" cy="0"/>
+        </a:xfrm>
+      </p:grpSpPr>
+      <p:sp>
+        <p:nvSpPr>
+          <p:cNvPr id="2" name="pole tekstowe 1">
+            <a:extLst>
+              <a:ext uri="{FF2B5EF4-FFF2-40B4-BE49-F238E27FC236}">
+                <a16:creationId xmlns:a16="http://schemas.microsoft.com/office/drawing/2014/main" id="{221F81F5-4A9F-4236-B058-E296E34D44B6}"/>
+              </a:ext>
+            </a:extLst>
+          </p:cNvPr>
+          <p:cNvSpPr txBox="1"/>
+          <p:nvPr/>
+        </p:nvSpPr>
+        <p:spPr>
+          <a:xfrm>
+            <a:off x="426128" y="268614"/>
+            <a:ext cx="11585359" cy="6247864"/>
+          </a:xfrm>
+          <a:prstGeom prst="rect">
+            <a:avLst/>
+          </a:prstGeom>
+          <a:noFill/>
+        </p:spPr>
+        <p:txBody>
+          <a:bodyPr wrap="square" rtlCol="0">
+            <a:spAutoFit/>
+          </a:bodyPr>
+          <a:lstStyle/>
+          <a:p>
+            <a:r>
+              <a:rPr lang="pl-PL" sz="4000" dirty="0">
+                <a:solidFill>
+                  <a:srgbClr val="0070C0"/>
+                </a:solidFill>
+                <a:latin typeface="Consolas" panose="020B0609020204030204" pitchFamily="49" charset="0"/>
+              </a:rPr>
+              <a:t>public </a:t>
+            </a:r>
+            <a:r>
+              <a:rPr lang="pl-PL" sz="4000" dirty="0" err="1">
+                <a:solidFill>
+                  <a:srgbClr val="0070C0"/>
+                </a:solidFill>
+                <a:latin typeface="Consolas" panose="020B0609020204030204" pitchFamily="49" charset="0"/>
+              </a:rPr>
+              <a:t>class</a:t>
+            </a:r>
+            <a:r>
+              <a:rPr lang="pl-PL" sz="4000" dirty="0">
+                <a:solidFill>
+                  <a:srgbClr val="0070C0"/>
+                </a:solidFill>
+                <a:latin typeface="Consolas" panose="020B0609020204030204" pitchFamily="49" charset="0"/>
+              </a:rPr>
+              <a:t> </a:t>
+            </a:r>
+            <a:r>
+              <a:rPr lang="pl-PL" sz="4000" dirty="0" err="1">
+                <a:latin typeface="Consolas" panose="020B0609020204030204" pitchFamily="49" charset="0"/>
+              </a:rPr>
+              <a:t>None</a:t>
+            </a:r>
+            <a:r>
+              <a:rPr lang="pl-PL" sz="4000" dirty="0">
+                <a:latin typeface="Consolas" panose="020B0609020204030204" pitchFamily="49" charset="0"/>
+              </a:rPr>
+              <a:t>&lt;T&gt; {</a:t>
+            </a:r>
+          </a:p>
+          <a:p>
+            <a:endParaRPr lang="pl-PL" sz="4000" dirty="0">
+              <a:latin typeface="Consolas" panose="020B0609020204030204" pitchFamily="49" charset="0"/>
+            </a:endParaRPr>
+          </a:p>
+          <a:p>
+            <a:r>
+              <a:rPr lang="pl-PL" sz="4000" dirty="0">
+                <a:latin typeface="Consolas" panose="020B0609020204030204" pitchFamily="49" charset="0"/>
+              </a:rPr>
+              <a:t>	</a:t>
+            </a:r>
+            <a:r>
+              <a:rPr lang="pl-PL" sz="4000" dirty="0">
+                <a:solidFill>
+                  <a:srgbClr val="0070C0"/>
+                </a:solidFill>
+                <a:latin typeface="Consolas" panose="020B0609020204030204" pitchFamily="49" charset="0"/>
+              </a:rPr>
+              <a:t>public </a:t>
+            </a:r>
+            <a:r>
+              <a:rPr lang="pl-PL" sz="4000" dirty="0" err="1">
+                <a:solidFill>
+                  <a:srgbClr val="0070C0"/>
+                </a:solidFill>
+                <a:latin typeface="Consolas" panose="020B0609020204030204" pitchFamily="49" charset="0"/>
+              </a:rPr>
+              <a:t>bool</a:t>
+            </a:r>
+            <a:r>
+              <a:rPr lang="pl-PL" sz="4000" dirty="0">
+                <a:solidFill>
+                  <a:srgbClr val="0070C0"/>
+                </a:solidFill>
+                <a:latin typeface="Consolas" panose="020B0609020204030204" pitchFamily="49" charset="0"/>
+              </a:rPr>
+              <a:t> </a:t>
+            </a:r>
+            <a:r>
+              <a:rPr lang="pl-PL" sz="4000" dirty="0" err="1">
+                <a:latin typeface="Consolas" panose="020B0609020204030204" pitchFamily="49" charset="0"/>
+              </a:rPr>
+              <a:t>HasValue</a:t>
+            </a:r>
+            <a:r>
+              <a:rPr lang="pl-PL" sz="4000" dirty="0">
+                <a:latin typeface="Consolas" panose="020B0609020204030204" pitchFamily="49" charset="0"/>
+              </a:rPr>
+              <a:t>() {</a:t>
+            </a:r>
+          </a:p>
+          <a:p>
+            <a:r>
+              <a:rPr lang="pl-PL" sz="4000" dirty="0">
+                <a:latin typeface="Consolas" panose="020B0609020204030204" pitchFamily="49" charset="0"/>
+              </a:rPr>
+              <a:t>		</a:t>
+            </a:r>
+            <a:r>
+              <a:rPr lang="pl-PL" sz="4000" dirty="0">
+                <a:solidFill>
+                  <a:srgbClr val="0070C0"/>
+                </a:solidFill>
+                <a:latin typeface="Consolas" panose="020B0609020204030204" pitchFamily="49" charset="0"/>
+              </a:rPr>
+              <a:t>return</a:t>
+            </a:r>
+            <a:r>
+              <a:rPr lang="pl-PL" sz="4000" dirty="0">
+                <a:latin typeface="Consolas" panose="020B0609020204030204" pitchFamily="49" charset="0"/>
+              </a:rPr>
+              <a:t> </a:t>
+            </a:r>
+            <a:r>
+              <a:rPr lang="pl-PL" sz="4000" dirty="0" err="1">
+                <a:latin typeface="Consolas" panose="020B0609020204030204" pitchFamily="49" charset="0"/>
+              </a:rPr>
+              <a:t>false</a:t>
+            </a:r>
+            <a:r>
+              <a:rPr lang="pl-PL" sz="4000" dirty="0">
+                <a:latin typeface="Consolas" panose="020B0609020204030204" pitchFamily="49" charset="0"/>
+              </a:rPr>
+              <a:t>;</a:t>
+            </a:r>
+          </a:p>
+          <a:p>
+            <a:r>
+              <a:rPr lang="pl-PL" sz="4000" dirty="0">
+                <a:latin typeface="Consolas" panose="020B0609020204030204" pitchFamily="49" charset="0"/>
+              </a:rPr>
+              <a:t>	}</a:t>
+            </a:r>
+          </a:p>
+          <a:p>
+            <a:endParaRPr lang="pl-PL" sz="4000" dirty="0">
+              <a:latin typeface="Consolas" panose="020B0609020204030204" pitchFamily="49" charset="0"/>
+            </a:endParaRPr>
+          </a:p>
+          <a:p>
+            <a:r>
+              <a:rPr lang="pl-PL" sz="4000" dirty="0">
+                <a:latin typeface="Consolas" panose="020B0609020204030204" pitchFamily="49" charset="0"/>
+              </a:rPr>
+              <a:t>	</a:t>
+            </a:r>
+            <a:r>
+              <a:rPr lang="pl-PL" sz="4000" dirty="0">
+                <a:solidFill>
+                  <a:srgbClr val="0070C0"/>
+                </a:solidFill>
+                <a:latin typeface="Consolas" panose="020B0609020204030204" pitchFamily="49" charset="0"/>
+              </a:rPr>
+              <a:t>public</a:t>
+            </a:r>
+            <a:r>
+              <a:rPr lang="pl-PL" sz="4000" dirty="0">
+                <a:latin typeface="Consolas" panose="020B0609020204030204" pitchFamily="49" charset="0"/>
+              </a:rPr>
+              <a:t> T Value() {</a:t>
+            </a:r>
+          </a:p>
+          <a:p>
+            <a:r>
+              <a:rPr lang="pl-PL" sz="4000" dirty="0">
+                <a:latin typeface="Consolas" panose="020B0609020204030204" pitchFamily="49" charset="0"/>
+              </a:rPr>
+              <a:t>		</a:t>
+            </a:r>
+            <a:r>
+              <a:rPr lang="pl-PL" sz="4000" dirty="0" err="1">
+                <a:solidFill>
+                  <a:srgbClr val="0070C0"/>
+                </a:solidFill>
+                <a:latin typeface="Consolas" panose="020B0609020204030204" pitchFamily="49" charset="0"/>
+              </a:rPr>
+              <a:t>throw</a:t>
+            </a:r>
+            <a:r>
+              <a:rPr lang="pl-PL" sz="4000" dirty="0">
+                <a:solidFill>
+                  <a:srgbClr val="0070C0"/>
+                </a:solidFill>
+                <a:latin typeface="Consolas" panose="020B0609020204030204" pitchFamily="49" charset="0"/>
+              </a:rPr>
+              <a:t> </a:t>
+            </a:r>
+            <a:r>
+              <a:rPr lang="pl-PL" sz="4000" dirty="0" err="1">
+                <a:solidFill>
+                  <a:srgbClr val="0070C0"/>
+                </a:solidFill>
+                <a:latin typeface="Consolas" panose="020B0609020204030204" pitchFamily="49" charset="0"/>
+              </a:rPr>
+              <a:t>new</a:t>
+            </a:r>
+            <a:r>
+              <a:rPr lang="pl-PL" sz="4000" dirty="0">
+                <a:solidFill>
+                  <a:srgbClr val="0070C0"/>
+                </a:solidFill>
+                <a:latin typeface="Consolas" panose="020B0609020204030204" pitchFamily="49" charset="0"/>
+              </a:rPr>
+              <a:t> </a:t>
+            </a:r>
+            <a:r>
+              <a:rPr lang="pl-PL" sz="4000" dirty="0" err="1">
+                <a:latin typeface="Consolas" panose="020B0609020204030204" pitchFamily="49" charset="0"/>
+              </a:rPr>
+              <a:t>NotImplementedException</a:t>
+            </a:r>
+            <a:r>
+              <a:rPr lang="pl-PL" sz="4000" dirty="0">
+                <a:latin typeface="Consolas" panose="020B0609020204030204" pitchFamily="49" charset="0"/>
+              </a:rPr>
+              <a:t>;</a:t>
+            </a:r>
+          </a:p>
+          <a:p>
+            <a:r>
+              <a:rPr lang="pl-PL" sz="4000" dirty="0">
+                <a:latin typeface="Consolas" panose="020B0609020204030204" pitchFamily="49" charset="0"/>
+              </a:rPr>
+              <a:t>	}</a:t>
+            </a:r>
+          </a:p>
+          <a:p>
+            <a:r>
+              <a:rPr lang="pl-PL" sz="4000" dirty="0">
+                <a:latin typeface="Consolas" panose="020B0609020204030204" pitchFamily="49" charset="0"/>
+              </a:rPr>
+              <a:t>} </a:t>
+            </a:r>
+          </a:p>
+        </p:txBody>
+      </p:sp>
+    </p:spTree>
+    <p:extLst>
+      <p:ext uri="{BB962C8B-B14F-4D97-AF65-F5344CB8AC3E}">
+        <p14:creationId xmlns:p14="http://schemas.microsoft.com/office/powerpoint/2010/main" val="727503031"/>
+      </p:ext>
+    </p:extLst>
+  </p:cSld>
+  <p:clrMapOvr>
+    <a:masterClrMapping/>
+  </p:clrMapOvr>
+</p:sld>
+</file>
+
+<file path=ppt/slides/slide39.xml><?xml version="1.0" encoding="utf-8"?>
+<p:sld xmlns:a="http://schemas.openxmlformats.org/drawingml/2006/main" xmlns:r="http://schemas.openxmlformats.org/officeDocument/2006/relationships" xmlns:p="http://schemas.openxmlformats.org/presentationml/2006/main">
+  <p:cSld>
+    <p:spTree>
+      <p:nvGrpSpPr>
+        <p:cNvPr id="1" name=""/>
+        <p:cNvGrpSpPr/>
+        <p:nvPr/>
+      </p:nvGrpSpPr>
+      <p:grpSpPr>
+        <a:xfrm>
+          <a:off x="0" y="0"/>
+          <a:ext cx="0" cy="0"/>
+          <a:chOff x="0" y="0"/>
+          <a:chExt cx="0" cy="0"/>
+        </a:xfrm>
+      </p:grpSpPr>
+      <p:sp>
+        <p:nvSpPr>
+          <p:cNvPr id="3" name="Prostokąt 2">
+            <a:extLst>
+              <a:ext uri="{FF2B5EF4-FFF2-40B4-BE49-F238E27FC236}">
+                <a16:creationId xmlns:a16="http://schemas.microsoft.com/office/drawing/2014/main" id="{889D5B25-9098-4337-95E6-2EDF7BA9DE75}"/>
+              </a:ext>
+            </a:extLst>
+          </p:cNvPr>
+          <p:cNvSpPr/>
+          <p:nvPr/>
+        </p:nvSpPr>
+        <p:spPr>
+          <a:xfrm>
+            <a:off x="2450238" y="3822863"/>
+            <a:ext cx="8149701" cy="559293"/>
+          </a:xfrm>
+          <a:prstGeom prst="rect">
+            <a:avLst/>
+          </a:prstGeom>
+          <a:solidFill>
+            <a:srgbClr val="FFFF00"/>
+          </a:solidFill>
+          <a:ln>
+            <a:noFill/>
+          </a:ln>
+        </p:spPr>
+        <p:style>
+          <a:lnRef idx="2">
+            <a:schemeClr val="accent1">
+              <a:shade val="50000"/>
+            </a:schemeClr>
+          </a:lnRef>
+          <a:fillRef idx="1">
+            <a:schemeClr val="accent1"/>
+          </a:fillRef>
+          <a:effectRef idx="0">
+            <a:schemeClr val="accent1"/>
+          </a:effectRef>
+          <a:fontRef idx="minor">
+            <a:schemeClr val="lt1"/>
+          </a:fontRef>
+        </p:style>
+        <p:txBody>
+          <a:bodyPr rtlCol="0" anchor="ctr"/>
+          <a:lstStyle/>
+          <a:p>
+            <a:pPr algn="ctr"/>
+            <a:endParaRPr lang="pl-PL"/>
+          </a:p>
+        </p:txBody>
+      </p:sp>
+      <p:sp>
+        <p:nvSpPr>
+          <p:cNvPr id="4" name="Prostokąt 3">
+            <a:extLst>
+              <a:ext uri="{FF2B5EF4-FFF2-40B4-BE49-F238E27FC236}">
+                <a16:creationId xmlns:a16="http://schemas.microsoft.com/office/drawing/2014/main" id="{42C80DE7-7FB7-4C41-A0C2-A02FD4CB2D03}"/>
+              </a:ext>
+            </a:extLst>
+          </p:cNvPr>
+          <p:cNvSpPr/>
+          <p:nvPr/>
+        </p:nvSpPr>
+        <p:spPr>
+          <a:xfrm>
+            <a:off x="1679360" y="5070630"/>
+            <a:ext cx="8149701" cy="559293"/>
+          </a:xfrm>
+          <a:prstGeom prst="rect">
+            <a:avLst/>
+          </a:prstGeom>
+          <a:solidFill>
+            <a:srgbClr val="FFFF00"/>
+          </a:solidFill>
+          <a:ln>
+            <a:noFill/>
+          </a:ln>
+        </p:spPr>
+        <p:style>
+          <a:lnRef idx="2">
+            <a:schemeClr val="accent1">
+              <a:shade val="50000"/>
+            </a:schemeClr>
+          </a:lnRef>
+          <a:fillRef idx="1">
+            <a:schemeClr val="accent1"/>
+          </a:fillRef>
+          <a:effectRef idx="0">
+            <a:schemeClr val="accent1"/>
+          </a:effectRef>
+          <a:fontRef idx="minor">
+            <a:schemeClr val="lt1"/>
+          </a:fontRef>
+        </p:style>
+        <p:txBody>
+          <a:bodyPr rtlCol="0" anchor="ctr"/>
+          <a:lstStyle/>
+          <a:p>
+            <a:pPr algn="ctr"/>
+            <a:endParaRPr lang="pl-PL"/>
+          </a:p>
+        </p:txBody>
+      </p:sp>
+      <p:sp>
+        <p:nvSpPr>
+          <p:cNvPr id="2" name="pole tekstowe 1">
+            <a:extLst>
+              <a:ext uri="{FF2B5EF4-FFF2-40B4-BE49-F238E27FC236}">
+                <a16:creationId xmlns:a16="http://schemas.microsoft.com/office/drawing/2014/main" id="{E414391F-ED1B-43C4-A716-F02D434BAE8E}"/>
+              </a:ext>
+            </a:extLst>
+          </p:cNvPr>
+          <p:cNvSpPr txBox="1"/>
+          <p:nvPr/>
+        </p:nvSpPr>
+        <p:spPr>
+          <a:xfrm>
+            <a:off x="702234" y="686086"/>
+            <a:ext cx="11098636" cy="5632311"/>
+          </a:xfrm>
+          <a:prstGeom prst="rect">
+            <a:avLst/>
+          </a:prstGeom>
+          <a:noFill/>
+        </p:spPr>
+        <p:txBody>
+          <a:bodyPr wrap="square" rtlCol="0">
+            <a:spAutoFit/>
+          </a:bodyPr>
+          <a:lstStyle/>
+          <a:p>
+            <a:r>
+              <a:rPr lang="pl-PL" sz="4000" dirty="0">
+                <a:solidFill>
+                  <a:srgbClr val="0070C0"/>
+                </a:solidFill>
+                <a:latin typeface="Consolas" panose="020B0609020204030204" pitchFamily="49" charset="0"/>
+              </a:rPr>
+              <a:t>public</a:t>
+            </a:r>
+            <a:r>
+              <a:rPr lang="pl-PL" sz="4000" dirty="0">
+                <a:latin typeface="Consolas" panose="020B0609020204030204" pitchFamily="49" charset="0"/>
+              </a:rPr>
+              <a:t> </a:t>
+            </a:r>
+            <a:r>
+              <a:rPr lang="pl-PL" sz="4000" dirty="0" err="1">
+                <a:latin typeface="Consolas" panose="020B0609020204030204" pitchFamily="49" charset="0"/>
+              </a:rPr>
+              <a:t>Employee</a:t>
+            </a:r>
+            <a:r>
+              <a:rPr lang="pl-PL" sz="4000" dirty="0">
+                <a:latin typeface="Consolas" panose="020B0609020204030204" pitchFamily="49" charset="0"/>
+              </a:rPr>
+              <a:t> </a:t>
+            </a:r>
+            <a:r>
+              <a:rPr lang="pl-PL" sz="4000" dirty="0" err="1">
+                <a:latin typeface="Consolas" panose="020B0609020204030204" pitchFamily="49" charset="0"/>
+              </a:rPr>
+              <a:t>getByName</a:t>
+            </a:r>
+            <a:r>
+              <a:rPr lang="pl-PL" sz="4000" dirty="0">
+                <a:latin typeface="Consolas" panose="020B0609020204030204" pitchFamily="49" charset="0"/>
+              </a:rPr>
+              <a:t>(</a:t>
+            </a:r>
+            <a:r>
+              <a:rPr lang="pl-PL" sz="4000" dirty="0">
+                <a:solidFill>
+                  <a:srgbClr val="0070C0"/>
+                </a:solidFill>
+                <a:latin typeface="Consolas" panose="020B0609020204030204" pitchFamily="49" charset="0"/>
+              </a:rPr>
+              <a:t>String</a:t>
+            </a:r>
+            <a:r>
+              <a:rPr lang="pl-PL" sz="4000" dirty="0">
+                <a:latin typeface="Consolas" panose="020B0609020204030204" pitchFamily="49" charset="0"/>
+              </a:rPr>
+              <a:t> </a:t>
+            </a:r>
+            <a:r>
+              <a:rPr lang="pl-PL" sz="4000" dirty="0" err="1">
+                <a:latin typeface="Consolas" panose="020B0609020204030204" pitchFamily="49" charset="0"/>
+              </a:rPr>
+              <a:t>name</a:t>
+            </a:r>
+            <a:r>
+              <a:rPr lang="pl-PL" sz="4000" dirty="0">
+                <a:latin typeface="Consolas" panose="020B0609020204030204" pitchFamily="49" charset="0"/>
+              </a:rPr>
+              <a:t>)</a:t>
+            </a:r>
+          </a:p>
+          <a:p>
+            <a:r>
+              <a:rPr lang="pl-PL" sz="4000" dirty="0">
+                <a:latin typeface="Consolas" panose="020B0609020204030204" pitchFamily="49" charset="0"/>
+              </a:rPr>
+              <a:t>{</a:t>
+            </a:r>
+          </a:p>
+          <a:p>
+            <a:r>
+              <a:rPr lang="pl-PL" sz="4000" dirty="0">
+                <a:latin typeface="Consolas" panose="020B0609020204030204" pitchFamily="49" charset="0"/>
+              </a:rPr>
+              <a:t>	</a:t>
+            </a:r>
+            <a:r>
+              <a:rPr lang="pl-PL" sz="4000" dirty="0" err="1">
+                <a:latin typeface="Consolas" panose="020B0609020204030204" pitchFamily="49" charset="0"/>
+              </a:rPr>
+              <a:t>Employee</a:t>
+            </a:r>
+            <a:r>
+              <a:rPr lang="pl-PL" sz="4000" dirty="0">
+                <a:latin typeface="Consolas" panose="020B0609020204030204" pitchFamily="49" charset="0"/>
+              </a:rPr>
+              <a:t> e = </a:t>
+            </a:r>
+            <a:r>
+              <a:rPr lang="pl-PL" sz="4000" dirty="0" err="1">
+                <a:latin typeface="Consolas" panose="020B0609020204030204" pitchFamily="49" charset="0"/>
+              </a:rPr>
+              <a:t>employees.get</a:t>
+            </a:r>
+            <a:r>
+              <a:rPr lang="pl-PL" sz="4000" dirty="0">
+                <a:latin typeface="Consolas" panose="020B0609020204030204" pitchFamily="49" charset="0"/>
+              </a:rPr>
+              <a:t>(</a:t>
+            </a:r>
+            <a:r>
+              <a:rPr lang="pl-PL" sz="4000" dirty="0" err="1">
+                <a:latin typeface="Consolas" panose="020B0609020204030204" pitchFamily="49" charset="0"/>
+              </a:rPr>
+              <a:t>name</a:t>
+            </a:r>
+            <a:r>
+              <a:rPr lang="pl-PL" sz="4000" dirty="0">
+                <a:latin typeface="Consolas" panose="020B0609020204030204" pitchFamily="49" charset="0"/>
+              </a:rPr>
+              <a:t>);</a:t>
+            </a:r>
+          </a:p>
+          <a:p>
+            <a:r>
+              <a:rPr lang="pl-PL" sz="4000" dirty="0">
+                <a:latin typeface="Consolas" panose="020B0609020204030204" pitchFamily="49" charset="0"/>
+              </a:rPr>
+              <a:t>	</a:t>
+            </a:r>
+            <a:r>
+              <a:rPr lang="pl-PL" sz="4000" dirty="0" err="1">
+                <a:solidFill>
+                  <a:srgbClr val="0070C0"/>
+                </a:solidFill>
+                <a:latin typeface="Consolas" panose="020B0609020204030204" pitchFamily="49" charset="0"/>
+              </a:rPr>
+              <a:t>if</a:t>
+            </a:r>
+            <a:r>
+              <a:rPr lang="pl-PL" sz="4000" dirty="0">
+                <a:latin typeface="Consolas" panose="020B0609020204030204" pitchFamily="49" charset="0"/>
+              </a:rPr>
+              <a:t>(e == </a:t>
+            </a:r>
+            <a:r>
+              <a:rPr lang="pl-PL" sz="4000" dirty="0" err="1">
+                <a:latin typeface="Consolas" panose="020B0609020204030204" pitchFamily="49" charset="0"/>
+              </a:rPr>
+              <a:t>null</a:t>
+            </a:r>
+            <a:r>
+              <a:rPr lang="pl-PL" sz="4000" dirty="0">
+                <a:latin typeface="Consolas" panose="020B0609020204030204" pitchFamily="49" charset="0"/>
+              </a:rPr>
+              <a:t>)</a:t>
+            </a:r>
+          </a:p>
+          <a:p>
+            <a:r>
+              <a:rPr lang="pl-PL" sz="4000" dirty="0">
+                <a:latin typeface="Consolas" panose="020B0609020204030204" pitchFamily="49" charset="0"/>
+              </a:rPr>
+              <a:t>	{</a:t>
+            </a:r>
+          </a:p>
+          <a:p>
+            <a:r>
+              <a:rPr lang="pl-PL" sz="4000" dirty="0">
+                <a:latin typeface="Consolas" panose="020B0609020204030204" pitchFamily="49" charset="0"/>
+              </a:rPr>
+              <a:t>		</a:t>
+            </a:r>
+            <a:r>
+              <a:rPr lang="pl-PL" sz="4000" dirty="0">
+                <a:solidFill>
+                  <a:srgbClr val="0070C0"/>
+                </a:solidFill>
+                <a:latin typeface="Consolas" panose="020B0609020204030204" pitchFamily="49" charset="0"/>
+              </a:rPr>
+              <a:t>return</a:t>
+            </a:r>
+            <a:r>
+              <a:rPr lang="pl-PL" sz="4000" dirty="0">
+                <a:latin typeface="Consolas" panose="020B0609020204030204" pitchFamily="49" charset="0"/>
+              </a:rPr>
+              <a:t> </a:t>
+            </a:r>
+            <a:r>
+              <a:rPr lang="pl-PL" sz="4000" dirty="0" err="1">
+                <a:latin typeface="Consolas" panose="020B0609020204030204" pitchFamily="49" charset="0"/>
+              </a:rPr>
+              <a:t>new</a:t>
+            </a:r>
+            <a:r>
+              <a:rPr lang="pl-PL" sz="4000" dirty="0">
+                <a:latin typeface="Consolas" panose="020B0609020204030204" pitchFamily="49" charset="0"/>
+              </a:rPr>
+              <a:t> </a:t>
+            </a:r>
+            <a:r>
+              <a:rPr lang="pl-PL" sz="4000" dirty="0" err="1">
+                <a:latin typeface="Consolas" panose="020B0609020204030204" pitchFamily="49" charset="0"/>
+              </a:rPr>
+              <a:t>None</a:t>
+            </a:r>
+            <a:r>
+              <a:rPr lang="pl-PL" sz="4000" dirty="0">
+                <a:latin typeface="Consolas" panose="020B0609020204030204" pitchFamily="49" charset="0"/>
+              </a:rPr>
+              <a:t>&lt;</a:t>
+            </a:r>
+            <a:r>
+              <a:rPr lang="pl-PL" sz="4000" dirty="0" err="1">
+                <a:latin typeface="Consolas" panose="020B0609020204030204" pitchFamily="49" charset="0"/>
+              </a:rPr>
+              <a:t>Employee</a:t>
+            </a:r>
+            <a:r>
+              <a:rPr lang="pl-PL" sz="4000" dirty="0">
+                <a:latin typeface="Consolas" panose="020B0609020204030204" pitchFamily="49" charset="0"/>
+              </a:rPr>
+              <a:t>&gt;();	    </a:t>
+            </a:r>
+          </a:p>
+          <a:p>
+            <a:r>
+              <a:rPr lang="pl-PL" sz="4000" dirty="0">
+                <a:latin typeface="Consolas" panose="020B0609020204030204" pitchFamily="49" charset="0"/>
+              </a:rPr>
+              <a:t>	} </a:t>
+            </a:r>
+          </a:p>
+          <a:p>
+            <a:r>
+              <a:rPr lang="pl-PL" sz="4000" dirty="0">
+                <a:latin typeface="Consolas" panose="020B0609020204030204" pitchFamily="49" charset="0"/>
+              </a:rPr>
+              <a:t>	</a:t>
+            </a:r>
+            <a:r>
+              <a:rPr lang="pl-PL" sz="4000" dirty="0">
+                <a:solidFill>
+                  <a:srgbClr val="0070C0"/>
+                </a:solidFill>
+                <a:latin typeface="Consolas" panose="020B0609020204030204" pitchFamily="49" charset="0"/>
+              </a:rPr>
+              <a:t>return</a:t>
+            </a:r>
+            <a:r>
+              <a:rPr lang="pl-PL" sz="4000" dirty="0">
+                <a:latin typeface="Consolas" panose="020B0609020204030204" pitchFamily="49" charset="0"/>
+              </a:rPr>
+              <a:t> </a:t>
+            </a:r>
+            <a:r>
+              <a:rPr lang="pl-PL" sz="4000" dirty="0" err="1">
+                <a:latin typeface="Consolas" panose="020B0609020204030204" pitchFamily="49" charset="0"/>
+              </a:rPr>
+              <a:t>new</a:t>
+            </a:r>
+            <a:r>
+              <a:rPr lang="pl-PL" sz="4000" dirty="0">
+                <a:latin typeface="Consolas" panose="020B0609020204030204" pitchFamily="49" charset="0"/>
+              </a:rPr>
+              <a:t> </a:t>
+            </a:r>
+            <a:r>
+              <a:rPr lang="pl-PL" sz="4000" dirty="0" err="1">
+                <a:latin typeface="Consolas" panose="020B0609020204030204" pitchFamily="49" charset="0"/>
+              </a:rPr>
+              <a:t>Some</a:t>
+            </a:r>
+            <a:r>
+              <a:rPr lang="pl-PL" sz="4000" dirty="0">
+                <a:latin typeface="Consolas" panose="020B0609020204030204" pitchFamily="49" charset="0"/>
+              </a:rPr>
+              <a:t>&lt;</a:t>
+            </a:r>
+            <a:r>
+              <a:rPr lang="pl-PL" sz="4000" dirty="0" err="1">
+                <a:latin typeface="Consolas" panose="020B0609020204030204" pitchFamily="49" charset="0"/>
+              </a:rPr>
+              <a:t>Employee</a:t>
+            </a:r>
+            <a:r>
+              <a:rPr lang="pl-PL" sz="4000" dirty="0">
+                <a:latin typeface="Consolas" panose="020B0609020204030204" pitchFamily="49" charset="0"/>
+              </a:rPr>
+              <a:t>&gt;(e);	</a:t>
+            </a:r>
+          </a:p>
+          <a:p>
+            <a:r>
+              <a:rPr lang="pl-PL" sz="4000" dirty="0">
+                <a:latin typeface="Consolas" panose="020B0609020204030204" pitchFamily="49" charset="0"/>
+              </a:rPr>
+              <a:t>}</a:t>
+            </a:r>
+          </a:p>
+        </p:txBody>
+      </p:sp>
+    </p:spTree>
+    <p:extLst>
+      <p:ext uri="{BB962C8B-B14F-4D97-AF65-F5344CB8AC3E}">
+        <p14:creationId xmlns:p14="http://schemas.microsoft.com/office/powerpoint/2010/main" val="1858489845"/>
+      </p:ext>
+    </p:extLst>
+  </p:cSld>
+  <p:clrMapOvr>
+    <a:masterClrMapping/>
+  </p:clrMapOvr>
+</p:sld>
+</file>
+
+<file path=ppt/slides/slide4.xml><?xml version="1.0" encoding="utf-8"?>
+<p:sld xmlns:a="http://schemas.openxmlformats.org/drawingml/2006/main" xmlns:r="http://schemas.openxmlformats.org/officeDocument/2006/relationships" xmlns:p="http://schemas.openxmlformats.org/presentationml/2006/main">
+  <p:cSld>
+    <p:spTree>
+      <p:nvGrpSpPr>
+        <p:cNvPr id="1" name=""/>
+        <p:cNvGrpSpPr/>
+        <p:nvPr/>
+      </p:nvGrpSpPr>
+      <p:grpSpPr>
+        <a:xfrm>
+          <a:off x="0" y="0"/>
+          <a:ext cx="0" cy="0"/>
+          <a:chOff x="0" y="0"/>
+          <a:chExt cx="0" cy="0"/>
+        </a:xfrm>
+      </p:grpSpPr>
+      <p:sp>
+        <p:nvSpPr>
+          <p:cNvPr id="2" name="pole tekstowe 1"/>
+          <p:cNvSpPr txBox="1"/>
+          <p:nvPr/>
+        </p:nvSpPr>
+        <p:spPr>
+          <a:xfrm>
+            <a:off x="3241553" y="2457446"/>
+            <a:ext cx="5617221" cy="1569660"/>
+          </a:xfrm>
+          <a:prstGeom prst="rect">
+            <a:avLst/>
+          </a:prstGeom>
+          <a:noFill/>
+        </p:spPr>
+        <p:txBody>
+          <a:bodyPr wrap="square" rtlCol="0">
+            <a:spAutoFit/>
+          </a:bodyPr>
+          <a:lstStyle/>
+          <a:p>
+            <a:pPr algn="ctr"/>
+            <a:r>
+              <a:rPr lang="pl-PL" sz="9600" dirty="0">
+                <a:latin typeface="Consolas" panose="020B0609020204030204" pitchFamily="49" charset="0"/>
+                <a:cs typeface="Consolas" panose="020B0609020204030204" pitchFamily="49" charset="0"/>
+              </a:rPr>
+              <a:t>{nenio}</a:t>
+            </a:r>
+          </a:p>
+        </p:txBody>
+      </p:sp>
+    </p:spTree>
+    <p:extLst>
+      <p:ext uri="{BB962C8B-B14F-4D97-AF65-F5344CB8AC3E}">
+        <p14:creationId xmlns:p14="http://schemas.microsoft.com/office/powerpoint/2010/main" val="2840632451"/>
+      </p:ext>
+    </p:extLst>
+  </p:cSld>
+  <p:clrMapOvr>
+    <a:masterClrMapping/>
+  </p:clrMapOvr>
+</p:sld>
+</file>
+
+<file path=ppt/slides/slide40.xml><?xml version="1.0" encoding="utf-8"?>
+<p:sld xmlns:a="http://schemas.openxmlformats.org/drawingml/2006/main" xmlns:r="http://schemas.openxmlformats.org/officeDocument/2006/relationships" xmlns:p="http://schemas.openxmlformats.org/presentationml/2006/main">
+  <p:cSld>
+    <p:spTree>
+      <p:nvGrpSpPr>
+        <p:cNvPr id="1" name=""/>
+        <p:cNvGrpSpPr/>
+        <p:nvPr/>
+      </p:nvGrpSpPr>
+      <p:grpSpPr>
+        <a:xfrm>
+          <a:off x="0" y="0"/>
+          <a:ext cx="0" cy="0"/>
+          <a:chOff x="0" y="0"/>
+          <a:chExt cx="0" cy="0"/>
+        </a:xfrm>
+      </p:grpSpPr>
+      <p:sp>
+        <p:nvSpPr>
+          <p:cNvPr id="2" name="pole tekstowe 1">
+            <a:extLst>
+              <a:ext uri="{FF2B5EF4-FFF2-40B4-BE49-F238E27FC236}">
+                <a16:creationId xmlns:a16="http://schemas.microsoft.com/office/drawing/2014/main" id="{365AB94B-8F43-4449-AF38-AADE058EC648}"/>
+              </a:ext>
+            </a:extLst>
+          </p:cNvPr>
+          <p:cNvSpPr txBox="1"/>
+          <p:nvPr/>
+        </p:nvSpPr>
+        <p:spPr>
+          <a:xfrm>
+            <a:off x="266329" y="1951418"/>
+            <a:ext cx="11691892" cy="2400657"/>
+          </a:xfrm>
+          <a:prstGeom prst="rect">
+            <a:avLst/>
+          </a:prstGeom>
+          <a:noFill/>
+        </p:spPr>
+        <p:txBody>
+          <a:bodyPr wrap="square" rtlCol="0">
+            <a:spAutoFit/>
+          </a:bodyPr>
+          <a:lstStyle/>
+          <a:p>
+            <a:pPr algn="ctr"/>
+            <a:r>
+              <a:rPr lang="pl-PL" sz="15000" dirty="0">
+                <a:latin typeface="Consolas" panose="020B0609020204030204" pitchFamily="49" charset="0"/>
+                <a:cs typeface="Consolas" panose="020B0609020204030204" pitchFamily="49" charset="0"/>
+              </a:rPr>
+              <a:t>(</a:t>
+            </a:r>
+            <a:r>
+              <a:rPr lang="pl-PL" sz="15000" b="1" dirty="0">
+                <a:latin typeface="Consolas" panose="020B0609020204030204" pitchFamily="49" charset="0"/>
+                <a:cs typeface="Consolas" panose="020B0609020204030204" pitchFamily="49" charset="0"/>
+                <a:sym typeface="Symbol" panose="05050102010706020507" pitchFamily="18" charset="2"/>
+              </a:rPr>
+              <a:t></a:t>
+            </a:r>
+            <a:r>
+              <a:rPr lang="pl-PL" sz="15000" dirty="0">
+                <a:latin typeface="Consolas" panose="020B0609020204030204" pitchFamily="49" charset="0"/>
+                <a:cs typeface="Consolas" panose="020B0609020204030204" pitchFamily="49" charset="0"/>
+              </a:rPr>
+              <a:t>)</a:t>
+            </a:r>
+          </a:p>
+        </p:txBody>
+      </p:sp>
+    </p:spTree>
+    <p:extLst>
+      <p:ext uri="{BB962C8B-B14F-4D97-AF65-F5344CB8AC3E}">
+        <p14:creationId xmlns:p14="http://schemas.microsoft.com/office/powerpoint/2010/main" val="1262203488"/>
+      </p:ext>
+    </p:extLst>
+  </p:cSld>
+  <p:clrMapOvr>
+    <a:masterClrMapping/>
+  </p:clrMapOvr>
+</p:sld>
+</file>
+
+<file path=ppt/slides/slide41.xml><?xml version="1.0" encoding="utf-8"?>
+<p:sld xmlns:a="http://schemas.openxmlformats.org/drawingml/2006/main" xmlns:r="http://schemas.openxmlformats.org/officeDocument/2006/relationships" xmlns:p="http://schemas.openxmlformats.org/presentationml/2006/main">
+  <p:cSld>
+    <p:spTree>
+      <p:nvGrpSpPr>
+        <p:cNvPr id="1" name=""/>
+        <p:cNvGrpSpPr/>
+        <p:nvPr/>
+      </p:nvGrpSpPr>
+      <p:grpSpPr>
+        <a:xfrm>
+          <a:off x="0" y="0"/>
+          <a:ext cx="0" cy="0"/>
+          <a:chOff x="0" y="0"/>
+          <a:chExt cx="0" cy="0"/>
+        </a:xfrm>
+      </p:grpSpPr>
+      <p:sp>
+        <p:nvSpPr>
+          <p:cNvPr id="5" name="Prostokąt 4">
+            <a:extLst>
+              <a:ext uri="{FF2B5EF4-FFF2-40B4-BE49-F238E27FC236}">
+                <a16:creationId xmlns:a16="http://schemas.microsoft.com/office/drawing/2014/main" id="{50DB7475-3AB0-4DF2-A1A5-A6C4269F9AA0}"/>
+              </a:ext>
+            </a:extLst>
+          </p:cNvPr>
+          <p:cNvSpPr/>
+          <p:nvPr/>
+        </p:nvSpPr>
+        <p:spPr>
+          <a:xfrm>
+            <a:off x="1716350" y="1015014"/>
+            <a:ext cx="3959441" cy="655468"/>
+          </a:xfrm>
+          <a:prstGeom prst="rect">
+            <a:avLst/>
+          </a:prstGeom>
+          <a:solidFill>
+            <a:srgbClr val="FFFF00"/>
+          </a:solidFill>
+          <a:ln>
+            <a:noFill/>
+          </a:ln>
+        </p:spPr>
+        <p:style>
+          <a:lnRef idx="2">
+            <a:schemeClr val="accent1">
+              <a:shade val="50000"/>
+            </a:schemeClr>
+          </a:lnRef>
+          <a:fillRef idx="1">
+            <a:schemeClr val="accent1"/>
+          </a:fillRef>
+          <a:effectRef idx="0">
+            <a:schemeClr val="accent1"/>
+          </a:effectRef>
+          <a:fontRef idx="minor">
+            <a:schemeClr val="lt1"/>
+          </a:fontRef>
+        </p:style>
+        <p:txBody>
+          <a:bodyPr rtlCol="0" anchor="ctr"/>
+          <a:lstStyle/>
+          <a:p>
+            <a:pPr algn="ctr"/>
+            <a:endParaRPr lang="pl-PL"/>
+          </a:p>
+        </p:txBody>
+      </p:sp>
+      <p:sp>
+        <p:nvSpPr>
+          <p:cNvPr id="4" name="Prostokąt 3">
+            <a:extLst>
+              <a:ext uri="{FF2B5EF4-FFF2-40B4-BE49-F238E27FC236}">
+                <a16:creationId xmlns:a16="http://schemas.microsoft.com/office/drawing/2014/main" id="{63D4C7C4-59C9-40E8-AA8B-F368DCB3DBB4}"/>
+              </a:ext>
+            </a:extLst>
+          </p:cNvPr>
+          <p:cNvSpPr/>
+          <p:nvPr/>
+        </p:nvSpPr>
+        <p:spPr>
+          <a:xfrm>
+            <a:off x="2274164" y="4049697"/>
+            <a:ext cx="3959441" cy="655468"/>
+          </a:xfrm>
+          <a:prstGeom prst="rect">
+            <a:avLst/>
+          </a:prstGeom>
+          <a:solidFill>
+            <a:srgbClr val="FFFF00"/>
+          </a:solidFill>
+          <a:ln>
+            <a:noFill/>
+          </a:ln>
+        </p:spPr>
+        <p:style>
+          <a:lnRef idx="2">
+            <a:schemeClr val="accent1">
+              <a:shade val="50000"/>
+            </a:schemeClr>
+          </a:lnRef>
+          <a:fillRef idx="1">
+            <a:schemeClr val="accent1"/>
+          </a:fillRef>
+          <a:effectRef idx="0">
+            <a:schemeClr val="accent1"/>
+          </a:effectRef>
+          <a:fontRef idx="minor">
+            <a:schemeClr val="lt1"/>
+          </a:fontRef>
+        </p:style>
+        <p:txBody>
+          <a:bodyPr rtlCol="0" anchor="ctr"/>
+          <a:lstStyle/>
+          <a:p>
+            <a:pPr algn="ctr"/>
+            <a:endParaRPr lang="pl-PL"/>
+          </a:p>
+        </p:txBody>
+      </p:sp>
+      <p:sp>
+        <p:nvSpPr>
+          <p:cNvPr id="2" name="pole tekstowe 1">
+            <a:extLst>
+              <a:ext uri="{FF2B5EF4-FFF2-40B4-BE49-F238E27FC236}">
+                <a16:creationId xmlns:a16="http://schemas.microsoft.com/office/drawing/2014/main" id="{51A870B3-D539-49DF-9E43-1728C5427B07}"/>
+              </a:ext>
+            </a:extLst>
+          </p:cNvPr>
+          <p:cNvSpPr txBox="1"/>
+          <p:nvPr/>
+        </p:nvSpPr>
+        <p:spPr>
+          <a:xfrm>
+            <a:off x="746621" y="344576"/>
+            <a:ext cx="11098636" cy="6247864"/>
+          </a:xfrm>
+          <a:prstGeom prst="rect">
+            <a:avLst/>
+          </a:prstGeom>
+          <a:noFill/>
+        </p:spPr>
+        <p:txBody>
+          <a:bodyPr wrap="square" rtlCol="0">
+            <a:spAutoFit/>
+          </a:bodyPr>
+          <a:lstStyle/>
+          <a:p>
+            <a:r>
+              <a:rPr lang="pl-PL" sz="4000" dirty="0">
+                <a:solidFill>
+                  <a:srgbClr val="0070C0"/>
+                </a:solidFill>
+                <a:latin typeface="Consolas" panose="020B0609020204030204" pitchFamily="49" charset="0"/>
+              </a:rPr>
+              <a:t>public</a:t>
+            </a:r>
+            <a:r>
+              <a:rPr lang="pl-PL" sz="4000" dirty="0">
+                <a:latin typeface="Consolas" panose="020B0609020204030204" pitchFamily="49" charset="0"/>
+              </a:rPr>
+              <a:t> </a:t>
+            </a:r>
+            <a:r>
+              <a:rPr lang="pl-PL" sz="4000" dirty="0" err="1">
+                <a:latin typeface="Consolas" panose="020B0609020204030204" pitchFamily="49" charset="0"/>
+              </a:rPr>
+              <a:t>Employee</a:t>
+            </a:r>
+            <a:r>
+              <a:rPr lang="pl-PL" sz="4000" dirty="0">
+                <a:latin typeface="Consolas" panose="020B0609020204030204" pitchFamily="49" charset="0"/>
+              </a:rPr>
+              <a:t> </a:t>
+            </a:r>
+            <a:r>
+              <a:rPr lang="pl-PL" sz="4000" dirty="0" err="1">
+                <a:latin typeface="Consolas" panose="020B0609020204030204" pitchFamily="49" charset="0"/>
+              </a:rPr>
+              <a:t>getByName</a:t>
+            </a:r>
+            <a:r>
+              <a:rPr lang="pl-PL" sz="4000" dirty="0">
+                <a:latin typeface="Consolas" panose="020B0609020204030204" pitchFamily="49" charset="0"/>
+              </a:rPr>
+              <a:t>(</a:t>
+            </a:r>
+            <a:r>
+              <a:rPr lang="pl-PL" sz="4000" dirty="0">
+                <a:solidFill>
+                  <a:srgbClr val="0070C0"/>
+                </a:solidFill>
+                <a:latin typeface="Consolas" panose="020B0609020204030204" pitchFamily="49" charset="0"/>
+              </a:rPr>
+              <a:t>String</a:t>
+            </a:r>
+            <a:r>
+              <a:rPr lang="pl-PL" sz="4000" dirty="0">
+                <a:latin typeface="Consolas" panose="020B0609020204030204" pitchFamily="49" charset="0"/>
+              </a:rPr>
+              <a:t> </a:t>
+            </a:r>
+            <a:r>
+              <a:rPr lang="pl-PL" sz="4000" dirty="0" err="1">
+                <a:latin typeface="Consolas" panose="020B0609020204030204" pitchFamily="49" charset="0"/>
+              </a:rPr>
+              <a:t>name</a:t>
+            </a:r>
+            <a:r>
+              <a:rPr lang="pl-PL" sz="4000" dirty="0">
+                <a:latin typeface="Consolas" panose="020B0609020204030204" pitchFamily="49" charset="0"/>
+              </a:rPr>
+              <a:t>,</a:t>
+            </a:r>
+          </a:p>
+          <a:p>
+            <a:r>
+              <a:rPr lang="pl-PL" sz="4000" dirty="0">
+                <a:latin typeface="Consolas" panose="020B0609020204030204" pitchFamily="49" charset="0"/>
+              </a:rPr>
+              <a:t>	</a:t>
+            </a:r>
+            <a:r>
+              <a:rPr lang="pl-PL" sz="4000" dirty="0" err="1">
+                <a:solidFill>
+                  <a:srgbClr val="0070C0"/>
+                </a:solidFill>
+                <a:latin typeface="Consolas" panose="020B0609020204030204" pitchFamily="49" charset="0"/>
+              </a:rPr>
+              <a:t>Func</a:t>
+            </a:r>
+            <a:r>
+              <a:rPr lang="pl-PL" sz="4000" dirty="0">
+                <a:latin typeface="Consolas" panose="020B0609020204030204" pitchFamily="49" charset="0"/>
+              </a:rPr>
+              <a:t> </a:t>
+            </a:r>
+            <a:r>
+              <a:rPr lang="pl-PL" sz="4000" dirty="0" err="1">
+                <a:latin typeface="Consolas" panose="020B0609020204030204" pitchFamily="49" charset="0"/>
+              </a:rPr>
+              <a:t>errorFunc</a:t>
+            </a:r>
+            <a:r>
+              <a:rPr lang="pl-PL" sz="4000" dirty="0">
+                <a:latin typeface="Consolas" panose="020B0609020204030204" pitchFamily="49" charset="0"/>
+              </a:rPr>
+              <a:t>)</a:t>
+            </a:r>
+          </a:p>
+          <a:p>
+            <a:r>
+              <a:rPr lang="pl-PL" sz="4000" dirty="0">
+                <a:latin typeface="Consolas" panose="020B0609020204030204" pitchFamily="49" charset="0"/>
+              </a:rPr>
+              <a:t>{</a:t>
+            </a:r>
+          </a:p>
+          <a:p>
+            <a:r>
+              <a:rPr lang="pl-PL" sz="4000" dirty="0">
+                <a:latin typeface="Consolas" panose="020B0609020204030204" pitchFamily="49" charset="0"/>
+              </a:rPr>
+              <a:t>	</a:t>
+            </a:r>
+            <a:r>
+              <a:rPr lang="pl-PL" sz="4000" dirty="0" err="1">
+                <a:latin typeface="Consolas" panose="020B0609020204030204" pitchFamily="49" charset="0"/>
+              </a:rPr>
+              <a:t>Employee</a:t>
+            </a:r>
+            <a:r>
+              <a:rPr lang="pl-PL" sz="4000" dirty="0">
+                <a:latin typeface="Consolas" panose="020B0609020204030204" pitchFamily="49" charset="0"/>
+              </a:rPr>
+              <a:t> e = </a:t>
+            </a:r>
+            <a:r>
+              <a:rPr lang="pl-PL" sz="4000" dirty="0" err="1">
+                <a:latin typeface="Consolas" panose="020B0609020204030204" pitchFamily="49" charset="0"/>
+              </a:rPr>
+              <a:t>employees.get</a:t>
+            </a:r>
+            <a:r>
+              <a:rPr lang="pl-PL" sz="4000" dirty="0">
+                <a:latin typeface="Consolas" panose="020B0609020204030204" pitchFamily="49" charset="0"/>
+              </a:rPr>
+              <a:t>(</a:t>
+            </a:r>
+            <a:r>
+              <a:rPr lang="pl-PL" sz="4000" dirty="0" err="1">
+                <a:latin typeface="Consolas" panose="020B0609020204030204" pitchFamily="49" charset="0"/>
+              </a:rPr>
+              <a:t>name</a:t>
+            </a:r>
+            <a:r>
+              <a:rPr lang="pl-PL" sz="4000" dirty="0">
+                <a:latin typeface="Consolas" panose="020B0609020204030204" pitchFamily="49" charset="0"/>
+              </a:rPr>
+              <a:t>);</a:t>
+            </a:r>
+          </a:p>
+          <a:p>
+            <a:r>
+              <a:rPr lang="pl-PL" sz="4000" dirty="0">
+                <a:latin typeface="Consolas" panose="020B0609020204030204" pitchFamily="49" charset="0"/>
+              </a:rPr>
+              <a:t>	</a:t>
+            </a:r>
+            <a:r>
+              <a:rPr lang="pl-PL" sz="4000" dirty="0" err="1">
+                <a:solidFill>
+                  <a:srgbClr val="0070C0"/>
+                </a:solidFill>
+                <a:latin typeface="Consolas" panose="020B0609020204030204" pitchFamily="49" charset="0"/>
+              </a:rPr>
+              <a:t>if</a:t>
+            </a:r>
+            <a:r>
+              <a:rPr lang="pl-PL" sz="4000" dirty="0">
+                <a:latin typeface="Consolas" panose="020B0609020204030204" pitchFamily="49" charset="0"/>
+              </a:rPr>
+              <a:t>(e == </a:t>
+            </a:r>
+            <a:r>
+              <a:rPr lang="pl-PL" sz="4000" dirty="0" err="1">
+                <a:latin typeface="Consolas" panose="020B0609020204030204" pitchFamily="49" charset="0"/>
+              </a:rPr>
+              <a:t>null</a:t>
+            </a:r>
+            <a:r>
+              <a:rPr lang="pl-PL" sz="4000" dirty="0">
+                <a:latin typeface="Consolas" panose="020B0609020204030204" pitchFamily="49" charset="0"/>
+              </a:rPr>
+              <a:t>)</a:t>
+            </a:r>
+          </a:p>
+          <a:p>
+            <a:r>
+              <a:rPr lang="pl-PL" sz="4000" dirty="0">
+                <a:latin typeface="Consolas" panose="020B0609020204030204" pitchFamily="49" charset="0"/>
+              </a:rPr>
+              <a:t>	{</a:t>
+            </a:r>
+          </a:p>
+          <a:p>
+            <a:r>
+              <a:rPr lang="pl-PL" sz="4000" dirty="0">
+                <a:latin typeface="Consolas" panose="020B0609020204030204" pitchFamily="49" charset="0"/>
+              </a:rPr>
+              <a:t>		</a:t>
+            </a:r>
+            <a:r>
+              <a:rPr lang="pl-PL" sz="4000" dirty="0" err="1">
+                <a:latin typeface="Consolas" panose="020B0609020204030204" pitchFamily="49" charset="0"/>
+              </a:rPr>
+              <a:t>errorFunc</a:t>
+            </a:r>
+            <a:r>
+              <a:rPr lang="pl-PL" sz="4000" dirty="0">
+                <a:latin typeface="Consolas" panose="020B0609020204030204" pitchFamily="49" charset="0"/>
+              </a:rPr>
+              <a:t>();	    </a:t>
+            </a:r>
+          </a:p>
+          <a:p>
+            <a:r>
+              <a:rPr lang="pl-PL" sz="4000" dirty="0">
+                <a:latin typeface="Consolas" panose="020B0609020204030204" pitchFamily="49" charset="0"/>
+              </a:rPr>
+              <a:t>	} </a:t>
+            </a:r>
+          </a:p>
+          <a:p>
+            <a:r>
+              <a:rPr lang="pl-PL" sz="4000" dirty="0">
+                <a:latin typeface="Consolas" panose="020B0609020204030204" pitchFamily="49" charset="0"/>
+              </a:rPr>
+              <a:t>	</a:t>
+            </a:r>
+            <a:r>
+              <a:rPr lang="pl-PL" sz="4000" dirty="0">
+                <a:solidFill>
+                  <a:srgbClr val="0070C0"/>
+                </a:solidFill>
+                <a:latin typeface="Consolas" panose="020B0609020204030204" pitchFamily="49" charset="0"/>
+              </a:rPr>
+              <a:t>return</a:t>
+            </a:r>
+            <a:r>
+              <a:rPr lang="pl-PL" sz="4000" dirty="0">
+                <a:latin typeface="Consolas" panose="020B0609020204030204" pitchFamily="49" charset="0"/>
+              </a:rPr>
+              <a:t> e;	</a:t>
+            </a:r>
+          </a:p>
+          <a:p>
+            <a:r>
+              <a:rPr lang="pl-PL" sz="4000" dirty="0">
+                <a:latin typeface="Consolas" panose="020B0609020204030204" pitchFamily="49" charset="0"/>
+              </a:rPr>
+              <a:t>}</a:t>
+            </a:r>
+          </a:p>
+        </p:txBody>
+      </p:sp>
+    </p:spTree>
+    <p:extLst>
+      <p:ext uri="{BB962C8B-B14F-4D97-AF65-F5344CB8AC3E}">
+        <p14:creationId xmlns:p14="http://schemas.microsoft.com/office/powerpoint/2010/main" val="1336544512"/>
+      </p:ext>
+    </p:extLst>
+  </p:cSld>
+  <p:clrMapOvr>
+    <a:masterClrMapping/>
+  </p:clrMapOvr>
+</p:sld>
+</file>
+
+<file path=ppt/slides/slide42.xml><?xml version="1.0" encoding="utf-8"?>
+<p:sld xmlns:a="http://schemas.openxmlformats.org/drawingml/2006/main" xmlns:r="http://schemas.openxmlformats.org/officeDocument/2006/relationships" xmlns:p="http://schemas.openxmlformats.org/presentationml/2006/main">
+  <p:cSld>
+    <p:spTree>
+      <p:nvGrpSpPr>
+        <p:cNvPr id="1" name=""/>
+        <p:cNvGrpSpPr/>
+        <p:nvPr/>
+      </p:nvGrpSpPr>
+      <p:grpSpPr>
+        <a:xfrm>
+          <a:off x="0" y="0"/>
+          <a:ext cx="0" cy="0"/>
+          <a:chOff x="0" y="0"/>
+          <a:chExt cx="0" cy="0"/>
+        </a:xfrm>
+      </p:grpSpPr>
+      <p:sp>
+        <p:nvSpPr>
           <p:cNvPr id="2" name="Prostokąt 1">
             <a:extLst>
               <a:ext uri="{FF2B5EF4-FFF2-40B4-BE49-F238E27FC236}">
@@ -12462,7 +13888,7 @@
 </p:sld>
 </file>
 
-<file path=ppt/slides/slide38.xml><?xml version="1.0" encoding="utf-8"?>
+<file path=ppt/slides/slide43.xml><?xml version="1.0" encoding="utf-8"?>
 <p:sld xmlns:a="http://schemas.openxmlformats.org/drawingml/2006/main" xmlns:r="http://schemas.openxmlformats.org/officeDocument/2006/relationships" xmlns:p="http://schemas.openxmlformats.org/presentationml/2006/main">
   <p:cSld>
     <p:spTree>
@@ -12575,7 +14001,7 @@
 </p:sld>
 </file>
 
-<file path=ppt/slides/slide39.xml><?xml version="1.0" encoding="utf-8"?>
+<file path=ppt/slides/slide44.xml><?xml version="1.0" encoding="utf-8"?>
 <p:sld xmlns:a="http://schemas.openxmlformats.org/drawingml/2006/main" xmlns:r="http://schemas.openxmlformats.org/officeDocument/2006/relationships" xmlns:p="http://schemas.openxmlformats.org/presentationml/2006/main">
   <p:cSld>
     <p:spTree>
@@ -12769,69 +14195,6 @@
     <p:extLst>
       <p:ext uri="{BB962C8B-B14F-4D97-AF65-F5344CB8AC3E}">
         <p14:creationId xmlns:p14="http://schemas.microsoft.com/office/powerpoint/2010/main" val="3069652384"/>
-      </p:ext>
-    </p:extLst>
-  </p:cSld>
-  <p:clrMapOvr>
-    <a:masterClrMapping/>
-  </p:clrMapOvr>
-</p:sld>
-</file>
-
-<file path=ppt/slides/slide4.xml><?xml version="1.0" encoding="utf-8"?>
-<p:sld xmlns:a="http://schemas.openxmlformats.org/drawingml/2006/main" xmlns:r="http://schemas.openxmlformats.org/officeDocument/2006/relationships" xmlns:p="http://schemas.openxmlformats.org/presentationml/2006/main">
-  <p:cSld>
-    <p:spTree>
-      <p:nvGrpSpPr>
-        <p:cNvPr id="1" name=""/>
-        <p:cNvGrpSpPr/>
-        <p:nvPr/>
-      </p:nvGrpSpPr>
-      <p:grpSpPr>
-        <a:xfrm>
-          <a:off x="0" y="0"/>
-          <a:ext cx="0" cy="0"/>
-          <a:chOff x="0" y="0"/>
-          <a:chExt cx="0" cy="0"/>
-        </a:xfrm>
-      </p:grpSpPr>
-      <p:sp>
-        <p:nvSpPr>
-          <p:cNvPr id="2" name="pole tekstowe 1"/>
-          <p:cNvSpPr txBox="1"/>
-          <p:nvPr/>
-        </p:nvSpPr>
-        <p:spPr>
-          <a:xfrm>
-            <a:off x="3241553" y="2457446"/>
-            <a:ext cx="5617221" cy="1569660"/>
-          </a:xfrm>
-          <a:prstGeom prst="rect">
-            <a:avLst/>
-          </a:prstGeom>
-          <a:noFill/>
-        </p:spPr>
-        <p:txBody>
-          <a:bodyPr wrap="square" rtlCol="0">
-            <a:spAutoFit/>
-          </a:bodyPr>
-          <a:lstStyle/>
-          <a:p>
-            <a:pPr algn="ctr"/>
-            <a:r>
-              <a:rPr lang="pl-PL" sz="9600" dirty="0">
-                <a:latin typeface="Consolas" panose="020B0609020204030204" pitchFamily="49" charset="0"/>
-                <a:cs typeface="Consolas" panose="020B0609020204030204" pitchFamily="49" charset="0"/>
-              </a:rPr>
-              <a:t>{nenio}</a:t>
-            </a:r>
-          </a:p>
-        </p:txBody>
-      </p:sp>
-    </p:spTree>
-    <p:extLst>
-      <p:ext uri="{BB962C8B-B14F-4D97-AF65-F5344CB8AC3E}">
-        <p14:creationId xmlns:p14="http://schemas.microsoft.com/office/powerpoint/2010/main" val="2840632451"/>
       </p:ext>
     </p:extLst>
   </p:cSld>

--- a/Prez/NULL/Nothing.pptx
+++ b/Prez/NULL/Nothing.pptx
@@ -30,25 +30,31 @@
     <p:sldId id="282" r:id="rId24"/>
     <p:sldId id="283" r:id="rId25"/>
     <p:sldId id="284" r:id="rId26"/>
-    <p:sldId id="286" r:id="rId27"/>
-    <p:sldId id="287" r:id="rId28"/>
-    <p:sldId id="288" r:id="rId29"/>
-    <p:sldId id="289" r:id="rId30"/>
-    <p:sldId id="290" r:id="rId31"/>
-    <p:sldId id="291" r:id="rId32"/>
-    <p:sldId id="292" r:id="rId33"/>
-    <p:sldId id="293" r:id="rId34"/>
-    <p:sldId id="294" r:id="rId35"/>
-    <p:sldId id="300" r:id="rId36"/>
-    <p:sldId id="301" r:id="rId37"/>
-    <p:sldId id="302" r:id="rId38"/>
-    <p:sldId id="303" r:id="rId39"/>
-    <p:sldId id="304" r:id="rId40"/>
-    <p:sldId id="295" r:id="rId41"/>
-    <p:sldId id="296" r:id="rId42"/>
-    <p:sldId id="297" r:id="rId43"/>
-    <p:sldId id="299" r:id="rId44"/>
-    <p:sldId id="298" r:id="rId45"/>
+    <p:sldId id="305" r:id="rId27"/>
+    <p:sldId id="306" r:id="rId28"/>
+    <p:sldId id="307" r:id="rId29"/>
+    <p:sldId id="308" r:id="rId30"/>
+    <p:sldId id="309" r:id="rId31"/>
+    <p:sldId id="310" r:id="rId32"/>
+    <p:sldId id="286" r:id="rId33"/>
+    <p:sldId id="287" r:id="rId34"/>
+    <p:sldId id="288" r:id="rId35"/>
+    <p:sldId id="289" r:id="rId36"/>
+    <p:sldId id="290" r:id="rId37"/>
+    <p:sldId id="291" r:id="rId38"/>
+    <p:sldId id="292" r:id="rId39"/>
+    <p:sldId id="293" r:id="rId40"/>
+    <p:sldId id="294" r:id="rId41"/>
+    <p:sldId id="300" r:id="rId42"/>
+    <p:sldId id="301" r:id="rId43"/>
+    <p:sldId id="302" r:id="rId44"/>
+    <p:sldId id="303" r:id="rId45"/>
+    <p:sldId id="304" r:id="rId46"/>
+    <p:sldId id="295" r:id="rId47"/>
+    <p:sldId id="296" r:id="rId48"/>
+    <p:sldId id="297" r:id="rId49"/>
+    <p:sldId id="299" r:id="rId50"/>
+    <p:sldId id="298" r:id="rId51"/>
   </p:sldIdLst>
   <p:sldSz cx="12192000" cy="6858000"/>
   <p:notesSz cx="6858000" cy="9144000"/>
@@ -288,7 +294,7 @@
           <a:p>
             <a:fld id="{DF7671AB-C0DE-40D3-96F0-E9871E3E37DE}" type="datetimeFigureOut">
               <a:rPr lang="pl-PL" smtClean="0"/>
-              <a:t>02.08.2017</a:t>
+              <a:t>05.08.2017</a:t>
             </a:fld>
             <a:endParaRPr lang="pl-PL"/>
           </a:p>
@@ -456,7 +462,7 @@
           <a:p>
             <a:fld id="{DF7671AB-C0DE-40D3-96F0-E9871E3E37DE}" type="datetimeFigureOut">
               <a:rPr lang="pl-PL" smtClean="0"/>
-              <a:t>02.08.2017</a:t>
+              <a:t>05.08.2017</a:t>
             </a:fld>
             <a:endParaRPr lang="pl-PL"/>
           </a:p>
@@ -634,7 +640,7 @@
           <a:p>
             <a:fld id="{DF7671AB-C0DE-40D3-96F0-E9871E3E37DE}" type="datetimeFigureOut">
               <a:rPr lang="pl-PL" smtClean="0"/>
-              <a:t>02.08.2017</a:t>
+              <a:t>05.08.2017</a:t>
             </a:fld>
             <a:endParaRPr lang="pl-PL"/>
           </a:p>
@@ -802,7 +808,7 @@
           <a:p>
             <a:fld id="{DF7671AB-C0DE-40D3-96F0-E9871E3E37DE}" type="datetimeFigureOut">
               <a:rPr lang="pl-PL" smtClean="0"/>
-              <a:t>02.08.2017</a:t>
+              <a:t>05.08.2017</a:t>
             </a:fld>
             <a:endParaRPr lang="pl-PL"/>
           </a:p>
@@ -1047,7 +1053,7 @@
           <a:p>
             <a:fld id="{DF7671AB-C0DE-40D3-96F0-E9871E3E37DE}" type="datetimeFigureOut">
               <a:rPr lang="pl-PL" smtClean="0"/>
-              <a:t>02.08.2017</a:t>
+              <a:t>05.08.2017</a:t>
             </a:fld>
             <a:endParaRPr lang="pl-PL"/>
           </a:p>
@@ -1276,7 +1282,7 @@
           <a:p>
             <a:fld id="{DF7671AB-C0DE-40D3-96F0-E9871E3E37DE}" type="datetimeFigureOut">
               <a:rPr lang="pl-PL" smtClean="0"/>
-              <a:t>02.08.2017</a:t>
+              <a:t>05.08.2017</a:t>
             </a:fld>
             <a:endParaRPr lang="pl-PL"/>
           </a:p>
@@ -1640,7 +1646,7 @@
           <a:p>
             <a:fld id="{DF7671AB-C0DE-40D3-96F0-E9871E3E37DE}" type="datetimeFigureOut">
               <a:rPr lang="pl-PL" smtClean="0"/>
-              <a:t>02.08.2017</a:t>
+              <a:t>05.08.2017</a:t>
             </a:fld>
             <a:endParaRPr lang="pl-PL"/>
           </a:p>
@@ -1757,7 +1763,7 @@
           <a:p>
             <a:fld id="{DF7671AB-C0DE-40D3-96F0-E9871E3E37DE}" type="datetimeFigureOut">
               <a:rPr lang="pl-PL" smtClean="0"/>
-              <a:t>02.08.2017</a:t>
+              <a:t>05.08.2017</a:t>
             </a:fld>
             <a:endParaRPr lang="pl-PL"/>
           </a:p>
@@ -1852,7 +1858,7 @@
           <a:p>
             <a:fld id="{DF7671AB-C0DE-40D3-96F0-E9871E3E37DE}" type="datetimeFigureOut">
               <a:rPr lang="pl-PL" smtClean="0"/>
-              <a:t>02.08.2017</a:t>
+              <a:t>05.08.2017</a:t>
             </a:fld>
             <a:endParaRPr lang="pl-PL"/>
           </a:p>
@@ -2127,7 +2133,7 @@
           <a:p>
             <a:fld id="{DF7671AB-C0DE-40D3-96F0-E9871E3E37DE}" type="datetimeFigureOut">
               <a:rPr lang="pl-PL" smtClean="0"/>
-              <a:t>02.08.2017</a:t>
+              <a:t>05.08.2017</a:t>
             </a:fld>
             <a:endParaRPr lang="pl-PL"/>
           </a:p>
@@ -2379,7 +2385,7 @@
           <a:p>
             <a:fld id="{DF7671AB-C0DE-40D3-96F0-E9871E3E37DE}" type="datetimeFigureOut">
               <a:rPr lang="pl-PL" smtClean="0"/>
-              <a:t>02.08.2017</a:t>
+              <a:t>05.08.2017</a:t>
             </a:fld>
             <a:endParaRPr lang="pl-PL"/>
           </a:p>
@@ -2590,7 +2596,7 @@
           <a:p>
             <a:fld id="{DF7671AB-C0DE-40D3-96F0-E9871E3E37DE}" type="datetimeFigureOut">
               <a:rPr lang="pl-PL" smtClean="0"/>
-              <a:t>02.08.2017</a:t>
+              <a:t>05.08.2017</a:t>
             </a:fld>
             <a:endParaRPr lang="pl-PL"/>
           </a:p>
@@ -9264,7 +9270,7 @@
         <p:spPr>
           <a:xfrm>
             <a:off x="729842" y="318782"/>
-            <a:ext cx="10997967" cy="5940088"/>
+            <a:ext cx="10997967" cy="916789"/>
           </a:xfrm>
           <a:prstGeom prst="rect">
             <a:avLst/>
@@ -9327,209 +9333,8 @@
               <a:t>?</a:t>
             </a:r>
           </a:p>
-          <a:p>
-            <a:pPr marL="571500" indent="-571500">
-              <a:lnSpc>
-                <a:spcPct val="150000"/>
-              </a:lnSpc>
-              <a:buFontTx/>
-              <a:buChar char="-"/>
-            </a:pPr>
-            <a:r>
-              <a:rPr lang="pl-PL" sz="4000" dirty="0" err="1">
-                <a:latin typeface="Consolas" panose="020B0609020204030204" pitchFamily="49" charset="0"/>
-              </a:rPr>
-              <a:t>Yes</a:t>
-            </a:r>
-            <a:r>
-              <a:rPr lang="pl-PL" sz="4000" dirty="0">
-                <a:latin typeface="Consolas" panose="020B0609020204030204" pitchFamily="49" charset="0"/>
-              </a:rPr>
-              <a:t>.</a:t>
-            </a:r>
-          </a:p>
-          <a:p>
-            <a:pPr marL="571500" indent="-571500">
-              <a:buFontTx/>
-              <a:buChar char="-"/>
-            </a:pPr>
-            <a:r>
-              <a:rPr lang="pl-PL" sz="4000" dirty="0" err="1">
-                <a:latin typeface="Consolas" panose="020B0609020204030204" pitchFamily="49" charset="0"/>
-              </a:rPr>
-              <a:t>Let</a:t>
-            </a:r>
-            <a:r>
-              <a:rPr lang="pl-PL" sz="4000" dirty="0">
-                <a:latin typeface="Consolas" panose="020B0609020204030204" pitchFamily="49" charset="0"/>
-              </a:rPr>
-              <a:t> me talk to </a:t>
-            </a:r>
-            <a:r>
-              <a:rPr lang="pl-PL" sz="4000" dirty="0" err="1">
-                <a:latin typeface="Consolas" panose="020B0609020204030204" pitchFamily="49" charset="0"/>
-              </a:rPr>
-              <a:t>your</a:t>
-            </a:r>
-            <a:r>
-              <a:rPr lang="pl-PL" sz="4000" dirty="0">
-                <a:latin typeface="Consolas" panose="020B0609020204030204" pitchFamily="49" charset="0"/>
-              </a:rPr>
-              <a:t> </a:t>
-            </a:r>
-            <a:r>
-              <a:rPr lang="pl-PL" sz="4000" dirty="0" err="1">
-                <a:latin typeface="Consolas" panose="020B0609020204030204" pitchFamily="49" charset="0"/>
-              </a:rPr>
-              <a:t>employee</a:t>
-            </a:r>
-            <a:r>
-              <a:rPr lang="pl-PL" sz="4000" dirty="0">
-                <a:latin typeface="Consolas" panose="020B0609020204030204" pitchFamily="49" charset="0"/>
-              </a:rPr>
-              <a:t> „Jeffrey” </a:t>
-            </a:r>
-            <a:r>
-              <a:rPr lang="pl-PL" sz="4000" dirty="0" err="1">
-                <a:latin typeface="Consolas" panose="020B0609020204030204" pitchFamily="49" charset="0"/>
-              </a:rPr>
-              <a:t>please</a:t>
-            </a:r>
-            <a:r>
-              <a:rPr lang="pl-PL" sz="4000" dirty="0">
-                <a:latin typeface="Consolas" panose="020B0609020204030204" pitchFamily="49" charset="0"/>
-              </a:rPr>
-              <a:t>.</a:t>
-            </a:r>
-          </a:p>
-          <a:p>
-            <a:pPr marL="571500" indent="-571500">
-              <a:lnSpc>
-                <a:spcPct val="150000"/>
-              </a:lnSpc>
-              <a:buFontTx/>
-              <a:buChar char="-"/>
-            </a:pPr>
-            <a:r>
-              <a:rPr lang="pl-PL" sz="4000" dirty="0" err="1">
-                <a:latin typeface="Consolas" panose="020B0609020204030204" pitchFamily="49" charset="0"/>
-              </a:rPr>
-              <a:t>Hold</a:t>
-            </a:r>
-            <a:r>
-              <a:rPr lang="pl-PL" sz="4000" dirty="0">
-                <a:latin typeface="Consolas" panose="020B0609020204030204" pitchFamily="49" charset="0"/>
-              </a:rPr>
-              <a:t> the </a:t>
-            </a:r>
-            <a:r>
-              <a:rPr lang="pl-PL" sz="4000" dirty="0" err="1">
-                <a:latin typeface="Consolas" panose="020B0609020204030204" pitchFamily="49" charset="0"/>
-              </a:rPr>
-              <a:t>line</a:t>
-            </a:r>
-            <a:r>
-              <a:rPr lang="pl-PL" sz="4000" dirty="0">
-                <a:latin typeface="Consolas" panose="020B0609020204030204" pitchFamily="49" charset="0"/>
-              </a:rPr>
-              <a:t> </a:t>
-            </a:r>
-            <a:r>
-              <a:rPr lang="pl-PL" sz="4000" dirty="0" err="1">
-                <a:latin typeface="Consolas" panose="020B0609020204030204" pitchFamily="49" charset="0"/>
-              </a:rPr>
-              <a:t>please</a:t>
-            </a:r>
-            <a:endParaRPr lang="pl-PL" sz="4000" dirty="0">
-              <a:latin typeface="Consolas" panose="020B0609020204030204" pitchFamily="49" charset="0"/>
-            </a:endParaRPr>
-          </a:p>
-          <a:p>
-            <a:pPr marL="571500" indent="-571500">
-              <a:lnSpc>
-                <a:spcPct val="150000"/>
-              </a:lnSpc>
-              <a:buFontTx/>
-              <a:buChar char="-"/>
-            </a:pPr>
-            <a:r>
-              <a:rPr lang="pl-PL" sz="4000" dirty="0">
-                <a:latin typeface="Consolas" panose="020B0609020204030204" pitchFamily="49" charset="0"/>
-              </a:rPr>
-              <a:t>Hello.</a:t>
-            </a:r>
-          </a:p>
-          <a:p>
-            <a:pPr marL="571500" indent="-571500">
-              <a:lnSpc>
-                <a:spcPct val="150000"/>
-              </a:lnSpc>
-              <a:buFontTx/>
-              <a:buChar char="-"/>
-            </a:pPr>
-            <a:r>
-              <a:rPr lang="pl-PL" sz="4000" dirty="0" err="1">
-                <a:latin typeface="Consolas" panose="020B0609020204030204" pitchFamily="49" charset="0"/>
-              </a:rPr>
-              <a:t>Are</a:t>
-            </a:r>
-            <a:r>
-              <a:rPr lang="pl-PL" sz="4000" dirty="0">
-                <a:latin typeface="Consolas" panose="020B0609020204030204" pitchFamily="49" charset="0"/>
-              </a:rPr>
-              <a:t> </a:t>
-            </a:r>
-            <a:r>
-              <a:rPr lang="pl-PL" sz="4000" dirty="0" err="1">
-                <a:latin typeface="Consolas" panose="020B0609020204030204" pitchFamily="49" charset="0"/>
-              </a:rPr>
-              <a:t>you</a:t>
-            </a:r>
-            <a:r>
-              <a:rPr lang="pl-PL" sz="4000" dirty="0">
-                <a:latin typeface="Consolas" panose="020B0609020204030204" pitchFamily="49" charset="0"/>
-              </a:rPr>
-              <a:t> NULL?</a:t>
-            </a:r>
-          </a:p>
-        </p:txBody>
-      </p:sp>
-      <p:pic>
-        <p:nvPicPr>
-          <p:cNvPr id="4" name="Obraz 3">
-            <a:extLst>
-              <a:ext uri="{FF2B5EF4-FFF2-40B4-BE49-F238E27FC236}">
-                <a16:creationId xmlns:a16="http://schemas.microsoft.com/office/drawing/2014/main" id="{AC6BCFB8-DDFA-402B-B1F7-17D5EEEEDE26}"/>
-              </a:ext>
-            </a:extLst>
-          </p:cNvPr>
-          <p:cNvPicPr>
-            <a:picLocks noChangeAspect="1"/>
-          </p:cNvPicPr>
-          <p:nvPr/>
-        </p:nvPicPr>
-        <p:blipFill>
-          <a:blip r:embed="rId2">
-            <a:extLst>
-              <a:ext uri="{28A0092B-C50C-407E-A947-70E740481C1C}">
-                <a14:useLocalDpi xmlns:a14="http://schemas.microsoft.com/office/drawing/2010/main" val="0"/>
-              </a:ext>
-            </a:extLst>
-          </a:blip>
-          <a:stretch>
-            <a:fillRect/>
-          </a:stretch>
-        </p:blipFill>
-        <p:spPr>
-          <a:xfrm>
-            <a:off x="7826928" y="3002160"/>
-            <a:ext cx="2519494" cy="3763560"/>
-          </a:xfrm>
-          <a:prstGeom prst="rect">
-            <a:avLst/>
-          </a:prstGeom>
-        </p:spPr>
-      </p:pic>
+        </p:txBody>
+      </p:sp>
     </p:spTree>
     <p:extLst>
       <p:ext uri="{BB962C8B-B14F-4D97-AF65-F5344CB8AC3E}">
@@ -9565,7 +9370,7 @@
           <p:cNvPr id="2" name="pole tekstowe 1">
             <a:extLst>
               <a:ext uri="{FF2B5EF4-FFF2-40B4-BE49-F238E27FC236}">
-                <a16:creationId xmlns:a16="http://schemas.microsoft.com/office/drawing/2014/main" id="{66507BF1-11E7-4297-A089-04A3A76A802B}"/>
+                <a16:creationId xmlns:a16="http://schemas.microsoft.com/office/drawing/2014/main" id="{8CD7630C-E757-4D59-AC13-2DC2E37BD6CE}"/>
               </a:ext>
             </a:extLst>
           </p:cNvPr>
@@ -9574,8 +9379,8 @@
         </p:nvSpPr>
         <p:spPr>
           <a:xfrm>
-            <a:off x="679509" y="2886440"/>
-            <a:ext cx="11098636" cy="707886"/>
+            <a:off x="729842" y="318782"/>
+            <a:ext cx="10997967" cy="1938992"/>
           </a:xfrm>
           <a:prstGeom prst="rect">
             <a:avLst/>
@@ -9588,14 +9393,24 @@
           </a:bodyPr>
           <a:lstStyle/>
           <a:p>
-            <a:r>
-              <a:rPr lang="pl-PL" sz="4000" dirty="0">
-                <a:solidFill>
-                  <a:srgbClr val="0070C0"/>
-                </a:solidFill>
-                <a:latin typeface="Consolas" panose="020B0609020204030204" pitchFamily="49" charset="0"/>
-              </a:rPr>
-              <a:t>public</a:t>
+            <a:pPr marL="571500" indent="-571500">
+              <a:lnSpc>
+                <a:spcPct val="150000"/>
+              </a:lnSpc>
+              <a:buFontTx/>
+              <a:buChar char="-"/>
+            </a:pPr>
+            <a:r>
+              <a:rPr lang="pl-PL" sz="4000" dirty="0">
+                <a:latin typeface="Consolas" panose="020B0609020204030204" pitchFamily="49" charset="0"/>
+              </a:rPr>
+              <a:t>Hello, </a:t>
+            </a:r>
+            <a:r>
+              <a:rPr lang="pl-PL" sz="4000" dirty="0" err="1">
+                <a:latin typeface="Consolas" panose="020B0609020204030204" pitchFamily="49" charset="0"/>
+              </a:rPr>
+              <a:t>is</a:t>
             </a:r>
             <a:r>
               <a:rPr lang="pl-PL" sz="4000" dirty="0">
@@ -9607,130 +9422,54 @@
               <a:rPr lang="pl-PL" sz="4000" dirty="0" err="1">
                 <a:latin typeface="Consolas" panose="020B0609020204030204" pitchFamily="49" charset="0"/>
               </a:rPr>
-              <a:t>Employee</a:t>
-            </a:r>
-            <a:r>
-              <a:rPr lang="pl-PL" sz="4000" dirty="0">
-                <a:latin typeface="Consolas" panose="020B0609020204030204" pitchFamily="49" charset="0"/>
-              </a:rPr>
-              <a:t> </a:t>
+              <a:t>it</a:t>
+            </a:r>
+            <a:r>
+              <a:rPr lang="pl-PL" sz="4000" dirty="0">
+                <a:latin typeface="Consolas" panose="020B0609020204030204" pitchFamily="49" charset="0"/>
+              </a:rPr>
+              <a:t> a software </a:t>
             </a:r>
             <a:r>
               <a:rPr lang="pl-PL" sz="4000" dirty="0" err="1">
                 <a:latin typeface="Consolas" panose="020B0609020204030204" pitchFamily="49" charset="0"/>
               </a:rPr>
-              <a:t>getByName</a:t>
-            </a:r>
-            <a:r>
-              <a:rPr lang="pl-PL" sz="4000" dirty="0">
-                <a:latin typeface="Consolas" panose="020B0609020204030204" pitchFamily="49" charset="0"/>
-              </a:rPr>
-              <a:t>(String </a:t>
-            </a:r>
+              <a:t>department</a:t>
+            </a:r>
+            <a:r>
+              <a:rPr lang="pl-PL" sz="4000" dirty="0">
+                <a:latin typeface="Consolas" panose="020B0609020204030204" pitchFamily="49" charset="0"/>
+              </a:rPr>
+              <a:t>?</a:t>
+            </a:r>
+          </a:p>
+          <a:p>
+            <a:pPr marL="571500" indent="-571500">
+              <a:lnSpc>
+                <a:spcPct val="150000"/>
+              </a:lnSpc>
+              <a:buFontTx/>
+              <a:buChar char="-"/>
+            </a:pPr>
             <a:r>
               <a:rPr lang="pl-PL" sz="4000" dirty="0" err="1">
                 <a:latin typeface="Consolas" panose="020B0609020204030204" pitchFamily="49" charset="0"/>
               </a:rPr>
-              <a:t>name</a:t>
-            </a:r>
-            <a:r>
-              <a:rPr lang="pl-PL" sz="4000" dirty="0">
-                <a:latin typeface="Consolas" panose="020B0609020204030204" pitchFamily="49" charset="0"/>
-              </a:rPr>
-              <a:t>)</a:t>
-            </a:r>
-          </a:p>
-        </p:txBody>
-      </p:sp>
-      <p:cxnSp>
-        <p:nvCxnSpPr>
-          <p:cNvPr id="4" name="Łącznik prosty 3">
-            <a:extLst>
-              <a:ext uri="{FF2B5EF4-FFF2-40B4-BE49-F238E27FC236}">
-                <a16:creationId xmlns:a16="http://schemas.microsoft.com/office/drawing/2014/main" id="{066277E5-41C3-4E2E-8CE0-980E0E92B625}"/>
-              </a:ext>
-            </a:extLst>
-          </p:cNvPr>
-          <p:cNvCxnSpPr>
-            <a:cxnSpLocks/>
-          </p:cNvCxnSpPr>
-          <p:nvPr/>
-        </p:nvCxnSpPr>
-        <p:spPr>
-          <a:xfrm>
-            <a:off x="5058561" y="3305262"/>
-            <a:ext cx="2793534" cy="0"/>
-          </a:xfrm>
-          <a:prstGeom prst="line">
-            <a:avLst/>
-          </a:prstGeom>
-          <a:ln w="76200">
-            <a:solidFill>
-              <a:srgbClr val="FF0000">
-                <a:alpha val="78824"/>
-              </a:srgbClr>
-            </a:solidFill>
-          </a:ln>
-        </p:spPr>
-        <p:style>
-          <a:lnRef idx="1">
-            <a:schemeClr val="accent1"/>
-          </a:lnRef>
-          <a:fillRef idx="0">
-            <a:schemeClr val="accent1"/>
-          </a:fillRef>
-          <a:effectRef idx="0">
-            <a:schemeClr val="accent1"/>
-          </a:effectRef>
-          <a:fontRef idx="minor">
-            <a:schemeClr val="tx1"/>
-          </a:fontRef>
-        </p:style>
-      </p:cxnSp>
-      <p:sp>
-        <p:nvSpPr>
-          <p:cNvPr id="7" name="pole tekstowe 6">
-            <a:extLst>
-              <a:ext uri="{FF2B5EF4-FFF2-40B4-BE49-F238E27FC236}">
-                <a16:creationId xmlns:a16="http://schemas.microsoft.com/office/drawing/2014/main" id="{5962FA78-B5EE-436F-BF34-03C1D1363E13}"/>
-              </a:ext>
-            </a:extLst>
-          </p:cNvPr>
-          <p:cNvSpPr txBox="1"/>
-          <p:nvPr/>
-        </p:nvSpPr>
-        <p:spPr>
-          <a:xfrm>
-            <a:off x="3783436" y="2092254"/>
-            <a:ext cx="5830348" cy="584775"/>
-          </a:xfrm>
-          <a:prstGeom prst="rect">
-            <a:avLst/>
-          </a:prstGeom>
-          <a:noFill/>
-        </p:spPr>
-        <p:txBody>
-          <a:bodyPr wrap="square" rtlCol="0">
-            <a:spAutoFit/>
-          </a:bodyPr>
-          <a:lstStyle/>
-          <a:p>
-            <a:r>
-              <a:rPr lang="pl-PL" sz="3200" dirty="0" err="1">
-                <a:latin typeface="Consolas" panose="020B0609020204030204" pitchFamily="49" charset="0"/>
-              </a:rPr>
-              <a:t>getByNameOrNullIfNotFound</a:t>
-            </a:r>
-            <a:endParaRPr lang="pl-PL" sz="3200" dirty="0">
-              <a:latin typeface="Consolas" panose="020B0609020204030204" pitchFamily="49" charset="0"/>
-            </a:endParaRPr>
+              <a:t>Yes</a:t>
+            </a:r>
+            <a:r>
+              <a:rPr lang="pl-PL" sz="4000" dirty="0">
+                <a:latin typeface="Consolas" panose="020B0609020204030204" pitchFamily="49" charset="0"/>
+              </a:rPr>
+              <a:t>.</a:t>
+            </a:r>
           </a:p>
         </p:txBody>
       </p:sp>
     </p:spTree>
     <p:extLst>
       <p:ext uri="{BB962C8B-B14F-4D97-AF65-F5344CB8AC3E}">
-        <p14:creationId xmlns:p14="http://schemas.microsoft.com/office/powerpoint/2010/main" val="765065882"/>
+        <p14:creationId xmlns:p14="http://schemas.microsoft.com/office/powerpoint/2010/main" val="2071271358"/>
       </p:ext>
     </p:extLst>
   </p:cSld>
@@ -9762,7 +9501,7 @@
           <p:cNvPr id="2" name="pole tekstowe 1">
             <a:extLst>
               <a:ext uri="{FF2B5EF4-FFF2-40B4-BE49-F238E27FC236}">
-                <a16:creationId xmlns:a16="http://schemas.microsoft.com/office/drawing/2014/main" id="{0AC11407-E352-4EB4-841A-8061F543A7F4}"/>
+                <a16:creationId xmlns:a16="http://schemas.microsoft.com/office/drawing/2014/main" id="{8CD7630C-E757-4D59-AC13-2DC2E37BD6CE}"/>
               </a:ext>
             </a:extLst>
           </p:cNvPr>
@@ -9771,8 +9510,8 @@
         </p:nvSpPr>
         <p:spPr>
           <a:xfrm>
-            <a:off x="1837189" y="494950"/>
-            <a:ext cx="8103765" cy="5355312"/>
+            <a:off x="729842" y="318782"/>
+            <a:ext cx="10997967" cy="3170099"/>
           </a:xfrm>
           <a:prstGeom prst="rect">
             <a:avLst/>
@@ -9785,52 +9524,129 @@
           </a:bodyPr>
           <a:lstStyle/>
           <a:p>
-            <a:pPr algn="ctr"/>
-            <a:r>
-              <a:rPr lang="pl-PL" sz="15000" dirty="0" err="1">
-                <a:latin typeface="Slow Motion" panose="02000000000000000000" pitchFamily="2" charset="0"/>
-              </a:rPr>
-              <a:t>Slow</a:t>
-            </a:r>
-            <a:r>
-              <a:rPr lang="pl-PL" sz="15000" dirty="0">
-                <a:latin typeface="Slow Motion" panose="02000000000000000000" pitchFamily="2" charset="0"/>
+            <a:pPr marL="571500" indent="-571500">
+              <a:lnSpc>
+                <a:spcPct val="150000"/>
+              </a:lnSpc>
+              <a:buFontTx/>
+              <a:buChar char="-"/>
+            </a:pPr>
+            <a:r>
+              <a:rPr lang="pl-PL" sz="4000" dirty="0">
+                <a:latin typeface="Consolas" panose="020B0609020204030204" pitchFamily="49" charset="0"/>
+              </a:rPr>
+              <a:t>Hello, </a:t>
+            </a:r>
+            <a:r>
+              <a:rPr lang="pl-PL" sz="4000" dirty="0" err="1">
+                <a:latin typeface="Consolas" panose="020B0609020204030204" pitchFamily="49" charset="0"/>
+              </a:rPr>
+              <a:t>is</a:t>
+            </a:r>
+            <a:r>
+              <a:rPr lang="pl-PL" sz="4000" dirty="0">
+                <a:latin typeface="Consolas" panose="020B0609020204030204" pitchFamily="49" charset="0"/>
               </a:rPr>
               <a:t> </a:t>
             </a:r>
             <a:r>
-              <a:rPr lang="pl-PL" sz="15000" dirty="0" err="1">
-                <a:latin typeface="Slow Motion" panose="02000000000000000000" pitchFamily="2" charset="0"/>
-              </a:rPr>
-              <a:t>Failing</a:t>
-            </a:r>
-            <a:r>
-              <a:rPr lang="pl-PL" sz="15000" dirty="0">
-                <a:latin typeface="Slow Motion" panose="02000000000000000000" pitchFamily="2" charset="0"/>
+              <a:rPr lang="pl-PL" sz="4000" dirty="0" err="1">
+                <a:latin typeface="Consolas" panose="020B0609020204030204" pitchFamily="49" charset="0"/>
+              </a:rPr>
+              <a:t>it</a:t>
+            </a:r>
+            <a:r>
+              <a:rPr lang="pl-PL" sz="4000" dirty="0">
+                <a:latin typeface="Consolas" panose="020B0609020204030204" pitchFamily="49" charset="0"/>
+              </a:rPr>
+              <a:t> a software </a:t>
+            </a:r>
+            <a:r>
+              <a:rPr lang="pl-PL" sz="4000" dirty="0" err="1">
+                <a:latin typeface="Consolas" panose="020B0609020204030204" pitchFamily="49" charset="0"/>
+              </a:rPr>
+              <a:t>department</a:t>
+            </a:r>
+            <a:r>
+              <a:rPr lang="pl-PL" sz="4000" dirty="0">
+                <a:latin typeface="Consolas" panose="020B0609020204030204" pitchFamily="49" charset="0"/>
+              </a:rPr>
+              <a:t>?</a:t>
+            </a:r>
+          </a:p>
+          <a:p>
+            <a:pPr marL="571500" indent="-571500">
+              <a:lnSpc>
+                <a:spcPct val="150000"/>
+              </a:lnSpc>
+              <a:buFontTx/>
+              <a:buChar char="-"/>
+            </a:pPr>
+            <a:r>
+              <a:rPr lang="pl-PL" sz="4000" dirty="0" err="1">
+                <a:latin typeface="Consolas" panose="020B0609020204030204" pitchFamily="49" charset="0"/>
+              </a:rPr>
+              <a:t>Yes</a:t>
+            </a:r>
+            <a:r>
+              <a:rPr lang="pl-PL" sz="4000" dirty="0">
+                <a:latin typeface="Consolas" panose="020B0609020204030204" pitchFamily="49" charset="0"/>
+              </a:rPr>
+              <a:t>.</a:t>
+            </a:r>
+          </a:p>
+          <a:p>
+            <a:pPr marL="571500" indent="-571500">
+              <a:buFontTx/>
+              <a:buChar char="-"/>
+            </a:pPr>
+            <a:r>
+              <a:rPr lang="pl-PL" sz="4000" dirty="0" err="1">
+                <a:latin typeface="Consolas" panose="020B0609020204030204" pitchFamily="49" charset="0"/>
+              </a:rPr>
+              <a:t>Let</a:t>
+            </a:r>
+            <a:r>
+              <a:rPr lang="pl-PL" sz="4000" dirty="0">
+                <a:latin typeface="Consolas" panose="020B0609020204030204" pitchFamily="49" charset="0"/>
+              </a:rPr>
+              <a:t> me talk to </a:t>
+            </a:r>
+            <a:r>
+              <a:rPr lang="pl-PL" sz="4000" dirty="0" err="1">
+                <a:latin typeface="Consolas" panose="020B0609020204030204" pitchFamily="49" charset="0"/>
+              </a:rPr>
+              <a:t>your</a:t>
+            </a:r>
+            <a:r>
+              <a:rPr lang="pl-PL" sz="4000" dirty="0">
+                <a:latin typeface="Consolas" panose="020B0609020204030204" pitchFamily="49" charset="0"/>
               </a:rPr>
               <a:t> </a:t>
             </a:r>
-          </a:p>
-          <a:p>
-            <a:pPr algn="ctr"/>
-            <a:r>
-              <a:rPr lang="pl-PL" sz="9600" dirty="0"/>
-              <a:t>vs</a:t>
-            </a:r>
-          </a:p>
-          <a:p>
-            <a:pPr algn="ctr"/>
-            <a:r>
-              <a:rPr lang="pl-PL" sz="9600" dirty="0" err="1">
-                <a:latin typeface="Barbatrick" panose="02000400000000000000" pitchFamily="2" charset="0"/>
-              </a:rPr>
-              <a:t>Failing</a:t>
-            </a:r>
-            <a:r>
-              <a:rPr lang="pl-PL" sz="9600" dirty="0">
-                <a:latin typeface="Barbatrick" panose="02000400000000000000" pitchFamily="2" charset="0"/>
-              </a:rPr>
-              <a:t> Fast</a:t>
+            <a:r>
+              <a:rPr lang="pl-PL" sz="4000" dirty="0" err="1">
+                <a:latin typeface="Consolas" panose="020B0609020204030204" pitchFamily="49" charset="0"/>
+              </a:rPr>
+              <a:t>employee</a:t>
+            </a:r>
+            <a:r>
+              <a:rPr lang="pl-PL" sz="4000" dirty="0">
+                <a:latin typeface="Consolas" panose="020B0609020204030204" pitchFamily="49" charset="0"/>
+              </a:rPr>
+              <a:t> „Jeffrey” </a:t>
+            </a:r>
+            <a:r>
+              <a:rPr lang="pl-PL" sz="4000" dirty="0" err="1">
+                <a:latin typeface="Consolas" panose="020B0609020204030204" pitchFamily="49" charset="0"/>
+              </a:rPr>
+              <a:t>please</a:t>
+            </a:r>
+            <a:r>
+              <a:rPr lang="pl-PL" sz="4000" dirty="0">
+                <a:latin typeface="Consolas" panose="020B0609020204030204" pitchFamily="49" charset="0"/>
+              </a:rPr>
+              <a:t>.</a:t>
             </a:r>
           </a:p>
         </p:txBody>
@@ -9838,7 +9654,7 @@
     </p:spTree>
     <p:extLst>
       <p:ext uri="{BB962C8B-B14F-4D97-AF65-F5344CB8AC3E}">
-        <p14:creationId xmlns:p14="http://schemas.microsoft.com/office/powerpoint/2010/main" val="471475143"/>
+        <p14:creationId xmlns:p14="http://schemas.microsoft.com/office/powerpoint/2010/main" val="1755384079"/>
       </p:ext>
     </p:extLst>
   </p:cSld>
@@ -9865,48 +9681,12 @@
           <a:chExt cx="0" cy="0"/>
         </a:xfrm>
       </p:grpSpPr>
-      <p:pic>
-        <p:nvPicPr>
-          <p:cNvPr id="6" name="Obraz 5">
+      <p:sp>
+        <p:nvSpPr>
+          <p:cNvPr id="2" name="pole tekstowe 1">
             <a:extLst>
               <a:ext uri="{FF2B5EF4-FFF2-40B4-BE49-F238E27FC236}">
-                <a16:creationId xmlns:a16="http://schemas.microsoft.com/office/drawing/2014/main" id="{14F46C98-68F4-4BAC-B981-D4710C4AC5A3}"/>
-              </a:ext>
-            </a:extLst>
-          </p:cNvPr>
-          <p:cNvPicPr>
-            <a:picLocks noChangeAspect="1"/>
-          </p:cNvPicPr>
-          <p:nvPr/>
-        </p:nvPicPr>
-        <p:blipFill>
-          <a:blip r:embed="rId2">
-            <a:extLst>
-              <a:ext uri="{28A0092B-C50C-407E-A947-70E740481C1C}">
-                <a14:useLocalDpi xmlns:a14="http://schemas.microsoft.com/office/drawing/2010/main" val="0"/>
-              </a:ext>
-            </a:extLst>
-          </a:blip>
-          <a:stretch>
-            <a:fillRect/>
-          </a:stretch>
-        </p:blipFill>
-        <p:spPr>
-          <a:xfrm>
-            <a:off x="4262946" y="2812351"/>
-            <a:ext cx="3731064" cy="3731064"/>
-          </a:xfrm>
-          <a:prstGeom prst="rect">
-            <a:avLst/>
-          </a:prstGeom>
-        </p:spPr>
-      </p:pic>
-      <p:sp>
-        <p:nvSpPr>
-          <p:cNvPr id="7" name="pole tekstowe 6">
-            <a:extLst>
-              <a:ext uri="{FF2B5EF4-FFF2-40B4-BE49-F238E27FC236}">
-                <a16:creationId xmlns:a16="http://schemas.microsoft.com/office/drawing/2014/main" id="{D5DF9EC1-8882-4AEC-96EB-B3B3696BA7CD}"/>
+                <a16:creationId xmlns:a16="http://schemas.microsoft.com/office/drawing/2014/main" id="{8CD7630C-E757-4D59-AC13-2DC2E37BD6CE}"/>
               </a:ext>
             </a:extLst>
           </p:cNvPr>
@@ -9915,8 +9695,8 @@
         </p:nvSpPr>
         <p:spPr>
           <a:xfrm>
-            <a:off x="796954" y="444617"/>
-            <a:ext cx="10519795" cy="1754326"/>
+            <a:off x="729842" y="318782"/>
+            <a:ext cx="10997967" cy="4093428"/>
           </a:xfrm>
           <a:prstGeom prst="rect">
             <a:avLst/>
@@ -9929,74 +9709,170 @@
           </a:bodyPr>
           <a:lstStyle/>
           <a:p>
-            <a:pPr algn="ctr"/>
-            <a:r>
-              <a:rPr lang="pl-PL" sz="5400" dirty="0" err="1">
-                <a:latin typeface="Consolas" panose="020B0609020204030204" pitchFamily="49" charset="0"/>
-              </a:rPr>
-              <a:t>Use</a:t>
-            </a:r>
-            <a:r>
-              <a:rPr lang="pl-PL" sz="5400" dirty="0">
-                <a:latin typeface="Consolas" panose="020B0609020204030204" pitchFamily="49" charset="0"/>
-              </a:rPr>
-              <a:t> NULL and </a:t>
-            </a:r>
-            <a:r>
-              <a:rPr lang="pl-PL" sz="5400" dirty="0" err="1">
-                <a:latin typeface="Consolas" panose="020B0609020204030204" pitchFamily="49" charset="0"/>
-              </a:rPr>
-              <a:t>die</a:t>
-            </a:r>
-            <a:r>
-              <a:rPr lang="pl-PL" sz="5400" dirty="0">
+            <a:pPr marL="571500" indent="-571500">
+              <a:lnSpc>
+                <a:spcPct val="150000"/>
+              </a:lnSpc>
+              <a:buFontTx/>
+              <a:buChar char="-"/>
+            </a:pPr>
+            <a:r>
+              <a:rPr lang="pl-PL" sz="4000" dirty="0">
+                <a:latin typeface="Consolas" panose="020B0609020204030204" pitchFamily="49" charset="0"/>
+              </a:rPr>
+              <a:t>Hello, </a:t>
+            </a:r>
+            <a:r>
+              <a:rPr lang="pl-PL" sz="4000" dirty="0" err="1">
+                <a:latin typeface="Consolas" panose="020B0609020204030204" pitchFamily="49" charset="0"/>
+              </a:rPr>
+              <a:t>is</a:t>
+            </a:r>
+            <a:r>
+              <a:rPr lang="pl-PL" sz="4000" dirty="0">
                 <a:latin typeface="Consolas" panose="020B0609020204030204" pitchFamily="49" charset="0"/>
               </a:rPr>
               <a:t> </a:t>
             </a:r>
             <a:r>
-              <a:rPr lang="pl-PL" sz="5400" dirty="0" err="1">
-                <a:latin typeface="Consolas" panose="020B0609020204030204" pitchFamily="49" charset="0"/>
-              </a:rPr>
-              <a:t>slowly</a:t>
-            </a:r>
-            <a:r>
-              <a:rPr lang="pl-PL" sz="5400" dirty="0">
-                <a:latin typeface="Consolas" panose="020B0609020204030204" pitchFamily="49" charset="0"/>
-              </a:rPr>
-              <a:t>, </a:t>
-            </a:r>
-            <a:r>
-              <a:rPr lang="pl-PL" sz="5400" dirty="0" err="1">
-                <a:latin typeface="Consolas" panose="020B0609020204030204" pitchFamily="49" charset="0"/>
-              </a:rPr>
-              <a:t>killing</a:t>
-            </a:r>
-            <a:r>
-              <a:rPr lang="pl-PL" sz="5400" dirty="0">
+              <a:rPr lang="pl-PL" sz="4000" dirty="0" err="1">
+                <a:latin typeface="Consolas" panose="020B0609020204030204" pitchFamily="49" charset="0"/>
+              </a:rPr>
+              <a:t>it</a:t>
+            </a:r>
+            <a:r>
+              <a:rPr lang="pl-PL" sz="4000" dirty="0">
+                <a:latin typeface="Consolas" panose="020B0609020204030204" pitchFamily="49" charset="0"/>
+              </a:rPr>
+              <a:t> a software </a:t>
+            </a:r>
+            <a:r>
+              <a:rPr lang="pl-PL" sz="4000" dirty="0" err="1">
+                <a:latin typeface="Consolas" panose="020B0609020204030204" pitchFamily="49" charset="0"/>
+              </a:rPr>
+              <a:t>department</a:t>
+            </a:r>
+            <a:r>
+              <a:rPr lang="pl-PL" sz="4000" dirty="0">
+                <a:latin typeface="Consolas" panose="020B0609020204030204" pitchFamily="49" charset="0"/>
+              </a:rPr>
+              <a:t>?</a:t>
+            </a:r>
+          </a:p>
+          <a:p>
+            <a:pPr marL="571500" indent="-571500">
+              <a:lnSpc>
+                <a:spcPct val="150000"/>
+              </a:lnSpc>
+              <a:buFontTx/>
+              <a:buChar char="-"/>
+            </a:pPr>
+            <a:r>
+              <a:rPr lang="pl-PL" sz="4000" dirty="0" err="1">
+                <a:latin typeface="Consolas" panose="020B0609020204030204" pitchFamily="49" charset="0"/>
+              </a:rPr>
+              <a:t>Yes</a:t>
+            </a:r>
+            <a:r>
+              <a:rPr lang="pl-PL" sz="4000" dirty="0">
+                <a:latin typeface="Consolas" panose="020B0609020204030204" pitchFamily="49" charset="0"/>
+              </a:rPr>
+              <a:t>.</a:t>
+            </a:r>
+          </a:p>
+          <a:p>
+            <a:pPr marL="571500" indent="-571500">
+              <a:buFontTx/>
+              <a:buChar char="-"/>
+            </a:pPr>
+            <a:r>
+              <a:rPr lang="pl-PL" sz="4000" dirty="0" err="1">
+                <a:latin typeface="Consolas" panose="020B0609020204030204" pitchFamily="49" charset="0"/>
+              </a:rPr>
+              <a:t>Let</a:t>
+            </a:r>
+            <a:r>
+              <a:rPr lang="pl-PL" sz="4000" dirty="0">
+                <a:latin typeface="Consolas" panose="020B0609020204030204" pitchFamily="49" charset="0"/>
+              </a:rPr>
+              <a:t> me talk to </a:t>
+            </a:r>
+            <a:r>
+              <a:rPr lang="pl-PL" sz="4000" dirty="0" err="1">
+                <a:latin typeface="Consolas" panose="020B0609020204030204" pitchFamily="49" charset="0"/>
+              </a:rPr>
+              <a:t>your</a:t>
+            </a:r>
+            <a:r>
+              <a:rPr lang="pl-PL" sz="4000" dirty="0">
                 <a:latin typeface="Consolas" panose="020B0609020204030204" pitchFamily="49" charset="0"/>
               </a:rPr>
               <a:t> </a:t>
             </a:r>
             <a:r>
-              <a:rPr lang="pl-PL" sz="5400" dirty="0" err="1">
-                <a:latin typeface="Consolas" panose="020B0609020204030204" pitchFamily="49" charset="0"/>
-              </a:rPr>
-              <a:t>others</a:t>
-            </a:r>
-            <a:r>
-              <a:rPr lang="pl-PL" sz="5400" dirty="0">
-                <a:latin typeface="Consolas" panose="020B0609020204030204" pitchFamily="49" charset="0"/>
-              </a:rPr>
-              <a:t> on the </a:t>
-            </a:r>
-            <a:r>
-              <a:rPr lang="pl-PL" sz="5400" dirty="0" err="1">
-                <a:latin typeface="Consolas" panose="020B0609020204030204" pitchFamily="49" charset="0"/>
-              </a:rPr>
-              <a:t>way</a:t>
-            </a:r>
-            <a:endParaRPr lang="pl-PL" sz="5400" dirty="0">
+              <a:rPr lang="pl-PL" sz="4000" dirty="0" err="1">
+                <a:latin typeface="Consolas" panose="020B0609020204030204" pitchFamily="49" charset="0"/>
+              </a:rPr>
+              <a:t>employee</a:t>
+            </a:r>
+            <a:r>
+              <a:rPr lang="pl-PL" sz="4000" dirty="0">
+                <a:latin typeface="Consolas" panose="020B0609020204030204" pitchFamily="49" charset="0"/>
+              </a:rPr>
+              <a:t> „Jeffrey” </a:t>
+            </a:r>
+            <a:r>
+              <a:rPr lang="pl-PL" sz="4000" dirty="0" err="1">
+                <a:latin typeface="Consolas" panose="020B0609020204030204" pitchFamily="49" charset="0"/>
+              </a:rPr>
+              <a:t>please</a:t>
+            </a:r>
+            <a:r>
+              <a:rPr lang="pl-PL" sz="4000" dirty="0">
+                <a:latin typeface="Consolas" panose="020B0609020204030204" pitchFamily="49" charset="0"/>
+              </a:rPr>
+              <a:t>.</a:t>
+            </a:r>
+          </a:p>
+          <a:p>
+            <a:pPr marL="571500" indent="-571500">
+              <a:lnSpc>
+                <a:spcPct val="150000"/>
+              </a:lnSpc>
+              <a:buFontTx/>
+              <a:buChar char="-"/>
+            </a:pPr>
+            <a:r>
+              <a:rPr lang="pl-PL" sz="4000" dirty="0" err="1">
+                <a:latin typeface="Consolas" panose="020B0609020204030204" pitchFamily="49" charset="0"/>
+              </a:rPr>
+              <a:t>Hold</a:t>
+            </a:r>
+            <a:r>
+              <a:rPr lang="pl-PL" sz="4000" dirty="0">
+                <a:latin typeface="Consolas" panose="020B0609020204030204" pitchFamily="49" charset="0"/>
+              </a:rPr>
+              <a:t> the </a:t>
+            </a:r>
+            <a:r>
+              <a:rPr lang="pl-PL" sz="4000" dirty="0" err="1">
+                <a:latin typeface="Consolas" panose="020B0609020204030204" pitchFamily="49" charset="0"/>
+              </a:rPr>
+              <a:t>line</a:t>
+            </a:r>
+            <a:r>
+              <a:rPr lang="pl-PL" sz="4000" dirty="0">
+                <a:latin typeface="Consolas" panose="020B0609020204030204" pitchFamily="49" charset="0"/>
+              </a:rPr>
+              <a:t> </a:t>
+            </a:r>
+            <a:r>
+              <a:rPr lang="pl-PL" sz="4000" dirty="0" err="1">
+                <a:latin typeface="Consolas" panose="020B0609020204030204" pitchFamily="49" charset="0"/>
+              </a:rPr>
+              <a:t>please</a:t>
+            </a:r>
+            <a:endParaRPr lang="pl-PL" sz="4000" dirty="0">
               <a:latin typeface="Consolas" panose="020B0609020204030204" pitchFamily="49" charset="0"/>
             </a:endParaRPr>
           </a:p>
@@ -10005,7 +9881,7 @@
     </p:spTree>
     <p:extLst>
       <p:ext uri="{BB962C8B-B14F-4D97-AF65-F5344CB8AC3E}">
-        <p14:creationId xmlns:p14="http://schemas.microsoft.com/office/powerpoint/2010/main" val="1364830471"/>
+        <p14:creationId xmlns:p14="http://schemas.microsoft.com/office/powerpoint/2010/main" val="1154109209"/>
       </p:ext>
     </p:extLst>
   </p:cSld>
@@ -10034,62 +9910,10 @@
       </p:grpSpPr>
       <p:sp>
         <p:nvSpPr>
-          <p:cNvPr id="3" name="Prostokąt 2">
-            <a:extLst>
-              <a:ext uri="{FF2B5EF4-FFF2-40B4-BE49-F238E27FC236}">
-                <a16:creationId xmlns:a16="http://schemas.microsoft.com/office/drawing/2014/main" id="{055DE0E0-B673-49CC-B282-BD94CB9999CE}"/>
-              </a:ext>
-            </a:extLst>
-          </p:cNvPr>
-          <p:cNvSpPr/>
-          <p:nvPr/>
-        </p:nvSpPr>
-        <p:spPr>
-          <a:xfrm>
-            <a:off x="2575420" y="3523376"/>
-            <a:ext cx="7994708" cy="1132513"/>
-          </a:xfrm>
-          <a:prstGeom prst="rect">
-            <a:avLst/>
-          </a:prstGeom>
-          <a:solidFill>
-            <a:srgbClr val="FFFF00"/>
-          </a:solidFill>
-          <a:ln>
-            <a:noFill/>
-          </a:ln>
-        </p:spPr>
-        <p:style>
-          <a:lnRef idx="2">
-            <a:schemeClr val="accent1">
-              <a:shade val="50000"/>
-            </a:schemeClr>
-          </a:lnRef>
-          <a:fillRef idx="1">
-            <a:schemeClr val="accent1"/>
-          </a:fillRef>
-          <a:effectRef idx="0">
-            <a:schemeClr val="accent1"/>
-          </a:effectRef>
-          <a:fontRef idx="minor">
-            <a:schemeClr val="lt1"/>
-          </a:fontRef>
-        </p:style>
-        <p:txBody>
-          <a:bodyPr rtlCol="0" anchor="ctr"/>
-          <a:lstStyle/>
-          <a:p>
-            <a:pPr algn="ctr"/>
-            <a:endParaRPr lang="pl-PL"/>
-          </a:p>
-        </p:txBody>
-      </p:sp>
-      <p:sp>
-        <p:nvSpPr>
           <p:cNvPr id="2" name="pole tekstowe 1">
             <a:extLst>
               <a:ext uri="{FF2B5EF4-FFF2-40B4-BE49-F238E27FC236}">
-                <a16:creationId xmlns:a16="http://schemas.microsoft.com/office/drawing/2014/main" id="{B9E5D0CE-2437-4081-B388-1EBA0328736E}"/>
+                <a16:creationId xmlns:a16="http://schemas.microsoft.com/office/drawing/2014/main" id="{8CD7630C-E757-4D59-AC13-2DC2E37BD6CE}"/>
               </a:ext>
             </a:extLst>
           </p:cNvPr>
@@ -10098,8 +9922,8 @@
         </p:nvSpPr>
         <p:spPr>
           <a:xfrm>
-            <a:off x="746621" y="344576"/>
-            <a:ext cx="11098636" cy="6247864"/>
+            <a:off x="729842" y="318782"/>
+            <a:ext cx="10997967" cy="5016758"/>
           </a:xfrm>
           <a:prstGeom prst="rect">
             <a:avLst/>
@@ -10112,14 +9936,24 @@
           </a:bodyPr>
           <a:lstStyle/>
           <a:p>
-            <a:r>
-              <a:rPr lang="pl-PL" sz="4000" dirty="0">
-                <a:solidFill>
-                  <a:srgbClr val="0070C0"/>
-                </a:solidFill>
-                <a:latin typeface="Consolas" panose="020B0609020204030204" pitchFamily="49" charset="0"/>
-              </a:rPr>
-              <a:t>public</a:t>
+            <a:pPr marL="571500" indent="-571500">
+              <a:lnSpc>
+                <a:spcPct val="150000"/>
+              </a:lnSpc>
+              <a:buFontTx/>
+              <a:buChar char="-"/>
+            </a:pPr>
+            <a:r>
+              <a:rPr lang="pl-PL" sz="4000" dirty="0">
+                <a:latin typeface="Consolas" panose="020B0609020204030204" pitchFamily="49" charset="0"/>
+              </a:rPr>
+              <a:t>Hello, </a:t>
+            </a:r>
+            <a:r>
+              <a:rPr lang="pl-PL" sz="4000" dirty="0" err="1">
+                <a:latin typeface="Consolas" panose="020B0609020204030204" pitchFamily="49" charset="0"/>
+              </a:rPr>
+              <a:t>is</a:t>
             </a:r>
             <a:r>
               <a:rPr lang="pl-PL" sz="4000" dirty="0">
@@ -10131,7 +9965,70 @@
               <a:rPr lang="pl-PL" sz="4000" dirty="0" err="1">
                 <a:latin typeface="Consolas" panose="020B0609020204030204" pitchFamily="49" charset="0"/>
               </a:rPr>
-              <a:t>Employee</a:t>
+              <a:t>it</a:t>
+            </a:r>
+            <a:r>
+              <a:rPr lang="pl-PL" sz="4000" dirty="0">
+                <a:latin typeface="Consolas" panose="020B0609020204030204" pitchFamily="49" charset="0"/>
+              </a:rPr>
+              <a:t> a software </a:t>
+            </a:r>
+            <a:r>
+              <a:rPr lang="pl-PL" sz="4000" dirty="0" err="1">
+                <a:latin typeface="Consolas" panose="020B0609020204030204" pitchFamily="49" charset="0"/>
+              </a:rPr>
+              <a:t>department</a:t>
+            </a:r>
+            <a:r>
+              <a:rPr lang="pl-PL" sz="4000" dirty="0">
+                <a:latin typeface="Consolas" panose="020B0609020204030204" pitchFamily="49" charset="0"/>
+              </a:rPr>
+              <a:t>?</a:t>
+            </a:r>
+          </a:p>
+          <a:p>
+            <a:pPr marL="571500" indent="-571500">
+              <a:lnSpc>
+                <a:spcPct val="150000"/>
+              </a:lnSpc>
+              <a:buFontTx/>
+              <a:buChar char="-"/>
+            </a:pPr>
+            <a:r>
+              <a:rPr lang="pl-PL" sz="4000" dirty="0" err="1">
+                <a:latin typeface="Consolas" panose="020B0609020204030204" pitchFamily="49" charset="0"/>
+              </a:rPr>
+              <a:t>Yes</a:t>
+            </a:r>
+            <a:r>
+              <a:rPr lang="pl-PL" sz="4000" dirty="0">
+                <a:latin typeface="Consolas" panose="020B0609020204030204" pitchFamily="49" charset="0"/>
+              </a:rPr>
+              <a:t>.</a:t>
+            </a:r>
+          </a:p>
+          <a:p>
+            <a:pPr marL="571500" indent="-571500">
+              <a:buFontTx/>
+              <a:buChar char="-"/>
+            </a:pPr>
+            <a:r>
+              <a:rPr lang="pl-PL" sz="4000" dirty="0" err="1">
+                <a:latin typeface="Consolas" panose="020B0609020204030204" pitchFamily="49" charset="0"/>
+              </a:rPr>
+              <a:t>Let</a:t>
+            </a:r>
+            <a:r>
+              <a:rPr lang="pl-PL" sz="4000" dirty="0">
+                <a:latin typeface="Consolas" panose="020B0609020204030204" pitchFamily="49" charset="0"/>
+              </a:rPr>
+              <a:t> me talk to </a:t>
+            </a:r>
+            <a:r>
+              <a:rPr lang="pl-PL" sz="4000" dirty="0" err="1">
+                <a:latin typeface="Consolas" panose="020B0609020204030204" pitchFamily="49" charset="0"/>
+              </a:rPr>
+              <a:t>your</a:t>
             </a:r>
             <a:r>
               <a:rPr lang="pl-PL" sz="4000" dirty="0">
@@ -10143,22 +10040,52 @@
               <a:rPr lang="pl-PL" sz="4000" dirty="0" err="1">
                 <a:latin typeface="Consolas" panose="020B0609020204030204" pitchFamily="49" charset="0"/>
               </a:rPr>
-              <a:t>getByName</a:t>
-            </a:r>
-            <a:r>
-              <a:rPr lang="pl-PL" sz="4000" dirty="0">
-                <a:latin typeface="Consolas" panose="020B0609020204030204" pitchFamily="49" charset="0"/>
-              </a:rPr>
-              <a:t>(</a:t>
-            </a:r>
-            <a:r>
-              <a:rPr lang="pl-PL" sz="4000" dirty="0">
-                <a:solidFill>
-                  <a:srgbClr val="0070C0"/>
-                </a:solidFill>
-                <a:latin typeface="Consolas" panose="020B0609020204030204" pitchFamily="49" charset="0"/>
-              </a:rPr>
-              <a:t>String</a:t>
+              <a:t>employee</a:t>
+            </a:r>
+            <a:r>
+              <a:rPr lang="pl-PL" sz="4000" dirty="0">
+                <a:latin typeface="Consolas" panose="020B0609020204030204" pitchFamily="49" charset="0"/>
+              </a:rPr>
+              <a:t> „Jeffrey” </a:t>
+            </a:r>
+            <a:r>
+              <a:rPr lang="pl-PL" sz="4000" dirty="0" err="1">
+                <a:latin typeface="Consolas" panose="020B0609020204030204" pitchFamily="49" charset="0"/>
+              </a:rPr>
+              <a:t>please</a:t>
+            </a:r>
+            <a:r>
+              <a:rPr lang="pl-PL" sz="4000" dirty="0">
+                <a:latin typeface="Consolas" panose="020B0609020204030204" pitchFamily="49" charset="0"/>
+              </a:rPr>
+              <a:t>.</a:t>
+            </a:r>
+          </a:p>
+          <a:p>
+            <a:pPr marL="571500" indent="-571500">
+              <a:lnSpc>
+                <a:spcPct val="150000"/>
+              </a:lnSpc>
+              <a:buFontTx/>
+              <a:buChar char="-"/>
+            </a:pPr>
+            <a:r>
+              <a:rPr lang="pl-PL" sz="4000" dirty="0" err="1">
+                <a:latin typeface="Consolas" panose="020B0609020204030204" pitchFamily="49" charset="0"/>
+              </a:rPr>
+              <a:t>Hold</a:t>
+            </a:r>
+            <a:r>
+              <a:rPr lang="pl-PL" sz="4000" dirty="0">
+                <a:latin typeface="Consolas" panose="020B0609020204030204" pitchFamily="49" charset="0"/>
+              </a:rPr>
+              <a:t> the </a:t>
+            </a:r>
+            <a:r>
+              <a:rPr lang="pl-PL" sz="4000" dirty="0" err="1">
+                <a:latin typeface="Consolas" panose="020B0609020204030204" pitchFamily="49" charset="0"/>
+              </a:rPr>
+              <a:t>line</a:t>
             </a:r>
             <a:r>
               <a:rPr lang="pl-PL" sz="4000" dirty="0">
@@ -10170,208 +10097,25 @@
               <a:rPr lang="pl-PL" sz="4000" dirty="0" err="1">
                 <a:latin typeface="Consolas" panose="020B0609020204030204" pitchFamily="49" charset="0"/>
               </a:rPr>
-              <a:t>name</a:t>
-            </a:r>
-            <a:r>
-              <a:rPr lang="pl-PL" sz="4000" dirty="0">
-                <a:latin typeface="Consolas" panose="020B0609020204030204" pitchFamily="49" charset="0"/>
-              </a:rPr>
-              <a:t>)</a:t>
-            </a:r>
-          </a:p>
-          <a:p>
-            <a:r>
-              <a:rPr lang="pl-PL" sz="4000" dirty="0">
-                <a:latin typeface="Consolas" panose="020B0609020204030204" pitchFamily="49" charset="0"/>
-              </a:rPr>
-              <a:t>{</a:t>
-            </a:r>
-          </a:p>
-          <a:p>
-            <a:r>
-              <a:rPr lang="pl-PL" sz="4000" dirty="0">
-                <a:latin typeface="Consolas" panose="020B0609020204030204" pitchFamily="49" charset="0"/>
-              </a:rPr>
-              <a:t>	</a:t>
-            </a:r>
-            <a:r>
-              <a:rPr lang="pl-PL" sz="4000" dirty="0" err="1">
-                <a:latin typeface="Consolas" panose="020B0609020204030204" pitchFamily="49" charset="0"/>
-              </a:rPr>
-              <a:t>Employee</a:t>
-            </a:r>
-            <a:r>
-              <a:rPr lang="pl-PL" sz="4000" dirty="0">
-                <a:latin typeface="Consolas" panose="020B0609020204030204" pitchFamily="49" charset="0"/>
-              </a:rPr>
-              <a:t> e = </a:t>
-            </a:r>
-            <a:r>
-              <a:rPr lang="pl-PL" sz="4000" dirty="0" err="1">
-                <a:latin typeface="Consolas" panose="020B0609020204030204" pitchFamily="49" charset="0"/>
-              </a:rPr>
-              <a:t>employees.get</a:t>
-            </a:r>
-            <a:r>
-              <a:rPr lang="pl-PL" sz="4000" dirty="0">
-                <a:latin typeface="Consolas" panose="020B0609020204030204" pitchFamily="49" charset="0"/>
-              </a:rPr>
-              <a:t>(</a:t>
-            </a:r>
-            <a:r>
-              <a:rPr lang="pl-PL" sz="4000" dirty="0" err="1">
-                <a:latin typeface="Consolas" panose="020B0609020204030204" pitchFamily="49" charset="0"/>
-              </a:rPr>
-              <a:t>name</a:t>
-            </a:r>
-            <a:r>
-              <a:rPr lang="pl-PL" sz="4000" dirty="0">
-                <a:latin typeface="Consolas" panose="020B0609020204030204" pitchFamily="49" charset="0"/>
-              </a:rPr>
-              <a:t>);</a:t>
-            </a:r>
-          </a:p>
-          <a:p>
-            <a:r>
-              <a:rPr lang="pl-PL" sz="4000" dirty="0">
-                <a:latin typeface="Consolas" panose="020B0609020204030204" pitchFamily="49" charset="0"/>
-              </a:rPr>
-              <a:t>	</a:t>
-            </a:r>
-            <a:r>
-              <a:rPr lang="pl-PL" sz="4000" dirty="0" err="1">
-                <a:solidFill>
-                  <a:srgbClr val="0070C0"/>
-                </a:solidFill>
-                <a:latin typeface="Consolas" panose="020B0609020204030204" pitchFamily="49" charset="0"/>
-              </a:rPr>
-              <a:t>if</a:t>
-            </a:r>
-            <a:r>
-              <a:rPr lang="pl-PL" sz="4000" dirty="0">
-                <a:latin typeface="Consolas" panose="020B0609020204030204" pitchFamily="49" charset="0"/>
-              </a:rPr>
-              <a:t>(e == </a:t>
-            </a:r>
-            <a:r>
-              <a:rPr lang="pl-PL" sz="4000" dirty="0" err="1">
-                <a:latin typeface="Consolas" panose="020B0609020204030204" pitchFamily="49" charset="0"/>
-              </a:rPr>
-              <a:t>null</a:t>
-            </a:r>
-            <a:r>
-              <a:rPr lang="pl-PL" sz="4000" dirty="0">
-                <a:latin typeface="Consolas" panose="020B0609020204030204" pitchFamily="49" charset="0"/>
-              </a:rPr>
-              <a:t>)</a:t>
-            </a:r>
-          </a:p>
-          <a:p>
-            <a:r>
-              <a:rPr lang="pl-PL" sz="4000" dirty="0">
-                <a:latin typeface="Consolas" panose="020B0609020204030204" pitchFamily="49" charset="0"/>
-              </a:rPr>
-              <a:t>	{</a:t>
-            </a:r>
-          </a:p>
-          <a:p>
-            <a:r>
-              <a:rPr lang="pl-PL" sz="4000" dirty="0">
-                <a:latin typeface="Consolas" panose="020B0609020204030204" pitchFamily="49" charset="0"/>
-              </a:rPr>
-              <a:t>		</a:t>
-            </a:r>
-            <a:r>
-              <a:rPr lang="pl-PL" sz="4000" dirty="0" err="1">
-                <a:solidFill>
-                  <a:srgbClr val="0070C0"/>
-                </a:solidFill>
-                <a:latin typeface="Consolas" panose="020B0609020204030204" pitchFamily="49" charset="0"/>
-              </a:rPr>
-              <a:t>throw</a:t>
-            </a:r>
-            <a:r>
-              <a:rPr lang="pl-PL" sz="4000" dirty="0">
-                <a:solidFill>
-                  <a:srgbClr val="0070C0"/>
-                </a:solidFill>
-                <a:latin typeface="Consolas" panose="020B0609020204030204" pitchFamily="49" charset="0"/>
-              </a:rPr>
-              <a:t> </a:t>
-            </a:r>
-            <a:r>
-              <a:rPr lang="pl-PL" sz="4000" dirty="0" err="1">
-                <a:solidFill>
-                  <a:srgbClr val="0070C0"/>
-                </a:solidFill>
-                <a:latin typeface="Consolas" panose="020B0609020204030204" pitchFamily="49" charset="0"/>
-              </a:rPr>
-              <a:t>new</a:t>
+              <a:t>please</a:t>
             </a:r>
             <a:endParaRPr lang="pl-PL" sz="4000" dirty="0">
-              <a:solidFill>
-                <a:srgbClr val="0070C0"/>
-              </a:solidFill>
               <a:latin typeface="Consolas" panose="020B0609020204030204" pitchFamily="49" charset="0"/>
             </a:endParaRPr>
           </a:p>
           <a:p>
-            <a:r>
-              <a:rPr lang="pl-PL" sz="4000" dirty="0">
-                <a:latin typeface="Consolas" panose="020B0609020204030204" pitchFamily="49" charset="0"/>
-              </a:rPr>
-              <a:t>		</a:t>
-            </a:r>
-            <a:r>
-              <a:rPr lang="pl-PL" sz="4000" dirty="0" err="1">
-                <a:latin typeface="Consolas" panose="020B0609020204030204" pitchFamily="49" charset="0"/>
-              </a:rPr>
-              <a:t>EmployeeNotFoundException</a:t>
-            </a:r>
-            <a:r>
-              <a:rPr lang="pl-PL" sz="4000" dirty="0">
-                <a:latin typeface="Consolas" panose="020B0609020204030204" pitchFamily="49" charset="0"/>
-              </a:rPr>
-              <a:t>(); 	    </a:t>
-            </a:r>
-          </a:p>
-          <a:p>
-            <a:r>
-              <a:rPr lang="pl-PL" sz="4000" dirty="0">
-                <a:latin typeface="Consolas" panose="020B0609020204030204" pitchFamily="49" charset="0"/>
-              </a:rPr>
-              <a:t>	} </a:t>
-            </a:r>
-          </a:p>
-          <a:p>
-            <a:r>
-              <a:rPr lang="pl-PL" sz="4000" dirty="0">
-                <a:latin typeface="Consolas" panose="020B0609020204030204" pitchFamily="49" charset="0"/>
-              </a:rPr>
-              <a:t>	</a:t>
-            </a:r>
-            <a:r>
-              <a:rPr lang="pl-PL" sz="4000" dirty="0">
-                <a:solidFill>
-                  <a:srgbClr val="0070C0"/>
-                </a:solidFill>
-                <a:latin typeface="Consolas" panose="020B0609020204030204" pitchFamily="49" charset="0"/>
-              </a:rPr>
-              <a:t>return</a:t>
-            </a:r>
-            <a:r>
-              <a:rPr lang="pl-PL" sz="4000" dirty="0">
-                <a:latin typeface="Consolas" panose="020B0609020204030204" pitchFamily="49" charset="0"/>
-              </a:rPr>
-              <a:t> e;	</a:t>
-            </a:r>
-          </a:p>
-          <a:p>
-            <a:r>
-              <a:rPr lang="pl-PL" sz="4000" dirty="0">
-                <a:latin typeface="Consolas" panose="020B0609020204030204" pitchFamily="49" charset="0"/>
-              </a:rPr>
-              <a:t>}</a:t>
+            <a:pPr marL="571500" indent="-571500">
+              <a:lnSpc>
+                <a:spcPct val="150000"/>
+              </a:lnSpc>
+              <a:buFontTx/>
+              <a:buChar char="-"/>
+            </a:pPr>
+            <a:r>
+              <a:rPr lang="pl-PL" sz="4000" dirty="0">
+                <a:latin typeface="Consolas" panose="020B0609020204030204" pitchFamily="49" charset="0"/>
+              </a:rPr>
+              <a:t>Hello.</a:t>
             </a:r>
           </a:p>
         </p:txBody>
@@ -10379,7 +10123,7 @@
     </p:spTree>
     <p:extLst>
       <p:ext uri="{BB962C8B-B14F-4D97-AF65-F5344CB8AC3E}">
-        <p14:creationId xmlns:p14="http://schemas.microsoft.com/office/powerpoint/2010/main" val="1421346888"/>
+        <p14:creationId xmlns:p14="http://schemas.microsoft.com/office/powerpoint/2010/main" val="745741544"/>
       </p:ext>
     </p:extLst>
   </p:cSld>
@@ -10527,113 +10271,185 @@
       </p:grpSpPr>
       <p:sp>
         <p:nvSpPr>
-          <p:cNvPr id="2" name="Prostokąt 1">
+          <p:cNvPr id="2" name="pole tekstowe 1">
             <a:extLst>
               <a:ext uri="{FF2B5EF4-FFF2-40B4-BE49-F238E27FC236}">
-                <a16:creationId xmlns:a16="http://schemas.microsoft.com/office/drawing/2014/main" id="{0A2F51BE-1AEF-4D0B-8F24-B765D09C781F}"/>
+                <a16:creationId xmlns:a16="http://schemas.microsoft.com/office/drawing/2014/main" id="{8CD7630C-E757-4D59-AC13-2DC2E37BD6CE}"/>
               </a:ext>
             </a:extLst>
           </p:cNvPr>
-          <p:cNvSpPr/>
-          <p:nvPr/>
-        </p:nvSpPr>
-        <p:spPr>
-          <a:xfrm>
-            <a:off x="532661" y="1472306"/>
-            <a:ext cx="11292395" cy="3170099"/>
+          <p:cNvSpPr txBox="1"/>
+          <p:nvPr/>
+        </p:nvSpPr>
+        <p:spPr>
+          <a:xfrm>
+            <a:off x="729842" y="318782"/>
+            <a:ext cx="10997967" cy="5940088"/>
           </a:xfrm>
           <a:prstGeom prst="rect">
             <a:avLst/>
           </a:prstGeom>
-        </p:spPr>
-        <p:txBody>
-          <a:bodyPr wrap="square">
+          <a:noFill/>
+        </p:spPr>
+        <p:txBody>
+          <a:bodyPr wrap="square" rtlCol="0">
             <a:spAutoFit/>
           </a:bodyPr>
           <a:lstStyle/>
           <a:p>
+            <a:pPr marL="571500" indent="-571500">
+              <a:lnSpc>
+                <a:spcPct val="150000"/>
+              </a:lnSpc>
+              <a:buFontTx/>
+              <a:buChar char="-"/>
+            </a:pPr>
+            <a:r>
+              <a:rPr lang="pl-PL" sz="4000" dirty="0">
+                <a:latin typeface="Consolas" panose="020B0609020204030204" pitchFamily="49" charset="0"/>
+              </a:rPr>
+              <a:t>Hello, </a:t>
+            </a:r>
             <a:r>
               <a:rPr lang="pl-PL" sz="4000" dirty="0" err="1">
-                <a:solidFill>
-                  <a:srgbClr val="0070C0"/>
-                </a:solidFill>
-                <a:latin typeface="Consolas" panose="020B0609020204030204" pitchFamily="49" charset="0"/>
-              </a:rPr>
-              <a:t>if</a:t>
-            </a:r>
-            <a:r>
-              <a:rPr lang="pl-PL" sz="4000" dirty="0">
-                <a:latin typeface="Consolas" panose="020B0609020204030204" pitchFamily="49" charset="0"/>
-              </a:rPr>
-              <a:t>(!</a:t>
+                <a:latin typeface="Consolas" panose="020B0609020204030204" pitchFamily="49" charset="0"/>
+              </a:rPr>
+              <a:t>is</a:t>
+            </a:r>
+            <a:r>
+              <a:rPr lang="pl-PL" sz="4000" dirty="0">
+                <a:latin typeface="Consolas" panose="020B0609020204030204" pitchFamily="49" charset="0"/>
+              </a:rPr>
+              <a:t> </a:t>
             </a:r>
             <a:r>
               <a:rPr lang="pl-PL" sz="4000" dirty="0" err="1">
                 <a:latin typeface="Consolas" panose="020B0609020204030204" pitchFamily="49" charset="0"/>
               </a:rPr>
-              <a:t>employees.containsKey</a:t>
-            </a:r>
-            <a:r>
-              <a:rPr lang="pl-PL" sz="4000" dirty="0">
-                <a:latin typeface="Consolas" panose="020B0609020204030204" pitchFamily="49" charset="0"/>
-              </a:rPr>
-              <a:t>(</a:t>
+              <a:t>it</a:t>
+            </a:r>
+            <a:r>
+              <a:rPr lang="pl-PL" sz="4000" dirty="0">
+                <a:latin typeface="Consolas" panose="020B0609020204030204" pitchFamily="49" charset="0"/>
+              </a:rPr>
+              <a:t> a software </a:t>
             </a:r>
             <a:r>
               <a:rPr lang="pl-PL" sz="4000" dirty="0" err="1">
                 <a:latin typeface="Consolas" panose="020B0609020204030204" pitchFamily="49" charset="0"/>
               </a:rPr>
-              <a:t>name</a:t>
-            </a:r>
-            <a:r>
-              <a:rPr lang="pl-PL" sz="4000" dirty="0">
-                <a:latin typeface="Consolas" panose="020B0609020204030204" pitchFamily="49" charset="0"/>
-              </a:rPr>
-              <a:t>))</a:t>
-            </a:r>
-          </a:p>
-          <a:p>
-            <a:r>
-              <a:rPr lang="pl-PL" sz="4000" dirty="0">
-                <a:latin typeface="Consolas" panose="020B0609020204030204" pitchFamily="49" charset="0"/>
-              </a:rPr>
-              <a:t>{</a:t>
-            </a:r>
-          </a:p>
-          <a:p>
-            <a:pPr lvl="1"/>
+              <a:t>department</a:t>
+            </a:r>
+            <a:r>
+              <a:rPr lang="pl-PL" sz="4000" dirty="0">
+                <a:latin typeface="Consolas" panose="020B0609020204030204" pitchFamily="49" charset="0"/>
+              </a:rPr>
+              <a:t>?</a:t>
+            </a:r>
+          </a:p>
+          <a:p>
+            <a:pPr marL="571500" indent="-571500">
+              <a:lnSpc>
+                <a:spcPct val="150000"/>
+              </a:lnSpc>
+              <a:buFontTx/>
+              <a:buChar char="-"/>
+            </a:pPr>
             <a:r>
               <a:rPr lang="pl-PL" sz="4000" dirty="0" err="1">
-                <a:solidFill>
-                  <a:srgbClr val="0070C0"/>
-                </a:solidFill>
-                <a:latin typeface="Consolas" panose="020B0609020204030204" pitchFamily="49" charset="0"/>
-              </a:rPr>
-              <a:t>throw</a:t>
-            </a:r>
-            <a:r>
-              <a:rPr lang="pl-PL" sz="4000" dirty="0">
-                <a:solidFill>
-                  <a:srgbClr val="0070C0"/>
-                </a:solidFill>
+                <a:latin typeface="Consolas" panose="020B0609020204030204" pitchFamily="49" charset="0"/>
+              </a:rPr>
+              <a:t>Yes</a:t>
+            </a:r>
+            <a:r>
+              <a:rPr lang="pl-PL" sz="4000" dirty="0">
+                <a:latin typeface="Consolas" panose="020B0609020204030204" pitchFamily="49" charset="0"/>
+              </a:rPr>
+              <a:t>.</a:t>
+            </a:r>
+          </a:p>
+          <a:p>
+            <a:pPr marL="571500" indent="-571500">
+              <a:buFontTx/>
+              <a:buChar char="-"/>
+            </a:pPr>
+            <a:r>
+              <a:rPr lang="pl-PL" sz="4000" dirty="0" err="1">
+                <a:latin typeface="Consolas" panose="020B0609020204030204" pitchFamily="49" charset="0"/>
+              </a:rPr>
+              <a:t>Let</a:t>
+            </a:r>
+            <a:r>
+              <a:rPr lang="pl-PL" sz="4000" dirty="0">
+                <a:latin typeface="Consolas" panose="020B0609020204030204" pitchFamily="49" charset="0"/>
+              </a:rPr>
+              <a:t> me talk to </a:t>
+            </a:r>
+            <a:r>
+              <a:rPr lang="pl-PL" sz="4000" dirty="0" err="1">
+                <a:latin typeface="Consolas" panose="020B0609020204030204" pitchFamily="49" charset="0"/>
+              </a:rPr>
+              <a:t>your</a:t>
+            </a:r>
+            <a:r>
+              <a:rPr lang="pl-PL" sz="4000" dirty="0">
                 <a:latin typeface="Consolas" panose="020B0609020204030204" pitchFamily="49" charset="0"/>
               </a:rPr>
               <a:t> </a:t>
             </a:r>
             <a:r>
               <a:rPr lang="pl-PL" sz="4000" dirty="0" err="1">
-                <a:solidFill>
-                  <a:srgbClr val="0070C0"/>
-                </a:solidFill>
-                <a:latin typeface="Consolas" panose="020B0609020204030204" pitchFamily="49" charset="0"/>
-              </a:rPr>
-              <a:t>new</a:t>
-            </a:r>
-            <a:r>
-              <a:rPr lang="pl-PL" sz="4000" dirty="0">
-                <a:solidFill>
-                  <a:srgbClr val="0070C0"/>
-                </a:solidFill>
+                <a:latin typeface="Consolas" panose="020B0609020204030204" pitchFamily="49" charset="0"/>
+              </a:rPr>
+              <a:t>employee</a:t>
+            </a:r>
+            <a:r>
+              <a:rPr lang="pl-PL" sz="4000" dirty="0">
+                <a:latin typeface="Consolas" panose="020B0609020204030204" pitchFamily="49" charset="0"/>
+              </a:rPr>
+              <a:t> „Jeffrey” </a:t>
+            </a:r>
+            <a:r>
+              <a:rPr lang="pl-PL" sz="4000" dirty="0" err="1">
+                <a:latin typeface="Consolas" panose="020B0609020204030204" pitchFamily="49" charset="0"/>
+              </a:rPr>
+              <a:t>please</a:t>
+            </a:r>
+            <a:r>
+              <a:rPr lang="pl-PL" sz="4000" dirty="0">
+                <a:latin typeface="Consolas" panose="020B0609020204030204" pitchFamily="49" charset="0"/>
+              </a:rPr>
+              <a:t>.</a:t>
+            </a:r>
+          </a:p>
+          <a:p>
+            <a:pPr marL="571500" indent="-571500">
+              <a:lnSpc>
+                <a:spcPct val="150000"/>
+              </a:lnSpc>
+              <a:buFontTx/>
+              <a:buChar char="-"/>
+            </a:pPr>
+            <a:r>
+              <a:rPr lang="pl-PL" sz="4000" dirty="0" err="1">
+                <a:latin typeface="Consolas" panose="020B0609020204030204" pitchFamily="49" charset="0"/>
+              </a:rPr>
+              <a:t>Hold</a:t>
+            </a:r>
+            <a:r>
+              <a:rPr lang="pl-PL" sz="4000" dirty="0">
+                <a:latin typeface="Consolas" panose="020B0609020204030204" pitchFamily="49" charset="0"/>
+              </a:rPr>
+              <a:t> the </a:t>
+            </a:r>
+            <a:r>
+              <a:rPr lang="pl-PL" sz="4000" dirty="0" err="1">
+                <a:latin typeface="Consolas" panose="020B0609020204030204" pitchFamily="49" charset="0"/>
+              </a:rPr>
+              <a:t>line</a:t>
+            </a:r>
+            <a:r>
+              <a:rPr lang="pl-PL" sz="4000" dirty="0">
                 <a:latin typeface="Consolas" panose="020B0609020204030204" pitchFamily="49" charset="0"/>
               </a:rPr>
               <a:t> </a:t>
@@ -10642,32 +10458,40 @@
               <a:rPr lang="pl-PL" sz="4000" dirty="0" err="1">
                 <a:latin typeface="Consolas" panose="020B0609020204030204" pitchFamily="49" charset="0"/>
               </a:rPr>
-              <a:t>EmployeeNotFoundException</a:t>
-            </a:r>
-            <a:r>
-              <a:rPr lang="pl-PL" sz="4000" dirty="0">
-                <a:latin typeface="Consolas" panose="020B0609020204030204" pitchFamily="49" charset="0"/>
-              </a:rPr>
-              <a:t>();     </a:t>
-            </a:r>
-          </a:p>
-          <a:p>
-            <a:r>
-              <a:rPr lang="pl-PL" sz="4000" dirty="0">
-                <a:latin typeface="Consolas" panose="020B0609020204030204" pitchFamily="49" charset="0"/>
-              </a:rPr>
-              <a:t>} </a:t>
-            </a:r>
-          </a:p>
-          <a:p>
-            <a:r>
-              <a:rPr lang="pl-PL" sz="4000" dirty="0">
-                <a:solidFill>
-                  <a:srgbClr val="0070C0"/>
-                </a:solidFill>
-                <a:latin typeface="Consolas" panose="020B0609020204030204" pitchFamily="49" charset="0"/>
-              </a:rPr>
-              <a:t>return</a:t>
+              <a:t>please</a:t>
+            </a:r>
+            <a:endParaRPr lang="pl-PL" sz="4000" dirty="0">
+              <a:latin typeface="Consolas" panose="020B0609020204030204" pitchFamily="49" charset="0"/>
+            </a:endParaRPr>
+          </a:p>
+          <a:p>
+            <a:pPr marL="571500" indent="-571500">
+              <a:lnSpc>
+                <a:spcPct val="150000"/>
+              </a:lnSpc>
+              <a:buFontTx/>
+              <a:buChar char="-"/>
+            </a:pPr>
+            <a:r>
+              <a:rPr lang="pl-PL" sz="4000" dirty="0">
+                <a:latin typeface="Consolas" panose="020B0609020204030204" pitchFamily="49" charset="0"/>
+              </a:rPr>
+              <a:t>Hello.</a:t>
+            </a:r>
+          </a:p>
+          <a:p>
+            <a:pPr marL="571500" indent="-571500">
+              <a:lnSpc>
+                <a:spcPct val="150000"/>
+              </a:lnSpc>
+              <a:buFontTx/>
+              <a:buChar char="-"/>
+            </a:pPr>
+            <a:r>
+              <a:rPr lang="pl-PL" sz="4000" dirty="0" err="1">
+                <a:latin typeface="Consolas" panose="020B0609020204030204" pitchFamily="49" charset="0"/>
+              </a:rPr>
+              <a:t>Are</a:t>
             </a:r>
             <a:r>
               <a:rPr lang="pl-PL" sz="4000" dirty="0">
@@ -10679,34 +10503,21 @@
               <a:rPr lang="pl-PL" sz="4000" dirty="0" err="1">
                 <a:latin typeface="Consolas" panose="020B0609020204030204" pitchFamily="49" charset="0"/>
               </a:rPr>
-              <a:t>employees.get</a:t>
-            </a:r>
-            <a:r>
-              <a:rPr lang="pl-PL" sz="4000" dirty="0">
-                <a:latin typeface="Consolas" panose="020B0609020204030204" pitchFamily="49" charset="0"/>
-              </a:rPr>
-              <a:t>(</a:t>
-            </a:r>
-            <a:r>
-              <a:rPr lang="pl-PL" sz="4000" dirty="0" err="1">
-                <a:latin typeface="Consolas" panose="020B0609020204030204" pitchFamily="49" charset="0"/>
-              </a:rPr>
-              <a:t>name</a:t>
-            </a:r>
-            <a:r>
-              <a:rPr lang="pl-PL" sz="4000" dirty="0">
-                <a:latin typeface="Consolas" panose="020B0609020204030204" pitchFamily="49" charset="0"/>
-              </a:rPr>
-              <a:t>);</a:t>
-            </a:r>
-            <a:endParaRPr lang="pl-PL" sz="4000" dirty="0"/>
+              <a:t>you</a:t>
+            </a:r>
+            <a:r>
+              <a:rPr lang="pl-PL" sz="4000" dirty="0">
+                <a:latin typeface="Consolas" panose="020B0609020204030204" pitchFamily="49" charset="0"/>
+              </a:rPr>
+              <a:t> NULL?</a:t>
+            </a:r>
           </a:p>
         </p:txBody>
       </p:sp>
     </p:spTree>
     <p:extLst>
       <p:ext uri="{BB962C8B-B14F-4D97-AF65-F5344CB8AC3E}">
-        <p14:creationId xmlns:p14="http://schemas.microsoft.com/office/powerpoint/2010/main" val="1831075161"/>
+        <p14:creationId xmlns:p14="http://schemas.microsoft.com/office/powerpoint/2010/main" val="3945731266"/>
       </p:ext>
     </p:extLst>
   </p:cSld>
@@ -10735,45 +10546,53 @@
       </p:grpSpPr>
       <p:sp>
         <p:nvSpPr>
-          <p:cNvPr id="2" name="Prostokąt 1">
+          <p:cNvPr id="2" name="pole tekstowe 1">
             <a:extLst>
               <a:ext uri="{FF2B5EF4-FFF2-40B4-BE49-F238E27FC236}">
-                <a16:creationId xmlns:a16="http://schemas.microsoft.com/office/drawing/2014/main" id="{0A2F51BE-1AEF-4D0B-8F24-B765D09C781F}"/>
+                <a16:creationId xmlns:a16="http://schemas.microsoft.com/office/drawing/2014/main" id="{8CD7630C-E757-4D59-AC13-2DC2E37BD6CE}"/>
               </a:ext>
             </a:extLst>
           </p:cNvPr>
-          <p:cNvSpPr/>
-          <p:nvPr/>
-        </p:nvSpPr>
-        <p:spPr>
-          <a:xfrm>
-            <a:off x="452763" y="1445673"/>
-            <a:ext cx="11292395" cy="3785652"/>
+          <p:cNvSpPr txBox="1"/>
+          <p:nvPr/>
+        </p:nvSpPr>
+        <p:spPr>
+          <a:xfrm>
+            <a:off x="729842" y="318782"/>
+            <a:ext cx="10997967" cy="5940088"/>
           </a:xfrm>
           <a:prstGeom prst="rect">
             <a:avLst/>
           </a:prstGeom>
-        </p:spPr>
-        <p:txBody>
-          <a:bodyPr wrap="square">
+          <a:noFill/>
+        </p:spPr>
+        <p:txBody>
+          <a:bodyPr wrap="square" rtlCol="0">
             <a:spAutoFit/>
           </a:bodyPr>
           <a:lstStyle/>
           <a:p>
+            <a:pPr marL="571500" indent="-571500">
+              <a:lnSpc>
+                <a:spcPct val="150000"/>
+              </a:lnSpc>
+              <a:buFontTx/>
+              <a:buChar char="-"/>
+            </a:pPr>
+            <a:r>
+              <a:rPr lang="pl-PL" sz="4000" dirty="0">
+                <a:latin typeface="Consolas" panose="020B0609020204030204" pitchFamily="49" charset="0"/>
+              </a:rPr>
+              <a:t>Hello, </a:t>
+            </a:r>
             <a:r>
               <a:rPr lang="pl-PL" sz="4000" dirty="0" err="1">
-                <a:solidFill>
-                  <a:srgbClr val="0070C0"/>
-                </a:solidFill>
-                <a:latin typeface="Consolas" panose="020B0609020204030204" pitchFamily="49" charset="0"/>
-              </a:rPr>
-              <a:t>Iterator</a:t>
-            </a:r>
-            <a:r>
-              <a:rPr lang="pl-PL" sz="4000" dirty="0">
-                <a:solidFill>
-                  <a:srgbClr val="0070C0"/>
-                </a:solidFill>
+                <a:latin typeface="Consolas" panose="020B0609020204030204" pitchFamily="49" charset="0"/>
+              </a:rPr>
+              <a:t>is</a:t>
+            </a:r>
+            <a:r>
+              <a:rPr lang="pl-PL" sz="4000" dirty="0">
                 <a:latin typeface="Consolas" panose="020B0609020204030204" pitchFamily="49" charset="0"/>
               </a:rPr>
               <a:t> </a:t>
@@ -10782,177 +10601,234 @@
               <a:rPr lang="pl-PL" sz="4000" dirty="0" err="1">
                 <a:latin typeface="Consolas" panose="020B0609020204030204" pitchFamily="49" charset="0"/>
               </a:rPr>
-              <a:t>found</a:t>
-            </a:r>
-            <a:r>
-              <a:rPr lang="pl-PL" sz="4000" dirty="0">
-                <a:latin typeface="Consolas" panose="020B0609020204030204" pitchFamily="49" charset="0"/>
-              </a:rPr>
-              <a:t> = </a:t>
+              <a:t>it</a:t>
+            </a:r>
+            <a:r>
+              <a:rPr lang="pl-PL" sz="4000" dirty="0">
+                <a:latin typeface="Consolas" panose="020B0609020204030204" pitchFamily="49" charset="0"/>
+              </a:rPr>
+              <a:t> a software </a:t>
             </a:r>
             <a:r>
               <a:rPr lang="pl-PL" sz="4000" dirty="0" err="1">
                 <a:latin typeface="Consolas" panose="020B0609020204030204" pitchFamily="49" charset="0"/>
               </a:rPr>
-              <a:t>Map.search</a:t>
-            </a:r>
-            <a:r>
-              <a:rPr lang="pl-PL" sz="4000" dirty="0">
-                <a:latin typeface="Consolas" panose="020B0609020204030204" pitchFamily="49" charset="0"/>
-              </a:rPr>
-              <a:t>(</a:t>
-            </a:r>
+              <a:t>department</a:t>
+            </a:r>
+            <a:r>
+              <a:rPr lang="pl-PL" sz="4000" dirty="0">
+                <a:latin typeface="Consolas" panose="020B0609020204030204" pitchFamily="49" charset="0"/>
+              </a:rPr>
+              <a:t>?</a:t>
+            </a:r>
+          </a:p>
+          <a:p>
+            <a:pPr marL="571500" indent="-571500">
+              <a:lnSpc>
+                <a:spcPct val="150000"/>
+              </a:lnSpc>
+              <a:buFontTx/>
+              <a:buChar char="-"/>
+            </a:pPr>
             <a:r>
               <a:rPr lang="pl-PL" sz="4000" dirty="0" err="1">
                 <a:latin typeface="Consolas" panose="020B0609020204030204" pitchFamily="49" charset="0"/>
               </a:rPr>
-              <a:t>name</a:t>
-            </a:r>
-            <a:r>
-              <a:rPr lang="pl-PL" sz="4000" dirty="0">
-                <a:latin typeface="Consolas" panose="020B0609020204030204" pitchFamily="49" charset="0"/>
-              </a:rPr>
-              <a:t>);</a:t>
+              <a:t>Yes</a:t>
+            </a:r>
+            <a:r>
+              <a:rPr lang="pl-PL" sz="4000" dirty="0">
+                <a:latin typeface="Consolas" panose="020B0609020204030204" pitchFamily="49" charset="0"/>
+              </a:rPr>
+              <a:t>.</a:t>
+            </a:r>
+          </a:p>
+          <a:p>
+            <a:pPr marL="571500" indent="-571500">
+              <a:buFontTx/>
+              <a:buChar char="-"/>
+            </a:pPr>
+            <a:r>
+              <a:rPr lang="pl-PL" sz="4000" dirty="0" err="1">
+                <a:latin typeface="Consolas" panose="020B0609020204030204" pitchFamily="49" charset="0"/>
+              </a:rPr>
+              <a:t>Let</a:t>
+            </a:r>
+            <a:r>
+              <a:rPr lang="pl-PL" sz="4000" dirty="0">
+                <a:latin typeface="Consolas" panose="020B0609020204030204" pitchFamily="49" charset="0"/>
+              </a:rPr>
+              <a:t> me talk to </a:t>
+            </a:r>
+            <a:r>
+              <a:rPr lang="pl-PL" sz="4000" dirty="0" err="1">
+                <a:latin typeface="Consolas" panose="020B0609020204030204" pitchFamily="49" charset="0"/>
+              </a:rPr>
+              <a:t>your</a:t>
+            </a:r>
+            <a:r>
+              <a:rPr lang="pl-PL" sz="4000" dirty="0">
+                <a:latin typeface="Consolas" panose="020B0609020204030204" pitchFamily="49" charset="0"/>
+              </a:rPr>
+              <a:t> </a:t>
+            </a:r>
+            <a:r>
+              <a:rPr lang="pl-PL" sz="4000" dirty="0" err="1">
+                <a:latin typeface="Consolas" panose="020B0609020204030204" pitchFamily="49" charset="0"/>
+              </a:rPr>
+              <a:t>employee</a:t>
+            </a:r>
+            <a:r>
+              <a:rPr lang="pl-PL" sz="4000" dirty="0">
+                <a:latin typeface="Consolas" panose="020B0609020204030204" pitchFamily="49" charset="0"/>
+              </a:rPr>
+              <a:t> „Jeffrey” </a:t>
+            </a:r>
+            <a:r>
+              <a:rPr lang="pl-PL" sz="4000" dirty="0" err="1">
+                <a:latin typeface="Consolas" panose="020B0609020204030204" pitchFamily="49" charset="0"/>
+              </a:rPr>
+              <a:t>please</a:t>
+            </a:r>
+            <a:r>
+              <a:rPr lang="pl-PL" sz="4000" dirty="0">
+                <a:latin typeface="Consolas" panose="020B0609020204030204" pitchFamily="49" charset="0"/>
+              </a:rPr>
+              <a:t>.</a:t>
+            </a:r>
+          </a:p>
+          <a:p>
+            <a:pPr marL="571500" indent="-571500">
+              <a:lnSpc>
+                <a:spcPct val="150000"/>
+              </a:lnSpc>
+              <a:buFontTx/>
+              <a:buChar char="-"/>
+            </a:pPr>
+            <a:r>
+              <a:rPr lang="pl-PL" sz="4000" dirty="0" err="1">
+                <a:latin typeface="Consolas" panose="020B0609020204030204" pitchFamily="49" charset="0"/>
+              </a:rPr>
+              <a:t>Hold</a:t>
+            </a:r>
+            <a:r>
+              <a:rPr lang="pl-PL" sz="4000" dirty="0">
+                <a:latin typeface="Consolas" panose="020B0609020204030204" pitchFamily="49" charset="0"/>
+              </a:rPr>
+              <a:t> the </a:t>
+            </a:r>
+            <a:r>
+              <a:rPr lang="pl-PL" sz="4000" dirty="0" err="1">
+                <a:latin typeface="Consolas" panose="020B0609020204030204" pitchFamily="49" charset="0"/>
+              </a:rPr>
+              <a:t>line</a:t>
+            </a:r>
+            <a:r>
+              <a:rPr lang="pl-PL" sz="4000" dirty="0">
+                <a:latin typeface="Consolas" panose="020B0609020204030204" pitchFamily="49" charset="0"/>
+              </a:rPr>
+              <a:t> </a:t>
+            </a:r>
+            <a:r>
+              <a:rPr lang="pl-PL" sz="4000" dirty="0" err="1">
+                <a:latin typeface="Consolas" panose="020B0609020204030204" pitchFamily="49" charset="0"/>
+              </a:rPr>
+              <a:t>please</a:t>
             </a:r>
             <a:endParaRPr lang="pl-PL" sz="4000" dirty="0">
-              <a:solidFill>
-                <a:srgbClr val="0070C0"/>
-              </a:solidFill>
               <a:latin typeface="Consolas" panose="020B0609020204030204" pitchFamily="49" charset="0"/>
             </a:endParaRPr>
           </a:p>
           <a:p>
+            <a:pPr marL="571500" indent="-571500">
+              <a:lnSpc>
+                <a:spcPct val="150000"/>
+              </a:lnSpc>
+              <a:buFontTx/>
+              <a:buChar char="-"/>
+            </a:pPr>
+            <a:r>
+              <a:rPr lang="pl-PL" sz="4000" dirty="0">
+                <a:latin typeface="Consolas" panose="020B0609020204030204" pitchFamily="49" charset="0"/>
+              </a:rPr>
+              <a:t>Hello.</a:t>
+            </a:r>
+          </a:p>
+          <a:p>
+            <a:pPr marL="571500" indent="-571500">
+              <a:lnSpc>
+                <a:spcPct val="150000"/>
+              </a:lnSpc>
+              <a:buFontTx/>
+              <a:buChar char="-"/>
+            </a:pPr>
             <a:r>
               <a:rPr lang="pl-PL" sz="4000" dirty="0" err="1">
-                <a:solidFill>
-                  <a:srgbClr val="0070C0"/>
-                </a:solidFill>
-                <a:latin typeface="Consolas" panose="020B0609020204030204" pitchFamily="49" charset="0"/>
-              </a:rPr>
-              <a:t>if</a:t>
-            </a:r>
-            <a:r>
-              <a:rPr lang="pl-PL" sz="4000" dirty="0">
-                <a:latin typeface="Consolas" panose="020B0609020204030204" pitchFamily="49" charset="0"/>
-              </a:rPr>
-              <a:t>(!</a:t>
+                <a:latin typeface="Consolas" panose="020B0609020204030204" pitchFamily="49" charset="0"/>
+              </a:rPr>
+              <a:t>Are</a:t>
+            </a:r>
+            <a:r>
+              <a:rPr lang="pl-PL" sz="4000" dirty="0">
+                <a:latin typeface="Consolas" panose="020B0609020204030204" pitchFamily="49" charset="0"/>
+              </a:rPr>
+              <a:t> </a:t>
             </a:r>
             <a:r>
               <a:rPr lang="pl-PL" sz="4000" dirty="0" err="1">
                 <a:latin typeface="Consolas" panose="020B0609020204030204" pitchFamily="49" charset="0"/>
               </a:rPr>
-              <a:t>found.hasNext</a:t>
-            </a:r>
-            <a:r>
-              <a:rPr lang="pl-PL" sz="4000" dirty="0">
-                <a:latin typeface="Consolas" panose="020B0609020204030204" pitchFamily="49" charset="0"/>
-              </a:rPr>
-              <a:t>())</a:t>
-            </a:r>
-          </a:p>
-          <a:p>
-            <a:r>
-              <a:rPr lang="pl-PL" sz="4000" dirty="0">
-                <a:latin typeface="Consolas" panose="020B0609020204030204" pitchFamily="49" charset="0"/>
-              </a:rPr>
-              <a:t>{</a:t>
-            </a:r>
-          </a:p>
-          <a:p>
-            <a:pPr lvl="1"/>
-            <a:r>
-              <a:rPr lang="pl-PL" sz="4000" dirty="0" err="1">
-                <a:solidFill>
-                  <a:srgbClr val="0070C0"/>
-                </a:solidFill>
-                <a:latin typeface="Consolas" panose="020B0609020204030204" pitchFamily="49" charset="0"/>
-              </a:rPr>
-              <a:t>throw</a:t>
-            </a:r>
-            <a:r>
-              <a:rPr lang="pl-PL" sz="4000" dirty="0">
-                <a:solidFill>
-                  <a:srgbClr val="0070C0"/>
-                </a:solidFill>
-                <a:latin typeface="Consolas" panose="020B0609020204030204" pitchFamily="49" charset="0"/>
-              </a:rPr>
-              <a:t> </a:t>
-            </a:r>
-            <a:r>
-              <a:rPr lang="pl-PL" sz="4000" dirty="0" err="1">
-                <a:solidFill>
-                  <a:srgbClr val="0070C0"/>
-                </a:solidFill>
-                <a:latin typeface="Consolas" panose="020B0609020204030204" pitchFamily="49" charset="0"/>
-              </a:rPr>
-              <a:t>new</a:t>
-            </a:r>
-            <a:r>
-              <a:rPr lang="pl-PL" sz="4000" dirty="0">
-                <a:solidFill>
-                  <a:srgbClr val="0070C0"/>
-                </a:solidFill>
-                <a:latin typeface="Consolas" panose="020B0609020204030204" pitchFamily="49" charset="0"/>
-              </a:rPr>
-              <a:t> </a:t>
-            </a:r>
-            <a:r>
-              <a:rPr lang="pl-PL" sz="4000" dirty="0" err="1">
-                <a:latin typeface="Consolas" panose="020B0609020204030204" pitchFamily="49" charset="0"/>
-              </a:rPr>
-              <a:t>EmployeeNotFoundException</a:t>
-            </a:r>
-            <a:r>
-              <a:rPr lang="pl-PL" sz="4000" dirty="0">
-                <a:latin typeface="Consolas" panose="020B0609020204030204" pitchFamily="49" charset="0"/>
-              </a:rPr>
-              <a:t>();     </a:t>
-            </a:r>
-          </a:p>
-          <a:p>
-            <a:r>
-              <a:rPr lang="pl-PL" sz="4000" dirty="0">
-                <a:latin typeface="Consolas" panose="020B0609020204030204" pitchFamily="49" charset="0"/>
-              </a:rPr>
-              <a:t>} </a:t>
-            </a:r>
-          </a:p>
-          <a:p>
-            <a:r>
-              <a:rPr lang="pl-PL" sz="4000" dirty="0">
-                <a:solidFill>
-                  <a:srgbClr val="0070C0"/>
-                </a:solidFill>
-                <a:latin typeface="Consolas" panose="020B0609020204030204" pitchFamily="49" charset="0"/>
-              </a:rPr>
-              <a:t>return</a:t>
-            </a:r>
-            <a:r>
-              <a:rPr lang="pl-PL" sz="4000" dirty="0">
-                <a:latin typeface="Consolas" panose="020B0609020204030204" pitchFamily="49" charset="0"/>
-              </a:rPr>
-              <a:t> </a:t>
-            </a:r>
-            <a:r>
-              <a:rPr lang="pl-PL" sz="4000" dirty="0" err="1">
-                <a:latin typeface="Consolas" panose="020B0609020204030204" pitchFamily="49" charset="0"/>
-              </a:rPr>
-              <a:t>found.next</a:t>
-            </a:r>
-            <a:r>
-              <a:rPr lang="pl-PL" sz="4000" dirty="0">
-                <a:latin typeface="Consolas" panose="020B0609020204030204" pitchFamily="49" charset="0"/>
-              </a:rPr>
-              <a:t>();</a:t>
-            </a:r>
-            <a:endParaRPr lang="pl-PL" sz="4000" dirty="0"/>
-          </a:p>
-        </p:txBody>
-      </p:sp>
+              <a:t>you</a:t>
+            </a:r>
+            <a:r>
+              <a:rPr lang="pl-PL" sz="4000" dirty="0">
+                <a:latin typeface="Consolas" panose="020B0609020204030204" pitchFamily="49" charset="0"/>
+              </a:rPr>
+              <a:t> NULL?</a:t>
+            </a:r>
+          </a:p>
+        </p:txBody>
+      </p:sp>
+      <p:pic>
+        <p:nvPicPr>
+          <p:cNvPr id="4" name="Obraz 3">
+            <a:extLst>
+              <a:ext uri="{FF2B5EF4-FFF2-40B4-BE49-F238E27FC236}">
+                <a16:creationId xmlns:a16="http://schemas.microsoft.com/office/drawing/2014/main" id="{AC6BCFB8-DDFA-402B-B1F7-17D5EEEEDE26}"/>
+              </a:ext>
+            </a:extLst>
+          </p:cNvPr>
+          <p:cNvPicPr>
+            <a:picLocks noChangeAspect="1"/>
+          </p:cNvPicPr>
+          <p:nvPr/>
+        </p:nvPicPr>
+        <p:blipFill>
+          <a:blip r:embed="rId2">
+            <a:extLst>
+              <a:ext uri="{28A0092B-C50C-407E-A947-70E740481C1C}">
+                <a14:useLocalDpi xmlns:a14="http://schemas.microsoft.com/office/drawing/2010/main" val="0"/>
+              </a:ext>
+            </a:extLst>
+          </a:blip>
+          <a:stretch>
+            <a:fillRect/>
+          </a:stretch>
+        </p:blipFill>
+        <p:spPr>
+          <a:xfrm>
+            <a:off x="7826928" y="3002160"/>
+            <a:ext cx="2519494" cy="3763560"/>
+          </a:xfrm>
+          <a:prstGeom prst="rect">
+            <a:avLst/>
+          </a:prstGeom>
+        </p:spPr>
+      </p:pic>
     </p:spTree>
     <p:extLst>
       <p:ext uri="{BB962C8B-B14F-4D97-AF65-F5344CB8AC3E}">
-        <p14:creationId xmlns:p14="http://schemas.microsoft.com/office/powerpoint/2010/main" val="3370999071"/>
+        <p14:creationId xmlns:p14="http://schemas.microsoft.com/office/powerpoint/2010/main" val="2611983339"/>
       </p:ext>
     </p:extLst>
   </p:cSld>
@@ -10984,7 +10860,7 @@
           <p:cNvPr id="2" name="pole tekstowe 1">
             <a:extLst>
               <a:ext uri="{FF2B5EF4-FFF2-40B4-BE49-F238E27FC236}">
-                <a16:creationId xmlns:a16="http://schemas.microsoft.com/office/drawing/2014/main" id="{F47C1C79-9707-49C8-ADCF-8A6D53F61C1F}"/>
+                <a16:creationId xmlns:a16="http://schemas.microsoft.com/office/drawing/2014/main" id="{66507BF1-11E7-4297-A089-04A3A76A802B}"/>
               </a:ext>
             </a:extLst>
           </p:cNvPr>
@@ -10993,8 +10869,8 @@
         </p:nvSpPr>
         <p:spPr>
           <a:xfrm>
-            <a:off x="257452" y="2492957"/>
-            <a:ext cx="11691892" cy="1569660"/>
+            <a:off x="679509" y="2886440"/>
+            <a:ext cx="11098636" cy="707886"/>
           </a:xfrm>
           <a:prstGeom prst="rect">
             <a:avLst/>
@@ -11007,17 +10883,141 @@
           </a:bodyPr>
           <a:lstStyle/>
           <a:p>
-            <a:pPr algn="ctr"/>
-            <a:r>
-              <a:rPr lang="pl-PL" sz="9600" dirty="0" err="1">
-                <a:latin typeface="Consolas" panose="020B0609020204030204" pitchFamily="49" charset="0"/>
-                <a:cs typeface="Consolas" panose="020B0609020204030204" pitchFamily="49" charset="0"/>
-              </a:rPr>
-              <a:t>NullObjectPattern</a:t>
-            </a:r>
-            <a:endParaRPr lang="pl-PL" sz="9600" dirty="0">
+            <a:r>
+              <a:rPr lang="pl-PL" sz="4000" dirty="0">
+                <a:solidFill>
+                  <a:srgbClr val="0070C0"/>
+                </a:solidFill>
+                <a:latin typeface="Consolas" panose="020B0609020204030204" pitchFamily="49" charset="0"/>
+              </a:rPr>
+              <a:t>public</a:t>
+            </a:r>
+            <a:r>
+              <a:rPr lang="pl-PL" sz="4000" dirty="0">
+                <a:latin typeface="Consolas" panose="020B0609020204030204" pitchFamily="49" charset="0"/>
+              </a:rPr>
+              <a:t> </a:t>
+            </a:r>
+            <a:r>
+              <a:rPr lang="pl-PL" sz="4000" dirty="0" err="1">
+                <a:latin typeface="Consolas" panose="020B0609020204030204" pitchFamily="49" charset="0"/>
+              </a:rPr>
+              <a:t>Employee</a:t>
+            </a:r>
+            <a:r>
+              <a:rPr lang="pl-PL" sz="4000" dirty="0">
+                <a:latin typeface="Consolas" panose="020B0609020204030204" pitchFamily="49" charset="0"/>
+              </a:rPr>
+              <a:t> </a:t>
+            </a:r>
+            <a:r>
+              <a:rPr lang="pl-PL" sz="4000" dirty="0" err="1">
+                <a:latin typeface="Consolas" panose="020B0609020204030204" pitchFamily="49" charset="0"/>
+              </a:rPr>
+              <a:t>getByName</a:t>
+            </a:r>
+            <a:r>
+              <a:rPr lang="pl-PL" sz="4000" dirty="0">
+                <a:latin typeface="Consolas" panose="020B0609020204030204" pitchFamily="49" charset="0"/>
+              </a:rPr>
+              <a:t>(String </a:t>
+            </a:r>
+            <a:r>
+              <a:rPr lang="pl-PL" sz="4000" dirty="0" err="1">
+                <a:latin typeface="Consolas" panose="020B0609020204030204" pitchFamily="49" charset="0"/>
+              </a:rPr>
+              <a:t>name</a:t>
+            </a:r>
+            <a:r>
+              <a:rPr lang="pl-PL" sz="4000" dirty="0">
+                <a:latin typeface="Consolas" panose="020B0609020204030204" pitchFamily="49" charset="0"/>
+              </a:rPr>
+              <a:t>)</a:t>
+            </a:r>
+          </a:p>
+        </p:txBody>
+      </p:sp>
+      <p:cxnSp>
+        <p:nvCxnSpPr>
+          <p:cNvPr id="4" name="Łącznik prosty 3">
+            <a:extLst>
+              <a:ext uri="{FF2B5EF4-FFF2-40B4-BE49-F238E27FC236}">
+                <a16:creationId xmlns:a16="http://schemas.microsoft.com/office/drawing/2014/main" id="{066277E5-41C3-4E2E-8CE0-980E0E92B625}"/>
+              </a:ext>
+            </a:extLst>
+          </p:cNvPr>
+          <p:cNvCxnSpPr>
+            <a:cxnSpLocks/>
+          </p:cNvCxnSpPr>
+          <p:nvPr/>
+        </p:nvCxnSpPr>
+        <p:spPr>
+          <a:xfrm>
+            <a:off x="5058561" y="3305262"/>
+            <a:ext cx="2793534" cy="0"/>
+          </a:xfrm>
+          <a:prstGeom prst="line">
+            <a:avLst/>
+          </a:prstGeom>
+          <a:ln w="76200">
+            <a:solidFill>
+              <a:srgbClr val="FF0000">
+                <a:alpha val="78824"/>
+              </a:srgbClr>
+            </a:solidFill>
+          </a:ln>
+        </p:spPr>
+        <p:style>
+          <a:lnRef idx="1">
+            <a:schemeClr val="accent1"/>
+          </a:lnRef>
+          <a:fillRef idx="0">
+            <a:schemeClr val="accent1"/>
+          </a:fillRef>
+          <a:effectRef idx="0">
+            <a:schemeClr val="accent1"/>
+          </a:effectRef>
+          <a:fontRef idx="minor">
+            <a:schemeClr val="tx1"/>
+          </a:fontRef>
+        </p:style>
+      </p:cxnSp>
+      <p:sp>
+        <p:nvSpPr>
+          <p:cNvPr id="7" name="pole tekstowe 6">
+            <a:extLst>
+              <a:ext uri="{FF2B5EF4-FFF2-40B4-BE49-F238E27FC236}">
+                <a16:creationId xmlns:a16="http://schemas.microsoft.com/office/drawing/2014/main" id="{5962FA78-B5EE-436F-BF34-03C1D1363E13}"/>
+              </a:ext>
+            </a:extLst>
+          </p:cNvPr>
+          <p:cNvSpPr txBox="1"/>
+          <p:nvPr/>
+        </p:nvSpPr>
+        <p:spPr>
+          <a:xfrm>
+            <a:off x="3783436" y="2092254"/>
+            <a:ext cx="5830348" cy="584775"/>
+          </a:xfrm>
+          <a:prstGeom prst="rect">
+            <a:avLst/>
+          </a:prstGeom>
+          <a:noFill/>
+        </p:spPr>
+        <p:txBody>
+          <a:bodyPr wrap="square" rtlCol="0">
+            <a:spAutoFit/>
+          </a:bodyPr>
+          <a:lstStyle/>
+          <a:p>
+            <a:r>
+              <a:rPr lang="pl-PL" sz="3200" dirty="0" err="1">
+                <a:latin typeface="Consolas" panose="020B0609020204030204" pitchFamily="49" charset="0"/>
+              </a:rPr>
+              <a:t>getByNameOrNullIfNotFound</a:t>
+            </a:r>
+            <a:endParaRPr lang="pl-PL" sz="3200" dirty="0">
               <a:latin typeface="Consolas" panose="020B0609020204030204" pitchFamily="49" charset="0"/>
-              <a:cs typeface="Consolas" panose="020B0609020204030204" pitchFamily="49" charset="0"/>
             </a:endParaRPr>
           </a:p>
         </p:txBody>
@@ -11025,7 +11025,7 @@
     </p:spTree>
     <p:extLst>
       <p:ext uri="{BB962C8B-B14F-4D97-AF65-F5344CB8AC3E}">
-        <p14:creationId xmlns:p14="http://schemas.microsoft.com/office/powerpoint/2010/main" val="1554663312"/>
+        <p14:creationId xmlns:p14="http://schemas.microsoft.com/office/powerpoint/2010/main" val="765065882"/>
       </p:ext>
     </p:extLst>
   </p:cSld>
@@ -11054,373 +11054,78 @@
       </p:grpSpPr>
       <p:sp>
         <p:nvSpPr>
-          <p:cNvPr id="3" name="Prostokąt 2">
+          <p:cNvPr id="2" name="pole tekstowe 1">
             <a:extLst>
               <a:ext uri="{FF2B5EF4-FFF2-40B4-BE49-F238E27FC236}">
-                <a16:creationId xmlns:a16="http://schemas.microsoft.com/office/drawing/2014/main" id="{EB9A1579-941B-4023-B11C-3D203713FA02}"/>
+                <a16:creationId xmlns:a16="http://schemas.microsoft.com/office/drawing/2014/main" id="{0AC11407-E352-4EB4-841A-8061F543A7F4}"/>
               </a:ext>
             </a:extLst>
           </p:cNvPr>
-          <p:cNvSpPr/>
-          <p:nvPr/>
-        </p:nvSpPr>
-        <p:spPr>
-          <a:xfrm>
-            <a:off x="825623" y="1305018"/>
-            <a:ext cx="11061577" cy="523782"/>
+          <p:cNvSpPr txBox="1"/>
+          <p:nvPr/>
+        </p:nvSpPr>
+        <p:spPr>
+          <a:xfrm>
+            <a:off x="1837189" y="494950"/>
+            <a:ext cx="8103765" cy="5355312"/>
           </a:xfrm>
           <a:prstGeom prst="rect">
             <a:avLst/>
           </a:prstGeom>
-          <a:solidFill>
-            <a:srgbClr val="FFFF00"/>
-          </a:solidFill>
-          <a:ln>
-            <a:noFill/>
-          </a:ln>
-        </p:spPr>
-        <p:style>
-          <a:lnRef idx="2">
-            <a:schemeClr val="accent1">
-              <a:shade val="50000"/>
-            </a:schemeClr>
-          </a:lnRef>
-          <a:fillRef idx="1">
-            <a:schemeClr val="accent1"/>
-          </a:fillRef>
-          <a:effectRef idx="0">
-            <a:schemeClr val="accent1"/>
-          </a:effectRef>
-          <a:fontRef idx="minor">
-            <a:schemeClr val="lt1"/>
-          </a:fontRef>
-        </p:style>
-        <p:txBody>
-          <a:bodyPr rtlCol="0" anchor="ctr"/>
-          <a:lstStyle/>
-          <a:p>
-            <a:pPr algn="ctr"/>
-            <a:endParaRPr lang="pl-PL"/>
-          </a:p>
-        </p:txBody>
-      </p:sp>
-      <p:sp>
-        <p:nvSpPr>
-          <p:cNvPr id="2" name="Prostokąt 1">
-            <a:extLst>
-              <a:ext uri="{FF2B5EF4-FFF2-40B4-BE49-F238E27FC236}">
-                <a16:creationId xmlns:a16="http://schemas.microsoft.com/office/drawing/2014/main" id="{E22BF999-9154-4F45-9D21-16A8E9E3B508}"/>
-              </a:ext>
-            </a:extLst>
-          </p:cNvPr>
-          <p:cNvSpPr/>
-          <p:nvPr/>
-        </p:nvSpPr>
-        <p:spPr>
-          <a:xfrm>
-            <a:off x="275208" y="0"/>
-            <a:ext cx="11736279" cy="6863417"/>
-          </a:xfrm>
-          <a:prstGeom prst="rect">
-            <a:avLst/>
-          </a:prstGeom>
-        </p:spPr>
-        <p:txBody>
-          <a:bodyPr wrap="square">
+          <a:noFill/>
+        </p:spPr>
+        <p:txBody>
+          <a:bodyPr wrap="square" rtlCol="0">
             <a:spAutoFit/>
           </a:bodyPr>
           <a:lstStyle/>
           <a:p>
-            <a:r>
-              <a:rPr lang="pl-PL" sz="4000" dirty="0" err="1">
-                <a:solidFill>
-                  <a:srgbClr val="0070C0"/>
-                </a:solidFill>
-              </a:rPr>
-              <a:t>class</a:t>
-            </a:r>
-            <a:r>
-              <a:rPr lang="pl-PL" sz="4000" dirty="0"/>
+            <a:pPr algn="ctr"/>
+            <a:r>
+              <a:rPr lang="pl-PL" sz="15000" dirty="0" err="1">
+                <a:latin typeface="Slow Motion" panose="02000000000000000000" pitchFamily="2" charset="0"/>
+              </a:rPr>
+              <a:t>Slow</a:t>
+            </a:r>
+            <a:r>
+              <a:rPr lang="pl-PL" sz="15000" dirty="0">
+                <a:latin typeface="Slow Motion" panose="02000000000000000000" pitchFamily="2" charset="0"/>
+              </a:rPr>
               <a:t> </a:t>
             </a:r>
             <a:r>
-              <a:rPr lang="pl-PL" sz="4000" dirty="0" err="1"/>
-              <a:t>Employee</a:t>
-            </a:r>
-            <a:endParaRPr lang="pl-PL" sz="4000" dirty="0"/>
-          </a:p>
-          <a:p>
-            <a:r>
-              <a:rPr lang="pl-PL" sz="4000" dirty="0"/>
-              <a:t>{</a:t>
-            </a:r>
-          </a:p>
-          <a:p>
-            <a:r>
-              <a:rPr lang="pl-PL" sz="4000" dirty="0"/>
-              <a:t>     </a:t>
-            </a:r>
-            <a:r>
-              <a:rPr lang="pl-PL" sz="4000" dirty="0" err="1">
-                <a:solidFill>
-                  <a:srgbClr val="0070C0"/>
-                </a:solidFill>
-              </a:rPr>
-              <a:t>static</a:t>
-            </a:r>
-            <a:r>
-              <a:rPr lang="pl-PL" sz="4000" dirty="0">
-                <a:solidFill>
-                  <a:srgbClr val="0070C0"/>
-                </a:solidFill>
+              <a:rPr lang="pl-PL" sz="15000" dirty="0" err="1">
+                <a:latin typeface="Slow Motion" panose="02000000000000000000" pitchFamily="2" charset="0"/>
+              </a:rPr>
+              <a:t>Failing</a:t>
+            </a:r>
+            <a:r>
+              <a:rPr lang="pl-PL" sz="15000" dirty="0">
+                <a:latin typeface="Slow Motion" panose="02000000000000000000" pitchFamily="2" charset="0"/>
               </a:rPr>
               <a:t> </a:t>
             </a:r>
-            <a:r>
-              <a:rPr lang="pl-PL" sz="4000" dirty="0" err="1">
-                <a:solidFill>
-                  <a:srgbClr val="0070C0"/>
-                </a:solidFill>
-              </a:rPr>
-              <a:t>readonly</a:t>
-            </a:r>
-            <a:r>
-              <a:rPr lang="pl-PL" sz="4000" dirty="0">
-                <a:solidFill>
-                  <a:srgbClr val="0070C0"/>
-                </a:solidFill>
-              </a:rPr>
-              <a:t> </a:t>
-            </a:r>
-            <a:r>
-              <a:rPr lang="pl-PL" sz="4000" dirty="0" err="1"/>
-              <a:t>Employee</a:t>
-            </a:r>
-            <a:r>
-              <a:rPr lang="pl-PL" sz="4000" dirty="0"/>
-              <a:t> </a:t>
-            </a:r>
-            <a:r>
-              <a:rPr lang="pl-PL" sz="4000" dirty="0" err="1"/>
-              <a:t>Null</a:t>
-            </a:r>
-            <a:r>
-              <a:rPr lang="pl-PL" sz="4000" dirty="0"/>
-              <a:t> = </a:t>
-            </a:r>
-            <a:r>
-              <a:rPr lang="pl-PL" sz="4000" dirty="0" err="1">
-                <a:solidFill>
-                  <a:srgbClr val="0070C0"/>
-                </a:solidFill>
-              </a:rPr>
-              <a:t>new</a:t>
-            </a:r>
-            <a:r>
-              <a:rPr lang="pl-PL" sz="4000" dirty="0"/>
-              <a:t> </a:t>
-            </a:r>
-            <a:r>
-              <a:rPr lang="pl-PL" sz="4000" dirty="0" err="1"/>
-              <a:t>NullEmployee</a:t>
-            </a:r>
-            <a:r>
-              <a:rPr lang="pl-PL" sz="4000" dirty="0"/>
-              <a:t>();</a:t>
-            </a:r>
-          </a:p>
-          <a:p>
-            <a:r>
-              <a:rPr lang="pl-PL" sz="4000" dirty="0"/>
-              <a:t>     </a:t>
-            </a:r>
-            <a:r>
-              <a:rPr lang="pl-PL" sz="4000" dirty="0" err="1">
-                <a:solidFill>
-                  <a:srgbClr val="0070C0"/>
-                </a:solidFill>
-              </a:rPr>
-              <a:t>private</a:t>
-            </a:r>
-            <a:r>
-              <a:rPr lang="pl-PL" sz="4000" dirty="0">
-                <a:solidFill>
-                  <a:srgbClr val="0070C0"/>
-                </a:solidFill>
-              </a:rPr>
-              <a:t> </a:t>
-            </a:r>
-            <a:r>
-              <a:rPr lang="pl-PL" sz="4000" dirty="0" err="1">
-                <a:solidFill>
-                  <a:srgbClr val="0070C0"/>
-                </a:solidFill>
-              </a:rPr>
-              <a:t>class</a:t>
-            </a:r>
-            <a:r>
-              <a:rPr lang="pl-PL" sz="4000" dirty="0">
-                <a:solidFill>
-                  <a:srgbClr val="0070C0"/>
-                </a:solidFill>
-              </a:rPr>
-              <a:t> </a:t>
-            </a:r>
-            <a:r>
-              <a:rPr lang="pl-PL" sz="4000" dirty="0" err="1"/>
-              <a:t>NullEmployee</a:t>
-            </a:r>
-            <a:r>
-              <a:rPr lang="pl-PL" sz="4000" dirty="0"/>
-              <a:t> : </a:t>
-            </a:r>
-            <a:r>
-              <a:rPr lang="pl-PL" sz="4000" dirty="0" err="1"/>
-              <a:t>Employee</a:t>
-            </a:r>
-            <a:endParaRPr lang="pl-PL" sz="4000" dirty="0"/>
-          </a:p>
-          <a:p>
-            <a:r>
-              <a:rPr lang="pl-PL" sz="4000" dirty="0"/>
-              <a:t>     {</a:t>
-            </a:r>
-          </a:p>
-          <a:p>
-            <a:r>
-              <a:rPr lang="pl-PL" sz="4000" dirty="0"/>
-              <a:t>		</a:t>
-            </a:r>
-            <a:r>
-              <a:rPr lang="pl-PL" sz="4000" dirty="0">
-                <a:solidFill>
-                  <a:srgbClr val="0070C0"/>
-                </a:solidFill>
-              </a:rPr>
-              <a:t>public </a:t>
-            </a:r>
-            <a:r>
-              <a:rPr lang="pl-PL" sz="4000" dirty="0" err="1">
-                <a:solidFill>
-                  <a:srgbClr val="0070C0"/>
-                </a:solidFill>
-              </a:rPr>
-              <a:t>override</a:t>
-            </a:r>
-            <a:r>
-              <a:rPr lang="pl-PL" sz="4000" dirty="0">
-                <a:solidFill>
-                  <a:srgbClr val="0070C0"/>
-                </a:solidFill>
-              </a:rPr>
-              <a:t> </a:t>
-            </a:r>
-            <a:r>
-              <a:rPr lang="pl-PL" sz="4000" dirty="0" err="1">
-                <a:solidFill>
-                  <a:srgbClr val="0070C0"/>
-                </a:solidFill>
-              </a:rPr>
-              <a:t>void</a:t>
-            </a:r>
-            <a:r>
-              <a:rPr lang="pl-PL" sz="4000" dirty="0">
-                <a:solidFill>
-                  <a:srgbClr val="0070C0"/>
-                </a:solidFill>
-              </a:rPr>
-              <a:t> </a:t>
-            </a:r>
-            <a:r>
-              <a:rPr lang="pl-PL" sz="4000" dirty="0" err="1"/>
-              <a:t>SomeMethod</a:t>
-            </a:r>
-            <a:r>
-              <a:rPr lang="pl-PL" sz="4000" dirty="0"/>
-              <a:t>()</a:t>
-            </a:r>
-          </a:p>
-          <a:p>
-            <a:r>
-              <a:rPr lang="pl-PL" sz="4000" dirty="0"/>
-              <a:t>		{</a:t>
-            </a:r>
-          </a:p>
-          <a:p>
-            <a:r>
-              <a:rPr lang="pl-PL" sz="4000" dirty="0"/>
-              <a:t>			</a:t>
-            </a:r>
-            <a:r>
-              <a:rPr lang="pl-PL" sz="4000" dirty="0">
-                <a:solidFill>
-                  <a:srgbClr val="00B050"/>
-                </a:solidFill>
-              </a:rPr>
-              <a:t>//</a:t>
-            </a:r>
-            <a:r>
-              <a:rPr lang="pl-PL" sz="4000" dirty="0" err="1">
-                <a:solidFill>
-                  <a:srgbClr val="00B050"/>
-                </a:solidFill>
-              </a:rPr>
-              <a:t>purposfully</a:t>
-            </a:r>
-            <a:r>
-              <a:rPr lang="pl-PL" sz="4000" dirty="0">
-                <a:solidFill>
-                  <a:srgbClr val="00B050"/>
-                </a:solidFill>
-              </a:rPr>
-              <a:t> </a:t>
-            </a:r>
-            <a:r>
-              <a:rPr lang="pl-PL" sz="4000" dirty="0" err="1">
-                <a:solidFill>
-                  <a:srgbClr val="00B050"/>
-                </a:solidFill>
-              </a:rPr>
-              <a:t>provides</a:t>
-            </a:r>
-            <a:r>
-              <a:rPr lang="pl-PL" sz="4000" dirty="0">
-                <a:solidFill>
-                  <a:srgbClr val="00B050"/>
-                </a:solidFill>
-              </a:rPr>
-              <a:t> no </a:t>
-            </a:r>
-            <a:r>
-              <a:rPr lang="pl-PL" sz="4000" dirty="0" err="1">
-                <a:solidFill>
-                  <a:srgbClr val="00B050"/>
-                </a:solidFill>
-              </a:rPr>
-              <a:t>behavior</a:t>
-            </a:r>
-            <a:endParaRPr lang="pl-PL" sz="4000" dirty="0">
-              <a:solidFill>
-                <a:srgbClr val="00B050"/>
-              </a:solidFill>
-            </a:endParaRPr>
-          </a:p>
-          <a:p>
-            <a:r>
-              <a:rPr lang="pl-PL" sz="4000" dirty="0"/>
-              <a:t>		}</a:t>
-            </a:r>
-          </a:p>
-          <a:p>
-            <a:r>
-              <a:rPr lang="pl-PL" sz="4000" dirty="0"/>
-              <a:t>     }</a:t>
-            </a:r>
-          </a:p>
-          <a:p>
-            <a:r>
-              <a:rPr lang="pl-PL" sz="4000" dirty="0"/>
-              <a:t>}</a:t>
+          </a:p>
+          <a:p>
+            <a:pPr algn="ctr"/>
+            <a:r>
+              <a:rPr lang="pl-PL" sz="9600" dirty="0"/>
+              <a:t>vs</a:t>
+            </a:r>
+          </a:p>
+          <a:p>
+            <a:pPr algn="ctr"/>
+            <a:r>
+              <a:rPr lang="pl-PL" sz="9600" dirty="0" err="1">
+                <a:latin typeface="Barbatrick" panose="02000400000000000000" pitchFamily="2" charset="0"/>
+              </a:rPr>
+              <a:t>Failing</a:t>
+            </a:r>
+            <a:r>
+              <a:rPr lang="pl-PL" sz="9600" dirty="0">
+                <a:latin typeface="Barbatrick" panose="02000400000000000000" pitchFamily="2" charset="0"/>
+              </a:rPr>
+              <a:t> Fast</a:t>
             </a:r>
           </a:p>
         </p:txBody>
@@ -11428,7 +11133,7 @@
     </p:spTree>
     <p:extLst>
       <p:ext uri="{BB962C8B-B14F-4D97-AF65-F5344CB8AC3E}">
-        <p14:creationId xmlns:p14="http://schemas.microsoft.com/office/powerpoint/2010/main" val="2281021966"/>
+        <p14:creationId xmlns:p14="http://schemas.microsoft.com/office/powerpoint/2010/main" val="471475143"/>
       </p:ext>
     </p:extLst>
   </p:cSld>
@@ -11455,64 +11160,48 @@
           <a:chExt cx="0" cy="0"/>
         </a:xfrm>
       </p:grpSpPr>
-      <p:sp>
-        <p:nvSpPr>
-          <p:cNvPr id="3" name="Prostokąt 2">
+      <p:pic>
+        <p:nvPicPr>
+          <p:cNvPr id="6" name="Obraz 5">
             <a:extLst>
               <a:ext uri="{FF2B5EF4-FFF2-40B4-BE49-F238E27FC236}">
-                <a16:creationId xmlns:a16="http://schemas.microsoft.com/office/drawing/2014/main" id="{889D5B25-9098-4337-95E6-2EDF7BA9DE75}"/>
+                <a16:creationId xmlns:a16="http://schemas.microsoft.com/office/drawing/2014/main" id="{14F46C98-68F4-4BAC-B981-D4710C4AC5A3}"/>
               </a:ext>
             </a:extLst>
           </p:cNvPr>
-          <p:cNvSpPr/>
-          <p:nvPr/>
-        </p:nvSpPr>
-        <p:spPr>
-          <a:xfrm>
-            <a:off x="2583402" y="3506680"/>
-            <a:ext cx="6001305" cy="559293"/>
+          <p:cNvPicPr>
+            <a:picLocks noChangeAspect="1"/>
+          </p:cNvPicPr>
+          <p:nvPr/>
+        </p:nvPicPr>
+        <p:blipFill>
+          <a:blip r:embed="rId2">
+            <a:extLst>
+              <a:ext uri="{28A0092B-C50C-407E-A947-70E740481C1C}">
+                <a14:useLocalDpi xmlns:a14="http://schemas.microsoft.com/office/drawing/2010/main" val="0"/>
+              </a:ext>
+            </a:extLst>
+          </a:blip>
+          <a:stretch>
+            <a:fillRect/>
+          </a:stretch>
+        </p:blipFill>
+        <p:spPr>
+          <a:xfrm>
+            <a:off x="4262946" y="2812351"/>
+            <a:ext cx="3731064" cy="3731064"/>
           </a:xfrm>
           <a:prstGeom prst="rect">
             <a:avLst/>
           </a:prstGeom>
-          <a:solidFill>
-            <a:srgbClr val="FFFF00"/>
-          </a:solidFill>
-          <a:ln>
-            <a:noFill/>
-          </a:ln>
-        </p:spPr>
-        <p:style>
-          <a:lnRef idx="2">
-            <a:schemeClr val="accent1">
-              <a:shade val="50000"/>
-            </a:schemeClr>
-          </a:lnRef>
-          <a:fillRef idx="1">
-            <a:schemeClr val="accent1"/>
-          </a:fillRef>
-          <a:effectRef idx="0">
-            <a:schemeClr val="accent1"/>
-          </a:effectRef>
-          <a:fontRef idx="minor">
-            <a:schemeClr val="lt1"/>
-          </a:fontRef>
-        </p:style>
-        <p:txBody>
-          <a:bodyPr rtlCol="0" anchor="ctr"/>
-          <a:lstStyle/>
-          <a:p>
-            <a:pPr algn="ctr"/>
-            <a:endParaRPr lang="pl-PL"/>
-          </a:p>
-        </p:txBody>
-      </p:sp>
-      <p:sp>
-        <p:nvSpPr>
-          <p:cNvPr id="2" name="pole tekstowe 1">
+        </p:spPr>
+      </p:pic>
+      <p:sp>
+        <p:nvSpPr>
+          <p:cNvPr id="7" name="pole tekstowe 6">
             <a:extLst>
               <a:ext uri="{FF2B5EF4-FFF2-40B4-BE49-F238E27FC236}">
-                <a16:creationId xmlns:a16="http://schemas.microsoft.com/office/drawing/2014/main" id="{E414391F-ED1B-43C4-A716-F02D434BAE8E}"/>
+                <a16:creationId xmlns:a16="http://schemas.microsoft.com/office/drawing/2014/main" id="{D5DF9EC1-8882-4AEC-96EB-B3B3696BA7CD}"/>
               </a:ext>
             </a:extLst>
           </p:cNvPr>
@@ -11521,8 +11210,8 @@
         </p:nvSpPr>
         <p:spPr>
           <a:xfrm>
-            <a:off x="746621" y="344576"/>
-            <a:ext cx="11098636" cy="5632311"/>
+            <a:off x="796954" y="444617"/>
+            <a:ext cx="10519795" cy="1754326"/>
           </a:xfrm>
           <a:prstGeom prst="rect">
             <a:avLst/>
@@ -11535,248 +11224,83 @@
           </a:bodyPr>
           <a:lstStyle/>
           <a:p>
-            <a:r>
-              <a:rPr lang="pl-PL" sz="4000" dirty="0">
-                <a:solidFill>
-                  <a:srgbClr val="0070C0"/>
-                </a:solidFill>
-                <a:latin typeface="Consolas" panose="020B0609020204030204" pitchFamily="49" charset="0"/>
-              </a:rPr>
-              <a:t>public</a:t>
-            </a:r>
-            <a:r>
-              <a:rPr lang="pl-PL" sz="4000" dirty="0">
+            <a:pPr algn="ctr"/>
+            <a:r>
+              <a:rPr lang="pl-PL" sz="5400" dirty="0" err="1">
+                <a:latin typeface="Consolas" panose="020B0609020204030204" pitchFamily="49" charset="0"/>
+              </a:rPr>
+              <a:t>Use</a:t>
+            </a:r>
+            <a:r>
+              <a:rPr lang="pl-PL" sz="5400" dirty="0">
+                <a:latin typeface="Consolas" panose="020B0609020204030204" pitchFamily="49" charset="0"/>
+              </a:rPr>
+              <a:t> NULL and </a:t>
+            </a:r>
+            <a:r>
+              <a:rPr lang="pl-PL" sz="5400" dirty="0" err="1">
+                <a:latin typeface="Consolas" panose="020B0609020204030204" pitchFamily="49" charset="0"/>
+              </a:rPr>
+              <a:t>die</a:t>
+            </a:r>
+            <a:r>
+              <a:rPr lang="pl-PL" sz="5400" dirty="0">
                 <a:latin typeface="Consolas" panose="020B0609020204030204" pitchFamily="49" charset="0"/>
               </a:rPr>
               <a:t> </a:t>
             </a:r>
             <a:r>
-              <a:rPr lang="pl-PL" sz="4000" dirty="0" err="1">
-                <a:latin typeface="Consolas" panose="020B0609020204030204" pitchFamily="49" charset="0"/>
-              </a:rPr>
-              <a:t>Employee</a:t>
-            </a:r>
-            <a:r>
-              <a:rPr lang="pl-PL" sz="4000" dirty="0">
+              <a:rPr lang="pl-PL" sz="5400" dirty="0" err="1">
+                <a:latin typeface="Consolas" panose="020B0609020204030204" pitchFamily="49" charset="0"/>
+              </a:rPr>
+              <a:t>slowly</a:t>
+            </a:r>
+            <a:r>
+              <a:rPr lang="pl-PL" sz="5400" dirty="0">
+                <a:latin typeface="Consolas" panose="020B0609020204030204" pitchFamily="49" charset="0"/>
+              </a:rPr>
+              <a:t>, </a:t>
+            </a:r>
+            <a:r>
+              <a:rPr lang="pl-PL" sz="5400" dirty="0" err="1">
+                <a:latin typeface="Consolas" panose="020B0609020204030204" pitchFamily="49" charset="0"/>
+              </a:rPr>
+              <a:t>killing</a:t>
+            </a:r>
+            <a:r>
+              <a:rPr lang="pl-PL" sz="5400" dirty="0">
                 <a:latin typeface="Consolas" panose="020B0609020204030204" pitchFamily="49" charset="0"/>
               </a:rPr>
               <a:t> </a:t>
             </a:r>
             <a:r>
-              <a:rPr lang="pl-PL" sz="4000" dirty="0" err="1">
-                <a:latin typeface="Consolas" panose="020B0609020204030204" pitchFamily="49" charset="0"/>
-              </a:rPr>
-              <a:t>getByName</a:t>
-            </a:r>
-            <a:r>
-              <a:rPr lang="pl-PL" sz="4000" dirty="0">
-                <a:latin typeface="Consolas" panose="020B0609020204030204" pitchFamily="49" charset="0"/>
-              </a:rPr>
-              <a:t>(</a:t>
-            </a:r>
-            <a:r>
-              <a:rPr lang="pl-PL" sz="4000" dirty="0">
-                <a:solidFill>
-                  <a:srgbClr val="0070C0"/>
-                </a:solidFill>
-                <a:latin typeface="Consolas" panose="020B0609020204030204" pitchFamily="49" charset="0"/>
-              </a:rPr>
-              <a:t>String</a:t>
-            </a:r>
-            <a:r>
-              <a:rPr lang="pl-PL" sz="4000" dirty="0">
-                <a:latin typeface="Consolas" panose="020B0609020204030204" pitchFamily="49" charset="0"/>
-              </a:rPr>
-              <a:t> </a:t>
-            </a:r>
-            <a:r>
-              <a:rPr lang="pl-PL" sz="4000" dirty="0" err="1">
-                <a:latin typeface="Consolas" panose="020B0609020204030204" pitchFamily="49" charset="0"/>
-              </a:rPr>
-              <a:t>name</a:t>
-            </a:r>
-            <a:r>
-              <a:rPr lang="pl-PL" sz="4000" dirty="0">
-                <a:latin typeface="Consolas" panose="020B0609020204030204" pitchFamily="49" charset="0"/>
-              </a:rPr>
-              <a:t>)</a:t>
-            </a:r>
-          </a:p>
-          <a:p>
-            <a:r>
-              <a:rPr lang="pl-PL" sz="4000" dirty="0">
-                <a:latin typeface="Consolas" panose="020B0609020204030204" pitchFamily="49" charset="0"/>
-              </a:rPr>
-              <a:t>{</a:t>
-            </a:r>
-          </a:p>
-          <a:p>
-            <a:r>
-              <a:rPr lang="pl-PL" sz="4000" dirty="0">
-                <a:latin typeface="Consolas" panose="020B0609020204030204" pitchFamily="49" charset="0"/>
-              </a:rPr>
-              <a:t>	</a:t>
-            </a:r>
-            <a:r>
-              <a:rPr lang="pl-PL" sz="4000" dirty="0" err="1">
-                <a:latin typeface="Consolas" panose="020B0609020204030204" pitchFamily="49" charset="0"/>
-              </a:rPr>
-              <a:t>Employee</a:t>
-            </a:r>
-            <a:r>
-              <a:rPr lang="pl-PL" sz="4000" dirty="0">
-                <a:latin typeface="Consolas" panose="020B0609020204030204" pitchFamily="49" charset="0"/>
-              </a:rPr>
-              <a:t> e = </a:t>
-            </a:r>
-            <a:r>
-              <a:rPr lang="pl-PL" sz="4000" dirty="0" err="1">
-                <a:latin typeface="Consolas" panose="020B0609020204030204" pitchFamily="49" charset="0"/>
-              </a:rPr>
-              <a:t>employees.get</a:t>
-            </a:r>
-            <a:r>
-              <a:rPr lang="pl-PL" sz="4000" dirty="0">
-                <a:latin typeface="Consolas" panose="020B0609020204030204" pitchFamily="49" charset="0"/>
-              </a:rPr>
-              <a:t>(</a:t>
-            </a:r>
-            <a:r>
-              <a:rPr lang="pl-PL" sz="4000" dirty="0" err="1">
-                <a:latin typeface="Consolas" panose="020B0609020204030204" pitchFamily="49" charset="0"/>
-              </a:rPr>
-              <a:t>name</a:t>
-            </a:r>
-            <a:r>
-              <a:rPr lang="pl-PL" sz="4000" dirty="0">
-                <a:latin typeface="Consolas" panose="020B0609020204030204" pitchFamily="49" charset="0"/>
-              </a:rPr>
-              <a:t>);</a:t>
-            </a:r>
-          </a:p>
-          <a:p>
-            <a:r>
-              <a:rPr lang="pl-PL" sz="4000" dirty="0">
-                <a:latin typeface="Consolas" panose="020B0609020204030204" pitchFamily="49" charset="0"/>
-              </a:rPr>
-              <a:t>	</a:t>
-            </a:r>
-            <a:r>
-              <a:rPr lang="pl-PL" sz="4000" dirty="0" err="1">
-                <a:solidFill>
-                  <a:srgbClr val="0070C0"/>
-                </a:solidFill>
-                <a:latin typeface="Consolas" panose="020B0609020204030204" pitchFamily="49" charset="0"/>
-              </a:rPr>
-              <a:t>if</a:t>
-            </a:r>
-            <a:r>
-              <a:rPr lang="pl-PL" sz="4000" dirty="0">
-                <a:latin typeface="Consolas" panose="020B0609020204030204" pitchFamily="49" charset="0"/>
-              </a:rPr>
-              <a:t>(e == </a:t>
-            </a:r>
-            <a:r>
-              <a:rPr lang="pl-PL" sz="4000" dirty="0" err="1">
-                <a:latin typeface="Consolas" panose="020B0609020204030204" pitchFamily="49" charset="0"/>
-              </a:rPr>
-              <a:t>null</a:t>
-            </a:r>
-            <a:r>
-              <a:rPr lang="pl-PL" sz="4000" dirty="0">
-                <a:latin typeface="Consolas" panose="020B0609020204030204" pitchFamily="49" charset="0"/>
-              </a:rPr>
-              <a:t>)</a:t>
-            </a:r>
-          </a:p>
-          <a:p>
-            <a:r>
-              <a:rPr lang="pl-PL" sz="4000" dirty="0">
-                <a:latin typeface="Consolas" panose="020B0609020204030204" pitchFamily="49" charset="0"/>
-              </a:rPr>
-              <a:t>	{</a:t>
-            </a:r>
-          </a:p>
-          <a:p>
-            <a:r>
-              <a:rPr lang="pl-PL" sz="4000" dirty="0">
-                <a:latin typeface="Consolas" panose="020B0609020204030204" pitchFamily="49" charset="0"/>
-              </a:rPr>
-              <a:t>		</a:t>
-            </a:r>
-            <a:r>
-              <a:rPr lang="pl-PL" sz="4000" dirty="0">
-                <a:solidFill>
-                  <a:srgbClr val="0070C0"/>
-                </a:solidFill>
-                <a:latin typeface="Consolas" panose="020B0609020204030204" pitchFamily="49" charset="0"/>
-              </a:rPr>
-              <a:t>return</a:t>
-            </a:r>
-            <a:r>
-              <a:rPr lang="pl-PL" sz="4000" dirty="0">
-                <a:latin typeface="Consolas" panose="020B0609020204030204" pitchFamily="49" charset="0"/>
-              </a:rPr>
-              <a:t> </a:t>
-            </a:r>
-            <a:r>
-              <a:rPr lang="pl-PL" sz="4000" dirty="0" err="1">
-                <a:latin typeface="Consolas" panose="020B0609020204030204" pitchFamily="49" charset="0"/>
-              </a:rPr>
-              <a:t>Employee.Null</a:t>
-            </a:r>
-            <a:r>
-              <a:rPr lang="pl-PL" sz="4000" dirty="0">
-                <a:latin typeface="Consolas" panose="020B0609020204030204" pitchFamily="49" charset="0"/>
-              </a:rPr>
-              <a:t>;	    </a:t>
-            </a:r>
-          </a:p>
-          <a:p>
-            <a:r>
-              <a:rPr lang="pl-PL" sz="4000" dirty="0">
-                <a:latin typeface="Consolas" panose="020B0609020204030204" pitchFamily="49" charset="0"/>
-              </a:rPr>
-              <a:t>	} </a:t>
-            </a:r>
-          </a:p>
-          <a:p>
-            <a:r>
-              <a:rPr lang="pl-PL" sz="4000" dirty="0">
-                <a:latin typeface="Consolas" panose="020B0609020204030204" pitchFamily="49" charset="0"/>
-              </a:rPr>
-              <a:t>	</a:t>
-            </a:r>
-            <a:r>
-              <a:rPr lang="pl-PL" sz="4000" dirty="0">
-                <a:solidFill>
-                  <a:srgbClr val="0070C0"/>
-                </a:solidFill>
-                <a:latin typeface="Consolas" panose="020B0609020204030204" pitchFamily="49" charset="0"/>
-              </a:rPr>
-              <a:t>return</a:t>
-            </a:r>
-            <a:r>
-              <a:rPr lang="pl-PL" sz="4000" dirty="0">
-                <a:latin typeface="Consolas" panose="020B0609020204030204" pitchFamily="49" charset="0"/>
-              </a:rPr>
-              <a:t> e;	</a:t>
-            </a:r>
-          </a:p>
-          <a:p>
-            <a:r>
-              <a:rPr lang="pl-PL" sz="4000" dirty="0">
-                <a:latin typeface="Consolas" panose="020B0609020204030204" pitchFamily="49" charset="0"/>
-              </a:rPr>
-              <a:t>}</a:t>
-            </a:r>
+              <a:rPr lang="pl-PL" sz="5400" dirty="0" err="1">
+                <a:latin typeface="Consolas" panose="020B0609020204030204" pitchFamily="49" charset="0"/>
+              </a:rPr>
+              <a:t>others</a:t>
+            </a:r>
+            <a:r>
+              <a:rPr lang="pl-PL" sz="5400" dirty="0">
+                <a:latin typeface="Consolas" panose="020B0609020204030204" pitchFamily="49" charset="0"/>
+              </a:rPr>
+              <a:t> on the </a:t>
+            </a:r>
+            <a:r>
+              <a:rPr lang="pl-PL" sz="5400" dirty="0" err="1">
+                <a:latin typeface="Consolas" panose="020B0609020204030204" pitchFamily="49" charset="0"/>
+              </a:rPr>
+              <a:t>way</a:t>
+            </a:r>
+            <a:endParaRPr lang="pl-PL" sz="5400" dirty="0">
+              <a:latin typeface="Consolas" panose="020B0609020204030204" pitchFamily="49" charset="0"/>
+            </a:endParaRPr>
           </a:p>
         </p:txBody>
       </p:sp>
     </p:spTree>
     <p:extLst>
       <p:ext uri="{BB962C8B-B14F-4D97-AF65-F5344CB8AC3E}">
-        <p14:creationId xmlns:p14="http://schemas.microsoft.com/office/powerpoint/2010/main" val="3143419974"/>
+        <p14:creationId xmlns:p14="http://schemas.microsoft.com/office/powerpoint/2010/main" val="1364830471"/>
       </p:ext>
     </p:extLst>
   </p:cSld>
@@ -11805,10 +11329,62 @@
       </p:grpSpPr>
       <p:sp>
         <p:nvSpPr>
+          <p:cNvPr id="3" name="Prostokąt 2">
+            <a:extLst>
+              <a:ext uri="{FF2B5EF4-FFF2-40B4-BE49-F238E27FC236}">
+                <a16:creationId xmlns:a16="http://schemas.microsoft.com/office/drawing/2014/main" id="{055DE0E0-B673-49CC-B282-BD94CB9999CE}"/>
+              </a:ext>
+            </a:extLst>
+          </p:cNvPr>
+          <p:cNvSpPr/>
+          <p:nvPr/>
+        </p:nvSpPr>
+        <p:spPr>
+          <a:xfrm>
+            <a:off x="2575420" y="3523376"/>
+            <a:ext cx="7994708" cy="1132513"/>
+          </a:xfrm>
+          <a:prstGeom prst="rect">
+            <a:avLst/>
+          </a:prstGeom>
+          <a:solidFill>
+            <a:srgbClr val="FFFF00"/>
+          </a:solidFill>
+          <a:ln>
+            <a:noFill/>
+          </a:ln>
+        </p:spPr>
+        <p:style>
+          <a:lnRef idx="2">
+            <a:schemeClr val="accent1">
+              <a:shade val="50000"/>
+            </a:schemeClr>
+          </a:lnRef>
+          <a:fillRef idx="1">
+            <a:schemeClr val="accent1"/>
+          </a:fillRef>
+          <a:effectRef idx="0">
+            <a:schemeClr val="accent1"/>
+          </a:effectRef>
+          <a:fontRef idx="minor">
+            <a:schemeClr val="lt1"/>
+          </a:fontRef>
+        </p:style>
+        <p:txBody>
+          <a:bodyPr rtlCol="0" anchor="ctr"/>
+          <a:lstStyle/>
+          <a:p>
+            <a:pPr algn="ctr"/>
+            <a:endParaRPr lang="pl-PL"/>
+          </a:p>
+        </p:txBody>
+      </p:sp>
+      <p:sp>
+        <p:nvSpPr>
           <p:cNvPr id="2" name="pole tekstowe 1">
             <a:extLst>
               <a:ext uri="{FF2B5EF4-FFF2-40B4-BE49-F238E27FC236}">
-                <a16:creationId xmlns:a16="http://schemas.microsoft.com/office/drawing/2014/main" id="{AC5C471E-F1A8-4AFB-B413-86EE3EAC39AD}"/>
+                <a16:creationId xmlns:a16="http://schemas.microsoft.com/office/drawing/2014/main" id="{B9E5D0CE-2437-4081-B388-1EBA0328736E}"/>
               </a:ext>
             </a:extLst>
           </p:cNvPr>
@@ -11817,8 +11393,8 @@
         </p:nvSpPr>
         <p:spPr>
           <a:xfrm>
-            <a:off x="257452" y="2492957"/>
-            <a:ext cx="11691892" cy="1569660"/>
+            <a:off x="746621" y="344576"/>
+            <a:ext cx="11098636" cy="6247864"/>
           </a:xfrm>
           <a:prstGeom prst="rect">
             <a:avLst/>
@@ -11831,25 +11407,274 @@
           </a:bodyPr>
           <a:lstStyle/>
           <a:p>
-            <a:pPr algn="ctr"/>
-            <a:r>
-              <a:rPr lang="pl-PL" sz="9600" dirty="0" err="1">
-                <a:latin typeface="Consolas" panose="020B0609020204030204" pitchFamily="49" charset="0"/>
-                <a:cs typeface="Consolas" panose="020B0609020204030204" pitchFamily="49" charset="0"/>
-              </a:rPr>
-              <a:t>MayObjectPattern</a:t>
-            </a:r>
-            <a:endParaRPr lang="pl-PL" sz="9600" dirty="0">
+            <a:r>
+              <a:rPr lang="pl-PL" sz="4000" dirty="0">
+                <a:solidFill>
+                  <a:srgbClr val="0070C0"/>
+                </a:solidFill>
+                <a:latin typeface="Consolas" panose="020B0609020204030204" pitchFamily="49" charset="0"/>
+              </a:rPr>
+              <a:t>public</a:t>
+            </a:r>
+            <a:r>
+              <a:rPr lang="pl-PL" sz="4000" dirty="0">
+                <a:latin typeface="Consolas" panose="020B0609020204030204" pitchFamily="49" charset="0"/>
+              </a:rPr>
+              <a:t> </a:t>
+            </a:r>
+            <a:r>
+              <a:rPr lang="pl-PL" sz="4000" dirty="0" err="1">
+                <a:latin typeface="Consolas" panose="020B0609020204030204" pitchFamily="49" charset="0"/>
+              </a:rPr>
+              <a:t>Employee</a:t>
+            </a:r>
+            <a:r>
+              <a:rPr lang="pl-PL" sz="4000" dirty="0">
+                <a:latin typeface="Consolas" panose="020B0609020204030204" pitchFamily="49" charset="0"/>
+              </a:rPr>
+              <a:t> </a:t>
+            </a:r>
+            <a:r>
+              <a:rPr lang="pl-PL" sz="4000" dirty="0" err="1">
+                <a:latin typeface="Consolas" panose="020B0609020204030204" pitchFamily="49" charset="0"/>
+              </a:rPr>
+              <a:t>getByName</a:t>
+            </a:r>
+            <a:r>
+              <a:rPr lang="pl-PL" sz="4000" dirty="0">
+                <a:latin typeface="Consolas" panose="020B0609020204030204" pitchFamily="49" charset="0"/>
+              </a:rPr>
+              <a:t>(</a:t>
+            </a:r>
+            <a:r>
+              <a:rPr lang="pl-PL" sz="4000" dirty="0">
+                <a:solidFill>
+                  <a:srgbClr val="0070C0"/>
+                </a:solidFill>
+                <a:latin typeface="Consolas" panose="020B0609020204030204" pitchFamily="49" charset="0"/>
+              </a:rPr>
+              <a:t>String</a:t>
+            </a:r>
+            <a:r>
+              <a:rPr lang="pl-PL" sz="4000" dirty="0">
+                <a:latin typeface="Consolas" panose="020B0609020204030204" pitchFamily="49" charset="0"/>
+              </a:rPr>
+              <a:t> </a:t>
+            </a:r>
+            <a:r>
+              <a:rPr lang="pl-PL" sz="4000" dirty="0" err="1">
+                <a:latin typeface="Consolas" panose="020B0609020204030204" pitchFamily="49" charset="0"/>
+              </a:rPr>
+              <a:t>name</a:t>
+            </a:r>
+            <a:r>
+              <a:rPr lang="pl-PL" sz="4000" dirty="0">
+                <a:latin typeface="Consolas" panose="020B0609020204030204" pitchFamily="49" charset="0"/>
+              </a:rPr>
+              <a:t>)</a:t>
+            </a:r>
+          </a:p>
+          <a:p>
+            <a:r>
+              <a:rPr lang="pl-PL" sz="4000" dirty="0">
+                <a:latin typeface="Consolas" panose="020B0609020204030204" pitchFamily="49" charset="0"/>
+              </a:rPr>
+              <a:t>{</a:t>
+            </a:r>
+          </a:p>
+          <a:p>
+            <a:r>
+              <a:rPr lang="pl-PL" sz="4000" dirty="0">
+                <a:latin typeface="Consolas" panose="020B0609020204030204" pitchFamily="49" charset="0"/>
+              </a:rPr>
+              <a:t>	</a:t>
+            </a:r>
+            <a:r>
+              <a:rPr lang="pl-PL" sz="4000" dirty="0" err="1">
+                <a:latin typeface="Consolas" panose="020B0609020204030204" pitchFamily="49" charset="0"/>
+              </a:rPr>
+              <a:t>Employee</a:t>
+            </a:r>
+            <a:r>
+              <a:rPr lang="pl-PL" sz="4000" dirty="0">
+                <a:latin typeface="Consolas" panose="020B0609020204030204" pitchFamily="49" charset="0"/>
+              </a:rPr>
+              <a:t> e = </a:t>
+            </a:r>
+            <a:r>
+              <a:rPr lang="pl-PL" sz="4000" dirty="0" err="1">
+                <a:latin typeface="Consolas" panose="020B0609020204030204" pitchFamily="49" charset="0"/>
+              </a:rPr>
+              <a:t>employees.get</a:t>
+            </a:r>
+            <a:r>
+              <a:rPr lang="pl-PL" sz="4000" dirty="0">
+                <a:latin typeface="Consolas" panose="020B0609020204030204" pitchFamily="49" charset="0"/>
+              </a:rPr>
+              <a:t>(</a:t>
+            </a:r>
+            <a:r>
+              <a:rPr lang="pl-PL" sz="4000" dirty="0" err="1">
+                <a:latin typeface="Consolas" panose="020B0609020204030204" pitchFamily="49" charset="0"/>
+              </a:rPr>
+              <a:t>name</a:t>
+            </a:r>
+            <a:r>
+              <a:rPr lang="pl-PL" sz="4000" dirty="0">
+                <a:latin typeface="Consolas" panose="020B0609020204030204" pitchFamily="49" charset="0"/>
+              </a:rPr>
+              <a:t>);</a:t>
+            </a:r>
+          </a:p>
+          <a:p>
+            <a:r>
+              <a:rPr lang="pl-PL" sz="4000" dirty="0">
+                <a:latin typeface="Consolas" panose="020B0609020204030204" pitchFamily="49" charset="0"/>
+              </a:rPr>
+              <a:t>	</a:t>
+            </a:r>
+            <a:r>
+              <a:rPr lang="pl-PL" sz="4000" dirty="0" err="1">
+                <a:solidFill>
+                  <a:srgbClr val="0070C0"/>
+                </a:solidFill>
+                <a:latin typeface="Consolas" panose="020B0609020204030204" pitchFamily="49" charset="0"/>
+              </a:rPr>
+              <a:t>if</a:t>
+            </a:r>
+            <a:r>
+              <a:rPr lang="pl-PL" sz="4000" dirty="0">
+                <a:latin typeface="Consolas" panose="020B0609020204030204" pitchFamily="49" charset="0"/>
+              </a:rPr>
+              <a:t>(e == </a:t>
+            </a:r>
+            <a:r>
+              <a:rPr lang="pl-PL" sz="4000" dirty="0" err="1">
+                <a:latin typeface="Consolas" panose="020B0609020204030204" pitchFamily="49" charset="0"/>
+              </a:rPr>
+              <a:t>null</a:t>
+            </a:r>
+            <a:r>
+              <a:rPr lang="pl-PL" sz="4000" dirty="0">
+                <a:latin typeface="Consolas" panose="020B0609020204030204" pitchFamily="49" charset="0"/>
+              </a:rPr>
+              <a:t>)</a:t>
+            </a:r>
+          </a:p>
+          <a:p>
+            <a:r>
+              <a:rPr lang="pl-PL" sz="4000" dirty="0">
+                <a:latin typeface="Consolas" panose="020B0609020204030204" pitchFamily="49" charset="0"/>
+              </a:rPr>
+              <a:t>	{</a:t>
+            </a:r>
+          </a:p>
+          <a:p>
+            <a:r>
+              <a:rPr lang="pl-PL" sz="4000" dirty="0">
+                <a:latin typeface="Consolas" panose="020B0609020204030204" pitchFamily="49" charset="0"/>
+              </a:rPr>
+              <a:t>		</a:t>
+            </a:r>
+            <a:r>
+              <a:rPr lang="pl-PL" sz="4000" dirty="0" err="1">
+                <a:solidFill>
+                  <a:srgbClr val="0070C0"/>
+                </a:solidFill>
+                <a:latin typeface="Consolas" panose="020B0609020204030204" pitchFamily="49" charset="0"/>
+              </a:rPr>
+              <a:t>throw</a:t>
+            </a:r>
+            <a:r>
+              <a:rPr lang="pl-PL" sz="4000" dirty="0">
+                <a:solidFill>
+                  <a:srgbClr val="0070C0"/>
+                </a:solidFill>
+                <a:latin typeface="Consolas" panose="020B0609020204030204" pitchFamily="49" charset="0"/>
+              </a:rPr>
+              <a:t> </a:t>
+            </a:r>
+            <a:r>
+              <a:rPr lang="pl-PL" sz="4000" dirty="0" err="1">
+                <a:solidFill>
+                  <a:srgbClr val="0070C0"/>
+                </a:solidFill>
+                <a:latin typeface="Consolas" panose="020B0609020204030204" pitchFamily="49" charset="0"/>
+              </a:rPr>
+              <a:t>new</a:t>
+            </a:r>
+            <a:endParaRPr lang="pl-PL" sz="4000" dirty="0">
+              <a:solidFill>
+                <a:srgbClr val="0070C0"/>
+              </a:solidFill>
               <a:latin typeface="Consolas" panose="020B0609020204030204" pitchFamily="49" charset="0"/>
-              <a:cs typeface="Consolas" panose="020B0609020204030204" pitchFamily="49" charset="0"/>
             </a:endParaRPr>
+          </a:p>
+          <a:p>
+            <a:r>
+              <a:rPr lang="pl-PL" sz="4000" dirty="0">
+                <a:latin typeface="Consolas" panose="020B0609020204030204" pitchFamily="49" charset="0"/>
+              </a:rPr>
+              <a:t>		</a:t>
+            </a:r>
+            <a:r>
+              <a:rPr lang="pl-PL" sz="4000" dirty="0" err="1">
+                <a:latin typeface="Consolas" panose="020B0609020204030204" pitchFamily="49" charset="0"/>
+              </a:rPr>
+              <a:t>EmployeeNotFoundException</a:t>
+            </a:r>
+            <a:r>
+              <a:rPr lang="pl-PL" sz="4000" dirty="0">
+                <a:latin typeface="Consolas" panose="020B0609020204030204" pitchFamily="49" charset="0"/>
+              </a:rPr>
+              <a:t>(); 	    </a:t>
+            </a:r>
+          </a:p>
+          <a:p>
+            <a:r>
+              <a:rPr lang="pl-PL" sz="4000" dirty="0">
+                <a:latin typeface="Consolas" panose="020B0609020204030204" pitchFamily="49" charset="0"/>
+              </a:rPr>
+              <a:t>	} </a:t>
+            </a:r>
+          </a:p>
+          <a:p>
+            <a:r>
+              <a:rPr lang="pl-PL" sz="4000" dirty="0">
+                <a:latin typeface="Consolas" panose="020B0609020204030204" pitchFamily="49" charset="0"/>
+              </a:rPr>
+              <a:t>	</a:t>
+            </a:r>
+            <a:r>
+              <a:rPr lang="pl-PL" sz="4000" dirty="0">
+                <a:solidFill>
+                  <a:srgbClr val="0070C0"/>
+                </a:solidFill>
+                <a:latin typeface="Consolas" panose="020B0609020204030204" pitchFamily="49" charset="0"/>
+              </a:rPr>
+              <a:t>return</a:t>
+            </a:r>
+            <a:r>
+              <a:rPr lang="pl-PL" sz="4000" dirty="0">
+                <a:latin typeface="Consolas" panose="020B0609020204030204" pitchFamily="49" charset="0"/>
+              </a:rPr>
+              <a:t> e;	</a:t>
+            </a:r>
+          </a:p>
+          <a:p>
+            <a:r>
+              <a:rPr lang="pl-PL" sz="4000" dirty="0">
+                <a:latin typeface="Consolas" panose="020B0609020204030204" pitchFamily="49" charset="0"/>
+              </a:rPr>
+              <a:t>}</a:t>
+            </a:r>
           </a:p>
         </p:txBody>
       </p:sp>
     </p:spTree>
     <p:extLst>
       <p:ext uri="{BB962C8B-B14F-4D97-AF65-F5344CB8AC3E}">
-        <p14:creationId xmlns:p14="http://schemas.microsoft.com/office/powerpoint/2010/main" val="2542865312"/>
+        <p14:creationId xmlns:p14="http://schemas.microsoft.com/office/powerpoint/2010/main" val="1421346888"/>
       </p:ext>
     </p:extLst>
   </p:cSld>
@@ -11878,49 +11703,89 @@
       </p:grpSpPr>
       <p:sp>
         <p:nvSpPr>
-          <p:cNvPr id="2" name="pole tekstowe 1">
+          <p:cNvPr id="2" name="Prostokąt 1">
             <a:extLst>
               <a:ext uri="{FF2B5EF4-FFF2-40B4-BE49-F238E27FC236}">
-                <a16:creationId xmlns:a16="http://schemas.microsoft.com/office/drawing/2014/main" id="{221F81F5-4A9F-4236-B058-E296E34D44B6}"/>
+                <a16:creationId xmlns:a16="http://schemas.microsoft.com/office/drawing/2014/main" id="{0A2F51BE-1AEF-4D0B-8F24-B765D09C781F}"/>
               </a:ext>
             </a:extLst>
           </p:cNvPr>
-          <p:cNvSpPr txBox="1"/>
-          <p:nvPr/>
-        </p:nvSpPr>
-        <p:spPr>
-          <a:xfrm>
-            <a:off x="2823995" y="1836024"/>
-            <a:ext cx="7500734" cy="3170099"/>
+          <p:cNvSpPr/>
+          <p:nvPr/>
+        </p:nvSpPr>
+        <p:spPr>
+          <a:xfrm>
+            <a:off x="532661" y="1472306"/>
+            <a:ext cx="11292395" cy="3170099"/>
           </a:xfrm>
           <a:prstGeom prst="rect">
             <a:avLst/>
           </a:prstGeom>
-          <a:noFill/>
-        </p:spPr>
-        <p:txBody>
-          <a:bodyPr wrap="square" rtlCol="0">
+        </p:spPr>
+        <p:txBody>
+          <a:bodyPr wrap="square">
             <a:spAutoFit/>
           </a:bodyPr>
           <a:lstStyle/>
           <a:p>
             <a:r>
-              <a:rPr lang="pl-PL" sz="4000" dirty="0">
+              <a:rPr lang="pl-PL" sz="4000" dirty="0" err="1">
                 <a:solidFill>
                   <a:srgbClr val="0070C0"/>
                 </a:solidFill>
                 <a:latin typeface="Consolas" panose="020B0609020204030204" pitchFamily="49" charset="0"/>
               </a:rPr>
-              <a:t>public </a:t>
+              <a:t>if</a:t>
+            </a:r>
+            <a:r>
+              <a:rPr lang="pl-PL" sz="4000" dirty="0">
+                <a:latin typeface="Consolas" panose="020B0609020204030204" pitchFamily="49" charset="0"/>
+              </a:rPr>
+              <a:t>(!</a:t>
             </a:r>
             <a:r>
               <a:rPr lang="pl-PL" sz="4000" dirty="0" err="1">
+                <a:latin typeface="Consolas" panose="020B0609020204030204" pitchFamily="49" charset="0"/>
+              </a:rPr>
+              <a:t>employees.containsKey</a:t>
+            </a:r>
+            <a:r>
+              <a:rPr lang="pl-PL" sz="4000" dirty="0">
+                <a:latin typeface="Consolas" panose="020B0609020204030204" pitchFamily="49" charset="0"/>
+              </a:rPr>
+              <a:t>(</a:t>
+            </a:r>
+            <a:r>
+              <a:rPr lang="pl-PL" sz="4000" dirty="0" err="1">
+                <a:latin typeface="Consolas" panose="020B0609020204030204" pitchFamily="49" charset="0"/>
+              </a:rPr>
+              <a:t>name</a:t>
+            </a:r>
+            <a:r>
+              <a:rPr lang="pl-PL" sz="4000" dirty="0">
+                <a:latin typeface="Consolas" panose="020B0609020204030204" pitchFamily="49" charset="0"/>
+              </a:rPr>
+              <a:t>))</a:t>
+            </a:r>
+          </a:p>
+          <a:p>
+            <a:r>
+              <a:rPr lang="pl-PL" sz="4000" dirty="0">
+                <a:latin typeface="Consolas" panose="020B0609020204030204" pitchFamily="49" charset="0"/>
+              </a:rPr>
+              <a:t>{</a:t>
+            </a:r>
+          </a:p>
+          <a:p>
+            <a:pPr lvl="1"/>
+            <a:r>
+              <a:rPr lang="pl-PL" sz="4000" dirty="0" err="1">
                 <a:solidFill>
                   <a:srgbClr val="0070C0"/>
                 </a:solidFill>
                 <a:latin typeface="Consolas" panose="020B0609020204030204" pitchFamily="49" charset="0"/>
               </a:rPr>
-              <a:t>interface</a:t>
+              <a:t>throw</a:t>
             </a:r>
             <a:r>
               <a:rPr lang="pl-PL" sz="4000" dirty="0">
@@ -11933,40 +11798,52 @@
             </a:r>
             <a:r>
               <a:rPr lang="pl-PL" sz="4000" dirty="0" err="1">
-                <a:latin typeface="Consolas" panose="020B0609020204030204" pitchFamily="49" charset="0"/>
-              </a:rPr>
-              <a:t>Maybe</a:t>
-            </a:r>
-            <a:r>
-              <a:rPr lang="pl-PL" sz="4000" dirty="0">
-                <a:latin typeface="Consolas" panose="020B0609020204030204" pitchFamily="49" charset="0"/>
-              </a:rPr>
-              <a:t>&lt;T&gt;</a:t>
-            </a:r>
-          </a:p>
-          <a:p>
-            <a:r>
-              <a:rPr lang="pl-PL" sz="4000" dirty="0">
-                <a:latin typeface="Consolas" panose="020B0609020204030204" pitchFamily="49" charset="0"/>
-              </a:rPr>
-              <a:t>{</a:t>
-            </a:r>
-          </a:p>
-          <a:p>
-            <a:r>
-              <a:rPr lang="pl-PL" sz="4000" dirty="0">
-                <a:latin typeface="Consolas" panose="020B0609020204030204" pitchFamily="49" charset="0"/>
-              </a:rPr>
-              <a:t>	</a:t>
+                <a:solidFill>
+                  <a:srgbClr val="0070C0"/>
+                </a:solidFill>
+                <a:latin typeface="Consolas" panose="020B0609020204030204" pitchFamily="49" charset="0"/>
+              </a:rPr>
+              <a:t>new</a:t>
+            </a:r>
+            <a:r>
+              <a:rPr lang="pl-PL" sz="4000" dirty="0">
+                <a:solidFill>
+                  <a:srgbClr val="0070C0"/>
+                </a:solidFill>
+                <a:latin typeface="Consolas" panose="020B0609020204030204" pitchFamily="49" charset="0"/>
+              </a:rPr>
+              <a:t> </a:t>
             </a:r>
             <a:r>
               <a:rPr lang="pl-PL" sz="4000" dirty="0" err="1">
+                <a:latin typeface="Consolas" panose="020B0609020204030204" pitchFamily="49" charset="0"/>
+              </a:rPr>
+              <a:t>EmployeeNotFoundException</a:t>
+            </a:r>
+            <a:r>
+              <a:rPr lang="pl-PL" sz="4000" dirty="0">
+                <a:latin typeface="Consolas" panose="020B0609020204030204" pitchFamily="49" charset="0"/>
+              </a:rPr>
+              <a:t>();     </a:t>
+            </a:r>
+          </a:p>
+          <a:p>
+            <a:r>
+              <a:rPr lang="pl-PL" sz="4000" dirty="0">
+                <a:latin typeface="Consolas" panose="020B0609020204030204" pitchFamily="49" charset="0"/>
+              </a:rPr>
+              <a:t>} </a:t>
+            </a:r>
+          </a:p>
+          <a:p>
+            <a:r>
+              <a:rPr lang="pl-PL" sz="4000" dirty="0">
                 <a:solidFill>
                   <a:srgbClr val="0070C0"/>
                 </a:solidFill>
                 <a:latin typeface="Consolas" panose="020B0609020204030204" pitchFamily="49" charset="0"/>
               </a:rPr>
-              <a:t>bool</a:t>
+              <a:t>return</a:t>
             </a:r>
             <a:r>
               <a:rPr lang="pl-PL" sz="4000" dirty="0">
@@ -11978,37 +11855,34 @@
               <a:rPr lang="pl-PL" sz="4000" dirty="0" err="1">
                 <a:latin typeface="Consolas" panose="020B0609020204030204" pitchFamily="49" charset="0"/>
               </a:rPr>
-              <a:t>HasValue</a:t>
-            </a:r>
-            <a:r>
-              <a:rPr lang="pl-PL" sz="4000" dirty="0">
-                <a:latin typeface="Consolas" panose="020B0609020204030204" pitchFamily="49" charset="0"/>
-              </a:rPr>
-              <a:t>();</a:t>
-            </a:r>
-          </a:p>
-          <a:p>
-            <a:r>
-              <a:rPr lang="pl-PL" sz="4000" dirty="0">
-                <a:latin typeface="Consolas" panose="020B0609020204030204" pitchFamily="49" charset="0"/>
-              </a:rPr>
-              <a:t>	T Value();</a:t>
-            </a:r>
-          </a:p>
-          <a:p>
-            <a:r>
-              <a:rPr lang="pl-PL" sz="4000" dirty="0">
-                <a:latin typeface="Consolas" panose="020B0609020204030204" pitchFamily="49" charset="0"/>
-              </a:rPr>
-              <a:t>} </a:t>
-            </a:r>
+              <a:t>employees.get</a:t>
+            </a:r>
+            <a:r>
+              <a:rPr lang="pl-PL" sz="4000" dirty="0">
+                <a:latin typeface="Consolas" panose="020B0609020204030204" pitchFamily="49" charset="0"/>
+              </a:rPr>
+              <a:t>(</a:t>
+            </a:r>
+            <a:r>
+              <a:rPr lang="pl-PL" sz="4000" dirty="0" err="1">
+                <a:latin typeface="Consolas" panose="020B0609020204030204" pitchFamily="49" charset="0"/>
+              </a:rPr>
+              <a:t>name</a:t>
+            </a:r>
+            <a:r>
+              <a:rPr lang="pl-PL" sz="4000" dirty="0">
+                <a:latin typeface="Consolas" panose="020B0609020204030204" pitchFamily="49" charset="0"/>
+              </a:rPr>
+              <a:t>);</a:t>
+            </a:r>
+            <a:endParaRPr lang="pl-PL" sz="4000" dirty="0"/>
           </a:p>
         </p:txBody>
       </p:sp>
     </p:spTree>
     <p:extLst>
       <p:ext uri="{BB962C8B-B14F-4D97-AF65-F5344CB8AC3E}">
-        <p14:creationId xmlns:p14="http://schemas.microsoft.com/office/powerpoint/2010/main" val="407729874"/>
+        <p14:creationId xmlns:p14="http://schemas.microsoft.com/office/powerpoint/2010/main" val="1831075161"/>
       </p:ext>
     </p:extLst>
   </p:cSld>
@@ -12037,90 +11911,160 @@
       </p:grpSpPr>
       <p:sp>
         <p:nvSpPr>
-          <p:cNvPr id="2" name="pole tekstowe 1">
+          <p:cNvPr id="2" name="Prostokąt 1">
             <a:extLst>
               <a:ext uri="{FF2B5EF4-FFF2-40B4-BE49-F238E27FC236}">
-                <a16:creationId xmlns:a16="http://schemas.microsoft.com/office/drawing/2014/main" id="{221F81F5-4A9F-4236-B058-E296E34D44B6}"/>
+                <a16:creationId xmlns:a16="http://schemas.microsoft.com/office/drawing/2014/main" id="{0A2F51BE-1AEF-4D0B-8F24-B765D09C781F}"/>
               </a:ext>
             </a:extLst>
           </p:cNvPr>
-          <p:cNvSpPr txBox="1"/>
-          <p:nvPr/>
-        </p:nvSpPr>
-        <p:spPr>
-          <a:xfrm>
-            <a:off x="2699709" y="117693"/>
-            <a:ext cx="7340936" cy="6740307"/>
+          <p:cNvSpPr/>
+          <p:nvPr/>
+        </p:nvSpPr>
+        <p:spPr>
+          <a:xfrm>
+            <a:off x="452763" y="1445673"/>
+            <a:ext cx="11292395" cy="3785652"/>
           </a:xfrm>
           <a:prstGeom prst="rect">
             <a:avLst/>
           </a:prstGeom>
-          <a:noFill/>
-        </p:spPr>
-        <p:txBody>
-          <a:bodyPr wrap="square" rtlCol="0">
+        </p:spPr>
+        <p:txBody>
+          <a:bodyPr wrap="square">
             <a:spAutoFit/>
           </a:bodyPr>
           <a:lstStyle/>
           <a:p>
             <a:r>
-              <a:rPr lang="pl-PL" sz="3600" dirty="0">
+              <a:rPr lang="pl-PL" sz="4000" dirty="0" err="1">
                 <a:solidFill>
                   <a:srgbClr val="0070C0"/>
                 </a:solidFill>
                 <a:latin typeface="Consolas" panose="020B0609020204030204" pitchFamily="49" charset="0"/>
               </a:rPr>
-              <a:t>public </a:t>
-            </a:r>
-            <a:r>
-              <a:rPr lang="pl-PL" sz="3600" dirty="0" err="1">
+              <a:t>Iterator</a:t>
+            </a:r>
+            <a:r>
+              <a:rPr lang="pl-PL" sz="4000" dirty="0">
                 <a:solidFill>
                   <a:srgbClr val="0070C0"/>
                 </a:solidFill>
                 <a:latin typeface="Consolas" panose="020B0609020204030204" pitchFamily="49" charset="0"/>
               </a:rPr>
-              <a:t>class</a:t>
-            </a:r>
-            <a:r>
-              <a:rPr lang="pl-PL" sz="3600" dirty="0">
+              <a:t> </a:t>
+            </a:r>
+            <a:r>
+              <a:rPr lang="pl-PL" sz="4000" dirty="0" err="1">
+                <a:latin typeface="Consolas" panose="020B0609020204030204" pitchFamily="49" charset="0"/>
+              </a:rPr>
+              <a:t>found</a:t>
+            </a:r>
+            <a:r>
+              <a:rPr lang="pl-PL" sz="4000" dirty="0">
+                <a:latin typeface="Consolas" panose="020B0609020204030204" pitchFamily="49" charset="0"/>
+              </a:rPr>
+              <a:t> = </a:t>
+            </a:r>
+            <a:r>
+              <a:rPr lang="pl-PL" sz="4000" dirty="0" err="1">
+                <a:latin typeface="Consolas" panose="020B0609020204030204" pitchFamily="49" charset="0"/>
+              </a:rPr>
+              <a:t>Map.search</a:t>
+            </a:r>
+            <a:r>
+              <a:rPr lang="pl-PL" sz="4000" dirty="0">
+                <a:latin typeface="Consolas" panose="020B0609020204030204" pitchFamily="49" charset="0"/>
+              </a:rPr>
+              <a:t>(</a:t>
+            </a:r>
+            <a:r>
+              <a:rPr lang="pl-PL" sz="4000" dirty="0" err="1">
+                <a:latin typeface="Consolas" panose="020B0609020204030204" pitchFamily="49" charset="0"/>
+              </a:rPr>
+              <a:t>name</a:t>
+            </a:r>
+            <a:r>
+              <a:rPr lang="pl-PL" sz="4000" dirty="0">
+                <a:latin typeface="Consolas" panose="020B0609020204030204" pitchFamily="49" charset="0"/>
+              </a:rPr>
+              <a:t>);</a:t>
+            </a:r>
+            <a:endParaRPr lang="pl-PL" sz="4000" dirty="0">
+              <a:solidFill>
+                <a:srgbClr val="0070C0"/>
+              </a:solidFill>
+              <a:latin typeface="Consolas" panose="020B0609020204030204" pitchFamily="49" charset="0"/>
+            </a:endParaRPr>
+          </a:p>
+          <a:p>
+            <a:r>
+              <a:rPr lang="pl-PL" sz="4000" dirty="0" err="1">
                 <a:solidFill>
                   <a:srgbClr val="0070C0"/>
                 </a:solidFill>
                 <a:latin typeface="Consolas" panose="020B0609020204030204" pitchFamily="49" charset="0"/>
               </a:rPr>
+              <a:t>if</a:t>
+            </a:r>
+            <a:r>
+              <a:rPr lang="pl-PL" sz="4000" dirty="0">
+                <a:latin typeface="Consolas" panose="020B0609020204030204" pitchFamily="49" charset="0"/>
+              </a:rPr>
+              <a:t>(!</a:t>
+            </a:r>
+            <a:r>
+              <a:rPr lang="pl-PL" sz="4000" dirty="0" err="1">
+                <a:latin typeface="Consolas" panose="020B0609020204030204" pitchFamily="49" charset="0"/>
+              </a:rPr>
+              <a:t>found.hasNext</a:t>
+            </a:r>
+            <a:r>
+              <a:rPr lang="pl-PL" sz="4000" dirty="0">
+                <a:latin typeface="Consolas" panose="020B0609020204030204" pitchFamily="49" charset="0"/>
+              </a:rPr>
+              <a:t>())</a:t>
+            </a:r>
+          </a:p>
+          <a:p>
+            <a:r>
+              <a:rPr lang="pl-PL" sz="4000" dirty="0">
+                <a:latin typeface="Consolas" panose="020B0609020204030204" pitchFamily="49" charset="0"/>
+              </a:rPr>
+              <a:t>{</a:t>
+            </a:r>
+          </a:p>
+          <a:p>
+            <a:pPr lvl="1"/>
+            <a:r>
+              <a:rPr lang="pl-PL" sz="4000" dirty="0" err="1">
+                <a:solidFill>
+                  <a:srgbClr val="0070C0"/>
+                </a:solidFill>
+                <a:latin typeface="Consolas" panose="020B0609020204030204" pitchFamily="49" charset="0"/>
+              </a:rPr>
+              <a:t>throw</a:t>
+            </a:r>
+            <a:r>
+              <a:rPr lang="pl-PL" sz="4000" dirty="0">
+                <a:solidFill>
+                  <a:srgbClr val="0070C0"/>
+                </a:solidFill>
+                <a:latin typeface="Consolas" panose="020B0609020204030204" pitchFamily="49" charset="0"/>
+              </a:rPr>
               <a:t> </a:t>
             </a:r>
             <a:r>
-              <a:rPr lang="pl-PL" sz="3600" dirty="0" err="1">
-                <a:latin typeface="Consolas" panose="020B0609020204030204" pitchFamily="49" charset="0"/>
-              </a:rPr>
-              <a:t>Some</a:t>
-            </a:r>
-            <a:r>
-              <a:rPr lang="pl-PL" sz="3600" dirty="0">
-                <a:latin typeface="Consolas" panose="020B0609020204030204" pitchFamily="49" charset="0"/>
-              </a:rPr>
-              <a:t>&lt;T&gt; {</a:t>
-            </a:r>
-          </a:p>
-          <a:p>
-            <a:r>
-              <a:rPr lang="pl-PL" sz="3600" dirty="0">
-                <a:latin typeface="Consolas" panose="020B0609020204030204" pitchFamily="49" charset="0"/>
-              </a:rPr>
-              <a:t>	</a:t>
-            </a:r>
-            <a:r>
-              <a:rPr lang="pl-PL" sz="3600" dirty="0" err="1">
+              <a:rPr lang="pl-PL" sz="4000" dirty="0" err="1">
                 <a:solidFill>
                   <a:srgbClr val="0070C0"/>
                 </a:solidFill>
                 <a:latin typeface="Consolas" panose="020B0609020204030204" pitchFamily="49" charset="0"/>
               </a:rPr>
-              <a:t>private</a:t>
-            </a:r>
-            <a:r>
-              <a:rPr lang="pl-PL" sz="3600" dirty="0">
+              <a:t>new</a:t>
+            </a:r>
+            <a:r>
+              <a:rPr lang="pl-PL" sz="4000" dirty="0">
                 <a:solidFill>
                   <a:srgbClr val="0070C0"/>
                 </a:solidFill>
@@ -12129,257 +12073,62 @@
               <a:t> </a:t>
             </a:r>
             <a:r>
-              <a:rPr lang="pl-PL" sz="3600" dirty="0" err="1">
+              <a:rPr lang="pl-PL" sz="4000" dirty="0" err="1">
+                <a:latin typeface="Consolas" panose="020B0609020204030204" pitchFamily="49" charset="0"/>
+              </a:rPr>
+              <a:t>EmployeeNotFoundException</a:t>
+            </a:r>
+            <a:r>
+              <a:rPr lang="pl-PL" sz="4000" dirty="0">
+                <a:latin typeface="Consolas" panose="020B0609020204030204" pitchFamily="49" charset="0"/>
+              </a:rPr>
+              <a:t>();     </a:t>
+            </a:r>
+          </a:p>
+          <a:p>
+            <a:r>
+              <a:rPr lang="pl-PL" sz="4000" dirty="0">
+                <a:latin typeface="Consolas" panose="020B0609020204030204" pitchFamily="49" charset="0"/>
+              </a:rPr>
+              <a:t>} </a:t>
+            </a:r>
+          </a:p>
+          <a:p>
+            <a:r>
+              <a:rPr lang="pl-PL" sz="4000" dirty="0">
                 <a:solidFill>
                   <a:srgbClr val="0070C0"/>
                 </a:solidFill>
                 <a:latin typeface="Consolas" panose="020B0609020204030204" pitchFamily="49" charset="0"/>
               </a:rPr>
-              <a:t>readonly</a:t>
-            </a:r>
-            <a:r>
-              <a:rPr lang="pl-PL" sz="3600" dirty="0">
-                <a:latin typeface="Consolas" panose="020B0609020204030204" pitchFamily="49" charset="0"/>
-              </a:rPr>
-              <a:t> T </a:t>
-            </a:r>
-            <a:r>
-              <a:rPr lang="pl-PL" sz="3600" dirty="0" err="1">
-                <a:latin typeface="Consolas" panose="020B0609020204030204" pitchFamily="49" charset="0"/>
-              </a:rPr>
-              <a:t>t</a:t>
-            </a:r>
-            <a:r>
-              <a:rPr lang="pl-PL" sz="3600" dirty="0">
-                <a:latin typeface="Consolas" panose="020B0609020204030204" pitchFamily="49" charset="0"/>
-              </a:rPr>
-              <a:t>;</a:t>
-            </a:r>
-          </a:p>
-          <a:p>
-            <a:r>
-              <a:rPr lang="pl-PL" sz="3600" dirty="0">
-                <a:latin typeface="Consolas" panose="020B0609020204030204" pitchFamily="49" charset="0"/>
-              </a:rPr>
-              <a:t>	</a:t>
-            </a:r>
-            <a:r>
-              <a:rPr lang="pl-PL" sz="3600" dirty="0">
-                <a:solidFill>
-                  <a:srgbClr val="0070C0"/>
-                </a:solidFill>
-                <a:latin typeface="Consolas" panose="020B0609020204030204" pitchFamily="49" charset="0"/>
-              </a:rPr>
-              <a:t>public</a:t>
-            </a:r>
-            <a:r>
-              <a:rPr lang="pl-PL" sz="3600" dirty="0">
+              <a:t>return</a:t>
+            </a:r>
+            <a:r>
+              <a:rPr lang="pl-PL" sz="4000" dirty="0">
                 <a:latin typeface="Consolas" panose="020B0609020204030204" pitchFamily="49" charset="0"/>
               </a:rPr>
               <a:t> </a:t>
             </a:r>
             <a:r>
-              <a:rPr lang="pl-PL" sz="3600" dirty="0" err="1">
-                <a:latin typeface="Consolas" panose="020B0609020204030204" pitchFamily="49" charset="0"/>
-              </a:rPr>
-              <a:t>Some</a:t>
-            </a:r>
-            <a:r>
-              <a:rPr lang="pl-PL" sz="3600" dirty="0">
-                <a:latin typeface="Consolas" panose="020B0609020204030204" pitchFamily="49" charset="0"/>
-              </a:rPr>
-              <a:t>(T t) {</a:t>
-            </a:r>
-          </a:p>
-          <a:p>
-            <a:r>
-              <a:rPr lang="pl-PL" sz="3600" dirty="0">
-                <a:latin typeface="Consolas" panose="020B0609020204030204" pitchFamily="49" charset="0"/>
-              </a:rPr>
-              <a:t>		</a:t>
-            </a:r>
-            <a:r>
-              <a:rPr lang="pl-PL" sz="3600" dirty="0">
-                <a:solidFill>
-                  <a:srgbClr val="0070C0"/>
-                </a:solidFill>
-                <a:latin typeface="Consolas" panose="020B0609020204030204" pitchFamily="49" charset="0"/>
-              </a:rPr>
-              <a:t>this</a:t>
-            </a:r>
-            <a:r>
-              <a:rPr lang="pl-PL" sz="3600" dirty="0">
-                <a:latin typeface="Consolas" panose="020B0609020204030204" pitchFamily="49" charset="0"/>
-              </a:rPr>
-              <a:t>.t = t;</a:t>
-            </a:r>
-          </a:p>
-          <a:p>
-            <a:r>
-              <a:rPr lang="pl-PL" sz="3600" dirty="0">
-                <a:latin typeface="Consolas" panose="020B0609020204030204" pitchFamily="49" charset="0"/>
-              </a:rPr>
-              <a:t>	}</a:t>
-            </a:r>
-          </a:p>
-          <a:p>
-            <a:r>
-              <a:rPr lang="pl-PL" sz="3600" dirty="0">
-                <a:latin typeface="Consolas" panose="020B0609020204030204" pitchFamily="49" charset="0"/>
-              </a:rPr>
-              <a:t>	</a:t>
-            </a:r>
-            <a:r>
-              <a:rPr lang="pl-PL" sz="3600" dirty="0">
-                <a:solidFill>
-                  <a:srgbClr val="0070C0"/>
-                </a:solidFill>
-                <a:latin typeface="Consolas" panose="020B0609020204030204" pitchFamily="49" charset="0"/>
-              </a:rPr>
-              <a:t>public </a:t>
-            </a:r>
-            <a:r>
-              <a:rPr lang="pl-PL" sz="3600" dirty="0" err="1">
-                <a:solidFill>
-                  <a:srgbClr val="0070C0"/>
-                </a:solidFill>
-                <a:latin typeface="Consolas" panose="020B0609020204030204" pitchFamily="49" charset="0"/>
-              </a:rPr>
-              <a:t>bool</a:t>
-            </a:r>
-            <a:r>
-              <a:rPr lang="pl-PL" sz="3600" dirty="0">
-                <a:solidFill>
-                  <a:srgbClr val="0070C0"/>
-                </a:solidFill>
-                <a:latin typeface="Consolas" panose="020B0609020204030204" pitchFamily="49" charset="0"/>
-              </a:rPr>
-              <a:t> </a:t>
-            </a:r>
-            <a:r>
-              <a:rPr lang="pl-PL" sz="3600" dirty="0" err="1">
-                <a:latin typeface="Consolas" panose="020B0609020204030204" pitchFamily="49" charset="0"/>
-              </a:rPr>
-              <a:t>HasValue</a:t>
-            </a:r>
-            <a:r>
-              <a:rPr lang="pl-PL" sz="3600" dirty="0">
-                <a:latin typeface="Consolas" panose="020B0609020204030204" pitchFamily="49" charset="0"/>
-              </a:rPr>
-              <a:t>() {</a:t>
-            </a:r>
-          </a:p>
-          <a:p>
-            <a:r>
-              <a:rPr lang="pl-PL" sz="3600" dirty="0">
-                <a:latin typeface="Consolas" panose="020B0609020204030204" pitchFamily="49" charset="0"/>
-              </a:rPr>
-              <a:t>		</a:t>
-            </a:r>
-            <a:r>
-              <a:rPr lang="pl-PL" sz="3600" dirty="0">
-                <a:solidFill>
-                  <a:srgbClr val="0070C0"/>
-                </a:solidFill>
-                <a:latin typeface="Consolas" panose="020B0609020204030204" pitchFamily="49" charset="0"/>
-              </a:rPr>
-              <a:t>return</a:t>
-            </a:r>
-            <a:r>
-              <a:rPr lang="pl-PL" sz="3600" dirty="0">
-                <a:latin typeface="Consolas" panose="020B0609020204030204" pitchFamily="49" charset="0"/>
-              </a:rPr>
-              <a:t> </a:t>
-            </a:r>
-            <a:r>
-              <a:rPr lang="pl-PL" sz="3600" dirty="0" err="1">
-                <a:latin typeface="Consolas" panose="020B0609020204030204" pitchFamily="49" charset="0"/>
-              </a:rPr>
-              <a:t>true</a:t>
-            </a:r>
-            <a:r>
-              <a:rPr lang="pl-PL" sz="3600" dirty="0">
-                <a:latin typeface="Consolas" panose="020B0609020204030204" pitchFamily="49" charset="0"/>
-              </a:rPr>
-              <a:t>;</a:t>
-            </a:r>
-          </a:p>
-          <a:p>
-            <a:r>
-              <a:rPr lang="pl-PL" sz="3600" dirty="0">
-                <a:latin typeface="Consolas" panose="020B0609020204030204" pitchFamily="49" charset="0"/>
-              </a:rPr>
-              <a:t>	}</a:t>
-            </a:r>
-          </a:p>
-          <a:p>
-            <a:r>
-              <a:rPr lang="pl-PL" sz="3600" dirty="0">
-                <a:latin typeface="Consolas" panose="020B0609020204030204" pitchFamily="49" charset="0"/>
-              </a:rPr>
-              <a:t>	</a:t>
-            </a:r>
-            <a:r>
-              <a:rPr lang="pl-PL" sz="3600" dirty="0">
-                <a:solidFill>
-                  <a:srgbClr val="0070C0"/>
-                </a:solidFill>
-                <a:latin typeface="Consolas" panose="020B0609020204030204" pitchFamily="49" charset="0"/>
-              </a:rPr>
-              <a:t>public</a:t>
-            </a:r>
-            <a:r>
-              <a:rPr lang="pl-PL" sz="3600" dirty="0">
-                <a:latin typeface="Consolas" panose="020B0609020204030204" pitchFamily="49" charset="0"/>
-              </a:rPr>
-              <a:t> T Value() {</a:t>
-            </a:r>
-          </a:p>
-          <a:p>
-            <a:r>
-              <a:rPr lang="pl-PL" sz="3600" dirty="0">
-                <a:latin typeface="Consolas" panose="020B0609020204030204" pitchFamily="49" charset="0"/>
-              </a:rPr>
-              <a:t>		</a:t>
-            </a:r>
-            <a:r>
-              <a:rPr lang="pl-PL" sz="3600" dirty="0">
-                <a:solidFill>
-                  <a:srgbClr val="0070C0"/>
-                </a:solidFill>
-                <a:latin typeface="Consolas" panose="020B0609020204030204" pitchFamily="49" charset="0"/>
-              </a:rPr>
-              <a:t>return</a:t>
-            </a:r>
-            <a:r>
-              <a:rPr lang="pl-PL" sz="3600" dirty="0">
-                <a:latin typeface="Consolas" panose="020B0609020204030204" pitchFamily="49" charset="0"/>
-              </a:rPr>
-              <a:t> t;</a:t>
-            </a:r>
-          </a:p>
-          <a:p>
-            <a:r>
-              <a:rPr lang="pl-PL" sz="3600" dirty="0">
-                <a:latin typeface="Consolas" panose="020B0609020204030204" pitchFamily="49" charset="0"/>
-              </a:rPr>
-              <a:t>	}</a:t>
-            </a:r>
-          </a:p>
-          <a:p>
-            <a:r>
-              <a:rPr lang="pl-PL" sz="3600" dirty="0">
-                <a:latin typeface="Consolas" panose="020B0609020204030204" pitchFamily="49" charset="0"/>
-              </a:rPr>
-              <a:t>} </a:t>
-            </a:r>
+              <a:rPr lang="pl-PL" sz="4000" dirty="0" err="1">
+                <a:latin typeface="Consolas" panose="020B0609020204030204" pitchFamily="49" charset="0"/>
+              </a:rPr>
+              <a:t>found.next</a:t>
+            </a:r>
+            <a:r>
+              <a:rPr lang="pl-PL" sz="4000" dirty="0">
+                <a:latin typeface="Consolas" panose="020B0609020204030204" pitchFamily="49" charset="0"/>
+              </a:rPr>
+              <a:t>();</a:t>
+            </a:r>
+            <a:endParaRPr lang="pl-PL" sz="4000" dirty="0"/>
           </a:p>
         </p:txBody>
       </p:sp>
     </p:spTree>
     <p:extLst>
       <p:ext uri="{BB962C8B-B14F-4D97-AF65-F5344CB8AC3E}">
-        <p14:creationId xmlns:p14="http://schemas.microsoft.com/office/powerpoint/2010/main" val="1822073221"/>
+        <p14:creationId xmlns:p14="http://schemas.microsoft.com/office/powerpoint/2010/main" val="3370999071"/>
       </p:ext>
     </p:extLst>
   </p:cSld>
@@ -12411,7 +12160,7 @@
           <p:cNvPr id="2" name="pole tekstowe 1">
             <a:extLst>
               <a:ext uri="{FF2B5EF4-FFF2-40B4-BE49-F238E27FC236}">
-                <a16:creationId xmlns:a16="http://schemas.microsoft.com/office/drawing/2014/main" id="{221F81F5-4A9F-4236-B058-E296E34D44B6}"/>
+                <a16:creationId xmlns:a16="http://schemas.microsoft.com/office/drawing/2014/main" id="{F47C1C79-9707-49C8-ADCF-8A6D53F61C1F}"/>
               </a:ext>
             </a:extLst>
           </p:cNvPr>
@@ -12420,8 +12169,8 @@
         </p:nvSpPr>
         <p:spPr>
           <a:xfrm>
-            <a:off x="426128" y="268614"/>
-            <a:ext cx="11585359" cy="6247864"/>
+            <a:off x="257452" y="2492957"/>
+            <a:ext cx="11691892" cy="1569660"/>
           </a:xfrm>
           <a:prstGeom prst="rect">
             <a:avLst/>
@@ -12434,247 +12183,25 @@
           </a:bodyPr>
           <a:lstStyle/>
           <a:p>
-            <a:r>
-              <a:rPr lang="pl-PL" sz="4000" dirty="0">
-                <a:solidFill>
-                  <a:srgbClr val="0070C0"/>
-                </a:solidFill>
-                <a:latin typeface="Consolas" panose="020B0609020204030204" pitchFamily="49" charset="0"/>
-              </a:rPr>
-              <a:t>public </a:t>
-            </a:r>
-            <a:r>
-              <a:rPr lang="pl-PL" sz="4000" dirty="0" err="1">
-                <a:solidFill>
-                  <a:srgbClr val="0070C0"/>
-                </a:solidFill>
-                <a:latin typeface="Consolas" panose="020B0609020204030204" pitchFamily="49" charset="0"/>
-              </a:rPr>
-              <a:t>class</a:t>
-            </a:r>
-            <a:r>
-              <a:rPr lang="pl-PL" sz="4000" dirty="0">
-                <a:solidFill>
-                  <a:srgbClr val="0070C0"/>
-                </a:solidFill>
-                <a:latin typeface="Consolas" panose="020B0609020204030204" pitchFamily="49" charset="0"/>
-              </a:rPr>
-              <a:t> </a:t>
-            </a:r>
-            <a:r>
-              <a:rPr lang="pl-PL" sz="4000" dirty="0" err="1">
-                <a:latin typeface="Consolas" panose="020B0609020204030204" pitchFamily="49" charset="0"/>
-              </a:rPr>
-              <a:t>None</a:t>
-            </a:r>
-            <a:r>
-              <a:rPr lang="pl-PL" sz="4000" dirty="0">
-                <a:latin typeface="Consolas" panose="020B0609020204030204" pitchFamily="49" charset="0"/>
-              </a:rPr>
-              <a:t>&lt;T&gt; {</a:t>
-            </a:r>
-          </a:p>
-          <a:p>
-            <a:endParaRPr lang="pl-PL" sz="4000" dirty="0">
+            <a:pPr algn="ctr"/>
+            <a:r>
+              <a:rPr lang="pl-PL" sz="9600" dirty="0" err="1">
+                <a:latin typeface="Consolas" panose="020B0609020204030204" pitchFamily="49" charset="0"/>
+                <a:cs typeface="Consolas" panose="020B0609020204030204" pitchFamily="49" charset="0"/>
+              </a:rPr>
+              <a:t>NullObjectPattern</a:t>
+            </a:r>
+            <a:endParaRPr lang="pl-PL" sz="9600" dirty="0">
               <a:latin typeface="Consolas" panose="020B0609020204030204" pitchFamily="49" charset="0"/>
+              <a:cs typeface="Consolas" panose="020B0609020204030204" pitchFamily="49" charset="0"/>
             </a:endParaRPr>
-          </a:p>
-          <a:p>
-            <a:r>
-              <a:rPr lang="pl-PL" sz="4000" dirty="0">
-                <a:latin typeface="Consolas" panose="020B0609020204030204" pitchFamily="49" charset="0"/>
-              </a:rPr>
-              <a:t>	</a:t>
-            </a:r>
-            <a:r>
-              <a:rPr lang="pl-PL" sz="4000" dirty="0">
-                <a:solidFill>
-                  <a:srgbClr val="0070C0"/>
-                </a:solidFill>
-                <a:latin typeface="Consolas" panose="020B0609020204030204" pitchFamily="49" charset="0"/>
-              </a:rPr>
-              <a:t>public </a:t>
-            </a:r>
-            <a:r>
-              <a:rPr lang="pl-PL" sz="4000" dirty="0" err="1">
-                <a:solidFill>
-                  <a:srgbClr val="0070C0"/>
-                </a:solidFill>
-                <a:latin typeface="Consolas" panose="020B0609020204030204" pitchFamily="49" charset="0"/>
-              </a:rPr>
-              <a:t>bool</a:t>
-            </a:r>
-            <a:r>
-              <a:rPr lang="pl-PL" sz="4000" dirty="0">
-                <a:solidFill>
-                  <a:srgbClr val="0070C0"/>
-                </a:solidFill>
-                <a:latin typeface="Consolas" panose="020B0609020204030204" pitchFamily="49" charset="0"/>
-              </a:rPr>
-              <a:t> </a:t>
-            </a:r>
-            <a:r>
-              <a:rPr lang="pl-PL" sz="4000" dirty="0" err="1">
-                <a:latin typeface="Consolas" panose="020B0609020204030204" pitchFamily="49" charset="0"/>
-              </a:rPr>
-              <a:t>HasValue</a:t>
-            </a:r>
-            <a:r>
-              <a:rPr lang="pl-PL" sz="4000" dirty="0">
-                <a:latin typeface="Consolas" panose="020B0609020204030204" pitchFamily="49" charset="0"/>
-              </a:rPr>
-              <a:t>() {</a:t>
-            </a:r>
-          </a:p>
-          <a:p>
-            <a:r>
-              <a:rPr lang="pl-PL" sz="4000" dirty="0">
-                <a:latin typeface="Consolas" panose="020B0609020204030204" pitchFamily="49" charset="0"/>
-              </a:rPr>
-              <a:t>		</a:t>
-            </a:r>
-            <a:r>
-              <a:rPr lang="pl-PL" sz="4000" dirty="0">
-                <a:solidFill>
-                  <a:srgbClr val="0070C0"/>
-                </a:solidFill>
-                <a:latin typeface="Consolas" panose="020B0609020204030204" pitchFamily="49" charset="0"/>
-              </a:rPr>
-              <a:t>return</a:t>
-            </a:r>
-            <a:r>
-              <a:rPr lang="pl-PL" sz="4000" dirty="0">
-                <a:latin typeface="Consolas" panose="020B0609020204030204" pitchFamily="49" charset="0"/>
-              </a:rPr>
-              <a:t> </a:t>
-            </a:r>
-            <a:r>
-              <a:rPr lang="pl-PL" sz="4000" dirty="0" err="1">
-                <a:latin typeface="Consolas" panose="020B0609020204030204" pitchFamily="49" charset="0"/>
-              </a:rPr>
-              <a:t>false</a:t>
-            </a:r>
-            <a:r>
-              <a:rPr lang="pl-PL" sz="4000" dirty="0">
-                <a:latin typeface="Consolas" panose="020B0609020204030204" pitchFamily="49" charset="0"/>
-              </a:rPr>
-              <a:t>;</a:t>
-            </a:r>
-          </a:p>
-          <a:p>
-            <a:r>
-              <a:rPr lang="pl-PL" sz="4000" dirty="0">
-                <a:latin typeface="Consolas" panose="020B0609020204030204" pitchFamily="49" charset="0"/>
-              </a:rPr>
-              <a:t>	}</a:t>
-            </a:r>
-          </a:p>
-          <a:p>
-            <a:endParaRPr lang="pl-PL" sz="4000" dirty="0">
-              <a:latin typeface="Consolas" panose="020B0609020204030204" pitchFamily="49" charset="0"/>
-            </a:endParaRPr>
-          </a:p>
-          <a:p>
-            <a:r>
-              <a:rPr lang="pl-PL" sz="4000" dirty="0">
-                <a:latin typeface="Consolas" panose="020B0609020204030204" pitchFamily="49" charset="0"/>
-              </a:rPr>
-              <a:t>	</a:t>
-            </a:r>
-            <a:r>
-              <a:rPr lang="pl-PL" sz="4000" dirty="0">
-                <a:solidFill>
-                  <a:srgbClr val="0070C0"/>
-                </a:solidFill>
-                <a:latin typeface="Consolas" panose="020B0609020204030204" pitchFamily="49" charset="0"/>
-              </a:rPr>
-              <a:t>public</a:t>
-            </a:r>
-            <a:r>
-              <a:rPr lang="pl-PL" sz="4000" dirty="0">
-                <a:latin typeface="Consolas" panose="020B0609020204030204" pitchFamily="49" charset="0"/>
-              </a:rPr>
-              <a:t> T Value() {</a:t>
-            </a:r>
-          </a:p>
-          <a:p>
-            <a:r>
-              <a:rPr lang="pl-PL" sz="4000" dirty="0">
-                <a:latin typeface="Consolas" panose="020B0609020204030204" pitchFamily="49" charset="0"/>
-              </a:rPr>
-              <a:t>		</a:t>
-            </a:r>
-            <a:r>
-              <a:rPr lang="pl-PL" sz="4000" dirty="0" err="1">
-                <a:solidFill>
-                  <a:srgbClr val="0070C0"/>
-                </a:solidFill>
-                <a:latin typeface="Consolas" panose="020B0609020204030204" pitchFamily="49" charset="0"/>
-              </a:rPr>
-              <a:t>throw</a:t>
-            </a:r>
-            <a:r>
-              <a:rPr lang="pl-PL" sz="4000" dirty="0">
-                <a:solidFill>
-                  <a:srgbClr val="0070C0"/>
-                </a:solidFill>
-                <a:latin typeface="Consolas" panose="020B0609020204030204" pitchFamily="49" charset="0"/>
-              </a:rPr>
-              <a:t> </a:t>
-            </a:r>
-            <a:r>
-              <a:rPr lang="pl-PL" sz="4000" dirty="0" err="1">
-                <a:solidFill>
-                  <a:srgbClr val="0070C0"/>
-                </a:solidFill>
-                <a:latin typeface="Consolas" panose="020B0609020204030204" pitchFamily="49" charset="0"/>
-              </a:rPr>
-              <a:t>new</a:t>
-            </a:r>
-            <a:r>
-              <a:rPr lang="pl-PL" sz="4000" dirty="0">
-                <a:solidFill>
-                  <a:srgbClr val="0070C0"/>
-                </a:solidFill>
-                <a:latin typeface="Consolas" panose="020B0609020204030204" pitchFamily="49" charset="0"/>
-              </a:rPr>
-              <a:t> </a:t>
-            </a:r>
-            <a:r>
-              <a:rPr lang="pl-PL" sz="4000" dirty="0" err="1">
-                <a:latin typeface="Consolas" panose="020B0609020204030204" pitchFamily="49" charset="0"/>
-              </a:rPr>
-              <a:t>NotImplementedException</a:t>
-            </a:r>
-            <a:r>
-              <a:rPr lang="pl-PL" sz="4000" dirty="0">
-                <a:latin typeface="Consolas" panose="020B0609020204030204" pitchFamily="49" charset="0"/>
-              </a:rPr>
-              <a:t>;</a:t>
-            </a:r>
-          </a:p>
-          <a:p>
-            <a:r>
-              <a:rPr lang="pl-PL" sz="4000" dirty="0">
-                <a:latin typeface="Consolas" panose="020B0609020204030204" pitchFamily="49" charset="0"/>
-              </a:rPr>
-              <a:t>	}</a:t>
-            </a:r>
-          </a:p>
-          <a:p>
-            <a:r>
-              <a:rPr lang="pl-PL" sz="4000" dirty="0">
-                <a:latin typeface="Consolas" panose="020B0609020204030204" pitchFamily="49" charset="0"/>
-              </a:rPr>
-              <a:t>} </a:t>
-            </a:r>
           </a:p>
         </p:txBody>
       </p:sp>
     </p:spTree>
     <p:extLst>
       <p:ext uri="{BB962C8B-B14F-4D97-AF65-F5344CB8AC3E}">
-        <p14:creationId xmlns:p14="http://schemas.microsoft.com/office/powerpoint/2010/main" val="727503031"/>
+        <p14:creationId xmlns:p14="http://schemas.microsoft.com/office/powerpoint/2010/main" val="1554663312"/>
       </p:ext>
     </p:extLst>
   </p:cSld>
@@ -12706,7 +12233,7 @@
           <p:cNvPr id="3" name="Prostokąt 2">
             <a:extLst>
               <a:ext uri="{FF2B5EF4-FFF2-40B4-BE49-F238E27FC236}">
-                <a16:creationId xmlns:a16="http://schemas.microsoft.com/office/drawing/2014/main" id="{889D5B25-9098-4337-95E6-2EDF7BA9DE75}"/>
+                <a16:creationId xmlns:a16="http://schemas.microsoft.com/office/drawing/2014/main" id="{EB9A1579-941B-4023-B11C-3D203713FA02}"/>
               </a:ext>
             </a:extLst>
           </p:cNvPr>
@@ -12715,8 +12242,8 @@
         </p:nvSpPr>
         <p:spPr>
           <a:xfrm>
-            <a:off x="2450238" y="3822863"/>
-            <a:ext cx="8149701" cy="559293"/>
+            <a:off x="825623" y="1305018"/>
+            <a:ext cx="11061577" cy="523782"/>
           </a:xfrm>
           <a:prstGeom prst="rect">
             <a:avLst/>
@@ -12755,10 +12282,10 @@
       </p:sp>
       <p:sp>
         <p:nvSpPr>
-          <p:cNvPr id="4" name="Prostokąt 3">
+          <p:cNvPr id="2" name="Prostokąt 1">
             <a:extLst>
               <a:ext uri="{FF2B5EF4-FFF2-40B4-BE49-F238E27FC236}">
-                <a16:creationId xmlns:a16="http://schemas.microsoft.com/office/drawing/2014/main" id="{42C80DE7-7FB7-4C41-A0C2-A02FD4CB2D03}"/>
+                <a16:creationId xmlns:a16="http://schemas.microsoft.com/office/drawing/2014/main" id="{E22BF999-9154-4F45-9D21-16A8E9E3B508}"/>
               </a:ext>
             </a:extLst>
           </p:cNvPr>
@@ -12767,365 +12294,308 @@
         </p:nvSpPr>
         <p:spPr>
           <a:xfrm>
-            <a:off x="1679360" y="5070630"/>
-            <a:ext cx="8149701" cy="559293"/>
+            <a:off x="275208" y="0"/>
+            <a:ext cx="11736279" cy="6863417"/>
           </a:xfrm>
           <a:prstGeom prst="rect">
             <a:avLst/>
           </a:prstGeom>
-          <a:solidFill>
-            <a:srgbClr val="FFFF00"/>
-          </a:solidFill>
-          <a:ln>
-            <a:noFill/>
-          </a:ln>
-        </p:spPr>
-        <p:style>
-          <a:lnRef idx="2">
-            <a:schemeClr val="accent1">
-              <a:shade val="50000"/>
-            </a:schemeClr>
-          </a:lnRef>
-          <a:fillRef idx="1">
-            <a:schemeClr val="accent1"/>
-          </a:fillRef>
-          <a:effectRef idx="0">
-            <a:schemeClr val="accent1"/>
-          </a:effectRef>
-          <a:fontRef idx="minor">
-            <a:schemeClr val="lt1"/>
-          </a:fontRef>
-        </p:style>
-        <p:txBody>
-          <a:bodyPr rtlCol="0" anchor="ctr"/>
-          <a:lstStyle/>
-          <a:p>
-            <a:pPr algn="ctr"/>
-            <a:endParaRPr lang="pl-PL"/>
-          </a:p>
-        </p:txBody>
-      </p:sp>
-      <p:sp>
-        <p:nvSpPr>
-          <p:cNvPr id="2" name="pole tekstowe 1">
-            <a:extLst>
-              <a:ext uri="{FF2B5EF4-FFF2-40B4-BE49-F238E27FC236}">
-                <a16:creationId xmlns:a16="http://schemas.microsoft.com/office/drawing/2014/main" id="{E414391F-ED1B-43C4-A716-F02D434BAE8E}"/>
-              </a:ext>
-            </a:extLst>
-          </p:cNvPr>
-          <p:cNvSpPr txBox="1"/>
-          <p:nvPr/>
-        </p:nvSpPr>
-        <p:spPr>
-          <a:xfrm>
-            <a:off x="702234" y="686086"/>
-            <a:ext cx="11098636" cy="5632311"/>
-          </a:xfrm>
-          <a:prstGeom prst="rect">
-            <a:avLst/>
-          </a:prstGeom>
-          <a:noFill/>
-        </p:spPr>
-        <p:txBody>
-          <a:bodyPr wrap="square" rtlCol="0">
+        </p:spPr>
+        <p:txBody>
+          <a:bodyPr wrap="square">
             <a:spAutoFit/>
           </a:bodyPr>
           <a:lstStyle/>
           <a:p>
             <a:r>
-              <a:rPr lang="pl-PL" sz="4000" dirty="0">
+              <a:rPr lang="pl-PL" sz="4000" dirty="0" err="1">
                 <a:solidFill>
                   <a:srgbClr val="0070C0"/>
                 </a:solidFill>
-                <a:latin typeface="Consolas" panose="020B0609020204030204" pitchFamily="49" charset="0"/>
-              </a:rPr>
-              <a:t>public</a:t>
-            </a:r>
-            <a:r>
-              <a:rPr lang="pl-PL" sz="4000" dirty="0">
-                <a:latin typeface="Consolas" panose="020B0609020204030204" pitchFamily="49" charset="0"/>
-              </a:rPr>
+              </a:rPr>
+              <a:t>class</a:t>
+            </a:r>
+            <a:r>
+              <a:rPr lang="pl-PL" sz="4000" dirty="0"/>
               <a:t> </a:t>
             </a:r>
             <a:r>
+              <a:rPr lang="pl-PL" sz="4000" dirty="0" err="1"/>
+              <a:t>Employee</a:t>
+            </a:r>
+            <a:endParaRPr lang="pl-PL" sz="4000" dirty="0"/>
+          </a:p>
+          <a:p>
+            <a:r>
+              <a:rPr lang="pl-PL" sz="4000" dirty="0"/>
+              <a:t>{</a:t>
+            </a:r>
+          </a:p>
+          <a:p>
+            <a:r>
+              <a:rPr lang="pl-PL" sz="4000" dirty="0"/>
+              <a:t>     </a:t>
+            </a:r>
+            <a:r>
               <a:rPr lang="pl-PL" sz="4000" dirty="0" err="1">
-                <a:latin typeface="Consolas" panose="020B0609020204030204" pitchFamily="49" charset="0"/>
-              </a:rPr>
+                <a:solidFill>
+                  <a:srgbClr val="0070C0"/>
+                </a:solidFill>
+              </a:rPr>
+              <a:t>static</a:t>
+            </a:r>
+            <a:r>
+              <a:rPr lang="pl-PL" sz="4000" dirty="0">
+                <a:solidFill>
+                  <a:srgbClr val="0070C0"/>
+                </a:solidFill>
+              </a:rPr>
+              <a:t> </a:t>
+            </a:r>
+            <a:r>
+              <a:rPr lang="pl-PL" sz="4000" dirty="0" err="1">
+                <a:solidFill>
+                  <a:srgbClr val="0070C0"/>
+                </a:solidFill>
+              </a:rPr>
+              <a:t>readonly</a:t>
+            </a:r>
+            <a:r>
+              <a:rPr lang="pl-PL" sz="4000" dirty="0">
+                <a:solidFill>
+                  <a:srgbClr val="0070C0"/>
+                </a:solidFill>
+              </a:rPr>
+              <a:t> </a:t>
+            </a:r>
+            <a:r>
+              <a:rPr lang="pl-PL" sz="4000" dirty="0" err="1"/>
               <a:t>Employee</a:t>
             </a:r>
             <a:r>
-              <a:rPr lang="pl-PL" sz="4000" dirty="0">
-                <a:latin typeface="Consolas" panose="020B0609020204030204" pitchFamily="49" charset="0"/>
-              </a:rPr>
+              <a:rPr lang="pl-PL" sz="4000" dirty="0"/>
               <a:t> </a:t>
             </a:r>
             <a:r>
+              <a:rPr lang="pl-PL" sz="4000" dirty="0" err="1"/>
+              <a:t>Null</a:t>
+            </a:r>
+            <a:r>
+              <a:rPr lang="pl-PL" sz="4000" dirty="0"/>
+              <a:t> = </a:t>
+            </a:r>
+            <a:r>
               <a:rPr lang="pl-PL" sz="4000" dirty="0" err="1">
-                <a:latin typeface="Consolas" panose="020B0609020204030204" pitchFamily="49" charset="0"/>
-              </a:rPr>
-              <a:t>getByName</a:t>
-            </a:r>
-            <a:r>
-              <a:rPr lang="pl-PL" sz="4000" dirty="0">
-                <a:latin typeface="Consolas" panose="020B0609020204030204" pitchFamily="49" charset="0"/>
-              </a:rPr>
-              <a:t>(</a:t>
-            </a:r>
-            <a:r>
-              <a:rPr lang="pl-PL" sz="4000" dirty="0">
                 <a:solidFill>
                   <a:srgbClr val="0070C0"/>
                 </a:solidFill>
-                <a:latin typeface="Consolas" panose="020B0609020204030204" pitchFamily="49" charset="0"/>
-              </a:rPr>
-              <a:t>String</a:t>
-            </a:r>
-            <a:r>
-              <a:rPr lang="pl-PL" sz="4000" dirty="0">
-                <a:latin typeface="Consolas" panose="020B0609020204030204" pitchFamily="49" charset="0"/>
-              </a:rPr>
+              </a:rPr>
+              <a:t>new</a:t>
+            </a:r>
+            <a:r>
+              <a:rPr lang="pl-PL" sz="4000" dirty="0"/>
               <a:t> </a:t>
             </a:r>
             <a:r>
+              <a:rPr lang="pl-PL" sz="4000" dirty="0" err="1"/>
+              <a:t>NullEmployee</a:t>
+            </a:r>
+            <a:r>
+              <a:rPr lang="pl-PL" sz="4000" dirty="0"/>
+              <a:t>();</a:t>
+            </a:r>
+          </a:p>
+          <a:p>
+            <a:r>
+              <a:rPr lang="pl-PL" sz="4000" dirty="0"/>
+              <a:t>     </a:t>
+            </a:r>
+            <a:r>
               <a:rPr lang="pl-PL" sz="4000" dirty="0" err="1">
-                <a:latin typeface="Consolas" panose="020B0609020204030204" pitchFamily="49" charset="0"/>
-              </a:rPr>
-              <a:t>name</a:t>
-            </a:r>
-            <a:r>
-              <a:rPr lang="pl-PL" sz="4000" dirty="0">
-                <a:latin typeface="Consolas" panose="020B0609020204030204" pitchFamily="49" charset="0"/>
-              </a:rPr>
-              <a:t>)</a:t>
-            </a:r>
-          </a:p>
-          <a:p>
-            <a:r>
-              <a:rPr lang="pl-PL" sz="4000" dirty="0">
-                <a:latin typeface="Consolas" panose="020B0609020204030204" pitchFamily="49" charset="0"/>
-              </a:rPr>
-              <a:t>{</a:t>
-            </a:r>
-          </a:p>
-          <a:p>
-            <a:r>
-              <a:rPr lang="pl-PL" sz="4000" dirty="0">
-                <a:latin typeface="Consolas" panose="020B0609020204030204" pitchFamily="49" charset="0"/>
-              </a:rPr>
-              <a:t>	</a:t>
+                <a:solidFill>
+                  <a:srgbClr val="0070C0"/>
+                </a:solidFill>
+              </a:rPr>
+              <a:t>private</a:t>
+            </a:r>
+            <a:r>
+              <a:rPr lang="pl-PL" sz="4000" dirty="0">
+                <a:solidFill>
+                  <a:srgbClr val="0070C0"/>
+                </a:solidFill>
+              </a:rPr>
+              <a:t> </a:t>
             </a:r>
             <a:r>
               <a:rPr lang="pl-PL" sz="4000" dirty="0" err="1">
-                <a:latin typeface="Consolas" panose="020B0609020204030204" pitchFamily="49" charset="0"/>
-              </a:rPr>
+                <a:solidFill>
+                  <a:srgbClr val="0070C0"/>
+                </a:solidFill>
+              </a:rPr>
+              <a:t>class</a:t>
+            </a:r>
+            <a:r>
+              <a:rPr lang="pl-PL" sz="4000" dirty="0">
+                <a:solidFill>
+                  <a:srgbClr val="0070C0"/>
+                </a:solidFill>
+              </a:rPr>
+              <a:t> </a:t>
+            </a:r>
+            <a:r>
+              <a:rPr lang="pl-PL" sz="4000" dirty="0" err="1"/>
+              <a:t>NullEmployee</a:t>
+            </a:r>
+            <a:r>
+              <a:rPr lang="pl-PL" sz="4000" dirty="0"/>
+              <a:t> : </a:t>
+            </a:r>
+            <a:r>
+              <a:rPr lang="pl-PL" sz="4000" dirty="0" err="1"/>
               <a:t>Employee</a:t>
             </a:r>
-            <a:r>
-              <a:rPr lang="pl-PL" sz="4000" dirty="0">
-                <a:latin typeface="Consolas" panose="020B0609020204030204" pitchFamily="49" charset="0"/>
-              </a:rPr>
-              <a:t> e = </a:t>
+            <a:endParaRPr lang="pl-PL" sz="4000" dirty="0"/>
+          </a:p>
+          <a:p>
+            <a:r>
+              <a:rPr lang="pl-PL" sz="4000" dirty="0"/>
+              <a:t>     {</a:t>
+            </a:r>
+          </a:p>
+          <a:p>
+            <a:r>
+              <a:rPr lang="pl-PL" sz="4000" dirty="0"/>
+              <a:t>		</a:t>
+            </a:r>
+            <a:r>
+              <a:rPr lang="pl-PL" sz="4000" dirty="0">
+                <a:solidFill>
+                  <a:srgbClr val="0070C0"/>
+                </a:solidFill>
+              </a:rPr>
+              <a:t>public </a:t>
             </a:r>
             <a:r>
               <a:rPr lang="pl-PL" sz="4000" dirty="0" err="1">
-                <a:latin typeface="Consolas" panose="020B0609020204030204" pitchFamily="49" charset="0"/>
-              </a:rPr>
-              <a:t>employees.get</a:t>
-            </a:r>
-            <a:r>
-              <a:rPr lang="pl-PL" sz="4000" dirty="0">
-                <a:latin typeface="Consolas" panose="020B0609020204030204" pitchFamily="49" charset="0"/>
-              </a:rPr>
-              <a:t>(</a:t>
+                <a:solidFill>
+                  <a:srgbClr val="0070C0"/>
+                </a:solidFill>
+              </a:rPr>
+              <a:t>override</a:t>
+            </a:r>
+            <a:r>
+              <a:rPr lang="pl-PL" sz="4000" dirty="0">
+                <a:solidFill>
+                  <a:srgbClr val="0070C0"/>
+                </a:solidFill>
+              </a:rPr>
+              <a:t> </a:t>
             </a:r>
             <a:r>
               <a:rPr lang="pl-PL" sz="4000" dirty="0" err="1">
-                <a:latin typeface="Consolas" panose="020B0609020204030204" pitchFamily="49" charset="0"/>
-              </a:rPr>
-              <a:t>name</a:t>
-            </a:r>
-            <a:r>
-              <a:rPr lang="pl-PL" sz="4000" dirty="0">
-                <a:latin typeface="Consolas" panose="020B0609020204030204" pitchFamily="49" charset="0"/>
-              </a:rPr>
-              <a:t>);</a:t>
-            </a:r>
-          </a:p>
-          <a:p>
-            <a:r>
-              <a:rPr lang="pl-PL" sz="4000" dirty="0">
-                <a:latin typeface="Consolas" panose="020B0609020204030204" pitchFamily="49" charset="0"/>
-              </a:rPr>
-              <a:t>	</a:t>
+                <a:solidFill>
+                  <a:srgbClr val="0070C0"/>
+                </a:solidFill>
+              </a:rPr>
+              <a:t>void</a:t>
+            </a:r>
+            <a:r>
+              <a:rPr lang="pl-PL" sz="4000" dirty="0">
+                <a:solidFill>
+                  <a:srgbClr val="0070C0"/>
+                </a:solidFill>
+              </a:rPr>
+              <a:t> </a:t>
+            </a:r>
+            <a:r>
+              <a:rPr lang="pl-PL" sz="4000" dirty="0" err="1"/>
+              <a:t>SomeMethod</a:t>
+            </a:r>
+            <a:r>
+              <a:rPr lang="pl-PL" sz="4000" dirty="0"/>
+              <a:t>()</a:t>
+            </a:r>
+          </a:p>
+          <a:p>
+            <a:r>
+              <a:rPr lang="pl-PL" sz="4000" dirty="0"/>
+              <a:t>		{</a:t>
+            </a:r>
+          </a:p>
+          <a:p>
+            <a:r>
+              <a:rPr lang="pl-PL" sz="4000" dirty="0"/>
+              <a:t>			</a:t>
+            </a:r>
+            <a:r>
+              <a:rPr lang="pl-PL" sz="4000" dirty="0">
+                <a:solidFill>
+                  <a:srgbClr val="00B050"/>
+                </a:solidFill>
+              </a:rPr>
+              <a:t>//</a:t>
             </a:r>
             <a:r>
               <a:rPr lang="pl-PL" sz="4000" dirty="0" err="1">
                 <a:solidFill>
-                  <a:srgbClr val="0070C0"/>
-                </a:solidFill>
-                <a:latin typeface="Consolas" panose="020B0609020204030204" pitchFamily="49" charset="0"/>
-              </a:rPr>
-              <a:t>if</a:t>
-            </a:r>
-            <a:r>
-              <a:rPr lang="pl-PL" sz="4000" dirty="0">
-                <a:latin typeface="Consolas" panose="020B0609020204030204" pitchFamily="49" charset="0"/>
-              </a:rPr>
-              <a:t>(e == </a:t>
+                  <a:srgbClr val="00B050"/>
+                </a:solidFill>
+              </a:rPr>
+              <a:t>purposfully</a:t>
+            </a:r>
+            <a:r>
+              <a:rPr lang="pl-PL" sz="4000" dirty="0">
+                <a:solidFill>
+                  <a:srgbClr val="00B050"/>
+                </a:solidFill>
+              </a:rPr>
+              <a:t> </a:t>
             </a:r>
             <a:r>
               <a:rPr lang="pl-PL" sz="4000" dirty="0" err="1">
-                <a:latin typeface="Consolas" panose="020B0609020204030204" pitchFamily="49" charset="0"/>
-              </a:rPr>
-              <a:t>null</a:t>
-            </a:r>
-            <a:r>
-              <a:rPr lang="pl-PL" sz="4000" dirty="0">
-                <a:latin typeface="Consolas" panose="020B0609020204030204" pitchFamily="49" charset="0"/>
-              </a:rPr>
-              <a:t>)</a:t>
-            </a:r>
-          </a:p>
-          <a:p>
-            <a:r>
-              <a:rPr lang="pl-PL" sz="4000" dirty="0">
-                <a:latin typeface="Consolas" panose="020B0609020204030204" pitchFamily="49" charset="0"/>
-              </a:rPr>
-              <a:t>	{</a:t>
-            </a:r>
-          </a:p>
-          <a:p>
-            <a:r>
-              <a:rPr lang="pl-PL" sz="4000" dirty="0">
-                <a:latin typeface="Consolas" panose="020B0609020204030204" pitchFamily="49" charset="0"/>
-              </a:rPr>
-              <a:t>		</a:t>
-            </a:r>
-            <a:r>
-              <a:rPr lang="pl-PL" sz="4000" dirty="0">
-                <a:solidFill>
-                  <a:srgbClr val="0070C0"/>
-                </a:solidFill>
-                <a:latin typeface="Consolas" panose="020B0609020204030204" pitchFamily="49" charset="0"/>
-              </a:rPr>
-              <a:t>return</a:t>
-            </a:r>
-            <a:r>
-              <a:rPr lang="pl-PL" sz="4000" dirty="0">
-                <a:latin typeface="Consolas" panose="020B0609020204030204" pitchFamily="49" charset="0"/>
-              </a:rPr>
-              <a:t> </a:t>
+                <a:solidFill>
+                  <a:srgbClr val="00B050"/>
+                </a:solidFill>
+              </a:rPr>
+              <a:t>provides</a:t>
+            </a:r>
+            <a:r>
+              <a:rPr lang="pl-PL" sz="4000" dirty="0">
+                <a:solidFill>
+                  <a:srgbClr val="00B050"/>
+                </a:solidFill>
+              </a:rPr>
+              <a:t> no </a:t>
             </a:r>
             <a:r>
               <a:rPr lang="pl-PL" sz="4000" dirty="0" err="1">
-                <a:latin typeface="Consolas" panose="020B0609020204030204" pitchFamily="49" charset="0"/>
-              </a:rPr>
-              <a:t>new</a:t>
-            </a:r>
-            <a:r>
-              <a:rPr lang="pl-PL" sz="4000" dirty="0">
-                <a:latin typeface="Consolas" panose="020B0609020204030204" pitchFamily="49" charset="0"/>
-              </a:rPr>
-              <a:t> </a:t>
-            </a:r>
-            <a:r>
-              <a:rPr lang="pl-PL" sz="4000" dirty="0" err="1">
-                <a:latin typeface="Consolas" panose="020B0609020204030204" pitchFamily="49" charset="0"/>
-              </a:rPr>
-              <a:t>None</a:t>
-            </a:r>
-            <a:r>
-              <a:rPr lang="pl-PL" sz="4000" dirty="0">
-                <a:latin typeface="Consolas" panose="020B0609020204030204" pitchFamily="49" charset="0"/>
-              </a:rPr>
-              <a:t>&lt;</a:t>
-            </a:r>
-            <a:r>
-              <a:rPr lang="pl-PL" sz="4000" dirty="0" err="1">
-                <a:latin typeface="Consolas" panose="020B0609020204030204" pitchFamily="49" charset="0"/>
-              </a:rPr>
-              <a:t>Employee</a:t>
-            </a:r>
-            <a:r>
-              <a:rPr lang="pl-PL" sz="4000" dirty="0">
-                <a:latin typeface="Consolas" panose="020B0609020204030204" pitchFamily="49" charset="0"/>
-              </a:rPr>
-              <a:t>&gt;();	    </a:t>
-            </a:r>
-          </a:p>
-          <a:p>
-            <a:r>
-              <a:rPr lang="pl-PL" sz="4000" dirty="0">
-                <a:latin typeface="Consolas" panose="020B0609020204030204" pitchFamily="49" charset="0"/>
-              </a:rPr>
-              <a:t>	} </a:t>
-            </a:r>
-          </a:p>
-          <a:p>
-            <a:r>
-              <a:rPr lang="pl-PL" sz="4000" dirty="0">
-                <a:latin typeface="Consolas" panose="020B0609020204030204" pitchFamily="49" charset="0"/>
-              </a:rPr>
-              <a:t>	</a:t>
-            </a:r>
-            <a:r>
-              <a:rPr lang="pl-PL" sz="4000" dirty="0">
-                <a:solidFill>
-                  <a:srgbClr val="0070C0"/>
-                </a:solidFill>
-                <a:latin typeface="Consolas" panose="020B0609020204030204" pitchFamily="49" charset="0"/>
-              </a:rPr>
-              <a:t>return</a:t>
-            </a:r>
-            <a:r>
-              <a:rPr lang="pl-PL" sz="4000" dirty="0">
-                <a:latin typeface="Consolas" panose="020B0609020204030204" pitchFamily="49" charset="0"/>
-              </a:rPr>
-              <a:t> </a:t>
-            </a:r>
-            <a:r>
-              <a:rPr lang="pl-PL" sz="4000" dirty="0" err="1">
-                <a:latin typeface="Consolas" panose="020B0609020204030204" pitchFamily="49" charset="0"/>
-              </a:rPr>
-              <a:t>new</a:t>
-            </a:r>
-            <a:r>
-              <a:rPr lang="pl-PL" sz="4000" dirty="0">
-                <a:latin typeface="Consolas" panose="020B0609020204030204" pitchFamily="49" charset="0"/>
-              </a:rPr>
-              <a:t> </a:t>
-            </a:r>
-            <a:r>
-              <a:rPr lang="pl-PL" sz="4000" dirty="0" err="1">
-                <a:latin typeface="Consolas" panose="020B0609020204030204" pitchFamily="49" charset="0"/>
-              </a:rPr>
-              <a:t>Some</a:t>
-            </a:r>
-            <a:r>
-              <a:rPr lang="pl-PL" sz="4000" dirty="0">
-                <a:latin typeface="Consolas" panose="020B0609020204030204" pitchFamily="49" charset="0"/>
-              </a:rPr>
-              <a:t>&lt;</a:t>
-            </a:r>
-            <a:r>
-              <a:rPr lang="pl-PL" sz="4000" dirty="0" err="1">
-                <a:latin typeface="Consolas" panose="020B0609020204030204" pitchFamily="49" charset="0"/>
-              </a:rPr>
-              <a:t>Employee</a:t>
-            </a:r>
-            <a:r>
-              <a:rPr lang="pl-PL" sz="4000" dirty="0">
-                <a:latin typeface="Consolas" panose="020B0609020204030204" pitchFamily="49" charset="0"/>
-              </a:rPr>
-              <a:t>&gt;(e);	</a:t>
-            </a:r>
-          </a:p>
-          <a:p>
-            <a:r>
-              <a:rPr lang="pl-PL" sz="4000" dirty="0">
-                <a:latin typeface="Consolas" panose="020B0609020204030204" pitchFamily="49" charset="0"/>
-              </a:rPr>
+                <a:solidFill>
+                  <a:srgbClr val="00B050"/>
+                </a:solidFill>
+              </a:rPr>
+              <a:t>behavior</a:t>
+            </a:r>
+            <a:endParaRPr lang="pl-PL" sz="4000" dirty="0">
+              <a:solidFill>
+                <a:srgbClr val="00B050"/>
+              </a:solidFill>
+            </a:endParaRPr>
+          </a:p>
+          <a:p>
+            <a:r>
+              <a:rPr lang="pl-PL" sz="4000" dirty="0"/>
+              <a:t>		}</a:t>
+            </a:r>
+          </a:p>
+          <a:p>
+            <a:r>
+              <a:rPr lang="pl-PL" sz="4000" dirty="0"/>
+              <a:t>     }</a:t>
+            </a:r>
+          </a:p>
+          <a:p>
+            <a:r>
+              <a:rPr lang="pl-PL" sz="4000" dirty="0"/>
               <a:t>}</a:t>
             </a:r>
           </a:p>
@@ -13134,7 +12604,7 @@
     </p:spTree>
     <p:extLst>
       <p:ext uri="{BB962C8B-B14F-4D97-AF65-F5344CB8AC3E}">
-        <p14:creationId xmlns:p14="http://schemas.microsoft.com/office/powerpoint/2010/main" val="1858489845"/>
+        <p14:creationId xmlns:p14="http://schemas.microsoft.com/office/powerpoint/2010/main" val="2281021966"/>
       </p:ext>
     </p:extLst>
   </p:cSld>
@@ -13226,10 +12696,62 @@
       </p:grpSpPr>
       <p:sp>
         <p:nvSpPr>
+          <p:cNvPr id="3" name="Prostokąt 2">
+            <a:extLst>
+              <a:ext uri="{FF2B5EF4-FFF2-40B4-BE49-F238E27FC236}">
+                <a16:creationId xmlns:a16="http://schemas.microsoft.com/office/drawing/2014/main" id="{889D5B25-9098-4337-95E6-2EDF7BA9DE75}"/>
+              </a:ext>
+            </a:extLst>
+          </p:cNvPr>
+          <p:cNvSpPr/>
+          <p:nvPr/>
+        </p:nvSpPr>
+        <p:spPr>
+          <a:xfrm>
+            <a:off x="2583402" y="3506680"/>
+            <a:ext cx="6001305" cy="559293"/>
+          </a:xfrm>
+          <a:prstGeom prst="rect">
+            <a:avLst/>
+          </a:prstGeom>
+          <a:solidFill>
+            <a:srgbClr val="FFFF00"/>
+          </a:solidFill>
+          <a:ln>
+            <a:noFill/>
+          </a:ln>
+        </p:spPr>
+        <p:style>
+          <a:lnRef idx="2">
+            <a:schemeClr val="accent1">
+              <a:shade val="50000"/>
+            </a:schemeClr>
+          </a:lnRef>
+          <a:fillRef idx="1">
+            <a:schemeClr val="accent1"/>
+          </a:fillRef>
+          <a:effectRef idx="0">
+            <a:schemeClr val="accent1"/>
+          </a:effectRef>
+          <a:fontRef idx="minor">
+            <a:schemeClr val="lt1"/>
+          </a:fontRef>
+        </p:style>
+        <p:txBody>
+          <a:bodyPr rtlCol="0" anchor="ctr"/>
+          <a:lstStyle/>
+          <a:p>
+            <a:pPr algn="ctr"/>
+            <a:endParaRPr lang="pl-PL"/>
+          </a:p>
+        </p:txBody>
+      </p:sp>
+      <p:sp>
+        <p:nvSpPr>
           <p:cNvPr id="2" name="pole tekstowe 1">
             <a:extLst>
               <a:ext uri="{FF2B5EF4-FFF2-40B4-BE49-F238E27FC236}">
-                <a16:creationId xmlns:a16="http://schemas.microsoft.com/office/drawing/2014/main" id="{365AB94B-8F43-4449-AF38-AADE058EC648}"/>
+                <a16:creationId xmlns:a16="http://schemas.microsoft.com/office/drawing/2014/main" id="{E414391F-ED1B-43C4-A716-F02D434BAE8E}"/>
               </a:ext>
             </a:extLst>
           </p:cNvPr>
@@ -13238,8 +12760,8 @@
         </p:nvSpPr>
         <p:spPr>
           <a:xfrm>
-            <a:off x="266329" y="1951418"/>
-            <a:ext cx="11691892" cy="2400657"/>
+            <a:off x="746621" y="344576"/>
+            <a:ext cx="11098636" cy="5632311"/>
           </a:xfrm>
           <a:prstGeom prst="rect">
             <a:avLst/>
@@ -13252,28 +12774,240 @@
           </a:bodyPr>
           <a:lstStyle/>
           <a:p>
-            <a:pPr algn="ctr"/>
-            <a:r>
-              <a:rPr lang="pl-PL" sz="15000" dirty="0">
-                <a:latin typeface="Consolas" panose="020B0609020204030204" pitchFamily="49" charset="0"/>
-                <a:cs typeface="Consolas" panose="020B0609020204030204" pitchFamily="49" charset="0"/>
+            <a:r>
+              <a:rPr lang="pl-PL" sz="4000" dirty="0">
+                <a:solidFill>
+                  <a:srgbClr val="0070C0"/>
+                </a:solidFill>
+                <a:latin typeface="Consolas" panose="020B0609020204030204" pitchFamily="49" charset="0"/>
+              </a:rPr>
+              <a:t>public</a:t>
+            </a:r>
+            <a:r>
+              <a:rPr lang="pl-PL" sz="4000" dirty="0">
+                <a:latin typeface="Consolas" panose="020B0609020204030204" pitchFamily="49" charset="0"/>
+              </a:rPr>
+              <a:t> </a:t>
+            </a:r>
+            <a:r>
+              <a:rPr lang="pl-PL" sz="4000" dirty="0" err="1">
+                <a:latin typeface="Consolas" panose="020B0609020204030204" pitchFamily="49" charset="0"/>
+              </a:rPr>
+              <a:t>Employee</a:t>
+            </a:r>
+            <a:r>
+              <a:rPr lang="pl-PL" sz="4000" dirty="0">
+                <a:latin typeface="Consolas" panose="020B0609020204030204" pitchFamily="49" charset="0"/>
+              </a:rPr>
+              <a:t> </a:t>
+            </a:r>
+            <a:r>
+              <a:rPr lang="pl-PL" sz="4000" dirty="0" err="1">
+                <a:latin typeface="Consolas" panose="020B0609020204030204" pitchFamily="49" charset="0"/>
+              </a:rPr>
+              <a:t>getByName</a:t>
+            </a:r>
+            <a:r>
+              <a:rPr lang="pl-PL" sz="4000" dirty="0">
+                <a:latin typeface="Consolas" panose="020B0609020204030204" pitchFamily="49" charset="0"/>
               </a:rPr>
               <a:t>(</a:t>
             </a:r>
             <a:r>
-              <a:rPr lang="pl-PL" sz="15000" b="1" dirty="0">
-                <a:latin typeface="Consolas" panose="020B0609020204030204" pitchFamily="49" charset="0"/>
-                <a:cs typeface="Consolas" panose="020B0609020204030204" pitchFamily="49" charset="0"/>
-                <a:sym typeface="Symbol" panose="05050102010706020507" pitchFamily="18" charset="2"/>
-              </a:rPr>
-              <a:t></a:t>
-            </a:r>
-            <a:r>
-              <a:rPr lang="pl-PL" sz="15000" dirty="0">
-                <a:latin typeface="Consolas" panose="020B0609020204030204" pitchFamily="49" charset="0"/>
-                <a:cs typeface="Consolas" panose="020B0609020204030204" pitchFamily="49" charset="0"/>
+              <a:rPr lang="pl-PL" sz="4000" dirty="0">
+                <a:solidFill>
+                  <a:srgbClr val="0070C0"/>
+                </a:solidFill>
+                <a:latin typeface="Consolas" panose="020B0609020204030204" pitchFamily="49" charset="0"/>
+              </a:rPr>
+              <a:t>String</a:t>
+            </a:r>
+            <a:r>
+              <a:rPr lang="pl-PL" sz="4000" dirty="0">
+                <a:latin typeface="Consolas" panose="020B0609020204030204" pitchFamily="49" charset="0"/>
+              </a:rPr>
+              <a:t> </a:t>
+            </a:r>
+            <a:r>
+              <a:rPr lang="pl-PL" sz="4000" dirty="0" err="1">
+                <a:latin typeface="Consolas" panose="020B0609020204030204" pitchFamily="49" charset="0"/>
+              </a:rPr>
+              <a:t>name</a:t>
+            </a:r>
+            <a:r>
+              <a:rPr lang="pl-PL" sz="4000" dirty="0">
+                <a:latin typeface="Consolas" panose="020B0609020204030204" pitchFamily="49" charset="0"/>
               </a:rPr>
               <a:t>)</a:t>
+            </a:r>
+          </a:p>
+          <a:p>
+            <a:r>
+              <a:rPr lang="pl-PL" sz="4000" dirty="0">
+                <a:latin typeface="Consolas" panose="020B0609020204030204" pitchFamily="49" charset="0"/>
+              </a:rPr>
+              <a:t>{</a:t>
+            </a:r>
+          </a:p>
+          <a:p>
+            <a:r>
+              <a:rPr lang="pl-PL" sz="4000" dirty="0">
+                <a:latin typeface="Consolas" panose="020B0609020204030204" pitchFamily="49" charset="0"/>
+              </a:rPr>
+              <a:t>	</a:t>
+            </a:r>
+            <a:r>
+              <a:rPr lang="pl-PL" sz="4000" dirty="0" err="1">
+                <a:latin typeface="Consolas" panose="020B0609020204030204" pitchFamily="49" charset="0"/>
+              </a:rPr>
+              <a:t>Employee</a:t>
+            </a:r>
+            <a:r>
+              <a:rPr lang="pl-PL" sz="4000" dirty="0">
+                <a:latin typeface="Consolas" panose="020B0609020204030204" pitchFamily="49" charset="0"/>
+              </a:rPr>
+              <a:t> e = </a:t>
+            </a:r>
+            <a:r>
+              <a:rPr lang="pl-PL" sz="4000" dirty="0" err="1">
+                <a:latin typeface="Consolas" panose="020B0609020204030204" pitchFamily="49" charset="0"/>
+              </a:rPr>
+              <a:t>employees.get</a:t>
+            </a:r>
+            <a:r>
+              <a:rPr lang="pl-PL" sz="4000" dirty="0">
+                <a:latin typeface="Consolas" panose="020B0609020204030204" pitchFamily="49" charset="0"/>
+              </a:rPr>
+              <a:t>(</a:t>
+            </a:r>
+            <a:r>
+              <a:rPr lang="pl-PL" sz="4000" dirty="0" err="1">
+                <a:latin typeface="Consolas" panose="020B0609020204030204" pitchFamily="49" charset="0"/>
+              </a:rPr>
+              <a:t>name</a:t>
+            </a:r>
+            <a:r>
+              <a:rPr lang="pl-PL" sz="4000" dirty="0">
+                <a:latin typeface="Consolas" panose="020B0609020204030204" pitchFamily="49" charset="0"/>
+              </a:rPr>
+              <a:t>);</a:t>
+            </a:r>
+          </a:p>
+          <a:p>
+            <a:r>
+              <a:rPr lang="pl-PL" sz="4000" dirty="0">
+                <a:latin typeface="Consolas" panose="020B0609020204030204" pitchFamily="49" charset="0"/>
+              </a:rPr>
+              <a:t>	</a:t>
+            </a:r>
+            <a:r>
+              <a:rPr lang="pl-PL" sz="4000" dirty="0" err="1">
+                <a:solidFill>
+                  <a:srgbClr val="0070C0"/>
+                </a:solidFill>
+                <a:latin typeface="Consolas" panose="020B0609020204030204" pitchFamily="49" charset="0"/>
+              </a:rPr>
+              <a:t>if</a:t>
+            </a:r>
+            <a:r>
+              <a:rPr lang="pl-PL" sz="4000" dirty="0">
+                <a:latin typeface="Consolas" panose="020B0609020204030204" pitchFamily="49" charset="0"/>
+              </a:rPr>
+              <a:t>(e == </a:t>
+            </a:r>
+            <a:r>
+              <a:rPr lang="pl-PL" sz="4000" dirty="0" err="1">
+                <a:latin typeface="Consolas" panose="020B0609020204030204" pitchFamily="49" charset="0"/>
+              </a:rPr>
+              <a:t>null</a:t>
+            </a:r>
+            <a:r>
+              <a:rPr lang="pl-PL" sz="4000" dirty="0">
+                <a:latin typeface="Consolas" panose="020B0609020204030204" pitchFamily="49" charset="0"/>
+              </a:rPr>
+              <a:t>)</a:t>
+            </a:r>
+          </a:p>
+          <a:p>
+            <a:r>
+              <a:rPr lang="pl-PL" sz="4000" dirty="0">
+                <a:latin typeface="Consolas" panose="020B0609020204030204" pitchFamily="49" charset="0"/>
+              </a:rPr>
+              <a:t>	{</a:t>
+            </a:r>
+          </a:p>
+          <a:p>
+            <a:r>
+              <a:rPr lang="pl-PL" sz="4000" dirty="0">
+                <a:latin typeface="Consolas" panose="020B0609020204030204" pitchFamily="49" charset="0"/>
+              </a:rPr>
+              <a:t>		</a:t>
+            </a:r>
+            <a:r>
+              <a:rPr lang="pl-PL" sz="4000" dirty="0">
+                <a:solidFill>
+                  <a:srgbClr val="0070C0"/>
+                </a:solidFill>
+                <a:latin typeface="Consolas" panose="020B0609020204030204" pitchFamily="49" charset="0"/>
+              </a:rPr>
+              <a:t>return</a:t>
+            </a:r>
+            <a:r>
+              <a:rPr lang="pl-PL" sz="4000" dirty="0">
+                <a:latin typeface="Consolas" panose="020B0609020204030204" pitchFamily="49" charset="0"/>
+              </a:rPr>
+              <a:t> </a:t>
+            </a:r>
+            <a:r>
+              <a:rPr lang="pl-PL" sz="4000" dirty="0" err="1">
+                <a:latin typeface="Consolas" panose="020B0609020204030204" pitchFamily="49" charset="0"/>
+              </a:rPr>
+              <a:t>Employee.Null</a:t>
+            </a:r>
+            <a:r>
+              <a:rPr lang="pl-PL" sz="4000" dirty="0">
+                <a:latin typeface="Consolas" panose="020B0609020204030204" pitchFamily="49" charset="0"/>
+              </a:rPr>
+              <a:t>;	    </a:t>
+            </a:r>
+          </a:p>
+          <a:p>
+            <a:r>
+              <a:rPr lang="pl-PL" sz="4000" dirty="0">
+                <a:latin typeface="Consolas" panose="020B0609020204030204" pitchFamily="49" charset="0"/>
+              </a:rPr>
+              <a:t>	} </a:t>
+            </a:r>
+          </a:p>
+          <a:p>
+            <a:r>
+              <a:rPr lang="pl-PL" sz="4000" dirty="0">
+                <a:latin typeface="Consolas" panose="020B0609020204030204" pitchFamily="49" charset="0"/>
+              </a:rPr>
+              <a:t>	</a:t>
+            </a:r>
+            <a:r>
+              <a:rPr lang="pl-PL" sz="4000" dirty="0">
+                <a:solidFill>
+                  <a:srgbClr val="0070C0"/>
+                </a:solidFill>
+                <a:latin typeface="Consolas" panose="020B0609020204030204" pitchFamily="49" charset="0"/>
+              </a:rPr>
+              <a:t>return</a:t>
+            </a:r>
+            <a:r>
+              <a:rPr lang="pl-PL" sz="4000" dirty="0">
+                <a:latin typeface="Consolas" panose="020B0609020204030204" pitchFamily="49" charset="0"/>
+              </a:rPr>
+              <a:t> e;	</a:t>
+            </a:r>
+          </a:p>
+          <a:p>
+            <a:r>
+              <a:rPr lang="pl-PL" sz="4000" dirty="0">
+                <a:latin typeface="Consolas" panose="020B0609020204030204" pitchFamily="49" charset="0"/>
+              </a:rPr>
+              <a:t>}</a:t>
             </a:r>
           </a:p>
         </p:txBody>
@@ -13281,7 +13015,7 @@
     </p:spTree>
     <p:extLst>
       <p:ext uri="{BB962C8B-B14F-4D97-AF65-F5344CB8AC3E}">
-        <p14:creationId xmlns:p14="http://schemas.microsoft.com/office/powerpoint/2010/main" val="1262203488"/>
+        <p14:creationId xmlns:p14="http://schemas.microsoft.com/office/powerpoint/2010/main" val="3143419974"/>
       </p:ext>
     </p:extLst>
   </p:cSld>
@@ -13310,114 +13044,10 @@
       </p:grpSpPr>
       <p:sp>
         <p:nvSpPr>
-          <p:cNvPr id="5" name="Prostokąt 4">
-            <a:extLst>
-              <a:ext uri="{FF2B5EF4-FFF2-40B4-BE49-F238E27FC236}">
-                <a16:creationId xmlns:a16="http://schemas.microsoft.com/office/drawing/2014/main" id="{50DB7475-3AB0-4DF2-A1A5-A6C4269F9AA0}"/>
-              </a:ext>
-            </a:extLst>
-          </p:cNvPr>
-          <p:cNvSpPr/>
-          <p:nvPr/>
-        </p:nvSpPr>
-        <p:spPr>
-          <a:xfrm>
-            <a:off x="1716350" y="1015014"/>
-            <a:ext cx="3959441" cy="655468"/>
-          </a:xfrm>
-          <a:prstGeom prst="rect">
-            <a:avLst/>
-          </a:prstGeom>
-          <a:solidFill>
-            <a:srgbClr val="FFFF00"/>
-          </a:solidFill>
-          <a:ln>
-            <a:noFill/>
-          </a:ln>
-        </p:spPr>
-        <p:style>
-          <a:lnRef idx="2">
-            <a:schemeClr val="accent1">
-              <a:shade val="50000"/>
-            </a:schemeClr>
-          </a:lnRef>
-          <a:fillRef idx="1">
-            <a:schemeClr val="accent1"/>
-          </a:fillRef>
-          <a:effectRef idx="0">
-            <a:schemeClr val="accent1"/>
-          </a:effectRef>
-          <a:fontRef idx="minor">
-            <a:schemeClr val="lt1"/>
-          </a:fontRef>
-        </p:style>
-        <p:txBody>
-          <a:bodyPr rtlCol="0" anchor="ctr"/>
-          <a:lstStyle/>
-          <a:p>
-            <a:pPr algn="ctr"/>
-            <a:endParaRPr lang="pl-PL"/>
-          </a:p>
-        </p:txBody>
-      </p:sp>
-      <p:sp>
-        <p:nvSpPr>
-          <p:cNvPr id="4" name="Prostokąt 3">
-            <a:extLst>
-              <a:ext uri="{FF2B5EF4-FFF2-40B4-BE49-F238E27FC236}">
-                <a16:creationId xmlns:a16="http://schemas.microsoft.com/office/drawing/2014/main" id="{63D4C7C4-59C9-40E8-AA8B-F368DCB3DBB4}"/>
-              </a:ext>
-            </a:extLst>
-          </p:cNvPr>
-          <p:cNvSpPr/>
-          <p:nvPr/>
-        </p:nvSpPr>
-        <p:spPr>
-          <a:xfrm>
-            <a:off x="2274164" y="4049697"/>
-            <a:ext cx="3959441" cy="655468"/>
-          </a:xfrm>
-          <a:prstGeom prst="rect">
-            <a:avLst/>
-          </a:prstGeom>
-          <a:solidFill>
-            <a:srgbClr val="FFFF00"/>
-          </a:solidFill>
-          <a:ln>
-            <a:noFill/>
-          </a:ln>
-        </p:spPr>
-        <p:style>
-          <a:lnRef idx="2">
-            <a:schemeClr val="accent1">
-              <a:shade val="50000"/>
-            </a:schemeClr>
-          </a:lnRef>
-          <a:fillRef idx="1">
-            <a:schemeClr val="accent1"/>
-          </a:fillRef>
-          <a:effectRef idx="0">
-            <a:schemeClr val="accent1"/>
-          </a:effectRef>
-          <a:fontRef idx="minor">
-            <a:schemeClr val="lt1"/>
-          </a:fontRef>
-        </p:style>
-        <p:txBody>
-          <a:bodyPr rtlCol="0" anchor="ctr"/>
-          <a:lstStyle/>
-          <a:p>
-            <a:pPr algn="ctr"/>
-            <a:endParaRPr lang="pl-PL"/>
-          </a:p>
-        </p:txBody>
-      </p:sp>
-      <p:sp>
-        <p:nvSpPr>
           <p:cNvPr id="2" name="pole tekstowe 1">
             <a:extLst>
               <a:ext uri="{FF2B5EF4-FFF2-40B4-BE49-F238E27FC236}">
-                <a16:creationId xmlns:a16="http://schemas.microsoft.com/office/drawing/2014/main" id="{51A870B3-D539-49DF-9E43-1728C5427B07}"/>
+                <a16:creationId xmlns:a16="http://schemas.microsoft.com/office/drawing/2014/main" id="{AC5C471E-F1A8-4AFB-B413-86EE3EAC39AD}"/>
               </a:ext>
             </a:extLst>
           </p:cNvPr>
@@ -13426,8 +13056,8 @@
         </p:nvSpPr>
         <p:spPr>
           <a:xfrm>
-            <a:off x="746621" y="344576"/>
-            <a:ext cx="11098636" cy="6247864"/>
+            <a:off x="257452" y="2492957"/>
+            <a:ext cx="11691892" cy="1569660"/>
           </a:xfrm>
           <a:prstGeom prst="rect">
             <a:avLst/>
@@ -13440,268 +13070,25 @@
           </a:bodyPr>
           <a:lstStyle/>
           <a:p>
-            <a:r>
-              <a:rPr lang="pl-PL" sz="4000" dirty="0">
-                <a:solidFill>
-                  <a:srgbClr val="0070C0"/>
-                </a:solidFill>
-                <a:latin typeface="Consolas" panose="020B0609020204030204" pitchFamily="49" charset="0"/>
-              </a:rPr>
-              <a:t>public</a:t>
-            </a:r>
-            <a:r>
-              <a:rPr lang="pl-PL" sz="4000" dirty="0">
-                <a:latin typeface="Consolas" panose="020B0609020204030204" pitchFamily="49" charset="0"/>
-              </a:rPr>
-              <a:t> </a:t>
-            </a:r>
-            <a:r>
-              <a:rPr lang="pl-PL" sz="4000" dirty="0" err="1">
-                <a:latin typeface="Consolas" panose="020B0609020204030204" pitchFamily="49" charset="0"/>
-              </a:rPr>
-              <a:t>Employee</a:t>
-            </a:r>
-            <a:r>
-              <a:rPr lang="pl-PL" sz="4000" dirty="0">
-                <a:latin typeface="Consolas" panose="020B0609020204030204" pitchFamily="49" charset="0"/>
-              </a:rPr>
-              <a:t> </a:t>
-            </a:r>
-            <a:r>
-              <a:rPr lang="pl-PL" sz="4000" dirty="0" err="1">
-                <a:latin typeface="Consolas" panose="020B0609020204030204" pitchFamily="49" charset="0"/>
-              </a:rPr>
-              <a:t>getByName</a:t>
-            </a:r>
-            <a:r>
-              <a:rPr lang="pl-PL" sz="4000" dirty="0">
-                <a:latin typeface="Consolas" panose="020B0609020204030204" pitchFamily="49" charset="0"/>
-              </a:rPr>
-              <a:t>(</a:t>
-            </a:r>
-            <a:r>
-              <a:rPr lang="pl-PL" sz="4000" dirty="0">
-                <a:solidFill>
-                  <a:srgbClr val="0070C0"/>
-                </a:solidFill>
-                <a:latin typeface="Consolas" panose="020B0609020204030204" pitchFamily="49" charset="0"/>
-              </a:rPr>
-              <a:t>String</a:t>
-            </a:r>
-            <a:r>
-              <a:rPr lang="pl-PL" sz="4000" dirty="0">
-                <a:latin typeface="Consolas" panose="020B0609020204030204" pitchFamily="49" charset="0"/>
-              </a:rPr>
-              <a:t> </a:t>
-            </a:r>
-            <a:r>
-              <a:rPr lang="pl-PL" sz="4000" dirty="0" err="1">
-                <a:latin typeface="Consolas" panose="020B0609020204030204" pitchFamily="49" charset="0"/>
-              </a:rPr>
-              <a:t>name</a:t>
-            </a:r>
-            <a:r>
-              <a:rPr lang="pl-PL" sz="4000" dirty="0">
-                <a:latin typeface="Consolas" panose="020B0609020204030204" pitchFamily="49" charset="0"/>
-              </a:rPr>
-              <a:t>,</a:t>
-            </a:r>
-          </a:p>
-          <a:p>
-            <a:r>
-              <a:rPr lang="pl-PL" sz="4000" dirty="0">
-                <a:latin typeface="Consolas" panose="020B0609020204030204" pitchFamily="49" charset="0"/>
-              </a:rPr>
-              <a:t>	</a:t>
-            </a:r>
-            <a:r>
-              <a:rPr lang="pl-PL" sz="4000" dirty="0" err="1">
-                <a:solidFill>
-                  <a:srgbClr val="0070C0"/>
-                </a:solidFill>
-                <a:latin typeface="Consolas" panose="020B0609020204030204" pitchFamily="49" charset="0"/>
-              </a:rPr>
-              <a:t>Func</a:t>
-            </a:r>
-            <a:r>
-              <a:rPr lang="pl-PL" sz="4000" dirty="0">
-                <a:latin typeface="Consolas" panose="020B0609020204030204" pitchFamily="49" charset="0"/>
-              </a:rPr>
-              <a:t> </a:t>
-            </a:r>
-            <a:r>
-              <a:rPr lang="pl-PL" sz="4000" dirty="0" err="1">
-                <a:latin typeface="Consolas" panose="020B0609020204030204" pitchFamily="49" charset="0"/>
-              </a:rPr>
-              <a:t>errorFunc</a:t>
-            </a:r>
-            <a:r>
-              <a:rPr lang="pl-PL" sz="4000" dirty="0">
-                <a:latin typeface="Consolas" panose="020B0609020204030204" pitchFamily="49" charset="0"/>
-              </a:rPr>
-              <a:t>)</a:t>
-            </a:r>
-          </a:p>
-          <a:p>
-            <a:r>
-              <a:rPr lang="pl-PL" sz="4000" dirty="0">
-                <a:latin typeface="Consolas" panose="020B0609020204030204" pitchFamily="49" charset="0"/>
-              </a:rPr>
-              <a:t>{</a:t>
-            </a:r>
-          </a:p>
-          <a:p>
-            <a:r>
-              <a:rPr lang="pl-PL" sz="4000" dirty="0">
-                <a:latin typeface="Consolas" panose="020B0609020204030204" pitchFamily="49" charset="0"/>
-              </a:rPr>
-              <a:t>	</a:t>
-            </a:r>
-            <a:r>
-              <a:rPr lang="pl-PL" sz="4000" dirty="0" err="1">
-                <a:latin typeface="Consolas" panose="020B0609020204030204" pitchFamily="49" charset="0"/>
-              </a:rPr>
-              <a:t>Employee</a:t>
-            </a:r>
-            <a:r>
-              <a:rPr lang="pl-PL" sz="4000" dirty="0">
-                <a:latin typeface="Consolas" panose="020B0609020204030204" pitchFamily="49" charset="0"/>
-              </a:rPr>
-              <a:t> e = </a:t>
-            </a:r>
-            <a:r>
-              <a:rPr lang="pl-PL" sz="4000" dirty="0" err="1">
-                <a:latin typeface="Consolas" panose="020B0609020204030204" pitchFamily="49" charset="0"/>
-              </a:rPr>
-              <a:t>employees.get</a:t>
-            </a:r>
-            <a:r>
-              <a:rPr lang="pl-PL" sz="4000" dirty="0">
-                <a:latin typeface="Consolas" panose="020B0609020204030204" pitchFamily="49" charset="0"/>
-              </a:rPr>
-              <a:t>(</a:t>
-            </a:r>
-            <a:r>
-              <a:rPr lang="pl-PL" sz="4000" dirty="0" err="1">
-                <a:latin typeface="Consolas" panose="020B0609020204030204" pitchFamily="49" charset="0"/>
-              </a:rPr>
-              <a:t>name</a:t>
-            </a:r>
-            <a:r>
-              <a:rPr lang="pl-PL" sz="4000" dirty="0">
-                <a:latin typeface="Consolas" panose="020B0609020204030204" pitchFamily="49" charset="0"/>
-              </a:rPr>
-              <a:t>);</a:t>
-            </a:r>
-          </a:p>
-          <a:p>
-            <a:r>
-              <a:rPr lang="pl-PL" sz="4000" dirty="0">
-                <a:latin typeface="Consolas" panose="020B0609020204030204" pitchFamily="49" charset="0"/>
-              </a:rPr>
-              <a:t>	</a:t>
-            </a:r>
-            <a:r>
-              <a:rPr lang="pl-PL" sz="4000" dirty="0" err="1">
-                <a:solidFill>
-                  <a:srgbClr val="0070C0"/>
-                </a:solidFill>
-                <a:latin typeface="Consolas" panose="020B0609020204030204" pitchFamily="49" charset="0"/>
-              </a:rPr>
-              <a:t>if</a:t>
-            </a:r>
-            <a:r>
-              <a:rPr lang="pl-PL" sz="4000" dirty="0">
-                <a:latin typeface="Consolas" panose="020B0609020204030204" pitchFamily="49" charset="0"/>
-              </a:rPr>
-              <a:t>(e == </a:t>
-            </a:r>
-            <a:r>
-              <a:rPr lang="pl-PL" sz="4000" dirty="0" err="1">
-                <a:latin typeface="Consolas" panose="020B0609020204030204" pitchFamily="49" charset="0"/>
-              </a:rPr>
-              <a:t>null</a:t>
-            </a:r>
-            <a:r>
-              <a:rPr lang="pl-PL" sz="4000" dirty="0">
-                <a:latin typeface="Consolas" panose="020B0609020204030204" pitchFamily="49" charset="0"/>
-              </a:rPr>
-              <a:t>)</a:t>
-            </a:r>
-          </a:p>
-          <a:p>
-            <a:r>
-              <a:rPr lang="pl-PL" sz="4000" dirty="0">
-                <a:latin typeface="Consolas" panose="020B0609020204030204" pitchFamily="49" charset="0"/>
-              </a:rPr>
-              <a:t>	{</a:t>
-            </a:r>
-          </a:p>
-          <a:p>
-            <a:r>
-              <a:rPr lang="pl-PL" sz="4000" dirty="0">
-                <a:latin typeface="Consolas" panose="020B0609020204030204" pitchFamily="49" charset="0"/>
-              </a:rPr>
-              <a:t>		</a:t>
-            </a:r>
-            <a:r>
-              <a:rPr lang="pl-PL" sz="4000" dirty="0" err="1">
-                <a:latin typeface="Consolas" panose="020B0609020204030204" pitchFamily="49" charset="0"/>
-              </a:rPr>
-              <a:t>errorFunc</a:t>
-            </a:r>
-            <a:r>
-              <a:rPr lang="pl-PL" sz="4000" dirty="0">
-                <a:latin typeface="Consolas" panose="020B0609020204030204" pitchFamily="49" charset="0"/>
-              </a:rPr>
-              <a:t>();	    </a:t>
-            </a:r>
-          </a:p>
-          <a:p>
-            <a:r>
-              <a:rPr lang="pl-PL" sz="4000" dirty="0">
-                <a:latin typeface="Consolas" panose="020B0609020204030204" pitchFamily="49" charset="0"/>
-              </a:rPr>
-              <a:t>	} </a:t>
-            </a:r>
-          </a:p>
-          <a:p>
-            <a:r>
-              <a:rPr lang="pl-PL" sz="4000" dirty="0">
-                <a:latin typeface="Consolas" panose="020B0609020204030204" pitchFamily="49" charset="0"/>
-              </a:rPr>
-              <a:t>	</a:t>
-            </a:r>
-            <a:r>
-              <a:rPr lang="pl-PL" sz="4000" dirty="0">
-                <a:solidFill>
-                  <a:srgbClr val="0070C0"/>
-                </a:solidFill>
-                <a:latin typeface="Consolas" panose="020B0609020204030204" pitchFamily="49" charset="0"/>
-              </a:rPr>
-              <a:t>return</a:t>
-            </a:r>
-            <a:r>
-              <a:rPr lang="pl-PL" sz="4000" dirty="0">
-                <a:latin typeface="Consolas" panose="020B0609020204030204" pitchFamily="49" charset="0"/>
-              </a:rPr>
-              <a:t> e;	</a:t>
-            </a:r>
-          </a:p>
-          <a:p>
-            <a:r>
-              <a:rPr lang="pl-PL" sz="4000" dirty="0">
-                <a:latin typeface="Consolas" panose="020B0609020204030204" pitchFamily="49" charset="0"/>
-              </a:rPr>
-              <a:t>}</a:t>
-            </a:r>
+            <a:pPr algn="ctr"/>
+            <a:r>
+              <a:rPr lang="pl-PL" sz="9600" dirty="0" err="1">
+                <a:latin typeface="Consolas" panose="020B0609020204030204" pitchFamily="49" charset="0"/>
+                <a:cs typeface="Consolas" panose="020B0609020204030204" pitchFamily="49" charset="0"/>
+              </a:rPr>
+              <a:t>MayObjectPattern</a:t>
+            </a:r>
+            <a:endParaRPr lang="pl-PL" sz="9600" dirty="0">
+              <a:latin typeface="Consolas" panose="020B0609020204030204" pitchFamily="49" charset="0"/>
+              <a:cs typeface="Consolas" panose="020B0609020204030204" pitchFamily="49" charset="0"/>
+            </a:endParaRPr>
           </a:p>
         </p:txBody>
       </p:sp>
     </p:spTree>
     <p:extLst>
       <p:ext uri="{BB962C8B-B14F-4D97-AF65-F5344CB8AC3E}">
-        <p14:creationId xmlns:p14="http://schemas.microsoft.com/office/powerpoint/2010/main" val="1336544512"/>
+        <p14:creationId xmlns:p14="http://schemas.microsoft.com/office/powerpoint/2010/main" val="2542865312"/>
       </p:ext>
     </p:extLst>
   </p:cSld>
@@ -13730,6 +13117,1795 @@
       </p:grpSpPr>
       <p:sp>
         <p:nvSpPr>
+          <p:cNvPr id="2" name="pole tekstowe 1">
+            <a:extLst>
+              <a:ext uri="{FF2B5EF4-FFF2-40B4-BE49-F238E27FC236}">
+                <a16:creationId xmlns:a16="http://schemas.microsoft.com/office/drawing/2014/main" id="{221F81F5-4A9F-4236-B058-E296E34D44B6}"/>
+              </a:ext>
+            </a:extLst>
+          </p:cNvPr>
+          <p:cNvSpPr txBox="1"/>
+          <p:nvPr/>
+        </p:nvSpPr>
+        <p:spPr>
+          <a:xfrm>
+            <a:off x="2823995" y="1836024"/>
+            <a:ext cx="7500734" cy="3170099"/>
+          </a:xfrm>
+          <a:prstGeom prst="rect">
+            <a:avLst/>
+          </a:prstGeom>
+          <a:noFill/>
+        </p:spPr>
+        <p:txBody>
+          <a:bodyPr wrap="square" rtlCol="0">
+            <a:spAutoFit/>
+          </a:bodyPr>
+          <a:lstStyle/>
+          <a:p>
+            <a:r>
+              <a:rPr lang="pl-PL" sz="4000" dirty="0">
+                <a:solidFill>
+                  <a:srgbClr val="0070C0"/>
+                </a:solidFill>
+                <a:latin typeface="Consolas" panose="020B0609020204030204" pitchFamily="49" charset="0"/>
+              </a:rPr>
+              <a:t>public </a:t>
+            </a:r>
+            <a:r>
+              <a:rPr lang="pl-PL" sz="4000" dirty="0" err="1">
+                <a:solidFill>
+                  <a:srgbClr val="0070C0"/>
+                </a:solidFill>
+                <a:latin typeface="Consolas" panose="020B0609020204030204" pitchFamily="49" charset="0"/>
+              </a:rPr>
+              <a:t>interface</a:t>
+            </a:r>
+            <a:r>
+              <a:rPr lang="pl-PL" sz="4000" dirty="0">
+                <a:solidFill>
+                  <a:srgbClr val="0070C0"/>
+                </a:solidFill>
+                <a:latin typeface="Consolas" panose="020B0609020204030204" pitchFamily="49" charset="0"/>
+              </a:rPr>
+              <a:t> </a:t>
+            </a:r>
+            <a:r>
+              <a:rPr lang="pl-PL" sz="4000" dirty="0" err="1">
+                <a:latin typeface="Consolas" panose="020B0609020204030204" pitchFamily="49" charset="0"/>
+              </a:rPr>
+              <a:t>Maybe</a:t>
+            </a:r>
+            <a:r>
+              <a:rPr lang="pl-PL" sz="4000" dirty="0">
+                <a:latin typeface="Consolas" panose="020B0609020204030204" pitchFamily="49" charset="0"/>
+              </a:rPr>
+              <a:t>&lt;T&gt;</a:t>
+            </a:r>
+          </a:p>
+          <a:p>
+            <a:r>
+              <a:rPr lang="pl-PL" sz="4000" dirty="0">
+                <a:latin typeface="Consolas" panose="020B0609020204030204" pitchFamily="49" charset="0"/>
+              </a:rPr>
+              <a:t>{</a:t>
+            </a:r>
+          </a:p>
+          <a:p>
+            <a:r>
+              <a:rPr lang="pl-PL" sz="4000" dirty="0">
+                <a:latin typeface="Consolas" panose="020B0609020204030204" pitchFamily="49" charset="0"/>
+              </a:rPr>
+              <a:t>	</a:t>
+            </a:r>
+            <a:r>
+              <a:rPr lang="pl-PL" sz="4000" dirty="0" err="1">
+                <a:solidFill>
+                  <a:srgbClr val="0070C0"/>
+                </a:solidFill>
+                <a:latin typeface="Consolas" panose="020B0609020204030204" pitchFamily="49" charset="0"/>
+              </a:rPr>
+              <a:t>bool</a:t>
+            </a:r>
+            <a:r>
+              <a:rPr lang="pl-PL" sz="4000" dirty="0">
+                <a:latin typeface="Consolas" panose="020B0609020204030204" pitchFamily="49" charset="0"/>
+              </a:rPr>
+              <a:t> </a:t>
+            </a:r>
+            <a:r>
+              <a:rPr lang="pl-PL" sz="4000" dirty="0" err="1">
+                <a:latin typeface="Consolas" panose="020B0609020204030204" pitchFamily="49" charset="0"/>
+              </a:rPr>
+              <a:t>HasValue</a:t>
+            </a:r>
+            <a:r>
+              <a:rPr lang="pl-PL" sz="4000" dirty="0">
+                <a:latin typeface="Consolas" panose="020B0609020204030204" pitchFamily="49" charset="0"/>
+              </a:rPr>
+              <a:t>();</a:t>
+            </a:r>
+          </a:p>
+          <a:p>
+            <a:r>
+              <a:rPr lang="pl-PL" sz="4000" dirty="0">
+                <a:latin typeface="Consolas" panose="020B0609020204030204" pitchFamily="49" charset="0"/>
+              </a:rPr>
+              <a:t>	T Value();</a:t>
+            </a:r>
+          </a:p>
+          <a:p>
+            <a:r>
+              <a:rPr lang="pl-PL" sz="4000" dirty="0">
+                <a:latin typeface="Consolas" panose="020B0609020204030204" pitchFamily="49" charset="0"/>
+              </a:rPr>
+              <a:t>} </a:t>
+            </a:r>
+          </a:p>
+        </p:txBody>
+      </p:sp>
+    </p:spTree>
+    <p:extLst>
+      <p:ext uri="{BB962C8B-B14F-4D97-AF65-F5344CB8AC3E}">
+        <p14:creationId xmlns:p14="http://schemas.microsoft.com/office/powerpoint/2010/main" val="407729874"/>
+      </p:ext>
+    </p:extLst>
+  </p:cSld>
+  <p:clrMapOvr>
+    <a:masterClrMapping/>
+  </p:clrMapOvr>
+</p:sld>
+</file>
+
+<file path=ppt/slides/slide43.xml><?xml version="1.0" encoding="utf-8"?>
+<p:sld xmlns:a="http://schemas.openxmlformats.org/drawingml/2006/main" xmlns:r="http://schemas.openxmlformats.org/officeDocument/2006/relationships" xmlns:p="http://schemas.openxmlformats.org/presentationml/2006/main">
+  <p:cSld>
+    <p:spTree>
+      <p:nvGrpSpPr>
+        <p:cNvPr id="1" name=""/>
+        <p:cNvGrpSpPr/>
+        <p:nvPr/>
+      </p:nvGrpSpPr>
+      <p:grpSpPr>
+        <a:xfrm>
+          <a:off x="0" y="0"/>
+          <a:ext cx="0" cy="0"/>
+          <a:chOff x="0" y="0"/>
+          <a:chExt cx="0" cy="0"/>
+        </a:xfrm>
+      </p:grpSpPr>
+      <p:sp>
+        <p:nvSpPr>
+          <p:cNvPr id="2" name="pole tekstowe 1">
+            <a:extLst>
+              <a:ext uri="{FF2B5EF4-FFF2-40B4-BE49-F238E27FC236}">
+                <a16:creationId xmlns:a16="http://schemas.microsoft.com/office/drawing/2014/main" id="{221F81F5-4A9F-4236-B058-E296E34D44B6}"/>
+              </a:ext>
+            </a:extLst>
+          </p:cNvPr>
+          <p:cNvSpPr txBox="1"/>
+          <p:nvPr/>
+        </p:nvSpPr>
+        <p:spPr>
+          <a:xfrm>
+            <a:off x="2699709" y="117693"/>
+            <a:ext cx="7340936" cy="6740307"/>
+          </a:xfrm>
+          <a:prstGeom prst="rect">
+            <a:avLst/>
+          </a:prstGeom>
+          <a:noFill/>
+        </p:spPr>
+        <p:txBody>
+          <a:bodyPr wrap="square" rtlCol="0">
+            <a:spAutoFit/>
+          </a:bodyPr>
+          <a:lstStyle/>
+          <a:p>
+            <a:r>
+              <a:rPr lang="pl-PL" sz="3600" dirty="0">
+                <a:solidFill>
+                  <a:srgbClr val="0070C0"/>
+                </a:solidFill>
+                <a:latin typeface="Consolas" panose="020B0609020204030204" pitchFamily="49" charset="0"/>
+              </a:rPr>
+              <a:t>public </a:t>
+            </a:r>
+            <a:r>
+              <a:rPr lang="pl-PL" sz="3600" dirty="0" err="1">
+                <a:solidFill>
+                  <a:srgbClr val="0070C0"/>
+                </a:solidFill>
+                <a:latin typeface="Consolas" panose="020B0609020204030204" pitchFamily="49" charset="0"/>
+              </a:rPr>
+              <a:t>class</a:t>
+            </a:r>
+            <a:r>
+              <a:rPr lang="pl-PL" sz="3600" dirty="0">
+                <a:solidFill>
+                  <a:srgbClr val="0070C0"/>
+                </a:solidFill>
+                <a:latin typeface="Consolas" panose="020B0609020204030204" pitchFamily="49" charset="0"/>
+              </a:rPr>
+              <a:t> </a:t>
+            </a:r>
+            <a:r>
+              <a:rPr lang="pl-PL" sz="3600" dirty="0" err="1">
+                <a:latin typeface="Consolas" panose="020B0609020204030204" pitchFamily="49" charset="0"/>
+              </a:rPr>
+              <a:t>Some</a:t>
+            </a:r>
+            <a:r>
+              <a:rPr lang="pl-PL" sz="3600" dirty="0">
+                <a:latin typeface="Consolas" panose="020B0609020204030204" pitchFamily="49" charset="0"/>
+              </a:rPr>
+              <a:t>&lt;T&gt; {</a:t>
+            </a:r>
+          </a:p>
+          <a:p>
+            <a:r>
+              <a:rPr lang="pl-PL" sz="3600" dirty="0">
+                <a:latin typeface="Consolas" panose="020B0609020204030204" pitchFamily="49" charset="0"/>
+              </a:rPr>
+              <a:t>	</a:t>
+            </a:r>
+            <a:r>
+              <a:rPr lang="pl-PL" sz="3600" dirty="0" err="1">
+                <a:solidFill>
+                  <a:srgbClr val="0070C0"/>
+                </a:solidFill>
+                <a:latin typeface="Consolas" panose="020B0609020204030204" pitchFamily="49" charset="0"/>
+              </a:rPr>
+              <a:t>private</a:t>
+            </a:r>
+            <a:r>
+              <a:rPr lang="pl-PL" sz="3600" dirty="0">
+                <a:solidFill>
+                  <a:srgbClr val="0070C0"/>
+                </a:solidFill>
+                <a:latin typeface="Consolas" panose="020B0609020204030204" pitchFamily="49" charset="0"/>
+              </a:rPr>
+              <a:t> </a:t>
+            </a:r>
+            <a:r>
+              <a:rPr lang="pl-PL" sz="3600" dirty="0" err="1">
+                <a:solidFill>
+                  <a:srgbClr val="0070C0"/>
+                </a:solidFill>
+                <a:latin typeface="Consolas" panose="020B0609020204030204" pitchFamily="49" charset="0"/>
+              </a:rPr>
+              <a:t>readonly</a:t>
+            </a:r>
+            <a:r>
+              <a:rPr lang="pl-PL" sz="3600" dirty="0">
+                <a:latin typeface="Consolas" panose="020B0609020204030204" pitchFamily="49" charset="0"/>
+              </a:rPr>
+              <a:t> T </a:t>
+            </a:r>
+            <a:r>
+              <a:rPr lang="pl-PL" sz="3600" dirty="0" err="1">
+                <a:latin typeface="Consolas" panose="020B0609020204030204" pitchFamily="49" charset="0"/>
+              </a:rPr>
+              <a:t>t</a:t>
+            </a:r>
+            <a:r>
+              <a:rPr lang="pl-PL" sz="3600" dirty="0">
+                <a:latin typeface="Consolas" panose="020B0609020204030204" pitchFamily="49" charset="0"/>
+              </a:rPr>
+              <a:t>;</a:t>
+            </a:r>
+          </a:p>
+          <a:p>
+            <a:r>
+              <a:rPr lang="pl-PL" sz="3600" dirty="0">
+                <a:latin typeface="Consolas" panose="020B0609020204030204" pitchFamily="49" charset="0"/>
+              </a:rPr>
+              <a:t>	</a:t>
+            </a:r>
+            <a:r>
+              <a:rPr lang="pl-PL" sz="3600" dirty="0">
+                <a:solidFill>
+                  <a:srgbClr val="0070C0"/>
+                </a:solidFill>
+                <a:latin typeface="Consolas" panose="020B0609020204030204" pitchFamily="49" charset="0"/>
+              </a:rPr>
+              <a:t>public</a:t>
+            </a:r>
+            <a:r>
+              <a:rPr lang="pl-PL" sz="3600" dirty="0">
+                <a:latin typeface="Consolas" panose="020B0609020204030204" pitchFamily="49" charset="0"/>
+              </a:rPr>
+              <a:t> </a:t>
+            </a:r>
+            <a:r>
+              <a:rPr lang="pl-PL" sz="3600" dirty="0" err="1">
+                <a:latin typeface="Consolas" panose="020B0609020204030204" pitchFamily="49" charset="0"/>
+              </a:rPr>
+              <a:t>Some</a:t>
+            </a:r>
+            <a:r>
+              <a:rPr lang="pl-PL" sz="3600" dirty="0">
+                <a:latin typeface="Consolas" panose="020B0609020204030204" pitchFamily="49" charset="0"/>
+              </a:rPr>
+              <a:t>(T t) {</a:t>
+            </a:r>
+          </a:p>
+          <a:p>
+            <a:r>
+              <a:rPr lang="pl-PL" sz="3600" dirty="0">
+                <a:latin typeface="Consolas" panose="020B0609020204030204" pitchFamily="49" charset="0"/>
+              </a:rPr>
+              <a:t>		</a:t>
+            </a:r>
+            <a:r>
+              <a:rPr lang="pl-PL" sz="3600" dirty="0">
+                <a:solidFill>
+                  <a:srgbClr val="0070C0"/>
+                </a:solidFill>
+                <a:latin typeface="Consolas" panose="020B0609020204030204" pitchFamily="49" charset="0"/>
+              </a:rPr>
+              <a:t>this</a:t>
+            </a:r>
+            <a:r>
+              <a:rPr lang="pl-PL" sz="3600" dirty="0">
+                <a:latin typeface="Consolas" panose="020B0609020204030204" pitchFamily="49" charset="0"/>
+              </a:rPr>
+              <a:t>.t = t;</a:t>
+            </a:r>
+          </a:p>
+          <a:p>
+            <a:r>
+              <a:rPr lang="pl-PL" sz="3600" dirty="0">
+                <a:latin typeface="Consolas" panose="020B0609020204030204" pitchFamily="49" charset="0"/>
+              </a:rPr>
+              <a:t>	}</a:t>
+            </a:r>
+          </a:p>
+          <a:p>
+            <a:r>
+              <a:rPr lang="pl-PL" sz="3600" dirty="0">
+                <a:latin typeface="Consolas" panose="020B0609020204030204" pitchFamily="49" charset="0"/>
+              </a:rPr>
+              <a:t>	</a:t>
+            </a:r>
+            <a:r>
+              <a:rPr lang="pl-PL" sz="3600" dirty="0">
+                <a:solidFill>
+                  <a:srgbClr val="0070C0"/>
+                </a:solidFill>
+                <a:latin typeface="Consolas" panose="020B0609020204030204" pitchFamily="49" charset="0"/>
+              </a:rPr>
+              <a:t>public </a:t>
+            </a:r>
+            <a:r>
+              <a:rPr lang="pl-PL" sz="3600" dirty="0" err="1">
+                <a:solidFill>
+                  <a:srgbClr val="0070C0"/>
+                </a:solidFill>
+                <a:latin typeface="Consolas" panose="020B0609020204030204" pitchFamily="49" charset="0"/>
+              </a:rPr>
+              <a:t>bool</a:t>
+            </a:r>
+            <a:r>
+              <a:rPr lang="pl-PL" sz="3600" dirty="0">
+                <a:solidFill>
+                  <a:srgbClr val="0070C0"/>
+                </a:solidFill>
+                <a:latin typeface="Consolas" panose="020B0609020204030204" pitchFamily="49" charset="0"/>
+              </a:rPr>
+              <a:t> </a:t>
+            </a:r>
+            <a:r>
+              <a:rPr lang="pl-PL" sz="3600" dirty="0" err="1">
+                <a:latin typeface="Consolas" panose="020B0609020204030204" pitchFamily="49" charset="0"/>
+              </a:rPr>
+              <a:t>HasValue</a:t>
+            </a:r>
+            <a:r>
+              <a:rPr lang="pl-PL" sz="3600" dirty="0">
+                <a:latin typeface="Consolas" panose="020B0609020204030204" pitchFamily="49" charset="0"/>
+              </a:rPr>
+              <a:t>() {</a:t>
+            </a:r>
+          </a:p>
+          <a:p>
+            <a:r>
+              <a:rPr lang="pl-PL" sz="3600" dirty="0">
+                <a:latin typeface="Consolas" panose="020B0609020204030204" pitchFamily="49" charset="0"/>
+              </a:rPr>
+              <a:t>		</a:t>
+            </a:r>
+            <a:r>
+              <a:rPr lang="pl-PL" sz="3600" dirty="0">
+                <a:solidFill>
+                  <a:srgbClr val="0070C0"/>
+                </a:solidFill>
+                <a:latin typeface="Consolas" panose="020B0609020204030204" pitchFamily="49" charset="0"/>
+              </a:rPr>
+              <a:t>return</a:t>
+            </a:r>
+            <a:r>
+              <a:rPr lang="pl-PL" sz="3600" dirty="0">
+                <a:latin typeface="Consolas" panose="020B0609020204030204" pitchFamily="49" charset="0"/>
+              </a:rPr>
+              <a:t> </a:t>
+            </a:r>
+            <a:r>
+              <a:rPr lang="pl-PL" sz="3600" dirty="0" err="1">
+                <a:latin typeface="Consolas" panose="020B0609020204030204" pitchFamily="49" charset="0"/>
+              </a:rPr>
+              <a:t>true</a:t>
+            </a:r>
+            <a:r>
+              <a:rPr lang="pl-PL" sz="3600" dirty="0">
+                <a:latin typeface="Consolas" panose="020B0609020204030204" pitchFamily="49" charset="0"/>
+              </a:rPr>
+              <a:t>;</a:t>
+            </a:r>
+          </a:p>
+          <a:p>
+            <a:r>
+              <a:rPr lang="pl-PL" sz="3600" dirty="0">
+                <a:latin typeface="Consolas" panose="020B0609020204030204" pitchFamily="49" charset="0"/>
+              </a:rPr>
+              <a:t>	}</a:t>
+            </a:r>
+          </a:p>
+          <a:p>
+            <a:r>
+              <a:rPr lang="pl-PL" sz="3600" dirty="0">
+                <a:latin typeface="Consolas" panose="020B0609020204030204" pitchFamily="49" charset="0"/>
+              </a:rPr>
+              <a:t>	</a:t>
+            </a:r>
+            <a:r>
+              <a:rPr lang="pl-PL" sz="3600" dirty="0">
+                <a:solidFill>
+                  <a:srgbClr val="0070C0"/>
+                </a:solidFill>
+                <a:latin typeface="Consolas" panose="020B0609020204030204" pitchFamily="49" charset="0"/>
+              </a:rPr>
+              <a:t>public</a:t>
+            </a:r>
+            <a:r>
+              <a:rPr lang="pl-PL" sz="3600" dirty="0">
+                <a:latin typeface="Consolas" panose="020B0609020204030204" pitchFamily="49" charset="0"/>
+              </a:rPr>
+              <a:t> T Value() {</a:t>
+            </a:r>
+          </a:p>
+          <a:p>
+            <a:r>
+              <a:rPr lang="pl-PL" sz="3600" dirty="0">
+                <a:latin typeface="Consolas" panose="020B0609020204030204" pitchFamily="49" charset="0"/>
+              </a:rPr>
+              <a:t>		</a:t>
+            </a:r>
+            <a:r>
+              <a:rPr lang="pl-PL" sz="3600" dirty="0">
+                <a:solidFill>
+                  <a:srgbClr val="0070C0"/>
+                </a:solidFill>
+                <a:latin typeface="Consolas" panose="020B0609020204030204" pitchFamily="49" charset="0"/>
+              </a:rPr>
+              <a:t>return</a:t>
+            </a:r>
+            <a:r>
+              <a:rPr lang="pl-PL" sz="3600" dirty="0">
+                <a:latin typeface="Consolas" panose="020B0609020204030204" pitchFamily="49" charset="0"/>
+              </a:rPr>
+              <a:t> t;</a:t>
+            </a:r>
+          </a:p>
+          <a:p>
+            <a:r>
+              <a:rPr lang="pl-PL" sz="3600" dirty="0">
+                <a:latin typeface="Consolas" panose="020B0609020204030204" pitchFamily="49" charset="0"/>
+              </a:rPr>
+              <a:t>	}</a:t>
+            </a:r>
+          </a:p>
+          <a:p>
+            <a:r>
+              <a:rPr lang="pl-PL" sz="3600" dirty="0">
+                <a:latin typeface="Consolas" panose="020B0609020204030204" pitchFamily="49" charset="0"/>
+              </a:rPr>
+              <a:t>} </a:t>
+            </a:r>
+          </a:p>
+        </p:txBody>
+      </p:sp>
+    </p:spTree>
+    <p:extLst>
+      <p:ext uri="{BB962C8B-B14F-4D97-AF65-F5344CB8AC3E}">
+        <p14:creationId xmlns:p14="http://schemas.microsoft.com/office/powerpoint/2010/main" val="1822073221"/>
+      </p:ext>
+    </p:extLst>
+  </p:cSld>
+  <p:clrMapOvr>
+    <a:masterClrMapping/>
+  </p:clrMapOvr>
+</p:sld>
+</file>
+
+<file path=ppt/slides/slide44.xml><?xml version="1.0" encoding="utf-8"?>
+<p:sld xmlns:a="http://schemas.openxmlformats.org/drawingml/2006/main" xmlns:r="http://schemas.openxmlformats.org/officeDocument/2006/relationships" xmlns:p="http://schemas.openxmlformats.org/presentationml/2006/main">
+  <p:cSld>
+    <p:spTree>
+      <p:nvGrpSpPr>
+        <p:cNvPr id="1" name=""/>
+        <p:cNvGrpSpPr/>
+        <p:nvPr/>
+      </p:nvGrpSpPr>
+      <p:grpSpPr>
+        <a:xfrm>
+          <a:off x="0" y="0"/>
+          <a:ext cx="0" cy="0"/>
+          <a:chOff x="0" y="0"/>
+          <a:chExt cx="0" cy="0"/>
+        </a:xfrm>
+      </p:grpSpPr>
+      <p:sp>
+        <p:nvSpPr>
+          <p:cNvPr id="2" name="pole tekstowe 1">
+            <a:extLst>
+              <a:ext uri="{FF2B5EF4-FFF2-40B4-BE49-F238E27FC236}">
+                <a16:creationId xmlns:a16="http://schemas.microsoft.com/office/drawing/2014/main" id="{221F81F5-4A9F-4236-B058-E296E34D44B6}"/>
+              </a:ext>
+            </a:extLst>
+          </p:cNvPr>
+          <p:cNvSpPr txBox="1"/>
+          <p:nvPr/>
+        </p:nvSpPr>
+        <p:spPr>
+          <a:xfrm>
+            <a:off x="426128" y="268614"/>
+            <a:ext cx="11585359" cy="6247864"/>
+          </a:xfrm>
+          <a:prstGeom prst="rect">
+            <a:avLst/>
+          </a:prstGeom>
+          <a:noFill/>
+        </p:spPr>
+        <p:txBody>
+          <a:bodyPr wrap="square" rtlCol="0">
+            <a:spAutoFit/>
+          </a:bodyPr>
+          <a:lstStyle/>
+          <a:p>
+            <a:r>
+              <a:rPr lang="pl-PL" sz="4000" dirty="0">
+                <a:solidFill>
+                  <a:srgbClr val="0070C0"/>
+                </a:solidFill>
+                <a:latin typeface="Consolas" panose="020B0609020204030204" pitchFamily="49" charset="0"/>
+              </a:rPr>
+              <a:t>public </a:t>
+            </a:r>
+            <a:r>
+              <a:rPr lang="pl-PL" sz="4000" dirty="0" err="1">
+                <a:solidFill>
+                  <a:srgbClr val="0070C0"/>
+                </a:solidFill>
+                <a:latin typeface="Consolas" panose="020B0609020204030204" pitchFamily="49" charset="0"/>
+              </a:rPr>
+              <a:t>class</a:t>
+            </a:r>
+            <a:r>
+              <a:rPr lang="pl-PL" sz="4000" dirty="0">
+                <a:solidFill>
+                  <a:srgbClr val="0070C0"/>
+                </a:solidFill>
+                <a:latin typeface="Consolas" panose="020B0609020204030204" pitchFamily="49" charset="0"/>
+              </a:rPr>
+              <a:t> </a:t>
+            </a:r>
+            <a:r>
+              <a:rPr lang="pl-PL" sz="4000" dirty="0" err="1">
+                <a:latin typeface="Consolas" panose="020B0609020204030204" pitchFamily="49" charset="0"/>
+              </a:rPr>
+              <a:t>None</a:t>
+            </a:r>
+            <a:r>
+              <a:rPr lang="pl-PL" sz="4000" dirty="0">
+                <a:latin typeface="Consolas" panose="020B0609020204030204" pitchFamily="49" charset="0"/>
+              </a:rPr>
+              <a:t>&lt;T&gt; {</a:t>
+            </a:r>
+          </a:p>
+          <a:p>
+            <a:endParaRPr lang="pl-PL" sz="4000" dirty="0">
+              <a:latin typeface="Consolas" panose="020B0609020204030204" pitchFamily="49" charset="0"/>
+            </a:endParaRPr>
+          </a:p>
+          <a:p>
+            <a:r>
+              <a:rPr lang="pl-PL" sz="4000" dirty="0">
+                <a:latin typeface="Consolas" panose="020B0609020204030204" pitchFamily="49" charset="0"/>
+              </a:rPr>
+              <a:t>	</a:t>
+            </a:r>
+            <a:r>
+              <a:rPr lang="pl-PL" sz="4000" dirty="0">
+                <a:solidFill>
+                  <a:srgbClr val="0070C0"/>
+                </a:solidFill>
+                <a:latin typeface="Consolas" panose="020B0609020204030204" pitchFamily="49" charset="0"/>
+              </a:rPr>
+              <a:t>public </a:t>
+            </a:r>
+            <a:r>
+              <a:rPr lang="pl-PL" sz="4000" dirty="0" err="1">
+                <a:solidFill>
+                  <a:srgbClr val="0070C0"/>
+                </a:solidFill>
+                <a:latin typeface="Consolas" panose="020B0609020204030204" pitchFamily="49" charset="0"/>
+              </a:rPr>
+              <a:t>bool</a:t>
+            </a:r>
+            <a:r>
+              <a:rPr lang="pl-PL" sz="4000" dirty="0">
+                <a:solidFill>
+                  <a:srgbClr val="0070C0"/>
+                </a:solidFill>
+                <a:latin typeface="Consolas" panose="020B0609020204030204" pitchFamily="49" charset="0"/>
+              </a:rPr>
+              <a:t> </a:t>
+            </a:r>
+            <a:r>
+              <a:rPr lang="pl-PL" sz="4000" dirty="0" err="1">
+                <a:latin typeface="Consolas" panose="020B0609020204030204" pitchFamily="49" charset="0"/>
+              </a:rPr>
+              <a:t>HasValue</a:t>
+            </a:r>
+            <a:r>
+              <a:rPr lang="pl-PL" sz="4000" dirty="0">
+                <a:latin typeface="Consolas" panose="020B0609020204030204" pitchFamily="49" charset="0"/>
+              </a:rPr>
+              <a:t>() {</a:t>
+            </a:r>
+          </a:p>
+          <a:p>
+            <a:r>
+              <a:rPr lang="pl-PL" sz="4000" dirty="0">
+                <a:latin typeface="Consolas" panose="020B0609020204030204" pitchFamily="49" charset="0"/>
+              </a:rPr>
+              <a:t>		</a:t>
+            </a:r>
+            <a:r>
+              <a:rPr lang="pl-PL" sz="4000" dirty="0">
+                <a:solidFill>
+                  <a:srgbClr val="0070C0"/>
+                </a:solidFill>
+                <a:latin typeface="Consolas" panose="020B0609020204030204" pitchFamily="49" charset="0"/>
+              </a:rPr>
+              <a:t>return</a:t>
+            </a:r>
+            <a:r>
+              <a:rPr lang="pl-PL" sz="4000" dirty="0">
+                <a:latin typeface="Consolas" panose="020B0609020204030204" pitchFamily="49" charset="0"/>
+              </a:rPr>
+              <a:t> </a:t>
+            </a:r>
+            <a:r>
+              <a:rPr lang="pl-PL" sz="4000" dirty="0" err="1">
+                <a:latin typeface="Consolas" panose="020B0609020204030204" pitchFamily="49" charset="0"/>
+              </a:rPr>
+              <a:t>false</a:t>
+            </a:r>
+            <a:r>
+              <a:rPr lang="pl-PL" sz="4000" dirty="0">
+                <a:latin typeface="Consolas" panose="020B0609020204030204" pitchFamily="49" charset="0"/>
+              </a:rPr>
+              <a:t>;</a:t>
+            </a:r>
+          </a:p>
+          <a:p>
+            <a:r>
+              <a:rPr lang="pl-PL" sz="4000" dirty="0">
+                <a:latin typeface="Consolas" panose="020B0609020204030204" pitchFamily="49" charset="0"/>
+              </a:rPr>
+              <a:t>	}</a:t>
+            </a:r>
+          </a:p>
+          <a:p>
+            <a:endParaRPr lang="pl-PL" sz="4000" dirty="0">
+              <a:latin typeface="Consolas" panose="020B0609020204030204" pitchFamily="49" charset="0"/>
+            </a:endParaRPr>
+          </a:p>
+          <a:p>
+            <a:r>
+              <a:rPr lang="pl-PL" sz="4000" dirty="0">
+                <a:latin typeface="Consolas" panose="020B0609020204030204" pitchFamily="49" charset="0"/>
+              </a:rPr>
+              <a:t>	</a:t>
+            </a:r>
+            <a:r>
+              <a:rPr lang="pl-PL" sz="4000" dirty="0">
+                <a:solidFill>
+                  <a:srgbClr val="0070C0"/>
+                </a:solidFill>
+                <a:latin typeface="Consolas" panose="020B0609020204030204" pitchFamily="49" charset="0"/>
+              </a:rPr>
+              <a:t>public</a:t>
+            </a:r>
+            <a:r>
+              <a:rPr lang="pl-PL" sz="4000" dirty="0">
+                <a:latin typeface="Consolas" panose="020B0609020204030204" pitchFamily="49" charset="0"/>
+              </a:rPr>
+              <a:t> T Value() {</a:t>
+            </a:r>
+          </a:p>
+          <a:p>
+            <a:r>
+              <a:rPr lang="pl-PL" sz="4000" dirty="0">
+                <a:latin typeface="Consolas" panose="020B0609020204030204" pitchFamily="49" charset="0"/>
+              </a:rPr>
+              <a:t>		</a:t>
+            </a:r>
+            <a:r>
+              <a:rPr lang="pl-PL" sz="4000" dirty="0" err="1">
+                <a:solidFill>
+                  <a:srgbClr val="0070C0"/>
+                </a:solidFill>
+                <a:latin typeface="Consolas" panose="020B0609020204030204" pitchFamily="49" charset="0"/>
+              </a:rPr>
+              <a:t>throw</a:t>
+            </a:r>
+            <a:r>
+              <a:rPr lang="pl-PL" sz="4000" dirty="0">
+                <a:solidFill>
+                  <a:srgbClr val="0070C0"/>
+                </a:solidFill>
+                <a:latin typeface="Consolas" panose="020B0609020204030204" pitchFamily="49" charset="0"/>
+              </a:rPr>
+              <a:t> </a:t>
+            </a:r>
+            <a:r>
+              <a:rPr lang="pl-PL" sz="4000" dirty="0" err="1">
+                <a:solidFill>
+                  <a:srgbClr val="0070C0"/>
+                </a:solidFill>
+                <a:latin typeface="Consolas" panose="020B0609020204030204" pitchFamily="49" charset="0"/>
+              </a:rPr>
+              <a:t>new</a:t>
+            </a:r>
+            <a:r>
+              <a:rPr lang="pl-PL" sz="4000" dirty="0">
+                <a:solidFill>
+                  <a:srgbClr val="0070C0"/>
+                </a:solidFill>
+                <a:latin typeface="Consolas" panose="020B0609020204030204" pitchFamily="49" charset="0"/>
+              </a:rPr>
+              <a:t> </a:t>
+            </a:r>
+            <a:r>
+              <a:rPr lang="pl-PL" sz="4000" dirty="0" err="1">
+                <a:latin typeface="Consolas" panose="020B0609020204030204" pitchFamily="49" charset="0"/>
+              </a:rPr>
+              <a:t>NotImplementedException</a:t>
+            </a:r>
+            <a:r>
+              <a:rPr lang="pl-PL" sz="4000" dirty="0">
+                <a:latin typeface="Consolas" panose="020B0609020204030204" pitchFamily="49" charset="0"/>
+              </a:rPr>
+              <a:t>;</a:t>
+            </a:r>
+          </a:p>
+          <a:p>
+            <a:r>
+              <a:rPr lang="pl-PL" sz="4000" dirty="0">
+                <a:latin typeface="Consolas" panose="020B0609020204030204" pitchFamily="49" charset="0"/>
+              </a:rPr>
+              <a:t>	}</a:t>
+            </a:r>
+          </a:p>
+          <a:p>
+            <a:r>
+              <a:rPr lang="pl-PL" sz="4000" dirty="0">
+                <a:latin typeface="Consolas" panose="020B0609020204030204" pitchFamily="49" charset="0"/>
+              </a:rPr>
+              <a:t>} </a:t>
+            </a:r>
+          </a:p>
+        </p:txBody>
+      </p:sp>
+    </p:spTree>
+    <p:extLst>
+      <p:ext uri="{BB962C8B-B14F-4D97-AF65-F5344CB8AC3E}">
+        <p14:creationId xmlns:p14="http://schemas.microsoft.com/office/powerpoint/2010/main" val="727503031"/>
+      </p:ext>
+    </p:extLst>
+  </p:cSld>
+  <p:clrMapOvr>
+    <a:masterClrMapping/>
+  </p:clrMapOvr>
+</p:sld>
+</file>
+
+<file path=ppt/slides/slide45.xml><?xml version="1.0" encoding="utf-8"?>
+<p:sld xmlns:a="http://schemas.openxmlformats.org/drawingml/2006/main" xmlns:r="http://schemas.openxmlformats.org/officeDocument/2006/relationships" xmlns:p="http://schemas.openxmlformats.org/presentationml/2006/main">
+  <p:cSld>
+    <p:spTree>
+      <p:nvGrpSpPr>
+        <p:cNvPr id="1" name=""/>
+        <p:cNvGrpSpPr/>
+        <p:nvPr/>
+      </p:nvGrpSpPr>
+      <p:grpSpPr>
+        <a:xfrm>
+          <a:off x="0" y="0"/>
+          <a:ext cx="0" cy="0"/>
+          <a:chOff x="0" y="0"/>
+          <a:chExt cx="0" cy="0"/>
+        </a:xfrm>
+      </p:grpSpPr>
+      <p:sp>
+        <p:nvSpPr>
+          <p:cNvPr id="3" name="Prostokąt 2">
+            <a:extLst>
+              <a:ext uri="{FF2B5EF4-FFF2-40B4-BE49-F238E27FC236}">
+                <a16:creationId xmlns:a16="http://schemas.microsoft.com/office/drawing/2014/main" id="{889D5B25-9098-4337-95E6-2EDF7BA9DE75}"/>
+              </a:ext>
+            </a:extLst>
+          </p:cNvPr>
+          <p:cNvSpPr/>
+          <p:nvPr/>
+        </p:nvSpPr>
+        <p:spPr>
+          <a:xfrm>
+            <a:off x="2450238" y="3822863"/>
+            <a:ext cx="8149701" cy="559293"/>
+          </a:xfrm>
+          <a:prstGeom prst="rect">
+            <a:avLst/>
+          </a:prstGeom>
+          <a:solidFill>
+            <a:srgbClr val="FFFF00"/>
+          </a:solidFill>
+          <a:ln>
+            <a:noFill/>
+          </a:ln>
+        </p:spPr>
+        <p:style>
+          <a:lnRef idx="2">
+            <a:schemeClr val="accent1">
+              <a:shade val="50000"/>
+            </a:schemeClr>
+          </a:lnRef>
+          <a:fillRef idx="1">
+            <a:schemeClr val="accent1"/>
+          </a:fillRef>
+          <a:effectRef idx="0">
+            <a:schemeClr val="accent1"/>
+          </a:effectRef>
+          <a:fontRef idx="minor">
+            <a:schemeClr val="lt1"/>
+          </a:fontRef>
+        </p:style>
+        <p:txBody>
+          <a:bodyPr rtlCol="0" anchor="ctr"/>
+          <a:lstStyle/>
+          <a:p>
+            <a:pPr algn="ctr"/>
+            <a:endParaRPr lang="pl-PL"/>
+          </a:p>
+        </p:txBody>
+      </p:sp>
+      <p:sp>
+        <p:nvSpPr>
+          <p:cNvPr id="4" name="Prostokąt 3">
+            <a:extLst>
+              <a:ext uri="{FF2B5EF4-FFF2-40B4-BE49-F238E27FC236}">
+                <a16:creationId xmlns:a16="http://schemas.microsoft.com/office/drawing/2014/main" id="{42C80DE7-7FB7-4C41-A0C2-A02FD4CB2D03}"/>
+              </a:ext>
+            </a:extLst>
+          </p:cNvPr>
+          <p:cNvSpPr/>
+          <p:nvPr/>
+        </p:nvSpPr>
+        <p:spPr>
+          <a:xfrm>
+            <a:off x="1679360" y="5070630"/>
+            <a:ext cx="8149701" cy="559293"/>
+          </a:xfrm>
+          <a:prstGeom prst="rect">
+            <a:avLst/>
+          </a:prstGeom>
+          <a:solidFill>
+            <a:srgbClr val="FFFF00"/>
+          </a:solidFill>
+          <a:ln>
+            <a:noFill/>
+          </a:ln>
+        </p:spPr>
+        <p:style>
+          <a:lnRef idx="2">
+            <a:schemeClr val="accent1">
+              <a:shade val="50000"/>
+            </a:schemeClr>
+          </a:lnRef>
+          <a:fillRef idx="1">
+            <a:schemeClr val="accent1"/>
+          </a:fillRef>
+          <a:effectRef idx="0">
+            <a:schemeClr val="accent1"/>
+          </a:effectRef>
+          <a:fontRef idx="minor">
+            <a:schemeClr val="lt1"/>
+          </a:fontRef>
+        </p:style>
+        <p:txBody>
+          <a:bodyPr rtlCol="0" anchor="ctr"/>
+          <a:lstStyle/>
+          <a:p>
+            <a:pPr algn="ctr"/>
+            <a:endParaRPr lang="pl-PL"/>
+          </a:p>
+        </p:txBody>
+      </p:sp>
+      <p:sp>
+        <p:nvSpPr>
+          <p:cNvPr id="2" name="pole tekstowe 1">
+            <a:extLst>
+              <a:ext uri="{FF2B5EF4-FFF2-40B4-BE49-F238E27FC236}">
+                <a16:creationId xmlns:a16="http://schemas.microsoft.com/office/drawing/2014/main" id="{E414391F-ED1B-43C4-A716-F02D434BAE8E}"/>
+              </a:ext>
+            </a:extLst>
+          </p:cNvPr>
+          <p:cNvSpPr txBox="1"/>
+          <p:nvPr/>
+        </p:nvSpPr>
+        <p:spPr>
+          <a:xfrm>
+            <a:off x="702234" y="686086"/>
+            <a:ext cx="11098636" cy="5632311"/>
+          </a:xfrm>
+          <a:prstGeom prst="rect">
+            <a:avLst/>
+          </a:prstGeom>
+          <a:noFill/>
+        </p:spPr>
+        <p:txBody>
+          <a:bodyPr wrap="square" rtlCol="0">
+            <a:spAutoFit/>
+          </a:bodyPr>
+          <a:lstStyle/>
+          <a:p>
+            <a:r>
+              <a:rPr lang="pl-PL" sz="4000" dirty="0">
+                <a:solidFill>
+                  <a:srgbClr val="0070C0"/>
+                </a:solidFill>
+                <a:latin typeface="Consolas" panose="020B0609020204030204" pitchFamily="49" charset="0"/>
+              </a:rPr>
+              <a:t>public</a:t>
+            </a:r>
+            <a:r>
+              <a:rPr lang="pl-PL" sz="4000" dirty="0">
+                <a:latin typeface="Consolas" panose="020B0609020204030204" pitchFamily="49" charset="0"/>
+              </a:rPr>
+              <a:t> </a:t>
+            </a:r>
+            <a:r>
+              <a:rPr lang="pl-PL" sz="4000" dirty="0" err="1">
+                <a:latin typeface="Consolas" panose="020B0609020204030204" pitchFamily="49" charset="0"/>
+              </a:rPr>
+              <a:t>Employee</a:t>
+            </a:r>
+            <a:r>
+              <a:rPr lang="pl-PL" sz="4000" dirty="0">
+                <a:latin typeface="Consolas" panose="020B0609020204030204" pitchFamily="49" charset="0"/>
+              </a:rPr>
+              <a:t> </a:t>
+            </a:r>
+            <a:r>
+              <a:rPr lang="pl-PL" sz="4000" dirty="0" err="1">
+                <a:latin typeface="Consolas" panose="020B0609020204030204" pitchFamily="49" charset="0"/>
+              </a:rPr>
+              <a:t>getByName</a:t>
+            </a:r>
+            <a:r>
+              <a:rPr lang="pl-PL" sz="4000" dirty="0">
+                <a:latin typeface="Consolas" panose="020B0609020204030204" pitchFamily="49" charset="0"/>
+              </a:rPr>
+              <a:t>(</a:t>
+            </a:r>
+            <a:r>
+              <a:rPr lang="pl-PL" sz="4000" dirty="0">
+                <a:solidFill>
+                  <a:srgbClr val="0070C0"/>
+                </a:solidFill>
+                <a:latin typeface="Consolas" panose="020B0609020204030204" pitchFamily="49" charset="0"/>
+              </a:rPr>
+              <a:t>String</a:t>
+            </a:r>
+            <a:r>
+              <a:rPr lang="pl-PL" sz="4000" dirty="0">
+                <a:latin typeface="Consolas" panose="020B0609020204030204" pitchFamily="49" charset="0"/>
+              </a:rPr>
+              <a:t> </a:t>
+            </a:r>
+            <a:r>
+              <a:rPr lang="pl-PL" sz="4000" dirty="0" err="1">
+                <a:latin typeface="Consolas" panose="020B0609020204030204" pitchFamily="49" charset="0"/>
+              </a:rPr>
+              <a:t>name</a:t>
+            </a:r>
+            <a:r>
+              <a:rPr lang="pl-PL" sz="4000" dirty="0">
+                <a:latin typeface="Consolas" panose="020B0609020204030204" pitchFamily="49" charset="0"/>
+              </a:rPr>
+              <a:t>)</a:t>
+            </a:r>
+          </a:p>
+          <a:p>
+            <a:r>
+              <a:rPr lang="pl-PL" sz="4000" dirty="0">
+                <a:latin typeface="Consolas" panose="020B0609020204030204" pitchFamily="49" charset="0"/>
+              </a:rPr>
+              <a:t>{</a:t>
+            </a:r>
+          </a:p>
+          <a:p>
+            <a:r>
+              <a:rPr lang="pl-PL" sz="4000" dirty="0">
+                <a:latin typeface="Consolas" panose="020B0609020204030204" pitchFamily="49" charset="0"/>
+              </a:rPr>
+              <a:t>	</a:t>
+            </a:r>
+            <a:r>
+              <a:rPr lang="pl-PL" sz="4000" dirty="0" err="1">
+                <a:latin typeface="Consolas" panose="020B0609020204030204" pitchFamily="49" charset="0"/>
+              </a:rPr>
+              <a:t>Employee</a:t>
+            </a:r>
+            <a:r>
+              <a:rPr lang="pl-PL" sz="4000" dirty="0">
+                <a:latin typeface="Consolas" panose="020B0609020204030204" pitchFamily="49" charset="0"/>
+              </a:rPr>
+              <a:t> e = </a:t>
+            </a:r>
+            <a:r>
+              <a:rPr lang="pl-PL" sz="4000" dirty="0" err="1">
+                <a:latin typeface="Consolas" panose="020B0609020204030204" pitchFamily="49" charset="0"/>
+              </a:rPr>
+              <a:t>employees.get</a:t>
+            </a:r>
+            <a:r>
+              <a:rPr lang="pl-PL" sz="4000" dirty="0">
+                <a:latin typeface="Consolas" panose="020B0609020204030204" pitchFamily="49" charset="0"/>
+              </a:rPr>
+              <a:t>(</a:t>
+            </a:r>
+            <a:r>
+              <a:rPr lang="pl-PL" sz="4000" dirty="0" err="1">
+                <a:latin typeface="Consolas" panose="020B0609020204030204" pitchFamily="49" charset="0"/>
+              </a:rPr>
+              <a:t>name</a:t>
+            </a:r>
+            <a:r>
+              <a:rPr lang="pl-PL" sz="4000" dirty="0">
+                <a:latin typeface="Consolas" panose="020B0609020204030204" pitchFamily="49" charset="0"/>
+              </a:rPr>
+              <a:t>);</a:t>
+            </a:r>
+          </a:p>
+          <a:p>
+            <a:r>
+              <a:rPr lang="pl-PL" sz="4000" dirty="0">
+                <a:latin typeface="Consolas" panose="020B0609020204030204" pitchFamily="49" charset="0"/>
+              </a:rPr>
+              <a:t>	</a:t>
+            </a:r>
+            <a:r>
+              <a:rPr lang="pl-PL" sz="4000" dirty="0" err="1">
+                <a:solidFill>
+                  <a:srgbClr val="0070C0"/>
+                </a:solidFill>
+                <a:latin typeface="Consolas" panose="020B0609020204030204" pitchFamily="49" charset="0"/>
+              </a:rPr>
+              <a:t>if</a:t>
+            </a:r>
+            <a:r>
+              <a:rPr lang="pl-PL" sz="4000" dirty="0">
+                <a:latin typeface="Consolas" panose="020B0609020204030204" pitchFamily="49" charset="0"/>
+              </a:rPr>
+              <a:t>(e == </a:t>
+            </a:r>
+            <a:r>
+              <a:rPr lang="pl-PL" sz="4000" dirty="0" err="1">
+                <a:latin typeface="Consolas" panose="020B0609020204030204" pitchFamily="49" charset="0"/>
+              </a:rPr>
+              <a:t>null</a:t>
+            </a:r>
+            <a:r>
+              <a:rPr lang="pl-PL" sz="4000" dirty="0">
+                <a:latin typeface="Consolas" panose="020B0609020204030204" pitchFamily="49" charset="0"/>
+              </a:rPr>
+              <a:t>)</a:t>
+            </a:r>
+          </a:p>
+          <a:p>
+            <a:r>
+              <a:rPr lang="pl-PL" sz="4000" dirty="0">
+                <a:latin typeface="Consolas" panose="020B0609020204030204" pitchFamily="49" charset="0"/>
+              </a:rPr>
+              <a:t>	{</a:t>
+            </a:r>
+          </a:p>
+          <a:p>
+            <a:r>
+              <a:rPr lang="pl-PL" sz="4000" dirty="0">
+                <a:latin typeface="Consolas" panose="020B0609020204030204" pitchFamily="49" charset="0"/>
+              </a:rPr>
+              <a:t>		</a:t>
+            </a:r>
+            <a:r>
+              <a:rPr lang="pl-PL" sz="4000" dirty="0">
+                <a:solidFill>
+                  <a:srgbClr val="0070C0"/>
+                </a:solidFill>
+                <a:latin typeface="Consolas" panose="020B0609020204030204" pitchFamily="49" charset="0"/>
+              </a:rPr>
+              <a:t>return</a:t>
+            </a:r>
+            <a:r>
+              <a:rPr lang="pl-PL" sz="4000" dirty="0">
+                <a:latin typeface="Consolas" panose="020B0609020204030204" pitchFamily="49" charset="0"/>
+              </a:rPr>
+              <a:t> </a:t>
+            </a:r>
+            <a:r>
+              <a:rPr lang="pl-PL" sz="4000" dirty="0" err="1">
+                <a:latin typeface="Consolas" panose="020B0609020204030204" pitchFamily="49" charset="0"/>
+              </a:rPr>
+              <a:t>new</a:t>
+            </a:r>
+            <a:r>
+              <a:rPr lang="pl-PL" sz="4000" dirty="0">
+                <a:latin typeface="Consolas" panose="020B0609020204030204" pitchFamily="49" charset="0"/>
+              </a:rPr>
+              <a:t> </a:t>
+            </a:r>
+            <a:r>
+              <a:rPr lang="pl-PL" sz="4000" dirty="0" err="1">
+                <a:latin typeface="Consolas" panose="020B0609020204030204" pitchFamily="49" charset="0"/>
+              </a:rPr>
+              <a:t>None</a:t>
+            </a:r>
+            <a:r>
+              <a:rPr lang="pl-PL" sz="4000" dirty="0">
+                <a:latin typeface="Consolas" panose="020B0609020204030204" pitchFamily="49" charset="0"/>
+              </a:rPr>
+              <a:t>&lt;</a:t>
+            </a:r>
+            <a:r>
+              <a:rPr lang="pl-PL" sz="4000" dirty="0" err="1">
+                <a:latin typeface="Consolas" panose="020B0609020204030204" pitchFamily="49" charset="0"/>
+              </a:rPr>
+              <a:t>Employee</a:t>
+            </a:r>
+            <a:r>
+              <a:rPr lang="pl-PL" sz="4000" dirty="0">
+                <a:latin typeface="Consolas" panose="020B0609020204030204" pitchFamily="49" charset="0"/>
+              </a:rPr>
+              <a:t>&gt;();	    </a:t>
+            </a:r>
+          </a:p>
+          <a:p>
+            <a:r>
+              <a:rPr lang="pl-PL" sz="4000" dirty="0">
+                <a:latin typeface="Consolas" panose="020B0609020204030204" pitchFamily="49" charset="0"/>
+              </a:rPr>
+              <a:t>	} </a:t>
+            </a:r>
+          </a:p>
+          <a:p>
+            <a:r>
+              <a:rPr lang="pl-PL" sz="4000" dirty="0">
+                <a:latin typeface="Consolas" panose="020B0609020204030204" pitchFamily="49" charset="0"/>
+              </a:rPr>
+              <a:t>	</a:t>
+            </a:r>
+            <a:r>
+              <a:rPr lang="pl-PL" sz="4000" dirty="0">
+                <a:solidFill>
+                  <a:srgbClr val="0070C0"/>
+                </a:solidFill>
+                <a:latin typeface="Consolas" panose="020B0609020204030204" pitchFamily="49" charset="0"/>
+              </a:rPr>
+              <a:t>return</a:t>
+            </a:r>
+            <a:r>
+              <a:rPr lang="pl-PL" sz="4000" dirty="0">
+                <a:latin typeface="Consolas" panose="020B0609020204030204" pitchFamily="49" charset="0"/>
+              </a:rPr>
+              <a:t> </a:t>
+            </a:r>
+            <a:r>
+              <a:rPr lang="pl-PL" sz="4000" dirty="0" err="1">
+                <a:latin typeface="Consolas" panose="020B0609020204030204" pitchFamily="49" charset="0"/>
+              </a:rPr>
+              <a:t>new</a:t>
+            </a:r>
+            <a:r>
+              <a:rPr lang="pl-PL" sz="4000" dirty="0">
+                <a:latin typeface="Consolas" panose="020B0609020204030204" pitchFamily="49" charset="0"/>
+              </a:rPr>
+              <a:t> </a:t>
+            </a:r>
+            <a:r>
+              <a:rPr lang="pl-PL" sz="4000" dirty="0" err="1">
+                <a:latin typeface="Consolas" panose="020B0609020204030204" pitchFamily="49" charset="0"/>
+              </a:rPr>
+              <a:t>Some</a:t>
+            </a:r>
+            <a:r>
+              <a:rPr lang="pl-PL" sz="4000" dirty="0">
+                <a:latin typeface="Consolas" panose="020B0609020204030204" pitchFamily="49" charset="0"/>
+              </a:rPr>
+              <a:t>&lt;</a:t>
+            </a:r>
+            <a:r>
+              <a:rPr lang="pl-PL" sz="4000" dirty="0" err="1">
+                <a:latin typeface="Consolas" panose="020B0609020204030204" pitchFamily="49" charset="0"/>
+              </a:rPr>
+              <a:t>Employee</a:t>
+            </a:r>
+            <a:r>
+              <a:rPr lang="pl-PL" sz="4000" dirty="0">
+                <a:latin typeface="Consolas" panose="020B0609020204030204" pitchFamily="49" charset="0"/>
+              </a:rPr>
+              <a:t>&gt;(e);	</a:t>
+            </a:r>
+          </a:p>
+          <a:p>
+            <a:r>
+              <a:rPr lang="pl-PL" sz="4000" dirty="0">
+                <a:latin typeface="Consolas" panose="020B0609020204030204" pitchFamily="49" charset="0"/>
+              </a:rPr>
+              <a:t>}</a:t>
+            </a:r>
+          </a:p>
+        </p:txBody>
+      </p:sp>
+    </p:spTree>
+    <p:extLst>
+      <p:ext uri="{BB962C8B-B14F-4D97-AF65-F5344CB8AC3E}">
+        <p14:creationId xmlns:p14="http://schemas.microsoft.com/office/powerpoint/2010/main" val="1858489845"/>
+      </p:ext>
+    </p:extLst>
+  </p:cSld>
+  <p:clrMapOvr>
+    <a:masterClrMapping/>
+  </p:clrMapOvr>
+</p:sld>
+</file>
+
+<file path=ppt/slides/slide46.xml><?xml version="1.0" encoding="utf-8"?>
+<p:sld xmlns:a="http://schemas.openxmlformats.org/drawingml/2006/main" xmlns:r="http://schemas.openxmlformats.org/officeDocument/2006/relationships" xmlns:p="http://schemas.openxmlformats.org/presentationml/2006/main">
+  <p:cSld>
+    <p:spTree>
+      <p:nvGrpSpPr>
+        <p:cNvPr id="1" name=""/>
+        <p:cNvGrpSpPr/>
+        <p:nvPr/>
+      </p:nvGrpSpPr>
+      <p:grpSpPr>
+        <a:xfrm>
+          <a:off x="0" y="0"/>
+          <a:ext cx="0" cy="0"/>
+          <a:chOff x="0" y="0"/>
+          <a:chExt cx="0" cy="0"/>
+        </a:xfrm>
+      </p:grpSpPr>
+      <p:sp>
+        <p:nvSpPr>
+          <p:cNvPr id="2" name="pole tekstowe 1">
+            <a:extLst>
+              <a:ext uri="{FF2B5EF4-FFF2-40B4-BE49-F238E27FC236}">
+                <a16:creationId xmlns:a16="http://schemas.microsoft.com/office/drawing/2014/main" id="{365AB94B-8F43-4449-AF38-AADE058EC648}"/>
+              </a:ext>
+            </a:extLst>
+          </p:cNvPr>
+          <p:cNvSpPr txBox="1"/>
+          <p:nvPr/>
+        </p:nvSpPr>
+        <p:spPr>
+          <a:xfrm>
+            <a:off x="266329" y="1951418"/>
+            <a:ext cx="11691892" cy="2400657"/>
+          </a:xfrm>
+          <a:prstGeom prst="rect">
+            <a:avLst/>
+          </a:prstGeom>
+          <a:noFill/>
+        </p:spPr>
+        <p:txBody>
+          <a:bodyPr wrap="square" rtlCol="0">
+            <a:spAutoFit/>
+          </a:bodyPr>
+          <a:lstStyle/>
+          <a:p>
+            <a:pPr algn="ctr"/>
+            <a:r>
+              <a:rPr lang="pl-PL" sz="15000" dirty="0">
+                <a:latin typeface="Consolas" panose="020B0609020204030204" pitchFamily="49" charset="0"/>
+                <a:cs typeface="Consolas" panose="020B0609020204030204" pitchFamily="49" charset="0"/>
+              </a:rPr>
+              <a:t>(</a:t>
+            </a:r>
+            <a:r>
+              <a:rPr lang="pl-PL" sz="15000" b="1" dirty="0">
+                <a:latin typeface="Consolas" panose="020B0609020204030204" pitchFamily="49" charset="0"/>
+                <a:cs typeface="Consolas" panose="020B0609020204030204" pitchFamily="49" charset="0"/>
+                <a:sym typeface="Symbol" panose="05050102010706020507" pitchFamily="18" charset="2"/>
+              </a:rPr>
+              <a:t></a:t>
+            </a:r>
+            <a:r>
+              <a:rPr lang="pl-PL" sz="15000" dirty="0">
+                <a:latin typeface="Consolas" panose="020B0609020204030204" pitchFamily="49" charset="0"/>
+                <a:cs typeface="Consolas" panose="020B0609020204030204" pitchFamily="49" charset="0"/>
+              </a:rPr>
+              <a:t>)</a:t>
+            </a:r>
+          </a:p>
+        </p:txBody>
+      </p:sp>
+    </p:spTree>
+    <p:extLst>
+      <p:ext uri="{BB962C8B-B14F-4D97-AF65-F5344CB8AC3E}">
+        <p14:creationId xmlns:p14="http://schemas.microsoft.com/office/powerpoint/2010/main" val="1262203488"/>
+      </p:ext>
+    </p:extLst>
+  </p:cSld>
+  <p:clrMapOvr>
+    <a:masterClrMapping/>
+  </p:clrMapOvr>
+</p:sld>
+</file>
+
+<file path=ppt/slides/slide47.xml><?xml version="1.0" encoding="utf-8"?>
+<p:sld xmlns:a="http://schemas.openxmlformats.org/drawingml/2006/main" xmlns:r="http://schemas.openxmlformats.org/officeDocument/2006/relationships" xmlns:p="http://schemas.openxmlformats.org/presentationml/2006/main">
+  <p:cSld>
+    <p:spTree>
+      <p:nvGrpSpPr>
+        <p:cNvPr id="1" name=""/>
+        <p:cNvGrpSpPr/>
+        <p:nvPr/>
+      </p:nvGrpSpPr>
+      <p:grpSpPr>
+        <a:xfrm>
+          <a:off x="0" y="0"/>
+          <a:ext cx="0" cy="0"/>
+          <a:chOff x="0" y="0"/>
+          <a:chExt cx="0" cy="0"/>
+        </a:xfrm>
+      </p:grpSpPr>
+      <p:sp>
+        <p:nvSpPr>
+          <p:cNvPr id="5" name="Prostokąt 4">
+            <a:extLst>
+              <a:ext uri="{FF2B5EF4-FFF2-40B4-BE49-F238E27FC236}">
+                <a16:creationId xmlns:a16="http://schemas.microsoft.com/office/drawing/2014/main" id="{50DB7475-3AB0-4DF2-A1A5-A6C4269F9AA0}"/>
+              </a:ext>
+            </a:extLst>
+          </p:cNvPr>
+          <p:cNvSpPr/>
+          <p:nvPr/>
+        </p:nvSpPr>
+        <p:spPr>
+          <a:xfrm>
+            <a:off x="1716350" y="1015014"/>
+            <a:ext cx="3959441" cy="655468"/>
+          </a:xfrm>
+          <a:prstGeom prst="rect">
+            <a:avLst/>
+          </a:prstGeom>
+          <a:solidFill>
+            <a:srgbClr val="FFFF00"/>
+          </a:solidFill>
+          <a:ln>
+            <a:noFill/>
+          </a:ln>
+        </p:spPr>
+        <p:style>
+          <a:lnRef idx="2">
+            <a:schemeClr val="accent1">
+              <a:shade val="50000"/>
+            </a:schemeClr>
+          </a:lnRef>
+          <a:fillRef idx="1">
+            <a:schemeClr val="accent1"/>
+          </a:fillRef>
+          <a:effectRef idx="0">
+            <a:schemeClr val="accent1"/>
+          </a:effectRef>
+          <a:fontRef idx="minor">
+            <a:schemeClr val="lt1"/>
+          </a:fontRef>
+        </p:style>
+        <p:txBody>
+          <a:bodyPr rtlCol="0" anchor="ctr"/>
+          <a:lstStyle/>
+          <a:p>
+            <a:pPr algn="ctr"/>
+            <a:endParaRPr lang="pl-PL"/>
+          </a:p>
+        </p:txBody>
+      </p:sp>
+      <p:sp>
+        <p:nvSpPr>
+          <p:cNvPr id="4" name="Prostokąt 3">
+            <a:extLst>
+              <a:ext uri="{FF2B5EF4-FFF2-40B4-BE49-F238E27FC236}">
+                <a16:creationId xmlns:a16="http://schemas.microsoft.com/office/drawing/2014/main" id="{63D4C7C4-59C9-40E8-AA8B-F368DCB3DBB4}"/>
+              </a:ext>
+            </a:extLst>
+          </p:cNvPr>
+          <p:cNvSpPr/>
+          <p:nvPr/>
+        </p:nvSpPr>
+        <p:spPr>
+          <a:xfrm>
+            <a:off x="2274164" y="4049697"/>
+            <a:ext cx="3959441" cy="655468"/>
+          </a:xfrm>
+          <a:prstGeom prst="rect">
+            <a:avLst/>
+          </a:prstGeom>
+          <a:solidFill>
+            <a:srgbClr val="FFFF00"/>
+          </a:solidFill>
+          <a:ln>
+            <a:noFill/>
+          </a:ln>
+        </p:spPr>
+        <p:style>
+          <a:lnRef idx="2">
+            <a:schemeClr val="accent1">
+              <a:shade val="50000"/>
+            </a:schemeClr>
+          </a:lnRef>
+          <a:fillRef idx="1">
+            <a:schemeClr val="accent1"/>
+          </a:fillRef>
+          <a:effectRef idx="0">
+            <a:schemeClr val="accent1"/>
+          </a:effectRef>
+          <a:fontRef idx="minor">
+            <a:schemeClr val="lt1"/>
+          </a:fontRef>
+        </p:style>
+        <p:txBody>
+          <a:bodyPr rtlCol="0" anchor="ctr"/>
+          <a:lstStyle/>
+          <a:p>
+            <a:pPr algn="ctr"/>
+            <a:endParaRPr lang="pl-PL"/>
+          </a:p>
+        </p:txBody>
+      </p:sp>
+      <p:sp>
+        <p:nvSpPr>
+          <p:cNvPr id="2" name="pole tekstowe 1">
+            <a:extLst>
+              <a:ext uri="{FF2B5EF4-FFF2-40B4-BE49-F238E27FC236}">
+                <a16:creationId xmlns:a16="http://schemas.microsoft.com/office/drawing/2014/main" id="{51A870B3-D539-49DF-9E43-1728C5427B07}"/>
+              </a:ext>
+            </a:extLst>
+          </p:cNvPr>
+          <p:cNvSpPr txBox="1"/>
+          <p:nvPr/>
+        </p:nvSpPr>
+        <p:spPr>
+          <a:xfrm>
+            <a:off x="746621" y="344576"/>
+            <a:ext cx="11098636" cy="6247864"/>
+          </a:xfrm>
+          <a:prstGeom prst="rect">
+            <a:avLst/>
+          </a:prstGeom>
+          <a:noFill/>
+        </p:spPr>
+        <p:txBody>
+          <a:bodyPr wrap="square" rtlCol="0">
+            <a:spAutoFit/>
+          </a:bodyPr>
+          <a:lstStyle/>
+          <a:p>
+            <a:r>
+              <a:rPr lang="pl-PL" sz="4000" dirty="0">
+                <a:solidFill>
+                  <a:srgbClr val="0070C0"/>
+                </a:solidFill>
+                <a:latin typeface="Consolas" panose="020B0609020204030204" pitchFamily="49" charset="0"/>
+              </a:rPr>
+              <a:t>public</a:t>
+            </a:r>
+            <a:r>
+              <a:rPr lang="pl-PL" sz="4000" dirty="0">
+                <a:latin typeface="Consolas" panose="020B0609020204030204" pitchFamily="49" charset="0"/>
+              </a:rPr>
+              <a:t> </a:t>
+            </a:r>
+            <a:r>
+              <a:rPr lang="pl-PL" sz="4000" dirty="0" err="1">
+                <a:latin typeface="Consolas" panose="020B0609020204030204" pitchFamily="49" charset="0"/>
+              </a:rPr>
+              <a:t>Employee</a:t>
+            </a:r>
+            <a:r>
+              <a:rPr lang="pl-PL" sz="4000" dirty="0">
+                <a:latin typeface="Consolas" panose="020B0609020204030204" pitchFamily="49" charset="0"/>
+              </a:rPr>
+              <a:t> </a:t>
+            </a:r>
+            <a:r>
+              <a:rPr lang="pl-PL" sz="4000" dirty="0" err="1">
+                <a:latin typeface="Consolas" panose="020B0609020204030204" pitchFamily="49" charset="0"/>
+              </a:rPr>
+              <a:t>getByName</a:t>
+            </a:r>
+            <a:r>
+              <a:rPr lang="pl-PL" sz="4000" dirty="0">
+                <a:latin typeface="Consolas" panose="020B0609020204030204" pitchFamily="49" charset="0"/>
+              </a:rPr>
+              <a:t>(</a:t>
+            </a:r>
+            <a:r>
+              <a:rPr lang="pl-PL" sz="4000" dirty="0">
+                <a:solidFill>
+                  <a:srgbClr val="0070C0"/>
+                </a:solidFill>
+                <a:latin typeface="Consolas" panose="020B0609020204030204" pitchFamily="49" charset="0"/>
+              </a:rPr>
+              <a:t>String</a:t>
+            </a:r>
+            <a:r>
+              <a:rPr lang="pl-PL" sz="4000" dirty="0">
+                <a:latin typeface="Consolas" panose="020B0609020204030204" pitchFamily="49" charset="0"/>
+              </a:rPr>
+              <a:t> </a:t>
+            </a:r>
+            <a:r>
+              <a:rPr lang="pl-PL" sz="4000" dirty="0" err="1">
+                <a:latin typeface="Consolas" panose="020B0609020204030204" pitchFamily="49" charset="0"/>
+              </a:rPr>
+              <a:t>name</a:t>
+            </a:r>
+            <a:r>
+              <a:rPr lang="pl-PL" sz="4000" dirty="0">
+                <a:latin typeface="Consolas" panose="020B0609020204030204" pitchFamily="49" charset="0"/>
+              </a:rPr>
+              <a:t>,</a:t>
+            </a:r>
+          </a:p>
+          <a:p>
+            <a:r>
+              <a:rPr lang="pl-PL" sz="4000" dirty="0">
+                <a:latin typeface="Consolas" panose="020B0609020204030204" pitchFamily="49" charset="0"/>
+              </a:rPr>
+              <a:t>	</a:t>
+            </a:r>
+            <a:r>
+              <a:rPr lang="pl-PL" sz="4000" dirty="0" err="1">
+                <a:solidFill>
+                  <a:srgbClr val="0070C0"/>
+                </a:solidFill>
+                <a:latin typeface="Consolas" panose="020B0609020204030204" pitchFamily="49" charset="0"/>
+              </a:rPr>
+              <a:t>Func</a:t>
+            </a:r>
+            <a:r>
+              <a:rPr lang="pl-PL" sz="4000" dirty="0">
+                <a:latin typeface="Consolas" panose="020B0609020204030204" pitchFamily="49" charset="0"/>
+              </a:rPr>
+              <a:t> </a:t>
+            </a:r>
+            <a:r>
+              <a:rPr lang="pl-PL" sz="4000" dirty="0" err="1">
+                <a:latin typeface="Consolas" panose="020B0609020204030204" pitchFamily="49" charset="0"/>
+              </a:rPr>
+              <a:t>errorFunc</a:t>
+            </a:r>
+            <a:r>
+              <a:rPr lang="pl-PL" sz="4000" dirty="0">
+                <a:latin typeface="Consolas" panose="020B0609020204030204" pitchFamily="49" charset="0"/>
+              </a:rPr>
+              <a:t>)</a:t>
+            </a:r>
+          </a:p>
+          <a:p>
+            <a:r>
+              <a:rPr lang="pl-PL" sz="4000" dirty="0">
+                <a:latin typeface="Consolas" panose="020B0609020204030204" pitchFamily="49" charset="0"/>
+              </a:rPr>
+              <a:t>{</a:t>
+            </a:r>
+          </a:p>
+          <a:p>
+            <a:r>
+              <a:rPr lang="pl-PL" sz="4000" dirty="0">
+                <a:latin typeface="Consolas" panose="020B0609020204030204" pitchFamily="49" charset="0"/>
+              </a:rPr>
+              <a:t>	</a:t>
+            </a:r>
+            <a:r>
+              <a:rPr lang="pl-PL" sz="4000" dirty="0" err="1">
+                <a:latin typeface="Consolas" panose="020B0609020204030204" pitchFamily="49" charset="0"/>
+              </a:rPr>
+              <a:t>Employee</a:t>
+            </a:r>
+            <a:r>
+              <a:rPr lang="pl-PL" sz="4000" dirty="0">
+                <a:latin typeface="Consolas" panose="020B0609020204030204" pitchFamily="49" charset="0"/>
+              </a:rPr>
+              <a:t> e = </a:t>
+            </a:r>
+            <a:r>
+              <a:rPr lang="pl-PL" sz="4000" dirty="0" err="1">
+                <a:latin typeface="Consolas" panose="020B0609020204030204" pitchFamily="49" charset="0"/>
+              </a:rPr>
+              <a:t>employees.get</a:t>
+            </a:r>
+            <a:r>
+              <a:rPr lang="pl-PL" sz="4000" dirty="0">
+                <a:latin typeface="Consolas" panose="020B0609020204030204" pitchFamily="49" charset="0"/>
+              </a:rPr>
+              <a:t>(</a:t>
+            </a:r>
+            <a:r>
+              <a:rPr lang="pl-PL" sz="4000" dirty="0" err="1">
+                <a:latin typeface="Consolas" panose="020B0609020204030204" pitchFamily="49" charset="0"/>
+              </a:rPr>
+              <a:t>name</a:t>
+            </a:r>
+            <a:r>
+              <a:rPr lang="pl-PL" sz="4000" dirty="0">
+                <a:latin typeface="Consolas" panose="020B0609020204030204" pitchFamily="49" charset="0"/>
+              </a:rPr>
+              <a:t>);</a:t>
+            </a:r>
+          </a:p>
+          <a:p>
+            <a:r>
+              <a:rPr lang="pl-PL" sz="4000" dirty="0">
+                <a:latin typeface="Consolas" panose="020B0609020204030204" pitchFamily="49" charset="0"/>
+              </a:rPr>
+              <a:t>	</a:t>
+            </a:r>
+            <a:r>
+              <a:rPr lang="pl-PL" sz="4000" dirty="0" err="1">
+                <a:solidFill>
+                  <a:srgbClr val="0070C0"/>
+                </a:solidFill>
+                <a:latin typeface="Consolas" panose="020B0609020204030204" pitchFamily="49" charset="0"/>
+              </a:rPr>
+              <a:t>if</a:t>
+            </a:r>
+            <a:r>
+              <a:rPr lang="pl-PL" sz="4000" dirty="0">
+                <a:latin typeface="Consolas" panose="020B0609020204030204" pitchFamily="49" charset="0"/>
+              </a:rPr>
+              <a:t>(e == </a:t>
+            </a:r>
+            <a:r>
+              <a:rPr lang="pl-PL" sz="4000" dirty="0" err="1">
+                <a:latin typeface="Consolas" panose="020B0609020204030204" pitchFamily="49" charset="0"/>
+              </a:rPr>
+              <a:t>null</a:t>
+            </a:r>
+            <a:r>
+              <a:rPr lang="pl-PL" sz="4000" dirty="0">
+                <a:latin typeface="Consolas" panose="020B0609020204030204" pitchFamily="49" charset="0"/>
+              </a:rPr>
+              <a:t>)</a:t>
+            </a:r>
+          </a:p>
+          <a:p>
+            <a:r>
+              <a:rPr lang="pl-PL" sz="4000" dirty="0">
+                <a:latin typeface="Consolas" panose="020B0609020204030204" pitchFamily="49" charset="0"/>
+              </a:rPr>
+              <a:t>	{</a:t>
+            </a:r>
+          </a:p>
+          <a:p>
+            <a:r>
+              <a:rPr lang="pl-PL" sz="4000" dirty="0">
+                <a:latin typeface="Consolas" panose="020B0609020204030204" pitchFamily="49" charset="0"/>
+              </a:rPr>
+              <a:t>		</a:t>
+            </a:r>
+            <a:r>
+              <a:rPr lang="pl-PL" sz="4000" dirty="0" err="1">
+                <a:latin typeface="Consolas" panose="020B0609020204030204" pitchFamily="49" charset="0"/>
+              </a:rPr>
+              <a:t>errorFunc</a:t>
+            </a:r>
+            <a:r>
+              <a:rPr lang="pl-PL" sz="4000" dirty="0">
+                <a:latin typeface="Consolas" panose="020B0609020204030204" pitchFamily="49" charset="0"/>
+              </a:rPr>
+              <a:t>();	    </a:t>
+            </a:r>
+          </a:p>
+          <a:p>
+            <a:r>
+              <a:rPr lang="pl-PL" sz="4000" dirty="0">
+                <a:latin typeface="Consolas" panose="020B0609020204030204" pitchFamily="49" charset="0"/>
+              </a:rPr>
+              <a:t>	} </a:t>
+            </a:r>
+          </a:p>
+          <a:p>
+            <a:r>
+              <a:rPr lang="pl-PL" sz="4000" dirty="0">
+                <a:latin typeface="Consolas" panose="020B0609020204030204" pitchFamily="49" charset="0"/>
+              </a:rPr>
+              <a:t>	</a:t>
+            </a:r>
+            <a:r>
+              <a:rPr lang="pl-PL" sz="4000" dirty="0">
+                <a:solidFill>
+                  <a:srgbClr val="0070C0"/>
+                </a:solidFill>
+                <a:latin typeface="Consolas" panose="020B0609020204030204" pitchFamily="49" charset="0"/>
+              </a:rPr>
+              <a:t>return</a:t>
+            </a:r>
+            <a:r>
+              <a:rPr lang="pl-PL" sz="4000" dirty="0">
+                <a:latin typeface="Consolas" panose="020B0609020204030204" pitchFamily="49" charset="0"/>
+              </a:rPr>
+              <a:t> e;	</a:t>
+            </a:r>
+          </a:p>
+          <a:p>
+            <a:r>
+              <a:rPr lang="pl-PL" sz="4000" dirty="0">
+                <a:latin typeface="Consolas" panose="020B0609020204030204" pitchFamily="49" charset="0"/>
+              </a:rPr>
+              <a:t>}</a:t>
+            </a:r>
+          </a:p>
+        </p:txBody>
+      </p:sp>
+    </p:spTree>
+    <p:extLst>
+      <p:ext uri="{BB962C8B-B14F-4D97-AF65-F5344CB8AC3E}">
+        <p14:creationId xmlns:p14="http://schemas.microsoft.com/office/powerpoint/2010/main" val="1336544512"/>
+      </p:ext>
+    </p:extLst>
+  </p:cSld>
+  <p:clrMapOvr>
+    <a:masterClrMapping/>
+  </p:clrMapOvr>
+</p:sld>
+</file>
+
+<file path=ppt/slides/slide48.xml><?xml version="1.0" encoding="utf-8"?>
+<p:sld xmlns:a="http://schemas.openxmlformats.org/drawingml/2006/main" xmlns:r="http://schemas.openxmlformats.org/officeDocument/2006/relationships" xmlns:p="http://schemas.openxmlformats.org/presentationml/2006/main">
+  <p:cSld>
+    <p:spTree>
+      <p:nvGrpSpPr>
+        <p:cNvPr id="1" name=""/>
+        <p:cNvGrpSpPr/>
+        <p:nvPr/>
+      </p:nvGrpSpPr>
+      <p:grpSpPr>
+        <a:xfrm>
+          <a:off x="0" y="0"/>
+          <a:ext cx="0" cy="0"/>
+          <a:chOff x="0" y="0"/>
+          <a:chExt cx="0" cy="0"/>
+        </a:xfrm>
+      </p:grpSpPr>
+      <p:sp>
+        <p:nvSpPr>
           <p:cNvPr id="2" name="Prostokąt 1">
             <a:extLst>
               <a:ext uri="{FF2B5EF4-FFF2-40B4-BE49-F238E27FC236}">
@@ -13888,7 +15064,7 @@
 </p:sld>
 </file>
 
-<file path=ppt/slides/slide43.xml><?xml version="1.0" encoding="utf-8"?>
+<file path=ppt/slides/slide49.xml><?xml version="1.0" encoding="utf-8"?>
 <p:sld xmlns:a="http://schemas.openxmlformats.org/drawingml/2006/main" xmlns:r="http://schemas.openxmlformats.org/officeDocument/2006/relationships" xmlns:p="http://schemas.openxmlformats.org/presentationml/2006/main">
   <p:cSld>
     <p:spTree>
@@ -14001,209 +15177,6 @@
 </p:sld>
 </file>
 
-<file path=ppt/slides/slide44.xml><?xml version="1.0" encoding="utf-8"?>
-<p:sld xmlns:a="http://schemas.openxmlformats.org/drawingml/2006/main" xmlns:r="http://schemas.openxmlformats.org/officeDocument/2006/relationships" xmlns:p="http://schemas.openxmlformats.org/presentationml/2006/main">
-  <p:cSld>
-    <p:spTree>
-      <p:nvGrpSpPr>
-        <p:cNvPr id="1" name=""/>
-        <p:cNvGrpSpPr/>
-        <p:nvPr/>
-      </p:nvGrpSpPr>
-      <p:grpSpPr>
-        <a:xfrm>
-          <a:off x="0" y="0"/>
-          <a:ext cx="0" cy="0"/>
-          <a:chOff x="0" y="0"/>
-          <a:chExt cx="0" cy="0"/>
-        </a:xfrm>
-      </p:grpSpPr>
-      <p:sp>
-        <p:nvSpPr>
-          <p:cNvPr id="2" name="pole tekstowe 1">
-            <a:extLst>
-              <a:ext uri="{FF2B5EF4-FFF2-40B4-BE49-F238E27FC236}">
-                <a16:creationId xmlns:a16="http://schemas.microsoft.com/office/drawing/2014/main" id="{E7E689C7-505F-422E-A0A9-F3A5A051FD0A}"/>
-              </a:ext>
-            </a:extLst>
-          </p:cNvPr>
-          <p:cNvSpPr txBox="1"/>
-          <p:nvPr/>
-        </p:nvSpPr>
-        <p:spPr>
-          <a:xfrm>
-            <a:off x="1809927" y="830502"/>
-            <a:ext cx="8843278" cy="4832092"/>
-          </a:xfrm>
-          <a:prstGeom prst="rect">
-            <a:avLst/>
-          </a:prstGeom>
-          <a:noFill/>
-        </p:spPr>
-        <p:txBody>
-          <a:bodyPr wrap="square" rtlCol="0">
-            <a:spAutoFit/>
-          </a:bodyPr>
-          <a:lstStyle/>
-          <a:p>
-            <a:r>
-              <a:rPr lang="pl-PL" sz="4400" dirty="0" err="1">
-                <a:solidFill>
-                  <a:srgbClr val="0070C0"/>
-                </a:solidFill>
-                <a:latin typeface="Consolas" panose="020B0609020204030204" pitchFamily="49" charset="0"/>
-                <a:cs typeface="Consolas" panose="020B0609020204030204" pitchFamily="49" charset="0"/>
-              </a:rPr>
-              <a:t>class</a:t>
-            </a:r>
-            <a:r>
-              <a:rPr lang="pl-PL" sz="4400" dirty="0">
-                <a:latin typeface="Consolas" panose="020B0609020204030204" pitchFamily="49" charset="0"/>
-                <a:cs typeface="Consolas" panose="020B0609020204030204" pitchFamily="49" charset="0"/>
-              </a:rPr>
-              <a:t> Presentation</a:t>
-            </a:r>
-          </a:p>
-          <a:p>
-            <a:r>
-              <a:rPr lang="pl-PL" sz="4400" dirty="0">
-                <a:latin typeface="Consolas" panose="020B0609020204030204" pitchFamily="49" charset="0"/>
-                <a:cs typeface="Consolas" panose="020B0609020204030204" pitchFamily="49" charset="0"/>
-              </a:rPr>
-              <a:t>{</a:t>
-            </a:r>
-          </a:p>
-          <a:p>
-            <a:r>
-              <a:rPr lang="pl-PL" sz="4400" dirty="0">
-                <a:latin typeface="Consolas" panose="020B0609020204030204" pitchFamily="49" charset="0"/>
-                <a:cs typeface="Consolas" panose="020B0609020204030204" pitchFamily="49" charset="0"/>
-              </a:rPr>
-              <a:t>	~Presentation()</a:t>
-            </a:r>
-          </a:p>
-          <a:p>
-            <a:r>
-              <a:rPr lang="pl-PL" sz="4400" dirty="0">
-                <a:latin typeface="Consolas" panose="020B0609020204030204" pitchFamily="49" charset="0"/>
-                <a:cs typeface="Consolas" panose="020B0609020204030204" pitchFamily="49" charset="0"/>
-              </a:rPr>
-              <a:t>	{</a:t>
-            </a:r>
-          </a:p>
-          <a:p>
-            <a:r>
-              <a:rPr lang="pl-PL" sz="4400" dirty="0">
-                <a:latin typeface="Consolas" panose="020B0609020204030204" pitchFamily="49" charset="0"/>
-                <a:cs typeface="Consolas" panose="020B0609020204030204" pitchFamily="49" charset="0"/>
-              </a:rPr>
-              <a:t>		</a:t>
-            </a:r>
-            <a:r>
-              <a:rPr lang="pl-PL" sz="4400" dirty="0" err="1">
-                <a:latin typeface="Consolas" panose="020B0609020204030204" pitchFamily="49" charset="0"/>
-                <a:cs typeface="Consolas" panose="020B0609020204030204" pitchFamily="49" charset="0"/>
-              </a:rPr>
-              <a:t>printf</a:t>
-            </a:r>
-            <a:r>
-              <a:rPr lang="pl-PL" sz="4400" dirty="0">
-                <a:latin typeface="Consolas" panose="020B0609020204030204" pitchFamily="49" charset="0"/>
-                <a:cs typeface="Consolas" panose="020B0609020204030204" pitchFamily="49" charset="0"/>
-              </a:rPr>
-              <a:t>(</a:t>
-            </a:r>
-            <a:r>
-              <a:rPr lang="pl-PL" sz="4400" dirty="0">
-                <a:solidFill>
-                  <a:srgbClr val="C00000"/>
-                </a:solidFill>
-                <a:latin typeface="Consolas" panose="020B0609020204030204" pitchFamily="49" charset="0"/>
-                <a:cs typeface="Consolas" panose="020B0609020204030204" pitchFamily="49" charset="0"/>
-              </a:rPr>
-              <a:t>”</a:t>
-            </a:r>
-            <a:r>
-              <a:rPr lang="pl-PL" sz="4400" dirty="0" err="1">
-                <a:solidFill>
-                  <a:srgbClr val="C00000"/>
-                </a:solidFill>
-                <a:latin typeface="Consolas" panose="020B0609020204030204" pitchFamily="49" charset="0"/>
-                <a:cs typeface="Consolas" panose="020B0609020204030204" pitchFamily="49" charset="0"/>
-              </a:rPr>
-              <a:t>thanks</a:t>
-            </a:r>
-            <a:r>
-              <a:rPr lang="pl-PL" sz="4400" dirty="0">
-                <a:solidFill>
-                  <a:srgbClr val="C00000"/>
-                </a:solidFill>
-                <a:latin typeface="Consolas" panose="020B0609020204030204" pitchFamily="49" charset="0"/>
-                <a:cs typeface="Consolas" panose="020B0609020204030204" pitchFamily="49" charset="0"/>
-              </a:rPr>
-              <a:t>, </a:t>
-            </a:r>
-            <a:r>
-              <a:rPr lang="pl-PL" sz="4400" dirty="0" err="1">
-                <a:solidFill>
-                  <a:srgbClr val="C00000"/>
-                </a:solidFill>
-                <a:latin typeface="Consolas" panose="020B0609020204030204" pitchFamily="49" charset="0"/>
-                <a:cs typeface="Consolas" panose="020B0609020204030204" pitchFamily="49" charset="0"/>
-              </a:rPr>
-              <a:t>bye</a:t>
-            </a:r>
-            <a:r>
-              <a:rPr lang="pl-PL" sz="4400" dirty="0">
-                <a:solidFill>
-                  <a:srgbClr val="C00000"/>
-                </a:solidFill>
-                <a:latin typeface="Consolas" panose="020B0609020204030204" pitchFamily="49" charset="0"/>
-                <a:cs typeface="Consolas" panose="020B0609020204030204" pitchFamily="49" charset="0"/>
-              </a:rPr>
-              <a:t>”</a:t>
-            </a:r>
-            <a:r>
-              <a:rPr lang="pl-PL" sz="4400" dirty="0">
-                <a:latin typeface="Consolas" panose="020B0609020204030204" pitchFamily="49" charset="0"/>
-                <a:cs typeface="Consolas" panose="020B0609020204030204" pitchFamily="49" charset="0"/>
-              </a:rPr>
-              <a:t>);</a:t>
-            </a:r>
-          </a:p>
-          <a:p>
-            <a:r>
-              <a:rPr lang="pl-PL" sz="4400" dirty="0">
-                <a:latin typeface="Consolas" panose="020B0609020204030204" pitchFamily="49" charset="0"/>
-                <a:cs typeface="Consolas" panose="020B0609020204030204" pitchFamily="49" charset="0"/>
-              </a:rPr>
-              <a:t>	}</a:t>
-            </a:r>
-          </a:p>
-          <a:p>
-            <a:r>
-              <a:rPr lang="pl-PL" sz="4400" dirty="0">
-                <a:latin typeface="Consolas" panose="020B0609020204030204" pitchFamily="49" charset="0"/>
-                <a:cs typeface="Consolas" panose="020B0609020204030204" pitchFamily="49" charset="0"/>
-              </a:rPr>
-              <a:t>} </a:t>
-            </a:r>
-          </a:p>
-        </p:txBody>
-      </p:sp>
-    </p:spTree>
-    <p:extLst>
-      <p:ext uri="{BB962C8B-B14F-4D97-AF65-F5344CB8AC3E}">
-        <p14:creationId xmlns:p14="http://schemas.microsoft.com/office/powerpoint/2010/main" val="3069652384"/>
-      </p:ext>
-    </p:extLst>
-  </p:cSld>
-  <p:clrMapOvr>
-    <a:masterClrMapping/>
-  </p:clrMapOvr>
-</p:sld>
-</file>
-
 <file path=ppt/slides/slide5.xml><?xml version="1.0" encoding="utf-8"?>
 <p:sld xmlns:a="http://schemas.openxmlformats.org/drawingml/2006/main" xmlns:r="http://schemas.openxmlformats.org/officeDocument/2006/relationships" xmlns:p="http://schemas.openxmlformats.org/presentationml/2006/main">
   <p:cSld>
@@ -14258,6 +15231,209 @@
     <p:extLst>
       <p:ext uri="{BB962C8B-B14F-4D97-AF65-F5344CB8AC3E}">
         <p14:creationId xmlns:p14="http://schemas.microsoft.com/office/powerpoint/2010/main" val="4076854610"/>
+      </p:ext>
+    </p:extLst>
+  </p:cSld>
+  <p:clrMapOvr>
+    <a:masterClrMapping/>
+  </p:clrMapOvr>
+</p:sld>
+</file>
+
+<file path=ppt/slides/slide50.xml><?xml version="1.0" encoding="utf-8"?>
+<p:sld xmlns:a="http://schemas.openxmlformats.org/drawingml/2006/main" xmlns:r="http://schemas.openxmlformats.org/officeDocument/2006/relationships" xmlns:p="http://schemas.openxmlformats.org/presentationml/2006/main">
+  <p:cSld>
+    <p:spTree>
+      <p:nvGrpSpPr>
+        <p:cNvPr id="1" name=""/>
+        <p:cNvGrpSpPr/>
+        <p:nvPr/>
+      </p:nvGrpSpPr>
+      <p:grpSpPr>
+        <a:xfrm>
+          <a:off x="0" y="0"/>
+          <a:ext cx="0" cy="0"/>
+          <a:chOff x="0" y="0"/>
+          <a:chExt cx="0" cy="0"/>
+        </a:xfrm>
+      </p:grpSpPr>
+      <p:sp>
+        <p:nvSpPr>
+          <p:cNvPr id="2" name="pole tekstowe 1">
+            <a:extLst>
+              <a:ext uri="{FF2B5EF4-FFF2-40B4-BE49-F238E27FC236}">
+                <a16:creationId xmlns:a16="http://schemas.microsoft.com/office/drawing/2014/main" id="{E7E689C7-505F-422E-A0A9-F3A5A051FD0A}"/>
+              </a:ext>
+            </a:extLst>
+          </p:cNvPr>
+          <p:cNvSpPr txBox="1"/>
+          <p:nvPr/>
+        </p:nvSpPr>
+        <p:spPr>
+          <a:xfrm>
+            <a:off x="1809927" y="830502"/>
+            <a:ext cx="8843278" cy="4832092"/>
+          </a:xfrm>
+          <a:prstGeom prst="rect">
+            <a:avLst/>
+          </a:prstGeom>
+          <a:noFill/>
+        </p:spPr>
+        <p:txBody>
+          <a:bodyPr wrap="square" rtlCol="0">
+            <a:spAutoFit/>
+          </a:bodyPr>
+          <a:lstStyle/>
+          <a:p>
+            <a:r>
+              <a:rPr lang="pl-PL" sz="4400" dirty="0" err="1">
+                <a:solidFill>
+                  <a:srgbClr val="0070C0"/>
+                </a:solidFill>
+                <a:latin typeface="Consolas" panose="020B0609020204030204" pitchFamily="49" charset="0"/>
+                <a:cs typeface="Consolas" panose="020B0609020204030204" pitchFamily="49" charset="0"/>
+              </a:rPr>
+              <a:t>class</a:t>
+            </a:r>
+            <a:r>
+              <a:rPr lang="pl-PL" sz="4400" dirty="0">
+                <a:latin typeface="Consolas" panose="020B0609020204030204" pitchFamily="49" charset="0"/>
+                <a:cs typeface="Consolas" panose="020B0609020204030204" pitchFamily="49" charset="0"/>
+              </a:rPr>
+              <a:t> Presentation</a:t>
+            </a:r>
+          </a:p>
+          <a:p>
+            <a:r>
+              <a:rPr lang="pl-PL" sz="4400" dirty="0">
+                <a:latin typeface="Consolas" panose="020B0609020204030204" pitchFamily="49" charset="0"/>
+                <a:cs typeface="Consolas" panose="020B0609020204030204" pitchFamily="49" charset="0"/>
+              </a:rPr>
+              <a:t>{</a:t>
+            </a:r>
+          </a:p>
+          <a:p>
+            <a:r>
+              <a:rPr lang="pl-PL" sz="4400" dirty="0">
+                <a:latin typeface="Consolas" panose="020B0609020204030204" pitchFamily="49" charset="0"/>
+                <a:cs typeface="Consolas" panose="020B0609020204030204" pitchFamily="49" charset="0"/>
+              </a:rPr>
+              <a:t>	~Presentation()</a:t>
+            </a:r>
+          </a:p>
+          <a:p>
+            <a:r>
+              <a:rPr lang="pl-PL" sz="4400" dirty="0">
+                <a:latin typeface="Consolas" panose="020B0609020204030204" pitchFamily="49" charset="0"/>
+                <a:cs typeface="Consolas" panose="020B0609020204030204" pitchFamily="49" charset="0"/>
+              </a:rPr>
+              <a:t>	{</a:t>
+            </a:r>
+          </a:p>
+          <a:p>
+            <a:r>
+              <a:rPr lang="pl-PL" sz="4400" dirty="0">
+                <a:latin typeface="Consolas" panose="020B0609020204030204" pitchFamily="49" charset="0"/>
+                <a:cs typeface="Consolas" panose="020B0609020204030204" pitchFamily="49" charset="0"/>
+              </a:rPr>
+              <a:t>		</a:t>
+            </a:r>
+            <a:r>
+              <a:rPr lang="pl-PL" sz="4400" dirty="0" err="1">
+                <a:latin typeface="Consolas" panose="020B0609020204030204" pitchFamily="49" charset="0"/>
+                <a:cs typeface="Consolas" panose="020B0609020204030204" pitchFamily="49" charset="0"/>
+              </a:rPr>
+              <a:t>printf</a:t>
+            </a:r>
+            <a:r>
+              <a:rPr lang="pl-PL" sz="4400" dirty="0">
+                <a:latin typeface="Consolas" panose="020B0609020204030204" pitchFamily="49" charset="0"/>
+                <a:cs typeface="Consolas" panose="020B0609020204030204" pitchFamily="49" charset="0"/>
+              </a:rPr>
+              <a:t>(</a:t>
+            </a:r>
+            <a:r>
+              <a:rPr lang="pl-PL" sz="4400" dirty="0">
+                <a:solidFill>
+                  <a:srgbClr val="C00000"/>
+                </a:solidFill>
+                <a:latin typeface="Consolas" panose="020B0609020204030204" pitchFamily="49" charset="0"/>
+                <a:cs typeface="Consolas" panose="020B0609020204030204" pitchFamily="49" charset="0"/>
+              </a:rPr>
+              <a:t>”</a:t>
+            </a:r>
+            <a:r>
+              <a:rPr lang="pl-PL" sz="4400" dirty="0" err="1">
+                <a:solidFill>
+                  <a:srgbClr val="C00000"/>
+                </a:solidFill>
+                <a:latin typeface="Consolas" panose="020B0609020204030204" pitchFamily="49" charset="0"/>
+                <a:cs typeface="Consolas" panose="020B0609020204030204" pitchFamily="49" charset="0"/>
+              </a:rPr>
+              <a:t>thanks</a:t>
+            </a:r>
+            <a:r>
+              <a:rPr lang="pl-PL" sz="4400" dirty="0">
+                <a:solidFill>
+                  <a:srgbClr val="C00000"/>
+                </a:solidFill>
+                <a:latin typeface="Consolas" panose="020B0609020204030204" pitchFamily="49" charset="0"/>
+                <a:cs typeface="Consolas" panose="020B0609020204030204" pitchFamily="49" charset="0"/>
+              </a:rPr>
+              <a:t>, </a:t>
+            </a:r>
+            <a:r>
+              <a:rPr lang="pl-PL" sz="4400" dirty="0" err="1">
+                <a:solidFill>
+                  <a:srgbClr val="C00000"/>
+                </a:solidFill>
+                <a:latin typeface="Consolas" panose="020B0609020204030204" pitchFamily="49" charset="0"/>
+                <a:cs typeface="Consolas" panose="020B0609020204030204" pitchFamily="49" charset="0"/>
+              </a:rPr>
+              <a:t>bye</a:t>
+            </a:r>
+            <a:r>
+              <a:rPr lang="pl-PL" sz="4400" dirty="0">
+                <a:solidFill>
+                  <a:srgbClr val="C00000"/>
+                </a:solidFill>
+                <a:latin typeface="Consolas" panose="020B0609020204030204" pitchFamily="49" charset="0"/>
+                <a:cs typeface="Consolas" panose="020B0609020204030204" pitchFamily="49" charset="0"/>
+              </a:rPr>
+              <a:t>”</a:t>
+            </a:r>
+            <a:r>
+              <a:rPr lang="pl-PL" sz="4400" dirty="0">
+                <a:latin typeface="Consolas" panose="020B0609020204030204" pitchFamily="49" charset="0"/>
+                <a:cs typeface="Consolas" panose="020B0609020204030204" pitchFamily="49" charset="0"/>
+              </a:rPr>
+              <a:t>);</a:t>
+            </a:r>
+          </a:p>
+          <a:p>
+            <a:r>
+              <a:rPr lang="pl-PL" sz="4400" dirty="0">
+                <a:latin typeface="Consolas" panose="020B0609020204030204" pitchFamily="49" charset="0"/>
+                <a:cs typeface="Consolas" panose="020B0609020204030204" pitchFamily="49" charset="0"/>
+              </a:rPr>
+              <a:t>	}</a:t>
+            </a:r>
+          </a:p>
+          <a:p>
+            <a:r>
+              <a:rPr lang="pl-PL" sz="4400" dirty="0">
+                <a:latin typeface="Consolas" panose="020B0609020204030204" pitchFamily="49" charset="0"/>
+                <a:cs typeface="Consolas" panose="020B0609020204030204" pitchFamily="49" charset="0"/>
+              </a:rPr>
+              <a:t>} </a:t>
+            </a:r>
+          </a:p>
+        </p:txBody>
+      </p:sp>
+    </p:spTree>
+    <p:extLst>
+      <p:ext uri="{BB962C8B-B14F-4D97-AF65-F5344CB8AC3E}">
+        <p14:creationId xmlns:p14="http://schemas.microsoft.com/office/powerpoint/2010/main" val="3069652384"/>
       </p:ext>
     </p:extLst>
   </p:cSld>
